--- a/designs_mockups/Boonbuy Network app.pptx
+++ b/designs_mockups/Boonbuy Network app.pptx
@@ -5,19 +5,22 @@
     <p:sldMasterId id="2147483648" r:id="rId1"/>
   </p:sldMasterIdLst>
   <p:notesMasterIdLst>
-    <p:notesMasterId r:id="rId12"/>
+    <p:notesMasterId r:id="rId15"/>
   </p:notesMasterIdLst>
   <p:sldIdLst>
     <p:sldId id="256" r:id="rId2"/>
     <p:sldId id="257" r:id="rId3"/>
     <p:sldId id="259" r:id="rId4"/>
     <p:sldId id="258" r:id="rId5"/>
-    <p:sldId id="266" r:id="rId6"/>
-    <p:sldId id="260" r:id="rId7"/>
-    <p:sldId id="262" r:id="rId8"/>
-    <p:sldId id="263" r:id="rId9"/>
-    <p:sldId id="264" r:id="rId10"/>
-    <p:sldId id="265" r:id="rId11"/>
+    <p:sldId id="260" r:id="rId6"/>
+    <p:sldId id="262" r:id="rId7"/>
+    <p:sldId id="263" r:id="rId8"/>
+    <p:sldId id="264" r:id="rId9"/>
+    <p:sldId id="265" r:id="rId10"/>
+    <p:sldId id="268" r:id="rId11"/>
+    <p:sldId id="266" r:id="rId12"/>
+    <p:sldId id="269" r:id="rId13"/>
+    <p:sldId id="267" r:id="rId14"/>
   </p:sldIdLst>
   <p:sldSz cx="9144000" cy="6858000" type="screen4x3"/>
   <p:notesSz cx="6858000" cy="9144000"/>
@@ -201,8 +204,7 @@
           <a:p>
             <a:fld id="{23B36396-AD55-436C-ADE6-57701CC1ADAD}" type="datetimeFigureOut">
               <a:rPr lang="en-US" smtClean="0"/>
-              <a:pPr/>
-              <a:t>10/25/16</a:t>
+              <a:t>10/30/2016</a:t>
             </a:fld>
             <a:endParaRPr lang="en-GB"/>
           </a:p>
@@ -363,7 +365,6 @@
           <a:p>
             <a:fld id="{7F2A3D12-3E91-4B86-B808-ADA454CE9CEF}" type="slidenum">
               <a:rPr lang="en-GB" smtClean="0"/>
-              <a:pPr/>
               <a:t>‹#›</a:t>
             </a:fld>
             <a:endParaRPr lang="en-GB"/>
@@ -523,19 +524,15 @@
             </a:r>
             <a:r>
               <a:rPr lang="en-US" baseline="0" dirty="0" smtClean="0"/>
-              <a:t> app should be data base driving and should </a:t>
-            </a:r>
-            <a:r>
-              <a:rPr lang="en-US" baseline="0" smtClean="0"/>
-              <a:t>be </a:t>
-            </a:r>
-            <a:r>
-              <a:rPr lang="en-US" baseline="0" smtClean="0"/>
-              <a:t>synchronize </a:t>
+              <a:t> app should be data base driving and should be </a:t>
+            </a:r>
+            <a:r>
+              <a:rPr lang="en-US" baseline="0" dirty="0" err="1" smtClean="0"/>
+              <a:t>sycronice</a:t>
             </a:r>
             <a:r>
               <a:rPr lang="en-US" baseline="0" dirty="0" smtClean="0"/>
-              <a:t>with the website so user can also login on the website.</a:t>
+              <a:t> with the website so user can also login on the website.</a:t>
             </a:r>
             <a:endParaRPr lang="en-US" dirty="0"/>
           </a:p>
@@ -558,7 +555,6 @@
           <a:p>
             <a:fld id="{7F2A3D12-3E91-4B86-B808-ADA454CE9CEF}" type="slidenum">
               <a:rPr lang="en-GB" smtClean="0"/>
-              <a:pPr/>
               <a:t>2</a:t>
             </a:fld>
             <a:endParaRPr lang="en-GB"/>
@@ -643,7 +639,6 @@
           <a:p>
             <a:fld id="{7F2A3D12-3E91-4B86-B808-ADA454CE9CEF}" type="slidenum">
               <a:rPr lang="en-GB" smtClean="0"/>
-              <a:pPr/>
               <a:t>3</a:t>
             </a:fld>
             <a:endParaRPr lang="en-GB"/>
@@ -736,7 +731,6 @@
           <a:p>
             <a:fld id="{7F2A3D12-3E91-4B86-B808-ADA454CE9CEF}" type="slidenum">
               <a:rPr lang="en-GB" smtClean="0"/>
-              <a:pPr/>
               <a:t>4</a:t>
             </a:fld>
             <a:endParaRPr lang="en-GB"/>
@@ -797,18 +791,188 @@
         </p:nvSpPr>
         <p:spPr/>
         <p:txBody>
-          <a:bodyPr/>
-          <a:lstStyle/>
-          <a:p>
-            <a:r>
-              <a:rPr lang="en-US" dirty="0" smtClean="0"/>
-              <a:t>My Investment: When user click on</a:t>
-            </a:r>
-            <a:r>
-              <a:rPr lang="en-US" baseline="0" dirty="0" smtClean="0"/>
-              <a:t> my investment should always ask for PIN to verify the owner</a:t>
-            </a:r>
-            <a:endParaRPr lang="en-US" dirty="0"/>
+          <a:bodyPr>
+            <a:normAutofit lnSpcReduction="10000"/>
+          </a:bodyPr>
+          <a:lstStyle/>
+          <a:p>
+            <a:r>
+              <a:rPr lang="en-GB" dirty="0" smtClean="0"/>
+              <a:t>3% should be paid to investor daily</a:t>
+            </a:r>
+          </a:p>
+          <a:p>
+            <a:r>
+              <a:rPr lang="en-GB" dirty="0" smtClean="0"/>
+              <a:t>And all investment will be valid for 90 days</a:t>
+            </a:r>
+          </a:p>
+          <a:p>
+            <a:r>
+              <a:rPr lang="en-GB" dirty="0" smtClean="0"/>
+              <a:t>Investor can invest at different times but will be valid for 90days,</a:t>
+            </a:r>
+            <a:r>
+              <a:rPr lang="en-GB" baseline="0" dirty="0" smtClean="0"/>
+              <a:t> and should pay investor every 24 hours for 90days of investment</a:t>
+            </a:r>
+            <a:endParaRPr lang="en-GB" dirty="0" smtClean="0"/>
+          </a:p>
+          <a:p>
+            <a:endParaRPr lang="en-GB" dirty="0" smtClean="0"/>
+          </a:p>
+          <a:p>
+            <a:r>
+              <a:rPr lang="en-GB" dirty="0" smtClean="0"/>
+              <a:t>Deposit: When user click on deposit the system should tell them to enter amount between N20,000, N50,000, N100,000, N200,000 </a:t>
+            </a:r>
+          </a:p>
+          <a:p>
+            <a:r>
+              <a:rPr lang="en-GB" dirty="0" smtClean="0"/>
+              <a:t>             pay into the company bank account. Bank details are</a:t>
+            </a:r>
+          </a:p>
+          <a:p>
+            <a:r>
+              <a:rPr lang="en-GB" dirty="0" smtClean="0"/>
+              <a:t>             Bank: </a:t>
+            </a:r>
+            <a:r>
+              <a:rPr lang="en-GB" dirty="0" err="1" smtClean="0"/>
+              <a:t>Gtbank</a:t>
+            </a:r>
+            <a:endParaRPr lang="en-GB" dirty="0" smtClean="0"/>
+          </a:p>
+          <a:p>
+            <a:r>
+              <a:rPr lang="en-GB" dirty="0" smtClean="0"/>
+              <a:t>             NO:0129580930</a:t>
+            </a:r>
+          </a:p>
+          <a:p>
+            <a:r>
+              <a:rPr lang="en-GB" dirty="0" smtClean="0"/>
+              <a:t>             Name:</a:t>
+            </a:r>
+            <a:r>
+              <a:rPr lang="en-GB" baseline="0" dirty="0" smtClean="0"/>
+              <a:t> </a:t>
+            </a:r>
+            <a:r>
+              <a:rPr lang="en-GB" baseline="0" dirty="0" err="1" smtClean="0"/>
+              <a:t>Boonbuy</a:t>
+            </a:r>
+            <a:r>
+              <a:rPr lang="en-GB" baseline="0" dirty="0" smtClean="0"/>
+              <a:t> Network</a:t>
+            </a:r>
+          </a:p>
+          <a:p>
+            <a:r>
+              <a:rPr lang="en-GB" baseline="0" dirty="0" smtClean="0"/>
+              <a:t>Note: User can invest different times and they will be paid different within 24 hours of all their investment</a:t>
+            </a:r>
+            <a:endParaRPr lang="en-GB" dirty="0" smtClean="0"/>
+          </a:p>
+          <a:p>
+            <a:endParaRPr lang="en-GB" dirty="0" smtClean="0"/>
+          </a:p>
+          <a:p>
+            <a:r>
+              <a:rPr lang="en-GB" dirty="0" smtClean="0"/>
+              <a:t>Withdraw: Min to withdraw is 1200</a:t>
+            </a:r>
+            <a:r>
+              <a:rPr lang="en-GB" baseline="0" dirty="0" smtClean="0"/>
+              <a:t> and withdraw fee is 200.</a:t>
+            </a:r>
+          </a:p>
+          <a:p>
+            <a:r>
+              <a:rPr lang="en-GB" baseline="0" dirty="0" smtClean="0"/>
+              <a:t>                this should automatically send all withdraw details to an email, and withdrawer will be process will take between 15min to 2hours.</a:t>
+            </a:r>
+          </a:p>
+          <a:p>
+            <a:endParaRPr lang="en-GB" dirty="0" smtClean="0"/>
+          </a:p>
+          <a:p>
+            <a:endParaRPr lang="en-GB" dirty="0" smtClean="0"/>
+          </a:p>
+          <a:p>
+            <a:r>
+              <a:rPr lang="en-GB" dirty="0" smtClean="0"/>
+              <a:t>My balance: Should always tell investor their balance</a:t>
+            </a:r>
+          </a:p>
+          <a:p>
+            <a:endParaRPr lang="en-GB" dirty="0" smtClean="0"/>
+          </a:p>
+          <a:p>
+            <a:r>
+              <a:rPr lang="en-GB" dirty="0" smtClean="0"/>
+              <a:t>All transactions: This should show Total investment</a:t>
+            </a:r>
+          </a:p>
+          <a:p>
+            <a:r>
+              <a:rPr lang="en-GB" dirty="0" smtClean="0"/>
+              <a:t>                        Amount</a:t>
+            </a:r>
+            <a:r>
+              <a:rPr lang="en-GB" baseline="0" dirty="0" smtClean="0"/>
+              <a:t> withdraw</a:t>
+            </a:r>
+          </a:p>
+          <a:p>
+            <a:r>
+              <a:rPr lang="en-GB" baseline="0" dirty="0" smtClean="0"/>
+              <a:t>                        Time &amp; Date of all investment</a:t>
+            </a:r>
+            <a:endParaRPr lang="en-GB" dirty="0" smtClean="0"/>
+          </a:p>
+          <a:p>
+            <a:endParaRPr lang="en-GB" dirty="0" smtClean="0"/>
+          </a:p>
+          <a:p>
+            <a:r>
+              <a:rPr lang="en-GB" dirty="0" smtClean="0"/>
+              <a:t>Reinvest: Investor should be able</a:t>
+            </a:r>
+            <a:r>
+              <a:rPr lang="en-GB" baseline="0" dirty="0" smtClean="0"/>
+              <a:t> to reinvest all their balance, should automatically take their credit. Maximum reinvest N500,000</a:t>
+            </a:r>
+            <a:endParaRPr lang="en-GB" dirty="0" smtClean="0"/>
+          </a:p>
+          <a:p>
+            <a:endParaRPr lang="en-GB" dirty="0" smtClean="0"/>
+          </a:p>
+          <a:p>
+            <a:r>
+              <a:rPr lang="en-GB" dirty="0" smtClean="0"/>
+              <a:t>My</a:t>
+            </a:r>
+            <a:r>
+              <a:rPr lang="en-GB" baseline="0" dirty="0" smtClean="0"/>
+              <a:t> referral number: user should able to send their phone to others </a:t>
+            </a:r>
+          </a:p>
+          <a:p>
+            <a:endParaRPr lang="en-GB" baseline="0" dirty="0" smtClean="0"/>
+          </a:p>
+          <a:p>
+            <a:r>
+              <a:rPr lang="en-GB" baseline="0" dirty="0" smtClean="0"/>
+              <a:t>Add bank: Investor should able to  add their bank details where their withdrawer will be paid</a:t>
+            </a:r>
+          </a:p>
+          <a:p>
+            <a:endParaRPr lang="en-GB" baseline="0" dirty="0" smtClean="0"/>
+          </a:p>
+          <a:p>
+            <a:endParaRPr lang="en-GB" baseline="0" dirty="0" smtClean="0"/>
           </a:p>
         </p:txBody>
       </p:sp>
@@ -829,7 +993,6 @@
           <a:p>
             <a:fld id="{7F2A3D12-3E91-4B86-B808-ADA454CE9CEF}" type="slidenum">
               <a:rPr lang="en-GB" smtClean="0"/>
-              <a:pPr/>
               <a:t>5</a:t>
             </a:fld>
             <a:endParaRPr lang="en-GB"/>
@@ -837,11 +1000,6 @@
         </p:txBody>
       </p:sp>
     </p:spTree>
-    <p:extLst>
-      <p:ext uri="{BB962C8B-B14F-4D97-AF65-F5344CB8AC3E}">
-        <p14:creationId xmlns:p14="http://schemas.microsoft.com/office/powerpoint/2010/main" val="66973888"/>
-      </p:ext>
-    </p:extLst>
   </p:cSld>
   <p:clrMapOvr>
     <a:masterClrMapping/>
@@ -1092,8 +1250,283 @@
           <a:p>
             <a:fld id="{7F2A3D12-3E91-4B86-B808-ADA454CE9CEF}" type="slidenum">
               <a:rPr lang="en-GB" smtClean="0"/>
-              <a:pPr/>
-              <a:t>6</a:t>
+              <a:t>11</a:t>
+            </a:fld>
+            <a:endParaRPr lang="en-GB"/>
+          </a:p>
+        </p:txBody>
+      </p:sp>
+    </p:spTree>
+  </p:cSld>
+  <p:clrMapOvr>
+    <a:masterClrMapping/>
+  </p:clrMapOvr>
+</p:notes>
+</file>
+
+<file path=ppt/notesSlides/notesSlide6.xml><?xml version="1.0" encoding="utf-8"?>
+<p:notes xmlns:a="http://schemas.openxmlformats.org/drawingml/2006/main" xmlns:r="http://schemas.openxmlformats.org/officeDocument/2006/relationships" xmlns:p="http://schemas.openxmlformats.org/presentationml/2006/main">
+  <p:cSld>
+    <p:spTree>
+      <p:nvGrpSpPr>
+        <p:cNvPr id="1" name=""/>
+        <p:cNvGrpSpPr/>
+        <p:nvPr/>
+      </p:nvGrpSpPr>
+      <p:grpSpPr>
+        <a:xfrm>
+          <a:off x="0" y="0"/>
+          <a:ext cx="0" cy="0"/>
+          <a:chOff x="0" y="0"/>
+          <a:chExt cx="0" cy="0"/>
+        </a:xfrm>
+      </p:grpSpPr>
+      <p:sp>
+        <p:nvSpPr>
+          <p:cNvPr id="2" name="Slide Image Placeholder 1"/>
+          <p:cNvSpPr>
+            <a:spLocks noGrp="1" noRot="1" noChangeAspect="1"/>
+          </p:cNvSpPr>
+          <p:nvPr>
+            <p:ph type="sldImg"/>
+          </p:nvPr>
+        </p:nvSpPr>
+        <p:spPr/>
+      </p:sp>
+      <p:sp>
+        <p:nvSpPr>
+          <p:cNvPr id="3" name="Notes Placeholder 2"/>
+          <p:cNvSpPr>
+            <a:spLocks noGrp="1"/>
+          </p:cNvSpPr>
+          <p:nvPr>
+            <p:ph type="body" idx="1"/>
+          </p:nvPr>
+        </p:nvSpPr>
+        <p:spPr/>
+        <p:txBody>
+          <a:bodyPr>
+            <a:normAutofit lnSpcReduction="10000"/>
+          </a:bodyPr>
+          <a:lstStyle/>
+          <a:p>
+            <a:r>
+              <a:rPr lang="en-GB" dirty="0" smtClean="0"/>
+              <a:t>When user click on sell meaning they want to sell</a:t>
+            </a:r>
+            <a:r>
+              <a:rPr lang="en-GB" baseline="0" dirty="0" smtClean="0"/>
+              <a:t> money in their wallet, after putting the amount the system should take their BBN coin to the market place, so new member and member that want to buy more can</a:t>
+            </a:r>
+          </a:p>
+        </p:txBody>
+      </p:sp>
+      <p:sp>
+        <p:nvSpPr>
+          <p:cNvPr id="4" name="Slide Number Placeholder 3"/>
+          <p:cNvSpPr>
+            <a:spLocks noGrp="1"/>
+          </p:cNvSpPr>
+          <p:nvPr>
+            <p:ph type="sldNum" sz="quarter" idx="10"/>
+          </p:nvPr>
+        </p:nvSpPr>
+        <p:spPr/>
+        <p:txBody>
+          <a:bodyPr/>
+          <a:lstStyle/>
+          <a:p>
+            <a:fld id="{7F2A3D12-3E91-4B86-B808-ADA454CE9CEF}" type="slidenum">
+              <a:rPr lang="en-GB" smtClean="0"/>
+              <a:t>12</a:t>
+            </a:fld>
+            <a:endParaRPr lang="en-GB"/>
+          </a:p>
+        </p:txBody>
+      </p:sp>
+    </p:spTree>
+  </p:cSld>
+  <p:clrMapOvr>
+    <a:masterClrMapping/>
+  </p:clrMapOvr>
+</p:notes>
+</file>
+
+<file path=ppt/notesSlides/notesSlide7.xml><?xml version="1.0" encoding="utf-8"?>
+<p:notes xmlns:a="http://schemas.openxmlformats.org/drawingml/2006/main" xmlns:r="http://schemas.openxmlformats.org/officeDocument/2006/relationships" xmlns:p="http://schemas.openxmlformats.org/presentationml/2006/main">
+  <p:cSld>
+    <p:spTree>
+      <p:nvGrpSpPr>
+        <p:cNvPr id="1" name=""/>
+        <p:cNvGrpSpPr/>
+        <p:nvPr/>
+      </p:nvGrpSpPr>
+      <p:grpSpPr>
+        <a:xfrm>
+          <a:off x="0" y="0"/>
+          <a:ext cx="0" cy="0"/>
+          <a:chOff x="0" y="0"/>
+          <a:chExt cx="0" cy="0"/>
+        </a:xfrm>
+      </p:grpSpPr>
+      <p:sp>
+        <p:nvSpPr>
+          <p:cNvPr id="2" name="Slide Image Placeholder 1"/>
+          <p:cNvSpPr>
+            <a:spLocks noGrp="1" noRot="1" noChangeAspect="1"/>
+          </p:cNvSpPr>
+          <p:nvPr>
+            <p:ph type="sldImg"/>
+          </p:nvPr>
+        </p:nvSpPr>
+        <p:spPr/>
+      </p:sp>
+      <p:sp>
+        <p:nvSpPr>
+          <p:cNvPr id="3" name="Notes Placeholder 2"/>
+          <p:cNvSpPr>
+            <a:spLocks noGrp="1"/>
+          </p:cNvSpPr>
+          <p:nvPr>
+            <p:ph type="body" idx="1"/>
+          </p:nvPr>
+        </p:nvSpPr>
+        <p:spPr/>
+        <p:txBody>
+          <a:bodyPr>
+            <a:normAutofit lnSpcReduction="10000"/>
+          </a:bodyPr>
+          <a:lstStyle/>
+          <a:p>
+            <a:r>
+              <a:rPr lang="en-GB" baseline="0" dirty="0" smtClean="0"/>
+              <a:t>This place will display to anyone that click on buy meaning they want to put money in their wallet. This list is showing all the sellers that need money in their bank account and buyers can pick the amount they want to buy, when the buy click on next it should automatically send sellers details to the buyer base on amount of people select.</a:t>
+            </a:r>
+          </a:p>
+          <a:p>
+            <a:endParaRPr lang="en-GB" baseline="0" dirty="0" smtClean="0"/>
+          </a:p>
+          <a:p>
+            <a:r>
+              <a:rPr lang="en-GB" baseline="0" dirty="0" smtClean="0"/>
+              <a:t>Full name of seller:</a:t>
+            </a:r>
+          </a:p>
+          <a:p>
+            <a:r>
+              <a:rPr lang="en-GB" baseline="0" dirty="0" smtClean="0"/>
+              <a:t>Phone no:</a:t>
+            </a:r>
+          </a:p>
+          <a:p>
+            <a:r>
+              <a:rPr lang="en-GB" baseline="0" dirty="0" smtClean="0"/>
+              <a:t>Bank name:</a:t>
+            </a:r>
+          </a:p>
+          <a:p>
+            <a:r>
+              <a:rPr lang="en-GB" baseline="0" dirty="0" smtClean="0"/>
+              <a:t>Account no:</a:t>
+            </a:r>
+          </a:p>
+          <a:p>
+            <a:endParaRPr lang="en-GB" baseline="0" dirty="0" smtClean="0"/>
+          </a:p>
+          <a:p>
+            <a:r>
+              <a:rPr lang="en-GB" baseline="0" dirty="0" smtClean="0"/>
+              <a:t>All the following details will sent to the buyers message box and email address.</a:t>
+            </a:r>
+          </a:p>
+          <a:p>
+            <a:endParaRPr lang="en-GB" baseline="0" dirty="0" smtClean="0"/>
+          </a:p>
+          <a:p>
+            <a:r>
+              <a:rPr lang="en-GB" baseline="0" dirty="0" smtClean="0"/>
+              <a:t>After buyer has already send money to the selected seller using the local bank, he should come back to his account to send a message to the seller for approval.</a:t>
+            </a:r>
+          </a:p>
+          <a:p>
+            <a:endParaRPr lang="en-GB" baseline="0" dirty="0" smtClean="0"/>
+          </a:p>
+          <a:p>
+            <a:endParaRPr lang="en-GB" baseline="0" dirty="0" smtClean="0"/>
+          </a:p>
+          <a:p>
+            <a:r>
+              <a:rPr lang="en-GB" baseline="0" dirty="0" smtClean="0"/>
+              <a:t>After approval from the seller the buyers account should be automatically credited.</a:t>
+            </a:r>
+          </a:p>
+          <a:p>
+            <a:r>
+              <a:rPr lang="en-GB" baseline="0" dirty="0" smtClean="0"/>
+              <a:t>When a buyer select a seller after clicking on go the seller should disappear from the marketplace list, and a warning should be given to buyer if his sure he of she want to buy BBN coin or not.</a:t>
+            </a:r>
+          </a:p>
+          <a:p>
+            <a:endParaRPr lang="en-GB" baseline="0" dirty="0" smtClean="0"/>
+          </a:p>
+          <a:p>
+            <a:r>
+              <a:rPr lang="en-GB" baseline="0" dirty="0" smtClean="0"/>
+              <a:t>Buyer will be </a:t>
+            </a:r>
+            <a:r>
+              <a:rPr lang="en-GB" baseline="0" smtClean="0"/>
+              <a:t>given 6hrs </a:t>
+            </a:r>
+            <a:r>
+              <a:rPr lang="en-GB" baseline="0" dirty="0" smtClean="0"/>
+              <a:t>to credit the seller account, if buyer didn’t pay within 6hrs seller should automatically show back on the market place list.</a:t>
+            </a:r>
+          </a:p>
+          <a:p>
+            <a:endParaRPr lang="en-GB" baseline="0" dirty="0" smtClean="0"/>
+          </a:p>
+          <a:p>
+            <a:endParaRPr lang="en-GB" baseline="0" dirty="0" smtClean="0"/>
+          </a:p>
+          <a:p>
+            <a:endParaRPr lang="en-GB" baseline="0" dirty="0" smtClean="0"/>
+          </a:p>
+          <a:p>
+            <a:endParaRPr lang="en-GB" baseline="0" dirty="0" smtClean="0"/>
+          </a:p>
+          <a:p>
+            <a:endParaRPr lang="en-GB" baseline="0" dirty="0" smtClean="0"/>
+          </a:p>
+          <a:p>
+            <a:endParaRPr lang="en-GB" baseline="0" dirty="0" smtClean="0"/>
+          </a:p>
+          <a:p>
+            <a:endParaRPr lang="en-GB" baseline="0" dirty="0" smtClean="0"/>
+          </a:p>
+          <a:p>
+            <a:endParaRPr lang="en-GB" baseline="0" dirty="0" smtClean="0"/>
+          </a:p>
+        </p:txBody>
+      </p:sp>
+      <p:sp>
+        <p:nvSpPr>
+          <p:cNvPr id="4" name="Slide Number Placeholder 3"/>
+          <p:cNvSpPr>
+            <a:spLocks noGrp="1"/>
+          </p:cNvSpPr>
+          <p:nvPr>
+            <p:ph type="sldNum" sz="quarter" idx="10"/>
+          </p:nvPr>
+        </p:nvSpPr>
+        <p:spPr/>
+        <p:txBody>
+          <a:bodyPr/>
+          <a:lstStyle/>
+          <a:p>
+            <a:fld id="{7F2A3D12-3E91-4B86-B808-ADA454CE9CEF}" type="slidenum">
+              <a:rPr lang="en-GB" smtClean="0"/>
+              <a:t>13</a:t>
             </a:fld>
             <a:endParaRPr lang="en-GB"/>
           </a:p>
@@ -1288,8 +1721,7 @@
           <a:p>
             <a:fld id="{279D69B7-9B33-40AD-9594-8A3ECAE499F6}" type="datetimeFigureOut">
               <a:rPr lang="en-US" smtClean="0"/>
-              <a:pPr/>
-              <a:t>10/25/16</a:t>
+              <a:t>10/30/2016</a:t>
             </a:fld>
             <a:endParaRPr lang="en-GB"/>
           </a:p>
@@ -1331,7 +1763,6 @@
           <a:p>
             <a:fld id="{19ED9A74-2C8C-4892-A83B-63D6F7722366}" type="slidenum">
               <a:rPr lang="en-GB" smtClean="0"/>
-              <a:pPr/>
               <a:t>‹#›</a:t>
             </a:fld>
             <a:endParaRPr lang="en-GB"/>
@@ -1455,8 +1886,7 @@
           <a:p>
             <a:fld id="{279D69B7-9B33-40AD-9594-8A3ECAE499F6}" type="datetimeFigureOut">
               <a:rPr lang="en-US" smtClean="0"/>
-              <a:pPr/>
-              <a:t>10/25/16</a:t>
+              <a:t>10/30/2016</a:t>
             </a:fld>
             <a:endParaRPr lang="en-GB"/>
           </a:p>
@@ -1498,7 +1928,6 @@
           <a:p>
             <a:fld id="{19ED9A74-2C8C-4892-A83B-63D6F7722366}" type="slidenum">
               <a:rPr lang="en-GB" smtClean="0"/>
-              <a:pPr/>
               <a:t>‹#›</a:t>
             </a:fld>
             <a:endParaRPr lang="en-GB"/>
@@ -1632,8 +2061,7 @@
           <a:p>
             <a:fld id="{279D69B7-9B33-40AD-9594-8A3ECAE499F6}" type="datetimeFigureOut">
               <a:rPr lang="en-US" smtClean="0"/>
-              <a:pPr/>
-              <a:t>10/25/16</a:t>
+              <a:t>10/30/2016</a:t>
             </a:fld>
             <a:endParaRPr lang="en-GB"/>
           </a:p>
@@ -1675,7 +2103,6 @@
           <a:p>
             <a:fld id="{19ED9A74-2C8C-4892-A83B-63D6F7722366}" type="slidenum">
               <a:rPr lang="en-GB" smtClean="0"/>
-              <a:pPr/>
               <a:t>‹#›</a:t>
             </a:fld>
             <a:endParaRPr lang="en-GB"/>
@@ -1799,8 +2226,7 @@
           <a:p>
             <a:fld id="{279D69B7-9B33-40AD-9594-8A3ECAE499F6}" type="datetimeFigureOut">
               <a:rPr lang="en-US" smtClean="0"/>
-              <a:pPr/>
-              <a:t>10/25/16</a:t>
+              <a:t>10/30/2016</a:t>
             </a:fld>
             <a:endParaRPr lang="en-GB"/>
           </a:p>
@@ -1842,7 +2268,6 @@
           <a:p>
             <a:fld id="{19ED9A74-2C8C-4892-A83B-63D6F7722366}" type="slidenum">
               <a:rPr lang="en-GB" smtClean="0"/>
-              <a:pPr/>
               <a:t>‹#›</a:t>
             </a:fld>
             <a:endParaRPr lang="en-GB"/>
@@ -2042,8 +2467,7 @@
           <a:p>
             <a:fld id="{279D69B7-9B33-40AD-9594-8A3ECAE499F6}" type="datetimeFigureOut">
               <a:rPr lang="en-US" smtClean="0"/>
-              <a:pPr/>
-              <a:t>10/25/16</a:t>
+              <a:t>10/30/2016</a:t>
             </a:fld>
             <a:endParaRPr lang="en-GB"/>
           </a:p>
@@ -2085,7 +2509,6 @@
           <a:p>
             <a:fld id="{19ED9A74-2C8C-4892-A83B-63D6F7722366}" type="slidenum">
               <a:rPr lang="en-GB" smtClean="0"/>
-              <a:pPr/>
               <a:t>‹#›</a:t>
             </a:fld>
             <a:endParaRPr lang="en-GB"/>
@@ -2327,8 +2750,7 @@
           <a:p>
             <a:fld id="{279D69B7-9B33-40AD-9594-8A3ECAE499F6}" type="datetimeFigureOut">
               <a:rPr lang="en-US" smtClean="0"/>
-              <a:pPr/>
-              <a:t>10/25/16</a:t>
+              <a:t>10/30/2016</a:t>
             </a:fld>
             <a:endParaRPr lang="en-GB"/>
           </a:p>
@@ -2370,7 +2792,6 @@
           <a:p>
             <a:fld id="{19ED9A74-2C8C-4892-A83B-63D6F7722366}" type="slidenum">
               <a:rPr lang="en-GB" smtClean="0"/>
-              <a:pPr/>
               <a:t>‹#›</a:t>
             </a:fld>
             <a:endParaRPr lang="en-GB"/>
@@ -2746,8 +3167,7 @@
           <a:p>
             <a:fld id="{279D69B7-9B33-40AD-9594-8A3ECAE499F6}" type="datetimeFigureOut">
               <a:rPr lang="en-US" smtClean="0"/>
-              <a:pPr/>
-              <a:t>10/25/16</a:t>
+              <a:t>10/30/2016</a:t>
             </a:fld>
             <a:endParaRPr lang="en-GB"/>
           </a:p>
@@ -2789,7 +3209,6 @@
           <a:p>
             <a:fld id="{19ED9A74-2C8C-4892-A83B-63D6F7722366}" type="slidenum">
               <a:rPr lang="en-GB" smtClean="0"/>
-              <a:pPr/>
               <a:t>‹#›</a:t>
             </a:fld>
             <a:endParaRPr lang="en-GB"/>
@@ -2861,8 +3280,7 @@
           <a:p>
             <a:fld id="{279D69B7-9B33-40AD-9594-8A3ECAE499F6}" type="datetimeFigureOut">
               <a:rPr lang="en-US" smtClean="0"/>
-              <a:pPr/>
-              <a:t>10/25/16</a:t>
+              <a:t>10/30/2016</a:t>
             </a:fld>
             <a:endParaRPr lang="en-GB"/>
           </a:p>
@@ -2904,7 +3322,6 @@
           <a:p>
             <a:fld id="{19ED9A74-2C8C-4892-A83B-63D6F7722366}" type="slidenum">
               <a:rPr lang="en-GB" smtClean="0"/>
-              <a:pPr/>
               <a:t>‹#›</a:t>
             </a:fld>
             <a:endParaRPr lang="en-GB"/>
@@ -2953,8 +3370,7 @@
           <a:p>
             <a:fld id="{279D69B7-9B33-40AD-9594-8A3ECAE499F6}" type="datetimeFigureOut">
               <a:rPr lang="en-US" smtClean="0"/>
-              <a:pPr/>
-              <a:t>10/25/16</a:t>
+              <a:t>10/30/2016</a:t>
             </a:fld>
             <a:endParaRPr lang="en-GB"/>
           </a:p>
@@ -2996,7 +3412,6 @@
           <a:p>
             <a:fld id="{19ED9A74-2C8C-4892-A83B-63D6F7722366}" type="slidenum">
               <a:rPr lang="en-GB" smtClean="0"/>
-              <a:pPr/>
               <a:t>‹#›</a:t>
             </a:fld>
             <a:endParaRPr lang="en-GB"/>
@@ -3227,8 +3642,7 @@
           <a:p>
             <a:fld id="{279D69B7-9B33-40AD-9594-8A3ECAE499F6}" type="datetimeFigureOut">
               <a:rPr lang="en-US" smtClean="0"/>
-              <a:pPr/>
-              <a:t>10/25/16</a:t>
+              <a:t>10/30/2016</a:t>
             </a:fld>
             <a:endParaRPr lang="en-GB"/>
           </a:p>
@@ -3270,7 +3684,6 @@
           <a:p>
             <a:fld id="{19ED9A74-2C8C-4892-A83B-63D6F7722366}" type="slidenum">
               <a:rPr lang="en-GB" smtClean="0"/>
-              <a:pPr/>
               <a:t>‹#›</a:t>
             </a:fld>
             <a:endParaRPr lang="en-GB"/>
@@ -3477,8 +3890,7 @@
           <a:p>
             <a:fld id="{279D69B7-9B33-40AD-9594-8A3ECAE499F6}" type="datetimeFigureOut">
               <a:rPr lang="en-US" smtClean="0"/>
-              <a:pPr/>
-              <a:t>10/25/16</a:t>
+              <a:t>10/30/2016</a:t>
             </a:fld>
             <a:endParaRPr lang="en-GB"/>
           </a:p>
@@ -3520,7 +3932,6 @@
           <a:p>
             <a:fld id="{19ED9A74-2C8C-4892-A83B-63D6F7722366}" type="slidenum">
               <a:rPr lang="en-GB" smtClean="0"/>
-              <a:pPr/>
               <a:t>‹#›</a:t>
             </a:fld>
             <a:endParaRPr lang="en-GB"/>
@@ -3687,8 +4098,7 @@
           <a:p>
             <a:fld id="{279D69B7-9B33-40AD-9594-8A3ECAE499F6}" type="datetimeFigureOut">
               <a:rPr lang="en-US" smtClean="0"/>
-              <a:pPr/>
-              <a:t>10/25/16</a:t>
+              <a:t>10/30/2016</a:t>
             </a:fld>
             <a:endParaRPr lang="en-GB"/>
           </a:p>
@@ -3766,7 +4176,6 @@
           <a:p>
             <a:fld id="{19ED9A74-2C8C-4892-A83B-63D6F7722366}" type="slidenum">
               <a:rPr lang="en-GB" smtClean="0"/>
-              <a:pPr/>
               <a:t>‹#›</a:t>
             </a:fld>
             <a:endParaRPr lang="en-GB"/>
@@ -4113,14 +4522,72 @@
       </p:grpSpPr>
       <p:sp>
         <p:nvSpPr>
-          <p:cNvPr id="10" name="Rectangle 9"/>
-          <p:cNvSpPr/>
-          <p:nvPr/>
-        </p:nvSpPr>
-        <p:spPr>
-          <a:xfrm>
-            <a:off x="4500562" y="1124744"/>
-            <a:ext cx="3455814" cy="5219534"/>
+          <p:cNvPr id="2" name="Title 1"/>
+          <p:cNvSpPr>
+            <a:spLocks noGrp="1"/>
+          </p:cNvSpPr>
+          <p:nvPr>
+            <p:ph type="title"/>
+          </p:nvPr>
+        </p:nvSpPr>
+        <p:spPr>
+          <a:xfrm>
+            <a:off x="467544" y="2276872"/>
+            <a:ext cx="8229600" cy="1143000"/>
+          </a:xfrm>
+        </p:spPr>
+        <p:txBody>
+          <a:bodyPr/>
+          <a:lstStyle/>
+          <a:p>
+            <a:r>
+              <a:rPr lang="en-US" dirty="0" smtClean="0"/>
+              <a:t>Update 10/28/16</a:t>
+            </a:r>
+            <a:endParaRPr lang="en-US" dirty="0"/>
+          </a:p>
+        </p:txBody>
+      </p:sp>
+    </p:spTree>
+    <p:extLst>
+      <p:ext uri="{BB962C8B-B14F-4D97-AF65-F5344CB8AC3E}">
+        <p14:creationId xmlns:p14="http://schemas.microsoft.com/office/powerpoint/2010/main" val="1327296946"/>
+      </p:ext>
+    </p:extLst>
+  </p:cSld>
+  <p:clrMapOvr>
+    <a:masterClrMapping/>
+  </p:clrMapOvr>
+</p:sld>
+</file>
+
+<file path=ppt/slides/slide11.xml><?xml version="1.0" encoding="utf-8"?>
+<p:sld xmlns:a="http://schemas.openxmlformats.org/drawingml/2006/main" xmlns:r="http://schemas.openxmlformats.org/officeDocument/2006/relationships" xmlns:p="http://schemas.openxmlformats.org/presentationml/2006/main">
+  <p:cSld>
+    <p:spTree>
+      <p:nvGrpSpPr>
+        <p:cNvPr id="1" name=""/>
+        <p:cNvGrpSpPr/>
+        <p:nvPr/>
+      </p:nvGrpSpPr>
+      <p:grpSpPr>
+        <a:xfrm>
+          <a:off x="0" y="0"/>
+          <a:ext cx="0" cy="0"/>
+          <a:chOff x="0" y="0"/>
+          <a:chExt cx="0" cy="0"/>
+        </a:xfrm>
+      </p:grpSpPr>
+      <p:sp>
+        <p:nvSpPr>
+          <p:cNvPr id="4" name="Rectangle 3"/>
+          <p:cNvSpPr/>
+          <p:nvPr/>
+        </p:nvSpPr>
+        <p:spPr>
+          <a:xfrm>
+            <a:off x="571472" y="1071546"/>
+            <a:ext cx="3357586" cy="5214974"/>
           </a:xfrm>
           <a:prstGeom prst="rect">
             <a:avLst/>
@@ -4153,30 +4620,886 @@
           <a:lstStyle/>
           <a:p>
             <a:pPr algn="ctr"/>
-            <a:endParaRPr lang="en-GB" dirty="0"/>
-          </a:p>
-        </p:txBody>
-      </p:sp>
-      <p:sp>
-        <p:nvSpPr>
-          <p:cNvPr id="15" name="Rectangle 14"/>
-          <p:cNvSpPr/>
-          <p:nvPr/>
-        </p:nvSpPr>
-        <p:spPr>
-          <a:xfrm>
-            <a:off x="5072066" y="1343618"/>
-            <a:ext cx="2596278" cy="571504"/>
-          </a:xfrm>
-          <a:prstGeom prst="rect">
-            <a:avLst/>
-          </a:prstGeom>
-          <a:solidFill>
-            <a:srgbClr val="EE930C"/>
+            <a:endParaRPr lang="en-GB"/>
+          </a:p>
+        </p:txBody>
+      </p:sp>
+      <p:sp>
+        <p:nvSpPr>
+          <p:cNvPr id="6" name="Rectangle 5"/>
+          <p:cNvSpPr/>
+          <p:nvPr/>
+        </p:nvSpPr>
+        <p:spPr>
+          <a:xfrm>
+            <a:off x="1142976" y="3286124"/>
+            <a:ext cx="2214578" cy="571504"/>
+          </a:xfrm>
+          <a:prstGeom prst="rect">
+            <a:avLst/>
+          </a:prstGeom>
+          <a:solidFill>
+            <a:schemeClr val="bg1"/>
           </a:solidFill>
           <a:ln>
             <a:noFill/>
           </a:ln>
+        </p:spPr>
+        <p:style>
+          <a:lnRef idx="2">
+            <a:schemeClr val="accent1">
+              <a:shade val="50000"/>
+            </a:schemeClr>
+          </a:lnRef>
+          <a:fillRef idx="1">
+            <a:schemeClr val="accent1"/>
+          </a:fillRef>
+          <a:effectRef idx="0">
+            <a:schemeClr val="accent1"/>
+          </a:effectRef>
+          <a:fontRef idx="minor">
+            <a:schemeClr val="lt1"/>
+          </a:fontRef>
+        </p:style>
+        <p:txBody>
+          <a:bodyPr rtlCol="0" anchor="ctr"/>
+          <a:lstStyle/>
+          <a:p>
+            <a:pPr algn="ctr"/>
+            <a:r>
+              <a:rPr lang="en-GB" dirty="0" smtClean="0">
+                <a:solidFill>
+                  <a:srgbClr val="EE930C"/>
+                </a:solidFill>
+              </a:rPr>
+              <a:t>Buy and Sell section</a:t>
+            </a:r>
+            <a:endParaRPr lang="en-GB" dirty="0">
+              <a:solidFill>
+                <a:srgbClr val="EE930C"/>
+              </a:solidFill>
+            </a:endParaRPr>
+          </a:p>
+        </p:txBody>
+      </p:sp>
+      <p:sp>
+        <p:nvSpPr>
+          <p:cNvPr id="8" name="Rectangle 7"/>
+          <p:cNvSpPr/>
+          <p:nvPr/>
+        </p:nvSpPr>
+        <p:spPr>
+          <a:xfrm>
+            <a:off x="4572000" y="1000108"/>
+            <a:ext cx="3357586" cy="5669252"/>
+          </a:xfrm>
+          <a:prstGeom prst="rect">
+            <a:avLst/>
+          </a:prstGeom>
+          <a:solidFill>
+            <a:srgbClr val="EE930C"/>
+          </a:solidFill>
+          <a:ln>
+            <a:noFill/>
+          </a:ln>
+        </p:spPr>
+        <p:style>
+          <a:lnRef idx="2">
+            <a:schemeClr val="accent1">
+              <a:shade val="50000"/>
+            </a:schemeClr>
+          </a:lnRef>
+          <a:fillRef idx="1">
+            <a:schemeClr val="accent1"/>
+          </a:fillRef>
+          <a:effectRef idx="0">
+            <a:schemeClr val="accent1"/>
+          </a:effectRef>
+          <a:fontRef idx="minor">
+            <a:schemeClr val="lt1"/>
+          </a:fontRef>
+        </p:style>
+        <p:txBody>
+          <a:bodyPr rtlCol="0" anchor="ctr"/>
+          <a:lstStyle/>
+          <a:p>
+            <a:pPr algn="ctr"/>
+            <a:endParaRPr lang="en-GB"/>
+          </a:p>
+        </p:txBody>
+      </p:sp>
+      <p:sp>
+        <p:nvSpPr>
+          <p:cNvPr id="12" name="TextBox 11"/>
+          <p:cNvSpPr txBox="1"/>
+          <p:nvPr/>
+        </p:nvSpPr>
+        <p:spPr>
+          <a:xfrm>
+            <a:off x="5929322" y="1071546"/>
+            <a:ext cx="642942" cy="369332"/>
+          </a:xfrm>
+          <a:prstGeom prst="rect">
+            <a:avLst/>
+          </a:prstGeom>
+          <a:noFill/>
+        </p:spPr>
+        <p:txBody>
+          <a:bodyPr wrap="square" rtlCol="0">
+            <a:spAutoFit/>
+          </a:bodyPr>
+          <a:lstStyle/>
+          <a:p>
+            <a:r>
+              <a:rPr lang="en-GB" dirty="0" smtClean="0">
+                <a:solidFill>
+                  <a:schemeClr val="bg1"/>
+                </a:solidFill>
+              </a:rPr>
+              <a:t>BBN</a:t>
+            </a:r>
+            <a:endParaRPr lang="en-GB" dirty="0">
+              <a:solidFill>
+                <a:schemeClr val="bg1"/>
+              </a:solidFill>
+            </a:endParaRPr>
+          </a:p>
+        </p:txBody>
+      </p:sp>
+      <p:sp>
+        <p:nvSpPr>
+          <p:cNvPr id="14" name="Rectangle 13"/>
+          <p:cNvSpPr/>
+          <p:nvPr/>
+        </p:nvSpPr>
+        <p:spPr>
+          <a:xfrm>
+            <a:off x="4714876" y="1142984"/>
+            <a:ext cx="357190" cy="71438"/>
+          </a:xfrm>
+          <a:prstGeom prst="rect">
+            <a:avLst/>
+          </a:prstGeom>
+          <a:solidFill>
+            <a:schemeClr val="bg1"/>
+          </a:solidFill>
+          <a:ln>
+            <a:noFill/>
+          </a:ln>
+        </p:spPr>
+        <p:style>
+          <a:lnRef idx="2">
+            <a:schemeClr val="accent1">
+              <a:shade val="50000"/>
+            </a:schemeClr>
+          </a:lnRef>
+          <a:fillRef idx="1">
+            <a:schemeClr val="accent1"/>
+          </a:fillRef>
+          <a:effectRef idx="0">
+            <a:schemeClr val="accent1"/>
+          </a:effectRef>
+          <a:fontRef idx="minor">
+            <a:schemeClr val="lt1"/>
+          </a:fontRef>
+        </p:style>
+        <p:txBody>
+          <a:bodyPr rtlCol="0" anchor="ctr"/>
+          <a:lstStyle/>
+          <a:p>
+            <a:pPr algn="ctr"/>
+            <a:endParaRPr lang="en-GB"/>
+          </a:p>
+        </p:txBody>
+      </p:sp>
+      <p:sp>
+        <p:nvSpPr>
+          <p:cNvPr id="15" name="Rectangle 14"/>
+          <p:cNvSpPr/>
+          <p:nvPr/>
+        </p:nvSpPr>
+        <p:spPr>
+          <a:xfrm>
+            <a:off x="4714876" y="1285860"/>
+            <a:ext cx="357190" cy="71438"/>
+          </a:xfrm>
+          <a:prstGeom prst="rect">
+            <a:avLst/>
+          </a:prstGeom>
+          <a:solidFill>
+            <a:schemeClr val="bg1"/>
+          </a:solidFill>
+          <a:ln>
+            <a:noFill/>
+          </a:ln>
+        </p:spPr>
+        <p:style>
+          <a:lnRef idx="2">
+            <a:schemeClr val="accent1">
+              <a:shade val="50000"/>
+            </a:schemeClr>
+          </a:lnRef>
+          <a:fillRef idx="1">
+            <a:schemeClr val="accent1"/>
+          </a:fillRef>
+          <a:effectRef idx="0">
+            <a:schemeClr val="accent1"/>
+          </a:effectRef>
+          <a:fontRef idx="minor">
+            <a:schemeClr val="lt1"/>
+          </a:fontRef>
+        </p:style>
+        <p:txBody>
+          <a:bodyPr rtlCol="0" anchor="ctr"/>
+          <a:lstStyle/>
+          <a:p>
+            <a:pPr algn="ctr"/>
+            <a:endParaRPr lang="en-GB"/>
+          </a:p>
+        </p:txBody>
+      </p:sp>
+      <p:sp>
+        <p:nvSpPr>
+          <p:cNvPr id="16" name="Rectangle 15"/>
+          <p:cNvSpPr/>
+          <p:nvPr/>
+        </p:nvSpPr>
+        <p:spPr>
+          <a:xfrm>
+            <a:off x="4714876" y="1428736"/>
+            <a:ext cx="357190" cy="71438"/>
+          </a:xfrm>
+          <a:prstGeom prst="rect">
+            <a:avLst/>
+          </a:prstGeom>
+          <a:solidFill>
+            <a:schemeClr val="bg1"/>
+          </a:solidFill>
+          <a:ln>
+            <a:noFill/>
+          </a:ln>
+        </p:spPr>
+        <p:style>
+          <a:lnRef idx="2">
+            <a:schemeClr val="accent1">
+              <a:shade val="50000"/>
+            </a:schemeClr>
+          </a:lnRef>
+          <a:fillRef idx="1">
+            <a:schemeClr val="accent1"/>
+          </a:fillRef>
+          <a:effectRef idx="0">
+            <a:schemeClr val="accent1"/>
+          </a:effectRef>
+          <a:fontRef idx="minor">
+            <a:schemeClr val="lt1"/>
+          </a:fontRef>
+        </p:style>
+        <p:txBody>
+          <a:bodyPr rtlCol="0" anchor="ctr"/>
+          <a:lstStyle/>
+          <a:p>
+            <a:pPr algn="ctr"/>
+            <a:endParaRPr lang="en-GB"/>
+          </a:p>
+        </p:txBody>
+      </p:sp>
+      <p:sp>
+        <p:nvSpPr>
+          <p:cNvPr id="23" name="Rectangle 22"/>
+          <p:cNvSpPr/>
+          <p:nvPr/>
+        </p:nvSpPr>
+        <p:spPr>
+          <a:xfrm>
+            <a:off x="4572000" y="1928802"/>
+            <a:ext cx="3357586" cy="4286256"/>
+          </a:xfrm>
+          <a:prstGeom prst="rect">
+            <a:avLst/>
+          </a:prstGeom>
+          <a:solidFill>
+            <a:schemeClr val="bg1"/>
+          </a:solidFill>
+          <a:ln>
+            <a:noFill/>
+          </a:ln>
+          <a:effectLst>
+            <a:outerShdw blurRad="63500" sx="102000" sy="102000" algn="ctr" rotWithShape="0">
+              <a:prstClr val="black">
+                <a:alpha val="40000"/>
+              </a:prstClr>
+            </a:outerShdw>
+          </a:effectLst>
+        </p:spPr>
+        <p:style>
+          <a:lnRef idx="2">
+            <a:schemeClr val="accent1">
+              <a:shade val="50000"/>
+            </a:schemeClr>
+          </a:lnRef>
+          <a:fillRef idx="1">
+            <a:schemeClr val="accent1"/>
+          </a:fillRef>
+          <a:effectRef idx="0">
+            <a:schemeClr val="accent1"/>
+          </a:effectRef>
+          <a:fontRef idx="minor">
+            <a:schemeClr val="lt1"/>
+          </a:fontRef>
+        </p:style>
+        <p:txBody>
+          <a:bodyPr rtlCol="0" anchor="ctr"/>
+          <a:lstStyle/>
+          <a:p>
+            <a:pPr algn="ctr"/>
+            <a:endParaRPr lang="en-GB"/>
+          </a:p>
+        </p:txBody>
+      </p:sp>
+      <p:sp>
+        <p:nvSpPr>
+          <p:cNvPr id="30" name="Rectangle 29"/>
+          <p:cNvSpPr/>
+          <p:nvPr/>
+        </p:nvSpPr>
+        <p:spPr>
+          <a:xfrm>
+            <a:off x="5429256" y="1571612"/>
+            <a:ext cx="1785950" cy="285752"/>
+          </a:xfrm>
+          <a:prstGeom prst="rect">
+            <a:avLst/>
+          </a:prstGeom>
+          <a:solidFill>
+            <a:srgbClr val="EE930C"/>
+          </a:solidFill>
+          <a:ln>
+            <a:noFill/>
+          </a:ln>
+        </p:spPr>
+        <p:style>
+          <a:lnRef idx="2">
+            <a:schemeClr val="accent1">
+              <a:shade val="50000"/>
+            </a:schemeClr>
+          </a:lnRef>
+          <a:fillRef idx="1">
+            <a:schemeClr val="accent1"/>
+          </a:fillRef>
+          <a:effectRef idx="0">
+            <a:schemeClr val="accent1"/>
+          </a:effectRef>
+          <a:fontRef idx="minor">
+            <a:schemeClr val="lt1"/>
+          </a:fontRef>
+        </p:style>
+        <p:txBody>
+          <a:bodyPr rtlCol="0" anchor="ctr"/>
+          <a:lstStyle/>
+          <a:p>
+            <a:pPr algn="ctr"/>
+            <a:r>
+              <a:rPr lang="en-GB" dirty="0" smtClean="0"/>
+              <a:t>My Investment</a:t>
+            </a:r>
+            <a:endParaRPr lang="en-GB" dirty="0"/>
+          </a:p>
+        </p:txBody>
+      </p:sp>
+      <p:sp>
+        <p:nvSpPr>
+          <p:cNvPr id="32" name="Rectangle 31"/>
+          <p:cNvSpPr/>
+          <p:nvPr/>
+        </p:nvSpPr>
+        <p:spPr>
+          <a:xfrm>
+            <a:off x="4572000" y="4450792"/>
+            <a:ext cx="1714512" cy="571504"/>
+          </a:xfrm>
+          <a:prstGeom prst="rect">
+            <a:avLst/>
+          </a:prstGeom>
+          <a:solidFill>
+            <a:schemeClr val="bg1"/>
+          </a:solidFill>
+        </p:spPr>
+        <p:style>
+          <a:lnRef idx="2">
+            <a:schemeClr val="accent1">
+              <a:shade val="50000"/>
+            </a:schemeClr>
+          </a:lnRef>
+          <a:fillRef idx="1">
+            <a:schemeClr val="accent1"/>
+          </a:fillRef>
+          <a:effectRef idx="0">
+            <a:schemeClr val="accent1"/>
+          </a:effectRef>
+          <a:fontRef idx="minor">
+            <a:schemeClr val="lt1"/>
+          </a:fontRef>
+        </p:style>
+        <p:txBody>
+          <a:bodyPr rtlCol="0" anchor="ctr"/>
+          <a:lstStyle/>
+          <a:p>
+            <a:pPr algn="ctr"/>
+            <a:r>
+              <a:rPr lang="en-GB" dirty="0" smtClean="0">
+                <a:solidFill>
+                  <a:schemeClr val="tx1"/>
+                </a:solidFill>
+              </a:rPr>
+              <a:t>My balance</a:t>
+            </a:r>
+            <a:endParaRPr lang="en-GB" dirty="0">
+              <a:solidFill>
+                <a:schemeClr val="tx1"/>
+              </a:solidFill>
+            </a:endParaRPr>
+          </a:p>
+        </p:txBody>
+      </p:sp>
+      <p:sp>
+        <p:nvSpPr>
+          <p:cNvPr id="33" name="Rectangle 32"/>
+          <p:cNvSpPr/>
+          <p:nvPr/>
+        </p:nvSpPr>
+        <p:spPr>
+          <a:xfrm>
+            <a:off x="4572000" y="3879288"/>
+            <a:ext cx="1714512" cy="571504"/>
+          </a:xfrm>
+          <a:prstGeom prst="rect">
+            <a:avLst/>
+          </a:prstGeom>
+          <a:solidFill>
+            <a:schemeClr val="bg1"/>
+          </a:solidFill>
+        </p:spPr>
+        <p:style>
+          <a:lnRef idx="2">
+            <a:schemeClr val="accent1">
+              <a:shade val="50000"/>
+            </a:schemeClr>
+          </a:lnRef>
+          <a:fillRef idx="1">
+            <a:schemeClr val="accent1"/>
+          </a:fillRef>
+          <a:effectRef idx="0">
+            <a:schemeClr val="accent1"/>
+          </a:effectRef>
+          <a:fontRef idx="minor">
+            <a:schemeClr val="lt1"/>
+          </a:fontRef>
+        </p:style>
+        <p:txBody>
+          <a:bodyPr rtlCol="0" anchor="ctr"/>
+          <a:lstStyle/>
+          <a:p>
+            <a:pPr algn="ctr"/>
+            <a:r>
+              <a:rPr lang="en-GB" dirty="0" smtClean="0">
+                <a:solidFill>
+                  <a:schemeClr val="tx1"/>
+                </a:solidFill>
+              </a:rPr>
+              <a:t>Deposits</a:t>
+            </a:r>
+            <a:endParaRPr lang="en-GB" dirty="0">
+              <a:solidFill>
+                <a:schemeClr val="tx1"/>
+              </a:solidFill>
+            </a:endParaRPr>
+          </a:p>
+        </p:txBody>
+      </p:sp>
+      <p:sp>
+        <p:nvSpPr>
+          <p:cNvPr id="34" name="Rectangle 33"/>
+          <p:cNvSpPr/>
+          <p:nvPr/>
+        </p:nvSpPr>
+        <p:spPr>
+          <a:xfrm>
+            <a:off x="6215074" y="3879288"/>
+            <a:ext cx="1714512" cy="571504"/>
+          </a:xfrm>
+          <a:prstGeom prst="rect">
+            <a:avLst/>
+          </a:prstGeom>
+          <a:solidFill>
+            <a:schemeClr val="bg1"/>
+          </a:solidFill>
+        </p:spPr>
+        <p:style>
+          <a:lnRef idx="2">
+            <a:schemeClr val="accent1">
+              <a:shade val="50000"/>
+            </a:schemeClr>
+          </a:lnRef>
+          <a:fillRef idx="1">
+            <a:schemeClr val="accent1"/>
+          </a:fillRef>
+          <a:effectRef idx="0">
+            <a:schemeClr val="accent1"/>
+          </a:effectRef>
+          <a:fontRef idx="minor">
+            <a:schemeClr val="lt1"/>
+          </a:fontRef>
+        </p:style>
+        <p:txBody>
+          <a:bodyPr rtlCol="0" anchor="ctr"/>
+          <a:lstStyle/>
+          <a:p>
+            <a:pPr algn="ctr"/>
+            <a:r>
+              <a:rPr lang="en-GB" dirty="0" smtClean="0">
+                <a:solidFill>
+                  <a:schemeClr val="tx1"/>
+                </a:solidFill>
+              </a:rPr>
+              <a:t>Withdraw</a:t>
+            </a:r>
+            <a:endParaRPr lang="en-GB" dirty="0">
+              <a:solidFill>
+                <a:schemeClr val="tx1"/>
+              </a:solidFill>
+            </a:endParaRPr>
+          </a:p>
+        </p:txBody>
+      </p:sp>
+      <p:sp>
+        <p:nvSpPr>
+          <p:cNvPr id="35" name="Rectangle 34"/>
+          <p:cNvSpPr/>
+          <p:nvPr/>
+        </p:nvSpPr>
+        <p:spPr>
+          <a:xfrm>
+            <a:off x="5286380" y="2210564"/>
+            <a:ext cx="1785950" cy="570364"/>
+          </a:xfrm>
+          <a:prstGeom prst="rect">
+            <a:avLst/>
+          </a:prstGeom>
+          <a:solidFill>
+            <a:schemeClr val="bg1"/>
+          </a:solidFill>
+        </p:spPr>
+        <p:style>
+          <a:lnRef idx="2">
+            <a:schemeClr val="accent1">
+              <a:shade val="50000"/>
+            </a:schemeClr>
+          </a:lnRef>
+          <a:fillRef idx="1">
+            <a:schemeClr val="accent1"/>
+          </a:fillRef>
+          <a:effectRef idx="0">
+            <a:schemeClr val="accent1"/>
+          </a:effectRef>
+          <a:fontRef idx="minor">
+            <a:schemeClr val="lt1"/>
+          </a:fontRef>
+        </p:style>
+        <p:txBody>
+          <a:bodyPr rtlCol="0" anchor="ctr"/>
+          <a:lstStyle/>
+          <a:p>
+            <a:pPr algn="ctr"/>
+            <a:r>
+              <a:rPr lang="en-GB" dirty="0" smtClean="0">
+                <a:solidFill>
+                  <a:schemeClr val="tx1"/>
+                </a:solidFill>
+              </a:rPr>
+              <a:t>N 59,800</a:t>
+            </a:r>
+            <a:endParaRPr lang="en-GB" dirty="0">
+              <a:solidFill>
+                <a:schemeClr val="tx1"/>
+              </a:solidFill>
+            </a:endParaRPr>
+          </a:p>
+        </p:txBody>
+      </p:sp>
+      <p:sp>
+        <p:nvSpPr>
+          <p:cNvPr id="36" name="Rectangle 35"/>
+          <p:cNvSpPr/>
+          <p:nvPr/>
+        </p:nvSpPr>
+        <p:spPr>
+          <a:xfrm>
+            <a:off x="4572000" y="5022296"/>
+            <a:ext cx="1643074" cy="571504"/>
+          </a:xfrm>
+          <a:prstGeom prst="rect">
+            <a:avLst/>
+          </a:prstGeom>
+          <a:solidFill>
+            <a:schemeClr val="bg1"/>
+          </a:solidFill>
+        </p:spPr>
+        <p:style>
+          <a:lnRef idx="2">
+            <a:schemeClr val="accent1">
+              <a:shade val="50000"/>
+            </a:schemeClr>
+          </a:lnRef>
+          <a:fillRef idx="1">
+            <a:schemeClr val="accent1"/>
+          </a:fillRef>
+          <a:effectRef idx="0">
+            <a:schemeClr val="accent1"/>
+          </a:effectRef>
+          <a:fontRef idx="minor">
+            <a:schemeClr val="lt1"/>
+          </a:fontRef>
+        </p:style>
+        <p:txBody>
+          <a:bodyPr rtlCol="0" anchor="ctr"/>
+          <a:lstStyle/>
+          <a:p>
+            <a:r>
+              <a:rPr lang="en-GB" dirty="0" smtClean="0">
+                <a:solidFill>
+                  <a:schemeClr val="tx1"/>
+                </a:solidFill>
+              </a:rPr>
+              <a:t>All transactions</a:t>
+            </a:r>
+          </a:p>
+        </p:txBody>
+      </p:sp>
+      <p:sp>
+        <p:nvSpPr>
+          <p:cNvPr id="37" name="Rectangle 36"/>
+          <p:cNvSpPr/>
+          <p:nvPr/>
+        </p:nvSpPr>
+        <p:spPr>
+          <a:xfrm>
+            <a:off x="6215074" y="4450792"/>
+            <a:ext cx="1714512" cy="571504"/>
+          </a:xfrm>
+          <a:prstGeom prst="rect">
+            <a:avLst/>
+          </a:prstGeom>
+          <a:solidFill>
+            <a:schemeClr val="bg1"/>
+          </a:solidFill>
+        </p:spPr>
+        <p:style>
+          <a:lnRef idx="2">
+            <a:schemeClr val="accent1">
+              <a:shade val="50000"/>
+            </a:schemeClr>
+          </a:lnRef>
+          <a:fillRef idx="1">
+            <a:schemeClr val="accent1"/>
+          </a:fillRef>
+          <a:effectRef idx="0">
+            <a:schemeClr val="accent1"/>
+          </a:effectRef>
+          <a:fontRef idx="minor">
+            <a:schemeClr val="lt1"/>
+          </a:fontRef>
+        </p:style>
+        <p:txBody>
+          <a:bodyPr rtlCol="0" anchor="ctr"/>
+          <a:lstStyle/>
+          <a:p>
+            <a:pPr algn="ctr"/>
+            <a:r>
+              <a:rPr lang="en-GB" dirty="0" smtClean="0">
+                <a:solidFill>
+                  <a:schemeClr val="tx1"/>
+                </a:solidFill>
+              </a:rPr>
+              <a:t>Reinvest</a:t>
+            </a:r>
+            <a:endParaRPr lang="en-GB" dirty="0">
+              <a:solidFill>
+                <a:schemeClr val="tx1"/>
+              </a:solidFill>
+            </a:endParaRPr>
+          </a:p>
+        </p:txBody>
+      </p:sp>
+      <p:sp>
+        <p:nvSpPr>
+          <p:cNvPr id="38" name="Rectangle 37"/>
+          <p:cNvSpPr/>
+          <p:nvPr/>
+        </p:nvSpPr>
+        <p:spPr>
+          <a:xfrm>
+            <a:off x="6215074" y="5022296"/>
+            <a:ext cx="1714512" cy="571504"/>
+          </a:xfrm>
+          <a:prstGeom prst="rect">
+            <a:avLst/>
+          </a:prstGeom>
+          <a:solidFill>
+            <a:schemeClr val="bg1"/>
+          </a:solidFill>
+        </p:spPr>
+        <p:style>
+          <a:lnRef idx="2">
+            <a:schemeClr val="accent1">
+              <a:shade val="50000"/>
+            </a:schemeClr>
+          </a:lnRef>
+          <a:fillRef idx="1">
+            <a:schemeClr val="accent1"/>
+          </a:fillRef>
+          <a:effectRef idx="0">
+            <a:schemeClr val="accent1"/>
+          </a:effectRef>
+          <a:fontRef idx="minor">
+            <a:schemeClr val="lt1"/>
+          </a:fontRef>
+        </p:style>
+        <p:txBody>
+          <a:bodyPr rtlCol="0" anchor="ctr"/>
+          <a:lstStyle/>
+          <a:p>
+            <a:pPr algn="ctr"/>
+            <a:r>
+              <a:rPr lang="en-GB" dirty="0" smtClean="0">
+                <a:solidFill>
+                  <a:schemeClr val="tx1"/>
+                </a:solidFill>
+              </a:rPr>
+              <a:t>My referral link</a:t>
+            </a:r>
+            <a:endParaRPr lang="en-GB" dirty="0">
+              <a:solidFill>
+                <a:schemeClr val="tx1"/>
+              </a:solidFill>
+            </a:endParaRPr>
+          </a:p>
+        </p:txBody>
+      </p:sp>
+      <p:sp>
+        <p:nvSpPr>
+          <p:cNvPr id="39" name="Rectangle 38"/>
+          <p:cNvSpPr/>
+          <p:nvPr/>
+        </p:nvSpPr>
+        <p:spPr>
+          <a:xfrm>
+            <a:off x="4572000" y="5593800"/>
+            <a:ext cx="1643074" cy="571504"/>
+          </a:xfrm>
+          <a:prstGeom prst="rect">
+            <a:avLst/>
+          </a:prstGeom>
+          <a:solidFill>
+            <a:schemeClr val="bg1"/>
+          </a:solidFill>
+        </p:spPr>
+        <p:style>
+          <a:lnRef idx="2">
+            <a:schemeClr val="accent1">
+              <a:shade val="50000"/>
+            </a:schemeClr>
+          </a:lnRef>
+          <a:fillRef idx="1">
+            <a:schemeClr val="accent1"/>
+          </a:fillRef>
+          <a:effectRef idx="0">
+            <a:schemeClr val="accent1"/>
+          </a:effectRef>
+          <a:fontRef idx="minor">
+            <a:schemeClr val="lt1"/>
+          </a:fontRef>
+        </p:style>
+        <p:txBody>
+          <a:bodyPr rtlCol="0" anchor="ctr"/>
+          <a:lstStyle/>
+          <a:p>
+            <a:pPr algn="ctr"/>
+            <a:r>
+              <a:rPr lang="en-GB" dirty="0">
+                <a:solidFill>
+                  <a:schemeClr val="tx1"/>
+                </a:solidFill>
+              </a:rPr>
+              <a:t>Add bank</a:t>
+            </a:r>
+          </a:p>
+        </p:txBody>
+      </p:sp>
+      <p:sp>
+        <p:nvSpPr>
+          <p:cNvPr id="40" name="Rectangle 39"/>
+          <p:cNvSpPr/>
+          <p:nvPr/>
+        </p:nvSpPr>
+        <p:spPr>
+          <a:xfrm>
+            <a:off x="6215074" y="5593800"/>
+            <a:ext cx="1714512" cy="571504"/>
+          </a:xfrm>
+          <a:prstGeom prst="rect">
+            <a:avLst/>
+          </a:prstGeom>
+          <a:solidFill>
+            <a:schemeClr val="bg1"/>
+          </a:solidFill>
+        </p:spPr>
+        <p:style>
+          <a:lnRef idx="2">
+            <a:schemeClr val="accent1">
+              <a:shade val="50000"/>
+            </a:schemeClr>
+          </a:lnRef>
+          <a:fillRef idx="1">
+            <a:schemeClr val="accent1"/>
+          </a:fillRef>
+          <a:effectRef idx="0">
+            <a:schemeClr val="accent1"/>
+          </a:effectRef>
+          <a:fontRef idx="minor">
+            <a:schemeClr val="lt1"/>
+          </a:fontRef>
+        </p:style>
+        <p:txBody>
+          <a:bodyPr rtlCol="0" anchor="ctr"/>
+          <a:lstStyle/>
+          <a:p>
+            <a:pPr algn="ctr"/>
+            <a:endParaRPr lang="en-GB" dirty="0">
+              <a:solidFill>
+                <a:schemeClr val="tx1"/>
+              </a:solidFill>
+            </a:endParaRPr>
+          </a:p>
+        </p:txBody>
+      </p:sp>
+      <p:sp>
+        <p:nvSpPr>
+          <p:cNvPr id="41" name="Rectangle 40"/>
+          <p:cNvSpPr/>
+          <p:nvPr/>
+        </p:nvSpPr>
+        <p:spPr>
+          <a:xfrm>
+            <a:off x="4572000" y="6165304"/>
+            <a:ext cx="3357586" cy="714356"/>
+          </a:xfrm>
+          <a:prstGeom prst="rect">
+            <a:avLst/>
+          </a:prstGeom>
+          <a:solidFill>
+            <a:srgbClr val="EE930C"/>
+          </a:solidFill>
         </p:spPr>
         <p:style>
           <a:lnRef idx="2">
@@ -4205,39 +5528,293 @@
                   <a:schemeClr val="bg1"/>
                 </a:solidFill>
               </a:rPr>
-              <a:t>Sport Update</a:t>
-            </a:r>
-          </a:p>
-        </p:txBody>
-      </p:sp>
-      <p:sp>
-        <p:nvSpPr>
-          <p:cNvPr id="16" name="Rectangle 15"/>
-          <p:cNvSpPr/>
-          <p:nvPr/>
-        </p:nvSpPr>
-        <p:spPr>
-          <a:xfrm>
-            <a:off x="4499992" y="2047738"/>
-            <a:ext cx="3456384" cy="445158"/>
+              <a:t>C</a:t>
+            </a:r>
+            <a:r>
+              <a:rPr lang="en-GB" dirty="0" smtClean="0">
+                <a:solidFill>
+                  <a:schemeClr val="bg1"/>
+                </a:solidFill>
+              </a:rPr>
+              <a:t>ustomise </a:t>
+            </a:r>
+            <a:r>
+              <a:rPr lang="en-GB" dirty="0">
+                <a:solidFill>
+                  <a:schemeClr val="bg1"/>
+                </a:solidFill>
+              </a:rPr>
+              <a:t>ads</a:t>
+            </a:r>
+          </a:p>
+        </p:txBody>
+      </p:sp>
+      <p:sp>
+        <p:nvSpPr>
+          <p:cNvPr id="2" name="Rectangle 1"/>
+          <p:cNvSpPr/>
+          <p:nvPr/>
+        </p:nvSpPr>
+        <p:spPr>
+          <a:xfrm>
+            <a:off x="5148064" y="2946792"/>
+            <a:ext cx="2067142" cy="178595"/>
           </a:xfrm>
           <a:prstGeom prst="rect">
             <a:avLst/>
           </a:prstGeom>
           <a:solidFill>
             <a:schemeClr val="bg1"/>
+          </a:solidFill>
+          <a:ln>
+            <a:solidFill>
+              <a:schemeClr val="bg1"/>
+            </a:solidFill>
+          </a:ln>
+        </p:spPr>
+        <p:style>
+          <a:lnRef idx="2">
+            <a:schemeClr val="accent1">
+              <a:shade val="50000"/>
+            </a:schemeClr>
+          </a:lnRef>
+          <a:fillRef idx="1">
+            <a:schemeClr val="accent1"/>
+          </a:fillRef>
+          <a:effectRef idx="0">
+            <a:schemeClr val="accent1"/>
+          </a:effectRef>
+          <a:fontRef idx="minor">
+            <a:schemeClr val="lt1"/>
+          </a:fontRef>
+        </p:style>
+        <p:txBody>
+          <a:bodyPr rtlCol="0" anchor="ctr"/>
+          <a:lstStyle/>
+          <a:p>
+            <a:pPr algn="ctr"/>
+            <a:r>
+              <a:rPr lang="en-US" dirty="0" smtClean="0">
+                <a:solidFill>
+                  <a:schemeClr val="tx1"/>
+                </a:solidFill>
+              </a:rPr>
+              <a:t>BTC   0.190000</a:t>
+            </a:r>
+            <a:endParaRPr lang="en-US" dirty="0">
+              <a:solidFill>
+                <a:schemeClr val="tx1"/>
+              </a:solidFill>
+            </a:endParaRPr>
+          </a:p>
+        </p:txBody>
+      </p:sp>
+      <p:sp>
+        <p:nvSpPr>
+          <p:cNvPr id="22" name="Rectangle 21"/>
+          <p:cNvSpPr/>
+          <p:nvPr/>
+        </p:nvSpPr>
+        <p:spPr>
+          <a:xfrm>
+            <a:off x="4572000" y="3361552"/>
+            <a:ext cx="1714512" cy="571504"/>
+          </a:xfrm>
+          <a:prstGeom prst="rect">
+            <a:avLst/>
+          </a:prstGeom>
+          <a:solidFill>
+            <a:srgbClr val="00B050"/>
+          </a:solidFill>
+        </p:spPr>
+        <p:style>
+          <a:lnRef idx="2">
+            <a:schemeClr val="accent1">
+              <a:shade val="50000"/>
+            </a:schemeClr>
+          </a:lnRef>
+          <a:fillRef idx="1">
+            <a:schemeClr val="accent1"/>
+          </a:fillRef>
+          <a:effectRef idx="0">
+            <a:schemeClr val="accent1"/>
+          </a:effectRef>
+          <a:fontRef idx="minor">
+            <a:schemeClr val="lt1"/>
+          </a:fontRef>
+        </p:style>
+        <p:txBody>
+          <a:bodyPr rtlCol="0" anchor="ctr"/>
+          <a:lstStyle/>
+          <a:p>
+            <a:pPr algn="ctr"/>
+            <a:r>
+              <a:rPr lang="en-GB" dirty="0" smtClean="0">
+                <a:solidFill>
+                  <a:schemeClr val="tx1"/>
+                </a:solidFill>
+              </a:rPr>
+              <a:t>Buy</a:t>
+            </a:r>
+            <a:endParaRPr lang="en-GB" dirty="0">
+              <a:solidFill>
+                <a:schemeClr val="tx1"/>
+              </a:solidFill>
+            </a:endParaRPr>
+          </a:p>
+        </p:txBody>
+      </p:sp>
+      <p:sp>
+        <p:nvSpPr>
+          <p:cNvPr id="24" name="Rectangle 23"/>
+          <p:cNvSpPr/>
+          <p:nvPr/>
+        </p:nvSpPr>
+        <p:spPr>
+          <a:xfrm>
+            <a:off x="6215074" y="3361552"/>
+            <a:ext cx="1714512" cy="571504"/>
+          </a:xfrm>
+          <a:prstGeom prst="rect">
+            <a:avLst/>
+          </a:prstGeom>
+          <a:solidFill>
+            <a:srgbClr val="FF0000"/>
+          </a:solidFill>
+        </p:spPr>
+        <p:style>
+          <a:lnRef idx="2">
+            <a:schemeClr val="accent1">
+              <a:shade val="50000"/>
+            </a:schemeClr>
+          </a:lnRef>
+          <a:fillRef idx="1">
+            <a:schemeClr val="accent1"/>
+          </a:fillRef>
+          <a:effectRef idx="0">
+            <a:schemeClr val="accent1"/>
+          </a:effectRef>
+          <a:fontRef idx="minor">
+            <a:schemeClr val="lt1"/>
+          </a:fontRef>
+        </p:style>
+        <p:txBody>
+          <a:bodyPr rtlCol="0" anchor="ctr"/>
+          <a:lstStyle/>
+          <a:p>
+            <a:pPr algn="ctr"/>
+            <a:r>
+              <a:rPr lang="en-GB" dirty="0" smtClean="0">
+                <a:solidFill>
+                  <a:schemeClr val="tx1"/>
+                </a:solidFill>
+              </a:rPr>
+              <a:t>Sell</a:t>
+            </a:r>
+            <a:endParaRPr lang="en-GB" dirty="0">
+              <a:solidFill>
+                <a:schemeClr val="tx1"/>
+              </a:solidFill>
+            </a:endParaRPr>
+          </a:p>
+        </p:txBody>
+      </p:sp>
+    </p:spTree>
+    <p:extLst>
+      <p:ext uri="{BB962C8B-B14F-4D97-AF65-F5344CB8AC3E}">
+        <p14:creationId xmlns:p14="http://schemas.microsoft.com/office/powerpoint/2010/main" val="770222175"/>
+      </p:ext>
+    </p:extLst>
+  </p:cSld>
+  <p:clrMapOvr>
+    <a:masterClrMapping/>
+  </p:clrMapOvr>
+</p:sld>
+</file>
+
+<file path=ppt/slides/slide12.xml><?xml version="1.0" encoding="utf-8"?>
+<p:sld xmlns:a="http://schemas.openxmlformats.org/drawingml/2006/main" xmlns:r="http://schemas.openxmlformats.org/officeDocument/2006/relationships" xmlns:p="http://schemas.openxmlformats.org/presentationml/2006/main">
+  <p:cSld>
+    <p:spTree>
+      <p:nvGrpSpPr>
+        <p:cNvPr id="1" name=""/>
+        <p:cNvGrpSpPr/>
+        <p:nvPr/>
+      </p:nvGrpSpPr>
+      <p:grpSpPr>
+        <a:xfrm>
+          <a:off x="0" y="0"/>
+          <a:ext cx="0" cy="0"/>
+          <a:chOff x="0" y="0"/>
+          <a:chExt cx="0" cy="0"/>
+        </a:xfrm>
+      </p:grpSpPr>
+      <p:sp>
+        <p:nvSpPr>
+          <p:cNvPr id="4" name="Rectangle 3"/>
+          <p:cNvSpPr/>
+          <p:nvPr/>
+        </p:nvSpPr>
+        <p:spPr>
+          <a:xfrm>
+            <a:off x="571472" y="1071546"/>
+            <a:ext cx="3357586" cy="5214974"/>
+          </a:xfrm>
+          <a:prstGeom prst="rect">
+            <a:avLst/>
+          </a:prstGeom>
+          <a:solidFill>
+            <a:srgbClr val="EE930C"/>
           </a:solidFill>
           <a:ln>
             <a:noFill/>
           </a:ln>
-          <a:effectLst>
-            <a:glow rad="63500">
-              <a:schemeClr val="accent1">
-                <a:satMod val="175000"/>
-                <a:alpha val="40000"/>
-              </a:schemeClr>
-            </a:glow>
-          </a:effectLst>
+        </p:spPr>
+        <p:style>
+          <a:lnRef idx="2">
+            <a:schemeClr val="accent1">
+              <a:shade val="50000"/>
+            </a:schemeClr>
+          </a:lnRef>
+          <a:fillRef idx="1">
+            <a:schemeClr val="accent1"/>
+          </a:fillRef>
+          <a:effectRef idx="0">
+            <a:schemeClr val="accent1"/>
+          </a:effectRef>
+          <a:fontRef idx="minor">
+            <a:schemeClr val="lt1"/>
+          </a:fontRef>
+        </p:style>
+        <p:txBody>
+          <a:bodyPr rtlCol="0" anchor="ctr"/>
+          <a:lstStyle/>
+          <a:p>
+            <a:pPr algn="ctr"/>
+            <a:endParaRPr lang="en-GB"/>
+          </a:p>
+        </p:txBody>
+      </p:sp>
+      <p:sp>
+        <p:nvSpPr>
+          <p:cNvPr id="6" name="Rectangle 5"/>
+          <p:cNvSpPr/>
+          <p:nvPr/>
+        </p:nvSpPr>
+        <p:spPr>
+          <a:xfrm>
+            <a:off x="1142976" y="3286124"/>
+            <a:ext cx="2214578" cy="571504"/>
+          </a:xfrm>
+          <a:prstGeom prst="rect">
+            <a:avLst/>
+          </a:prstGeom>
+          <a:solidFill>
+            <a:schemeClr val="bg1"/>
+          </a:solidFill>
+          <a:ln>
+            <a:noFill/>
+          </a:ln>
         </p:spPr>
         <p:style>
           <a:lnRef idx="2">
@@ -4266,7 +5843,7 @@
                   <a:srgbClr val="EE930C"/>
                 </a:solidFill>
               </a:rPr>
-              <a:t>News</a:t>
+              <a:t>Sell</a:t>
             </a:r>
             <a:endParaRPr lang="en-GB" dirty="0">
               <a:solidFill>
@@ -4278,14 +5855,14 @@
       </p:sp>
       <p:sp>
         <p:nvSpPr>
-          <p:cNvPr id="23" name="Rectangle 22"/>
-          <p:cNvSpPr/>
-          <p:nvPr/>
-        </p:nvSpPr>
-        <p:spPr>
-          <a:xfrm>
-            <a:off x="571472" y="1124744"/>
-            <a:ext cx="3357586" cy="5214974"/>
+          <p:cNvPr id="8" name="Rectangle 7"/>
+          <p:cNvSpPr/>
+          <p:nvPr/>
+        </p:nvSpPr>
+        <p:spPr>
+          <a:xfrm>
+            <a:off x="4572000" y="1000108"/>
+            <a:ext cx="3357586" cy="5669252"/>
           </a:xfrm>
           <a:prstGeom prst="rect">
             <a:avLst/>
@@ -4324,14 +5901,52 @@
       </p:sp>
       <p:sp>
         <p:nvSpPr>
-          <p:cNvPr id="24" name="Rectangle 23"/>
-          <p:cNvSpPr/>
-          <p:nvPr/>
-        </p:nvSpPr>
-        <p:spPr>
-          <a:xfrm>
-            <a:off x="1142976" y="3339322"/>
-            <a:ext cx="2214578" cy="571504"/>
+          <p:cNvPr id="12" name="TextBox 11"/>
+          <p:cNvSpPr txBox="1"/>
+          <p:nvPr/>
+        </p:nvSpPr>
+        <p:spPr>
+          <a:xfrm>
+            <a:off x="5929322" y="1071546"/>
+            <a:ext cx="642942" cy="369332"/>
+          </a:xfrm>
+          <a:prstGeom prst="rect">
+            <a:avLst/>
+          </a:prstGeom>
+          <a:noFill/>
+        </p:spPr>
+        <p:txBody>
+          <a:bodyPr wrap="square" rtlCol="0">
+            <a:spAutoFit/>
+          </a:bodyPr>
+          <a:lstStyle/>
+          <a:p>
+            <a:r>
+              <a:rPr lang="en-GB" dirty="0" smtClean="0">
+                <a:solidFill>
+                  <a:schemeClr val="bg1"/>
+                </a:solidFill>
+              </a:rPr>
+              <a:t>BBN</a:t>
+            </a:r>
+            <a:endParaRPr lang="en-GB" dirty="0">
+              <a:solidFill>
+                <a:schemeClr val="bg1"/>
+              </a:solidFill>
+            </a:endParaRPr>
+          </a:p>
+        </p:txBody>
+      </p:sp>
+      <p:sp>
+        <p:nvSpPr>
+          <p:cNvPr id="14" name="Rectangle 13"/>
+          <p:cNvSpPr/>
+          <p:nvPr/>
+        </p:nvSpPr>
+        <p:spPr>
+          <a:xfrm>
+            <a:off x="4714876" y="1142984"/>
+            <a:ext cx="357190" cy="71438"/>
           </a:xfrm>
           <a:prstGeom prst="rect">
             <a:avLst/>
@@ -4364,27 +5979,112 @@
           <a:lstStyle/>
           <a:p>
             <a:pPr algn="ctr"/>
-            <a:r>
-              <a:rPr lang="en-GB" dirty="0">
-                <a:solidFill>
-                  <a:srgbClr val="EE930C"/>
-                </a:solidFill>
-              </a:rPr>
-              <a:t>Sport Update</a:t>
-            </a:r>
-          </a:p>
-        </p:txBody>
-      </p:sp>
-      <p:sp>
-        <p:nvSpPr>
-          <p:cNvPr id="26" name="Rectangle 25"/>
-          <p:cNvSpPr/>
-          <p:nvPr/>
-        </p:nvSpPr>
-        <p:spPr>
-          <a:xfrm>
-            <a:off x="4499992" y="2492896"/>
-            <a:ext cx="3456384" cy="445158"/>
+            <a:endParaRPr lang="en-GB"/>
+          </a:p>
+        </p:txBody>
+      </p:sp>
+      <p:sp>
+        <p:nvSpPr>
+          <p:cNvPr id="15" name="Rectangle 14"/>
+          <p:cNvSpPr/>
+          <p:nvPr/>
+        </p:nvSpPr>
+        <p:spPr>
+          <a:xfrm>
+            <a:off x="4714876" y="1285860"/>
+            <a:ext cx="357190" cy="71438"/>
+          </a:xfrm>
+          <a:prstGeom prst="rect">
+            <a:avLst/>
+          </a:prstGeom>
+          <a:solidFill>
+            <a:schemeClr val="bg1"/>
+          </a:solidFill>
+          <a:ln>
+            <a:noFill/>
+          </a:ln>
+        </p:spPr>
+        <p:style>
+          <a:lnRef idx="2">
+            <a:schemeClr val="accent1">
+              <a:shade val="50000"/>
+            </a:schemeClr>
+          </a:lnRef>
+          <a:fillRef idx="1">
+            <a:schemeClr val="accent1"/>
+          </a:fillRef>
+          <a:effectRef idx="0">
+            <a:schemeClr val="accent1"/>
+          </a:effectRef>
+          <a:fontRef idx="minor">
+            <a:schemeClr val="lt1"/>
+          </a:fontRef>
+        </p:style>
+        <p:txBody>
+          <a:bodyPr rtlCol="0" anchor="ctr"/>
+          <a:lstStyle/>
+          <a:p>
+            <a:pPr algn="ctr"/>
+            <a:endParaRPr lang="en-GB"/>
+          </a:p>
+        </p:txBody>
+      </p:sp>
+      <p:sp>
+        <p:nvSpPr>
+          <p:cNvPr id="16" name="Rectangle 15"/>
+          <p:cNvSpPr/>
+          <p:nvPr/>
+        </p:nvSpPr>
+        <p:spPr>
+          <a:xfrm>
+            <a:off x="4714876" y="1428736"/>
+            <a:ext cx="357190" cy="71438"/>
+          </a:xfrm>
+          <a:prstGeom prst="rect">
+            <a:avLst/>
+          </a:prstGeom>
+          <a:solidFill>
+            <a:schemeClr val="bg1"/>
+          </a:solidFill>
+          <a:ln>
+            <a:noFill/>
+          </a:ln>
+        </p:spPr>
+        <p:style>
+          <a:lnRef idx="2">
+            <a:schemeClr val="accent1">
+              <a:shade val="50000"/>
+            </a:schemeClr>
+          </a:lnRef>
+          <a:fillRef idx="1">
+            <a:schemeClr val="accent1"/>
+          </a:fillRef>
+          <a:effectRef idx="0">
+            <a:schemeClr val="accent1"/>
+          </a:effectRef>
+          <a:fontRef idx="minor">
+            <a:schemeClr val="lt1"/>
+          </a:fontRef>
+        </p:style>
+        <p:txBody>
+          <a:bodyPr rtlCol="0" anchor="ctr"/>
+          <a:lstStyle/>
+          <a:p>
+            <a:pPr algn="ctr"/>
+            <a:endParaRPr lang="en-GB"/>
+          </a:p>
+        </p:txBody>
+      </p:sp>
+      <p:sp>
+        <p:nvSpPr>
+          <p:cNvPr id="23" name="Rectangle 22"/>
+          <p:cNvSpPr/>
+          <p:nvPr/>
+        </p:nvSpPr>
+        <p:spPr>
+          <a:xfrm>
+            <a:off x="4572000" y="1928802"/>
+            <a:ext cx="3357586" cy="4740558"/>
           </a:xfrm>
           <a:prstGeom prst="rect">
             <a:avLst/>
@@ -4396,13 +6096,478 @@
             <a:noFill/>
           </a:ln>
           <a:effectLst>
-            <a:glow rad="63500">
-              <a:schemeClr val="accent1">
-                <a:satMod val="175000"/>
+            <a:outerShdw blurRad="63500" sx="102000" sy="102000" algn="ctr" rotWithShape="0">
+              <a:prstClr val="black">
                 <a:alpha val="40000"/>
-              </a:schemeClr>
-            </a:glow>
+              </a:prstClr>
+            </a:outerShdw>
           </a:effectLst>
+        </p:spPr>
+        <p:style>
+          <a:lnRef idx="2">
+            <a:schemeClr val="accent1">
+              <a:shade val="50000"/>
+            </a:schemeClr>
+          </a:lnRef>
+          <a:fillRef idx="1">
+            <a:schemeClr val="accent1"/>
+          </a:fillRef>
+          <a:effectRef idx="0">
+            <a:schemeClr val="accent1"/>
+          </a:effectRef>
+          <a:fontRef idx="minor">
+            <a:schemeClr val="lt1"/>
+          </a:fontRef>
+        </p:style>
+        <p:txBody>
+          <a:bodyPr rtlCol="0" anchor="ctr"/>
+          <a:lstStyle/>
+          <a:p>
+            <a:pPr algn="ctr"/>
+            <a:endParaRPr lang="en-GB"/>
+          </a:p>
+        </p:txBody>
+      </p:sp>
+      <p:sp>
+        <p:nvSpPr>
+          <p:cNvPr id="30" name="Rectangle 29"/>
+          <p:cNvSpPr/>
+          <p:nvPr/>
+        </p:nvSpPr>
+        <p:spPr>
+          <a:xfrm>
+            <a:off x="5429256" y="1571612"/>
+            <a:ext cx="1785950" cy="285752"/>
+          </a:xfrm>
+          <a:prstGeom prst="rect">
+            <a:avLst/>
+          </a:prstGeom>
+          <a:solidFill>
+            <a:srgbClr val="EE930C"/>
+          </a:solidFill>
+          <a:ln>
+            <a:noFill/>
+          </a:ln>
+        </p:spPr>
+        <p:style>
+          <a:lnRef idx="2">
+            <a:schemeClr val="accent1">
+              <a:shade val="50000"/>
+            </a:schemeClr>
+          </a:lnRef>
+          <a:fillRef idx="1">
+            <a:schemeClr val="accent1"/>
+          </a:fillRef>
+          <a:effectRef idx="0">
+            <a:schemeClr val="accent1"/>
+          </a:effectRef>
+          <a:fontRef idx="minor">
+            <a:schemeClr val="lt1"/>
+          </a:fontRef>
+        </p:style>
+        <p:txBody>
+          <a:bodyPr rtlCol="0" anchor="ctr"/>
+          <a:lstStyle/>
+          <a:p>
+            <a:pPr algn="ctr"/>
+            <a:r>
+              <a:rPr lang="en-GB" dirty="0" smtClean="0"/>
+              <a:t>My Investment</a:t>
+            </a:r>
+            <a:endParaRPr lang="en-GB" dirty="0"/>
+          </a:p>
+        </p:txBody>
+      </p:sp>
+      <p:sp>
+        <p:nvSpPr>
+          <p:cNvPr id="35" name="Rectangle 34"/>
+          <p:cNvSpPr/>
+          <p:nvPr/>
+        </p:nvSpPr>
+        <p:spPr>
+          <a:xfrm>
+            <a:off x="5286380" y="2210564"/>
+            <a:ext cx="1785950" cy="570364"/>
+          </a:xfrm>
+          <a:prstGeom prst="rect">
+            <a:avLst/>
+          </a:prstGeom>
+          <a:solidFill>
+            <a:schemeClr val="bg1"/>
+          </a:solidFill>
+        </p:spPr>
+        <p:style>
+          <a:lnRef idx="2">
+            <a:schemeClr val="accent1">
+              <a:shade val="50000"/>
+            </a:schemeClr>
+          </a:lnRef>
+          <a:fillRef idx="1">
+            <a:schemeClr val="accent1"/>
+          </a:fillRef>
+          <a:effectRef idx="0">
+            <a:schemeClr val="accent1"/>
+          </a:effectRef>
+          <a:fontRef idx="minor">
+            <a:schemeClr val="lt1"/>
+          </a:fontRef>
+        </p:style>
+        <p:txBody>
+          <a:bodyPr rtlCol="0" anchor="ctr"/>
+          <a:lstStyle/>
+          <a:p>
+            <a:pPr algn="ctr"/>
+            <a:r>
+              <a:rPr lang="en-GB" dirty="0" smtClean="0">
+                <a:solidFill>
+                  <a:schemeClr val="tx1"/>
+                </a:solidFill>
+              </a:rPr>
+              <a:t>BNN 59,800</a:t>
+            </a:r>
+            <a:endParaRPr lang="en-GB" dirty="0">
+              <a:solidFill>
+                <a:schemeClr val="tx1"/>
+              </a:solidFill>
+            </a:endParaRPr>
+          </a:p>
+        </p:txBody>
+      </p:sp>
+      <p:sp>
+        <p:nvSpPr>
+          <p:cNvPr id="22" name="Rectangle 21"/>
+          <p:cNvSpPr/>
+          <p:nvPr/>
+        </p:nvSpPr>
+        <p:spPr>
+          <a:xfrm>
+            <a:off x="4572000" y="3361552"/>
+            <a:ext cx="3357586" cy="571504"/>
+          </a:xfrm>
+          <a:prstGeom prst="rect">
+            <a:avLst/>
+          </a:prstGeom>
+          <a:solidFill>
+            <a:schemeClr val="bg1"/>
+          </a:solidFill>
+        </p:spPr>
+        <p:style>
+          <a:lnRef idx="2">
+            <a:schemeClr val="accent1">
+              <a:shade val="50000"/>
+            </a:schemeClr>
+          </a:lnRef>
+          <a:fillRef idx="1">
+            <a:schemeClr val="accent1"/>
+          </a:fillRef>
+          <a:effectRef idx="0">
+            <a:schemeClr val="accent1"/>
+          </a:effectRef>
+          <a:fontRef idx="minor">
+            <a:schemeClr val="lt1"/>
+          </a:fontRef>
+        </p:style>
+        <p:txBody>
+          <a:bodyPr rtlCol="0" anchor="ctr"/>
+          <a:lstStyle/>
+          <a:p>
+            <a:pPr algn="ctr"/>
+            <a:r>
+              <a:rPr lang="en-GB" sz="1400" dirty="0" smtClean="0">
+                <a:solidFill>
+                  <a:schemeClr val="bg1">
+                    <a:lumMod val="65000"/>
+                  </a:schemeClr>
+                </a:solidFill>
+              </a:rPr>
+              <a:t>Amount to sell </a:t>
+            </a:r>
+            <a:r>
+              <a:rPr lang="en-GB" sz="1400" dirty="0" err="1" smtClean="0">
+                <a:solidFill>
+                  <a:schemeClr val="bg1">
+                    <a:lumMod val="65000"/>
+                  </a:schemeClr>
+                </a:solidFill>
+              </a:rPr>
+              <a:t>eg</a:t>
+            </a:r>
+            <a:r>
+              <a:rPr lang="en-GB" sz="1400" dirty="0" smtClean="0">
+                <a:solidFill>
+                  <a:schemeClr val="bg1">
+                    <a:lumMod val="65000"/>
+                  </a:schemeClr>
+                </a:solidFill>
+              </a:rPr>
+              <a:t> (50,000)</a:t>
+            </a:r>
+            <a:endParaRPr lang="en-GB" sz="1400" dirty="0">
+              <a:solidFill>
+                <a:schemeClr val="bg1">
+                  <a:lumMod val="65000"/>
+                </a:schemeClr>
+              </a:solidFill>
+            </a:endParaRPr>
+          </a:p>
+        </p:txBody>
+      </p:sp>
+      <p:sp>
+        <p:nvSpPr>
+          <p:cNvPr id="24" name="Rectangle 23"/>
+          <p:cNvSpPr/>
+          <p:nvPr/>
+        </p:nvSpPr>
+        <p:spPr>
+          <a:xfrm>
+            <a:off x="4573322" y="3933056"/>
+            <a:ext cx="3356263" cy="571504"/>
+          </a:xfrm>
+          <a:prstGeom prst="rect">
+            <a:avLst/>
+          </a:prstGeom>
+          <a:solidFill>
+            <a:srgbClr val="00B050"/>
+          </a:solidFill>
+        </p:spPr>
+        <p:style>
+          <a:lnRef idx="2">
+            <a:schemeClr val="accent1">
+              <a:shade val="50000"/>
+            </a:schemeClr>
+          </a:lnRef>
+          <a:fillRef idx="1">
+            <a:schemeClr val="accent1"/>
+          </a:fillRef>
+          <a:effectRef idx="0">
+            <a:schemeClr val="accent1"/>
+          </a:effectRef>
+          <a:fontRef idx="minor">
+            <a:schemeClr val="lt1"/>
+          </a:fontRef>
+        </p:style>
+        <p:txBody>
+          <a:bodyPr rtlCol="0" anchor="ctr"/>
+          <a:lstStyle/>
+          <a:p>
+            <a:pPr algn="ctr"/>
+            <a:r>
+              <a:rPr lang="en-GB" dirty="0" smtClean="0">
+                <a:solidFill>
+                  <a:schemeClr val="bg1"/>
+                </a:solidFill>
+              </a:rPr>
+              <a:t>Send to Market place</a:t>
+            </a:r>
+            <a:endParaRPr lang="en-GB" dirty="0">
+              <a:solidFill>
+                <a:schemeClr val="bg1"/>
+              </a:solidFill>
+            </a:endParaRPr>
+          </a:p>
+        </p:txBody>
+      </p:sp>
+      <p:sp>
+        <p:nvSpPr>
+          <p:cNvPr id="3" name="Rectangle 2"/>
+          <p:cNvSpPr/>
+          <p:nvPr/>
+        </p:nvSpPr>
+        <p:spPr>
+          <a:xfrm>
+            <a:off x="4573322" y="4725144"/>
+            <a:ext cx="3356263" cy="1944216"/>
+          </a:xfrm>
+          <a:prstGeom prst="rect">
+            <a:avLst/>
+          </a:prstGeom>
+          <a:solidFill>
+            <a:schemeClr val="tx1"/>
+          </a:solidFill>
+        </p:spPr>
+        <p:style>
+          <a:lnRef idx="2">
+            <a:schemeClr val="accent1">
+              <a:shade val="50000"/>
+            </a:schemeClr>
+          </a:lnRef>
+          <a:fillRef idx="1">
+            <a:schemeClr val="accent1"/>
+          </a:fillRef>
+          <a:effectRef idx="0">
+            <a:schemeClr val="accent1"/>
+          </a:effectRef>
+          <a:fontRef idx="minor">
+            <a:schemeClr val="lt1"/>
+          </a:fontRef>
+        </p:style>
+        <p:txBody>
+          <a:bodyPr rtlCol="0" anchor="ctr"/>
+          <a:lstStyle/>
+          <a:p>
+            <a:pPr algn="ctr"/>
+            <a:r>
+              <a:rPr lang="en-US" dirty="0" smtClean="0"/>
+              <a:t>Recharge your phone now</a:t>
+            </a:r>
+            <a:endParaRPr lang="en-US" dirty="0"/>
+          </a:p>
+        </p:txBody>
+      </p:sp>
+      <p:sp>
+        <p:nvSpPr>
+          <p:cNvPr id="5" name="Rectangle 4"/>
+          <p:cNvSpPr/>
+          <p:nvPr/>
+        </p:nvSpPr>
+        <p:spPr>
+          <a:xfrm>
+            <a:off x="7072330" y="4869160"/>
+            <a:ext cx="740030" cy="288032"/>
+          </a:xfrm>
+          <a:prstGeom prst="rect">
+            <a:avLst/>
+          </a:prstGeom>
+          <a:solidFill>
+            <a:schemeClr val="bg1"/>
+          </a:solidFill>
+          <a:ln>
+            <a:noFill/>
+          </a:ln>
+        </p:spPr>
+        <p:style>
+          <a:lnRef idx="2">
+            <a:schemeClr val="accent1">
+              <a:shade val="50000"/>
+            </a:schemeClr>
+          </a:lnRef>
+          <a:fillRef idx="1">
+            <a:schemeClr val="accent1"/>
+          </a:fillRef>
+          <a:effectRef idx="0">
+            <a:schemeClr val="accent1"/>
+          </a:effectRef>
+          <a:fontRef idx="minor">
+            <a:schemeClr val="lt1"/>
+          </a:fontRef>
+        </p:style>
+        <p:txBody>
+          <a:bodyPr rtlCol="0" anchor="ctr"/>
+          <a:lstStyle/>
+          <a:p>
+            <a:pPr algn="ctr"/>
+            <a:r>
+              <a:rPr lang="en-US" dirty="0" smtClean="0">
+                <a:solidFill>
+                  <a:schemeClr val="tx1"/>
+                </a:solidFill>
+              </a:rPr>
+              <a:t>ads</a:t>
+            </a:r>
+            <a:endParaRPr lang="en-US" dirty="0">
+              <a:solidFill>
+                <a:schemeClr val="tx1"/>
+              </a:solidFill>
+            </a:endParaRPr>
+          </a:p>
+        </p:txBody>
+      </p:sp>
+    </p:spTree>
+    <p:extLst>
+      <p:ext uri="{BB962C8B-B14F-4D97-AF65-F5344CB8AC3E}">
+        <p14:creationId xmlns:p14="http://schemas.microsoft.com/office/powerpoint/2010/main" val="292302721"/>
+      </p:ext>
+    </p:extLst>
+  </p:cSld>
+  <p:clrMapOvr>
+    <a:masterClrMapping/>
+  </p:clrMapOvr>
+</p:sld>
+</file>
+
+<file path=ppt/slides/slide13.xml><?xml version="1.0" encoding="utf-8"?>
+<p:sld xmlns:a="http://schemas.openxmlformats.org/drawingml/2006/main" xmlns:r="http://schemas.openxmlformats.org/officeDocument/2006/relationships" xmlns:p="http://schemas.openxmlformats.org/presentationml/2006/main">
+  <p:cSld>
+    <p:spTree>
+      <p:nvGrpSpPr>
+        <p:cNvPr id="1" name=""/>
+        <p:cNvGrpSpPr/>
+        <p:nvPr/>
+      </p:nvGrpSpPr>
+      <p:grpSpPr>
+        <a:xfrm>
+          <a:off x="0" y="0"/>
+          <a:ext cx="0" cy="0"/>
+          <a:chOff x="0" y="0"/>
+          <a:chExt cx="0" cy="0"/>
+        </a:xfrm>
+      </p:grpSpPr>
+      <p:sp>
+        <p:nvSpPr>
+          <p:cNvPr id="4" name="Rectangle 3"/>
+          <p:cNvSpPr/>
+          <p:nvPr/>
+        </p:nvSpPr>
+        <p:spPr>
+          <a:xfrm>
+            <a:off x="571472" y="1071546"/>
+            <a:ext cx="3357586" cy="5214974"/>
+          </a:xfrm>
+          <a:prstGeom prst="rect">
+            <a:avLst/>
+          </a:prstGeom>
+          <a:solidFill>
+            <a:srgbClr val="EE930C"/>
+          </a:solidFill>
+          <a:ln>
+            <a:noFill/>
+          </a:ln>
+        </p:spPr>
+        <p:style>
+          <a:lnRef idx="2">
+            <a:schemeClr val="accent1">
+              <a:shade val="50000"/>
+            </a:schemeClr>
+          </a:lnRef>
+          <a:fillRef idx="1">
+            <a:schemeClr val="accent1"/>
+          </a:fillRef>
+          <a:effectRef idx="0">
+            <a:schemeClr val="accent1"/>
+          </a:effectRef>
+          <a:fontRef idx="minor">
+            <a:schemeClr val="lt1"/>
+          </a:fontRef>
+        </p:style>
+        <p:txBody>
+          <a:bodyPr rtlCol="0" anchor="ctr"/>
+          <a:lstStyle/>
+          <a:p>
+            <a:pPr algn="ctr"/>
+            <a:endParaRPr lang="en-GB"/>
+          </a:p>
+        </p:txBody>
+      </p:sp>
+      <p:sp>
+        <p:nvSpPr>
+          <p:cNvPr id="6" name="Rectangle 5"/>
+          <p:cNvSpPr/>
+          <p:nvPr/>
+        </p:nvSpPr>
+        <p:spPr>
+          <a:xfrm>
+            <a:off x="1142976" y="3286124"/>
+            <a:ext cx="2214578" cy="571504"/>
+          </a:xfrm>
+          <a:prstGeom prst="rect">
+            <a:avLst/>
+          </a:prstGeom>
+          <a:solidFill>
+            <a:schemeClr val="bg1"/>
+          </a:solidFill>
+          <a:ln>
+            <a:noFill/>
+          </a:ln>
         </p:spPr>
         <p:style>
           <a:lnRef idx="2">
@@ -4431,7 +6596,7 @@
                   <a:srgbClr val="EE930C"/>
                 </a:solidFill>
               </a:rPr>
-              <a:t>Live Score</a:t>
+              <a:t>Buy</a:t>
             </a:r>
             <a:endParaRPr lang="en-GB" dirty="0">
               <a:solidFill>
@@ -4443,14 +6608,236 @@
       </p:sp>
       <p:sp>
         <p:nvSpPr>
-          <p:cNvPr id="27" name="Rectangle 26"/>
-          <p:cNvSpPr/>
-          <p:nvPr/>
-        </p:nvSpPr>
-        <p:spPr>
-          <a:xfrm>
-            <a:off x="4499992" y="2924944"/>
-            <a:ext cx="3456384" cy="445158"/>
+          <p:cNvPr id="8" name="Rectangle 7"/>
+          <p:cNvSpPr/>
+          <p:nvPr/>
+        </p:nvSpPr>
+        <p:spPr>
+          <a:xfrm>
+            <a:off x="4572000" y="1000108"/>
+            <a:ext cx="3357586" cy="5669252"/>
+          </a:xfrm>
+          <a:prstGeom prst="rect">
+            <a:avLst/>
+          </a:prstGeom>
+          <a:solidFill>
+            <a:srgbClr val="EE930C"/>
+          </a:solidFill>
+          <a:ln>
+            <a:noFill/>
+          </a:ln>
+        </p:spPr>
+        <p:style>
+          <a:lnRef idx="2">
+            <a:schemeClr val="accent1">
+              <a:shade val="50000"/>
+            </a:schemeClr>
+          </a:lnRef>
+          <a:fillRef idx="1">
+            <a:schemeClr val="accent1"/>
+          </a:fillRef>
+          <a:effectRef idx="0">
+            <a:schemeClr val="accent1"/>
+          </a:effectRef>
+          <a:fontRef idx="minor">
+            <a:schemeClr val="lt1"/>
+          </a:fontRef>
+        </p:style>
+        <p:txBody>
+          <a:bodyPr rtlCol="0" anchor="ctr"/>
+          <a:lstStyle/>
+          <a:p>
+            <a:pPr algn="ctr"/>
+            <a:endParaRPr lang="en-GB"/>
+          </a:p>
+        </p:txBody>
+      </p:sp>
+      <p:sp>
+        <p:nvSpPr>
+          <p:cNvPr id="12" name="TextBox 11"/>
+          <p:cNvSpPr txBox="1"/>
+          <p:nvPr/>
+        </p:nvSpPr>
+        <p:spPr>
+          <a:xfrm>
+            <a:off x="5929322" y="1071546"/>
+            <a:ext cx="642942" cy="369332"/>
+          </a:xfrm>
+          <a:prstGeom prst="rect">
+            <a:avLst/>
+          </a:prstGeom>
+          <a:noFill/>
+        </p:spPr>
+        <p:txBody>
+          <a:bodyPr wrap="square" rtlCol="0">
+            <a:spAutoFit/>
+          </a:bodyPr>
+          <a:lstStyle/>
+          <a:p>
+            <a:r>
+              <a:rPr lang="en-GB" dirty="0" smtClean="0">
+                <a:solidFill>
+                  <a:schemeClr val="bg1"/>
+                </a:solidFill>
+              </a:rPr>
+              <a:t>BBN</a:t>
+            </a:r>
+            <a:endParaRPr lang="en-GB" dirty="0">
+              <a:solidFill>
+                <a:schemeClr val="bg1"/>
+              </a:solidFill>
+            </a:endParaRPr>
+          </a:p>
+        </p:txBody>
+      </p:sp>
+      <p:sp>
+        <p:nvSpPr>
+          <p:cNvPr id="14" name="Rectangle 13"/>
+          <p:cNvSpPr/>
+          <p:nvPr/>
+        </p:nvSpPr>
+        <p:spPr>
+          <a:xfrm>
+            <a:off x="4714876" y="1142984"/>
+            <a:ext cx="357190" cy="71438"/>
+          </a:xfrm>
+          <a:prstGeom prst="rect">
+            <a:avLst/>
+          </a:prstGeom>
+          <a:solidFill>
+            <a:schemeClr val="bg1"/>
+          </a:solidFill>
+          <a:ln>
+            <a:noFill/>
+          </a:ln>
+        </p:spPr>
+        <p:style>
+          <a:lnRef idx="2">
+            <a:schemeClr val="accent1">
+              <a:shade val="50000"/>
+            </a:schemeClr>
+          </a:lnRef>
+          <a:fillRef idx="1">
+            <a:schemeClr val="accent1"/>
+          </a:fillRef>
+          <a:effectRef idx="0">
+            <a:schemeClr val="accent1"/>
+          </a:effectRef>
+          <a:fontRef idx="minor">
+            <a:schemeClr val="lt1"/>
+          </a:fontRef>
+        </p:style>
+        <p:txBody>
+          <a:bodyPr rtlCol="0" anchor="ctr"/>
+          <a:lstStyle/>
+          <a:p>
+            <a:pPr algn="ctr"/>
+            <a:endParaRPr lang="en-GB"/>
+          </a:p>
+        </p:txBody>
+      </p:sp>
+      <p:sp>
+        <p:nvSpPr>
+          <p:cNvPr id="15" name="Rectangle 14"/>
+          <p:cNvSpPr/>
+          <p:nvPr/>
+        </p:nvSpPr>
+        <p:spPr>
+          <a:xfrm>
+            <a:off x="4714876" y="1285860"/>
+            <a:ext cx="357190" cy="71438"/>
+          </a:xfrm>
+          <a:prstGeom prst="rect">
+            <a:avLst/>
+          </a:prstGeom>
+          <a:solidFill>
+            <a:schemeClr val="bg1"/>
+          </a:solidFill>
+          <a:ln>
+            <a:noFill/>
+          </a:ln>
+        </p:spPr>
+        <p:style>
+          <a:lnRef idx="2">
+            <a:schemeClr val="accent1">
+              <a:shade val="50000"/>
+            </a:schemeClr>
+          </a:lnRef>
+          <a:fillRef idx="1">
+            <a:schemeClr val="accent1"/>
+          </a:fillRef>
+          <a:effectRef idx="0">
+            <a:schemeClr val="accent1"/>
+          </a:effectRef>
+          <a:fontRef idx="minor">
+            <a:schemeClr val="lt1"/>
+          </a:fontRef>
+        </p:style>
+        <p:txBody>
+          <a:bodyPr rtlCol="0" anchor="ctr"/>
+          <a:lstStyle/>
+          <a:p>
+            <a:pPr algn="ctr"/>
+            <a:endParaRPr lang="en-GB"/>
+          </a:p>
+        </p:txBody>
+      </p:sp>
+      <p:sp>
+        <p:nvSpPr>
+          <p:cNvPr id="16" name="Rectangle 15"/>
+          <p:cNvSpPr/>
+          <p:nvPr/>
+        </p:nvSpPr>
+        <p:spPr>
+          <a:xfrm>
+            <a:off x="4714876" y="1428736"/>
+            <a:ext cx="357190" cy="71438"/>
+          </a:xfrm>
+          <a:prstGeom prst="rect">
+            <a:avLst/>
+          </a:prstGeom>
+          <a:solidFill>
+            <a:schemeClr val="bg1"/>
+          </a:solidFill>
+          <a:ln>
+            <a:noFill/>
+          </a:ln>
+        </p:spPr>
+        <p:style>
+          <a:lnRef idx="2">
+            <a:schemeClr val="accent1">
+              <a:shade val="50000"/>
+            </a:schemeClr>
+          </a:lnRef>
+          <a:fillRef idx="1">
+            <a:schemeClr val="accent1"/>
+          </a:fillRef>
+          <a:effectRef idx="0">
+            <a:schemeClr val="accent1"/>
+          </a:effectRef>
+          <a:fontRef idx="minor">
+            <a:schemeClr val="lt1"/>
+          </a:fontRef>
+        </p:style>
+        <p:txBody>
+          <a:bodyPr rtlCol="0" anchor="ctr"/>
+          <a:lstStyle/>
+          <a:p>
+            <a:pPr algn="ctr"/>
+            <a:endParaRPr lang="en-GB"/>
+          </a:p>
+        </p:txBody>
+      </p:sp>
+      <p:sp>
+        <p:nvSpPr>
+          <p:cNvPr id="23" name="Rectangle 22"/>
+          <p:cNvSpPr/>
+          <p:nvPr/>
+        </p:nvSpPr>
+        <p:spPr>
+          <a:xfrm>
+            <a:off x="4572000" y="1928802"/>
+            <a:ext cx="3357586" cy="4286256"/>
           </a:xfrm>
           <a:prstGeom prst="rect">
             <a:avLst/>
@@ -4462,13 +6849,107 @@
             <a:noFill/>
           </a:ln>
           <a:effectLst>
-            <a:glow rad="63500">
-              <a:schemeClr val="accent1">
-                <a:satMod val="175000"/>
+            <a:outerShdw blurRad="63500" sx="102000" sy="102000" algn="ctr" rotWithShape="0">
+              <a:prstClr val="black">
                 <a:alpha val="40000"/>
-              </a:schemeClr>
-            </a:glow>
+              </a:prstClr>
+            </a:outerShdw>
           </a:effectLst>
+        </p:spPr>
+        <p:style>
+          <a:lnRef idx="2">
+            <a:schemeClr val="accent1">
+              <a:shade val="50000"/>
+            </a:schemeClr>
+          </a:lnRef>
+          <a:fillRef idx="1">
+            <a:schemeClr val="accent1"/>
+          </a:fillRef>
+          <a:effectRef idx="0">
+            <a:schemeClr val="accent1"/>
+          </a:effectRef>
+          <a:fontRef idx="minor">
+            <a:schemeClr val="lt1"/>
+          </a:fontRef>
+        </p:style>
+        <p:txBody>
+          <a:bodyPr rtlCol="0" anchor="ctr"/>
+          <a:lstStyle/>
+          <a:p>
+            <a:pPr algn="ctr"/>
+            <a:endParaRPr lang="en-GB"/>
+          </a:p>
+        </p:txBody>
+      </p:sp>
+      <p:sp>
+        <p:nvSpPr>
+          <p:cNvPr id="30" name="Rectangle 29"/>
+          <p:cNvSpPr/>
+          <p:nvPr/>
+        </p:nvSpPr>
+        <p:spPr>
+          <a:xfrm>
+            <a:off x="5429256" y="1571612"/>
+            <a:ext cx="1785950" cy="285752"/>
+          </a:xfrm>
+          <a:prstGeom prst="rect">
+            <a:avLst/>
+          </a:prstGeom>
+          <a:solidFill>
+            <a:srgbClr val="EE930C"/>
+          </a:solidFill>
+          <a:ln>
+            <a:noFill/>
+          </a:ln>
+        </p:spPr>
+        <p:style>
+          <a:lnRef idx="2">
+            <a:schemeClr val="accent1">
+              <a:shade val="50000"/>
+            </a:schemeClr>
+          </a:lnRef>
+          <a:fillRef idx="1">
+            <a:schemeClr val="accent1"/>
+          </a:fillRef>
+          <a:effectRef idx="0">
+            <a:schemeClr val="accent1"/>
+          </a:effectRef>
+          <a:fontRef idx="minor">
+            <a:schemeClr val="lt1"/>
+          </a:fontRef>
+        </p:style>
+        <p:txBody>
+          <a:bodyPr rtlCol="0" anchor="ctr"/>
+          <a:lstStyle/>
+          <a:p>
+            <a:pPr algn="ctr"/>
+            <a:r>
+              <a:rPr lang="en-GB" dirty="0" smtClean="0"/>
+              <a:t>Market place</a:t>
+            </a:r>
+            <a:endParaRPr lang="en-GB" dirty="0"/>
+          </a:p>
+        </p:txBody>
+      </p:sp>
+      <p:sp>
+        <p:nvSpPr>
+          <p:cNvPr id="35" name="Rectangle 34"/>
+          <p:cNvSpPr/>
+          <p:nvPr/>
+        </p:nvSpPr>
+        <p:spPr>
+          <a:xfrm>
+            <a:off x="4573322" y="2060848"/>
+            <a:ext cx="3356263" cy="570364"/>
+          </a:xfrm>
+          <a:prstGeom prst="rect">
+            <a:avLst/>
+          </a:prstGeom>
+          <a:solidFill>
+            <a:schemeClr val="bg1">
+              <a:lumMod val="75000"/>
+            </a:schemeClr>
+          </a:solidFill>
         </p:spPr>
         <p:style>
           <a:lnRef idx="2">
@@ -4494,23 +6975,805 @@
             <a:r>
               <a:rPr lang="en-GB" dirty="0" smtClean="0">
                 <a:solidFill>
-                  <a:srgbClr val="EE930C"/>
+                  <a:schemeClr val="tx1"/>
                 </a:solidFill>
               </a:rPr>
-              <a:t>Betting predicts</a:t>
+              <a:t>N 70,000</a:t>
             </a:r>
             <a:endParaRPr lang="en-GB" dirty="0">
               <a:solidFill>
-                <a:srgbClr val="EE930C"/>
+                <a:schemeClr val="tx1"/>
               </a:solidFill>
             </a:endParaRPr>
+          </a:p>
+        </p:txBody>
+      </p:sp>
+      <p:sp>
+        <p:nvSpPr>
+          <p:cNvPr id="41" name="Rectangle 40"/>
+          <p:cNvSpPr/>
+          <p:nvPr/>
+        </p:nvSpPr>
+        <p:spPr>
+          <a:xfrm>
+            <a:off x="4572000" y="6165304"/>
+            <a:ext cx="1750231" cy="714356"/>
+          </a:xfrm>
+          <a:prstGeom prst="rect">
+            <a:avLst/>
+          </a:prstGeom>
+          <a:solidFill>
+            <a:srgbClr val="EE930C"/>
+          </a:solidFill>
+        </p:spPr>
+        <p:style>
+          <a:lnRef idx="2">
+            <a:schemeClr val="accent1">
+              <a:shade val="50000"/>
+            </a:schemeClr>
+          </a:lnRef>
+          <a:fillRef idx="1">
+            <a:schemeClr val="accent1"/>
+          </a:fillRef>
+          <a:effectRef idx="0">
+            <a:schemeClr val="accent1"/>
+          </a:effectRef>
+          <a:fontRef idx="minor">
+            <a:schemeClr val="lt1"/>
+          </a:fontRef>
+        </p:style>
+        <p:txBody>
+          <a:bodyPr rtlCol="0" anchor="ctr"/>
+          <a:lstStyle/>
+          <a:p>
+            <a:pPr algn="ctr"/>
+            <a:r>
+              <a:rPr lang="en-GB" dirty="0" smtClean="0">
+                <a:solidFill>
+                  <a:schemeClr val="bg1"/>
+                </a:solidFill>
+              </a:rPr>
+              <a:t>More sellers</a:t>
+            </a:r>
+            <a:endParaRPr lang="en-GB" dirty="0">
+              <a:solidFill>
+                <a:schemeClr val="bg1"/>
+              </a:solidFill>
+            </a:endParaRPr>
+          </a:p>
+        </p:txBody>
+      </p:sp>
+      <p:sp>
+        <p:nvSpPr>
+          <p:cNvPr id="25" name="Rectangle 24"/>
+          <p:cNvSpPr/>
+          <p:nvPr/>
+        </p:nvSpPr>
+        <p:spPr>
+          <a:xfrm>
+            <a:off x="6213673" y="6165304"/>
+            <a:ext cx="1750231" cy="714356"/>
+          </a:xfrm>
+          <a:prstGeom prst="rect">
+            <a:avLst/>
+          </a:prstGeom>
+          <a:solidFill>
+            <a:srgbClr val="00B050"/>
+          </a:solidFill>
+        </p:spPr>
+        <p:style>
+          <a:lnRef idx="2">
+            <a:schemeClr val="accent1">
+              <a:shade val="50000"/>
+            </a:schemeClr>
+          </a:lnRef>
+          <a:fillRef idx="1">
+            <a:schemeClr val="accent1"/>
+          </a:fillRef>
+          <a:effectRef idx="0">
+            <a:schemeClr val="accent1"/>
+          </a:effectRef>
+          <a:fontRef idx="minor">
+            <a:schemeClr val="lt1"/>
+          </a:fontRef>
+        </p:style>
+        <p:txBody>
+          <a:bodyPr rtlCol="0" anchor="ctr"/>
+          <a:lstStyle/>
+          <a:p>
+            <a:pPr algn="ctr"/>
+            <a:r>
+              <a:rPr lang="en-GB" dirty="0" smtClean="0">
+                <a:solidFill>
+                  <a:schemeClr val="bg1"/>
+                </a:solidFill>
+              </a:rPr>
+              <a:t>Next</a:t>
+            </a:r>
+            <a:endParaRPr lang="en-GB" dirty="0">
+              <a:solidFill>
+                <a:schemeClr val="bg1"/>
+              </a:solidFill>
+            </a:endParaRPr>
+          </a:p>
+        </p:txBody>
+      </p:sp>
+      <p:sp>
+        <p:nvSpPr>
+          <p:cNvPr id="26" name="Rectangle 25"/>
+          <p:cNvSpPr/>
+          <p:nvPr/>
+        </p:nvSpPr>
+        <p:spPr>
+          <a:xfrm>
+            <a:off x="4572000" y="2642612"/>
+            <a:ext cx="3356263" cy="570364"/>
+          </a:xfrm>
+          <a:prstGeom prst="rect">
+            <a:avLst/>
+          </a:prstGeom>
+          <a:solidFill>
+            <a:schemeClr val="bg1"/>
+          </a:solidFill>
+        </p:spPr>
+        <p:style>
+          <a:lnRef idx="2">
+            <a:schemeClr val="accent1">
+              <a:shade val="50000"/>
+            </a:schemeClr>
+          </a:lnRef>
+          <a:fillRef idx="1">
+            <a:schemeClr val="accent1"/>
+          </a:fillRef>
+          <a:effectRef idx="0">
+            <a:schemeClr val="accent1"/>
+          </a:effectRef>
+          <a:fontRef idx="minor">
+            <a:schemeClr val="lt1"/>
+          </a:fontRef>
+        </p:style>
+        <p:txBody>
+          <a:bodyPr rtlCol="0" anchor="ctr"/>
+          <a:lstStyle/>
+          <a:p>
+            <a:pPr algn="ctr"/>
+            <a:r>
+              <a:rPr lang="en-GB" dirty="0" smtClean="0">
+                <a:solidFill>
+                  <a:schemeClr val="tx1"/>
+                </a:solidFill>
+              </a:rPr>
+              <a:t>N 50,000</a:t>
+            </a:r>
+            <a:endParaRPr lang="en-GB" dirty="0">
+              <a:solidFill>
+                <a:schemeClr val="tx1"/>
+              </a:solidFill>
+            </a:endParaRPr>
+          </a:p>
+        </p:txBody>
+      </p:sp>
+      <p:sp>
+        <p:nvSpPr>
+          <p:cNvPr id="3" name="Rectangle 2"/>
+          <p:cNvSpPr/>
+          <p:nvPr/>
+        </p:nvSpPr>
+        <p:spPr>
+          <a:xfrm>
+            <a:off x="4714876" y="2276872"/>
+            <a:ext cx="178595" cy="146866"/>
+          </a:xfrm>
+          <a:prstGeom prst="rect">
+            <a:avLst/>
+          </a:prstGeom>
+          <a:solidFill>
+            <a:schemeClr val="bg1"/>
+          </a:solidFill>
+          <a:ln>
+            <a:solidFill>
+              <a:schemeClr val="tx1"/>
+            </a:solidFill>
+          </a:ln>
+        </p:spPr>
+        <p:style>
+          <a:lnRef idx="2">
+            <a:schemeClr val="accent1">
+              <a:shade val="50000"/>
+            </a:schemeClr>
+          </a:lnRef>
+          <a:fillRef idx="1">
+            <a:schemeClr val="accent1"/>
+          </a:fillRef>
+          <a:effectRef idx="0">
+            <a:schemeClr val="accent1"/>
+          </a:effectRef>
+          <a:fontRef idx="minor">
+            <a:schemeClr val="lt1"/>
+          </a:fontRef>
+        </p:style>
+        <p:txBody>
+          <a:bodyPr rtlCol="0" anchor="ctr"/>
+          <a:lstStyle/>
+          <a:p>
+            <a:pPr algn="ctr"/>
+            <a:endParaRPr lang="en-US"/>
+          </a:p>
+        </p:txBody>
+      </p:sp>
+      <p:sp>
+        <p:nvSpPr>
+          <p:cNvPr id="27" name="Rectangle 26"/>
+          <p:cNvSpPr/>
+          <p:nvPr/>
+        </p:nvSpPr>
+        <p:spPr>
+          <a:xfrm>
+            <a:off x="4716016" y="2778078"/>
+            <a:ext cx="178595" cy="146866"/>
+          </a:xfrm>
+          <a:prstGeom prst="rect">
+            <a:avLst/>
+          </a:prstGeom>
+          <a:solidFill>
+            <a:schemeClr val="bg1"/>
+          </a:solidFill>
+          <a:ln>
+            <a:solidFill>
+              <a:schemeClr val="tx1"/>
+            </a:solidFill>
+          </a:ln>
+        </p:spPr>
+        <p:style>
+          <a:lnRef idx="2">
+            <a:schemeClr val="accent1">
+              <a:shade val="50000"/>
+            </a:schemeClr>
+          </a:lnRef>
+          <a:fillRef idx="1">
+            <a:schemeClr val="accent1"/>
+          </a:fillRef>
+          <a:effectRef idx="0">
+            <a:schemeClr val="accent1"/>
+          </a:effectRef>
+          <a:fontRef idx="minor">
+            <a:schemeClr val="lt1"/>
+          </a:fontRef>
+        </p:style>
+        <p:txBody>
+          <a:bodyPr rtlCol="0" anchor="ctr"/>
+          <a:lstStyle/>
+          <a:p>
+            <a:pPr algn="ctr"/>
+            <a:endParaRPr lang="en-US"/>
+          </a:p>
+        </p:txBody>
+      </p:sp>
+      <p:sp>
+        <p:nvSpPr>
+          <p:cNvPr id="28" name="Rectangle 27"/>
+          <p:cNvSpPr/>
+          <p:nvPr/>
+        </p:nvSpPr>
+        <p:spPr>
+          <a:xfrm>
+            <a:off x="4572000" y="3218676"/>
+            <a:ext cx="3356263" cy="570364"/>
+          </a:xfrm>
+          <a:prstGeom prst="rect">
+            <a:avLst/>
+          </a:prstGeom>
+          <a:solidFill>
+            <a:schemeClr val="bg1">
+              <a:lumMod val="75000"/>
+            </a:schemeClr>
+          </a:solidFill>
+        </p:spPr>
+        <p:style>
+          <a:lnRef idx="2">
+            <a:schemeClr val="accent1">
+              <a:shade val="50000"/>
+            </a:schemeClr>
+          </a:lnRef>
+          <a:fillRef idx="1">
+            <a:schemeClr val="accent1"/>
+          </a:fillRef>
+          <a:effectRef idx="0">
+            <a:schemeClr val="accent1"/>
+          </a:effectRef>
+          <a:fontRef idx="minor">
+            <a:schemeClr val="lt1"/>
+          </a:fontRef>
+        </p:style>
+        <p:txBody>
+          <a:bodyPr rtlCol="0" anchor="ctr"/>
+          <a:lstStyle/>
+          <a:p>
+            <a:pPr algn="ctr"/>
+            <a:r>
+              <a:rPr lang="en-GB" dirty="0" smtClean="0">
+                <a:solidFill>
+                  <a:schemeClr val="tx1"/>
+                </a:solidFill>
+              </a:rPr>
+              <a:t>N 100,000</a:t>
+            </a:r>
+            <a:endParaRPr lang="en-GB" dirty="0">
+              <a:solidFill>
+                <a:schemeClr val="tx1"/>
+              </a:solidFill>
+            </a:endParaRPr>
+          </a:p>
+        </p:txBody>
+      </p:sp>
+      <p:sp>
+        <p:nvSpPr>
+          <p:cNvPr id="29" name="Rectangle 28"/>
+          <p:cNvSpPr/>
+          <p:nvPr/>
+        </p:nvSpPr>
+        <p:spPr>
+          <a:xfrm>
+            <a:off x="4716016" y="3354142"/>
+            <a:ext cx="178595" cy="146866"/>
+          </a:xfrm>
+          <a:prstGeom prst="rect">
+            <a:avLst/>
+          </a:prstGeom>
+          <a:solidFill>
+            <a:schemeClr val="bg1"/>
+          </a:solidFill>
+          <a:ln>
+            <a:solidFill>
+              <a:schemeClr val="tx1"/>
+            </a:solidFill>
+          </a:ln>
+        </p:spPr>
+        <p:style>
+          <a:lnRef idx="2">
+            <a:schemeClr val="accent1">
+              <a:shade val="50000"/>
+            </a:schemeClr>
+          </a:lnRef>
+          <a:fillRef idx="1">
+            <a:schemeClr val="accent1"/>
+          </a:fillRef>
+          <a:effectRef idx="0">
+            <a:schemeClr val="accent1"/>
+          </a:effectRef>
+          <a:fontRef idx="minor">
+            <a:schemeClr val="lt1"/>
+          </a:fontRef>
+        </p:style>
+        <p:txBody>
+          <a:bodyPr rtlCol="0" anchor="ctr"/>
+          <a:lstStyle/>
+          <a:p>
+            <a:pPr algn="ctr"/>
+            <a:endParaRPr lang="en-US"/>
+          </a:p>
+        </p:txBody>
+      </p:sp>
+      <p:sp>
+        <p:nvSpPr>
+          <p:cNvPr id="31" name="Rectangle 30"/>
+          <p:cNvSpPr/>
+          <p:nvPr/>
+        </p:nvSpPr>
+        <p:spPr>
+          <a:xfrm>
+            <a:off x="4572000" y="3789040"/>
+            <a:ext cx="3356263" cy="570364"/>
+          </a:xfrm>
+          <a:prstGeom prst="rect">
+            <a:avLst/>
+          </a:prstGeom>
+          <a:solidFill>
+            <a:schemeClr val="bg1"/>
+          </a:solidFill>
+        </p:spPr>
+        <p:style>
+          <a:lnRef idx="2">
+            <a:schemeClr val="accent1">
+              <a:shade val="50000"/>
+            </a:schemeClr>
+          </a:lnRef>
+          <a:fillRef idx="1">
+            <a:schemeClr val="accent1"/>
+          </a:fillRef>
+          <a:effectRef idx="0">
+            <a:schemeClr val="accent1"/>
+          </a:effectRef>
+          <a:fontRef idx="minor">
+            <a:schemeClr val="lt1"/>
+          </a:fontRef>
+        </p:style>
+        <p:txBody>
+          <a:bodyPr rtlCol="0" anchor="ctr"/>
+          <a:lstStyle/>
+          <a:p>
+            <a:pPr algn="ctr"/>
+            <a:r>
+              <a:rPr lang="en-GB" dirty="0" smtClean="0">
+                <a:solidFill>
+                  <a:schemeClr val="tx1"/>
+                </a:solidFill>
+              </a:rPr>
+              <a:t>N 55,000</a:t>
+            </a:r>
+            <a:endParaRPr lang="en-GB" dirty="0">
+              <a:solidFill>
+                <a:schemeClr val="tx1"/>
+              </a:solidFill>
+            </a:endParaRPr>
+          </a:p>
+        </p:txBody>
+      </p:sp>
+      <p:sp>
+        <p:nvSpPr>
+          <p:cNvPr id="42" name="Rectangle 41"/>
+          <p:cNvSpPr/>
+          <p:nvPr/>
+        </p:nvSpPr>
+        <p:spPr>
+          <a:xfrm>
+            <a:off x="4716016" y="3924506"/>
+            <a:ext cx="178595" cy="146866"/>
+          </a:xfrm>
+          <a:prstGeom prst="rect">
+            <a:avLst/>
+          </a:prstGeom>
+          <a:solidFill>
+            <a:schemeClr val="bg1"/>
+          </a:solidFill>
+          <a:ln>
+            <a:solidFill>
+              <a:schemeClr val="tx1"/>
+            </a:solidFill>
+          </a:ln>
+        </p:spPr>
+        <p:style>
+          <a:lnRef idx="2">
+            <a:schemeClr val="accent1">
+              <a:shade val="50000"/>
+            </a:schemeClr>
+          </a:lnRef>
+          <a:fillRef idx="1">
+            <a:schemeClr val="accent1"/>
+          </a:fillRef>
+          <a:effectRef idx="0">
+            <a:schemeClr val="accent1"/>
+          </a:effectRef>
+          <a:fontRef idx="minor">
+            <a:schemeClr val="lt1"/>
+          </a:fontRef>
+        </p:style>
+        <p:txBody>
+          <a:bodyPr rtlCol="0" anchor="ctr"/>
+          <a:lstStyle/>
+          <a:p>
+            <a:pPr algn="ctr"/>
+            <a:endParaRPr lang="en-US"/>
+          </a:p>
+        </p:txBody>
+      </p:sp>
+      <p:sp>
+        <p:nvSpPr>
+          <p:cNvPr id="43" name="Rectangle 42"/>
+          <p:cNvSpPr/>
+          <p:nvPr/>
+        </p:nvSpPr>
+        <p:spPr>
+          <a:xfrm>
+            <a:off x="4572000" y="4365104"/>
+            <a:ext cx="3356263" cy="570364"/>
+          </a:xfrm>
+          <a:prstGeom prst="rect">
+            <a:avLst/>
+          </a:prstGeom>
+          <a:solidFill>
+            <a:schemeClr val="bg1">
+              <a:lumMod val="75000"/>
+            </a:schemeClr>
+          </a:solidFill>
+        </p:spPr>
+        <p:style>
+          <a:lnRef idx="2">
+            <a:schemeClr val="accent1">
+              <a:shade val="50000"/>
+            </a:schemeClr>
+          </a:lnRef>
+          <a:fillRef idx="1">
+            <a:schemeClr val="accent1"/>
+          </a:fillRef>
+          <a:effectRef idx="0">
+            <a:schemeClr val="accent1"/>
+          </a:effectRef>
+          <a:fontRef idx="minor">
+            <a:schemeClr val="lt1"/>
+          </a:fontRef>
+        </p:style>
+        <p:txBody>
+          <a:bodyPr rtlCol="0" anchor="ctr"/>
+          <a:lstStyle/>
+          <a:p>
+            <a:pPr algn="ctr"/>
+            <a:r>
+              <a:rPr lang="en-GB" dirty="0" smtClean="0">
+                <a:solidFill>
+                  <a:schemeClr val="tx1"/>
+                </a:solidFill>
+              </a:rPr>
+              <a:t>N 200,000</a:t>
+            </a:r>
+            <a:endParaRPr lang="en-GB" dirty="0">
+              <a:solidFill>
+                <a:schemeClr val="tx1"/>
+              </a:solidFill>
+            </a:endParaRPr>
+          </a:p>
+        </p:txBody>
+      </p:sp>
+      <p:sp>
+        <p:nvSpPr>
+          <p:cNvPr id="44" name="Rectangle 43"/>
+          <p:cNvSpPr/>
+          <p:nvPr/>
+        </p:nvSpPr>
+        <p:spPr>
+          <a:xfrm>
+            <a:off x="4716016" y="4500570"/>
+            <a:ext cx="178595" cy="146866"/>
+          </a:xfrm>
+          <a:prstGeom prst="rect">
+            <a:avLst/>
+          </a:prstGeom>
+          <a:solidFill>
+            <a:schemeClr val="bg1"/>
+          </a:solidFill>
+          <a:ln>
+            <a:solidFill>
+              <a:schemeClr val="tx1"/>
+            </a:solidFill>
+          </a:ln>
+        </p:spPr>
+        <p:style>
+          <a:lnRef idx="2">
+            <a:schemeClr val="accent1">
+              <a:shade val="50000"/>
+            </a:schemeClr>
+          </a:lnRef>
+          <a:fillRef idx="1">
+            <a:schemeClr val="accent1"/>
+          </a:fillRef>
+          <a:effectRef idx="0">
+            <a:schemeClr val="accent1"/>
+          </a:effectRef>
+          <a:fontRef idx="minor">
+            <a:schemeClr val="lt1"/>
+          </a:fontRef>
+        </p:style>
+        <p:txBody>
+          <a:bodyPr rtlCol="0" anchor="ctr"/>
+          <a:lstStyle/>
+          <a:p>
+            <a:pPr algn="ctr"/>
+            <a:endParaRPr lang="en-US"/>
+          </a:p>
+        </p:txBody>
+      </p:sp>
+      <p:sp>
+        <p:nvSpPr>
+          <p:cNvPr id="45" name="Rectangle 44"/>
+          <p:cNvSpPr/>
+          <p:nvPr/>
+        </p:nvSpPr>
+        <p:spPr>
+          <a:xfrm>
+            <a:off x="4572000" y="4941168"/>
+            <a:ext cx="3356263" cy="570364"/>
+          </a:xfrm>
+          <a:prstGeom prst="rect">
+            <a:avLst/>
+          </a:prstGeom>
+          <a:solidFill>
+            <a:schemeClr val="bg1"/>
+          </a:solidFill>
+        </p:spPr>
+        <p:style>
+          <a:lnRef idx="2">
+            <a:schemeClr val="accent1">
+              <a:shade val="50000"/>
+            </a:schemeClr>
+          </a:lnRef>
+          <a:fillRef idx="1">
+            <a:schemeClr val="accent1"/>
+          </a:fillRef>
+          <a:effectRef idx="0">
+            <a:schemeClr val="accent1"/>
+          </a:effectRef>
+          <a:fontRef idx="minor">
+            <a:schemeClr val="lt1"/>
+          </a:fontRef>
+        </p:style>
+        <p:txBody>
+          <a:bodyPr rtlCol="0" anchor="ctr"/>
+          <a:lstStyle/>
+          <a:p>
+            <a:pPr algn="ctr"/>
+            <a:r>
+              <a:rPr lang="en-GB" dirty="0" smtClean="0">
+                <a:solidFill>
+                  <a:schemeClr val="tx1"/>
+                </a:solidFill>
+              </a:rPr>
+              <a:t>N 20,000</a:t>
+            </a:r>
+            <a:endParaRPr lang="en-GB" dirty="0">
+              <a:solidFill>
+                <a:schemeClr val="tx1"/>
+              </a:solidFill>
+            </a:endParaRPr>
+          </a:p>
+        </p:txBody>
+      </p:sp>
+      <p:sp>
+        <p:nvSpPr>
+          <p:cNvPr id="46" name="Rectangle 45"/>
+          <p:cNvSpPr/>
+          <p:nvPr/>
+        </p:nvSpPr>
+        <p:spPr>
+          <a:xfrm>
+            <a:off x="4716016" y="5076634"/>
+            <a:ext cx="178595" cy="146866"/>
+          </a:xfrm>
+          <a:prstGeom prst="rect">
+            <a:avLst/>
+          </a:prstGeom>
+          <a:solidFill>
+            <a:schemeClr val="bg1"/>
+          </a:solidFill>
+          <a:ln>
+            <a:solidFill>
+              <a:schemeClr val="tx1"/>
+            </a:solidFill>
+          </a:ln>
+        </p:spPr>
+        <p:style>
+          <a:lnRef idx="2">
+            <a:schemeClr val="accent1">
+              <a:shade val="50000"/>
+            </a:schemeClr>
+          </a:lnRef>
+          <a:fillRef idx="1">
+            <a:schemeClr val="accent1"/>
+          </a:fillRef>
+          <a:effectRef idx="0">
+            <a:schemeClr val="accent1"/>
+          </a:effectRef>
+          <a:fontRef idx="minor">
+            <a:schemeClr val="lt1"/>
+          </a:fontRef>
+        </p:style>
+        <p:txBody>
+          <a:bodyPr rtlCol="0" anchor="ctr"/>
+          <a:lstStyle/>
+          <a:p>
+            <a:pPr algn="ctr"/>
+            <a:endParaRPr lang="en-US"/>
+          </a:p>
+        </p:txBody>
+      </p:sp>
+      <p:sp>
+        <p:nvSpPr>
+          <p:cNvPr id="47" name="Rectangle 46"/>
+          <p:cNvSpPr/>
+          <p:nvPr/>
+        </p:nvSpPr>
+        <p:spPr>
+          <a:xfrm>
+            <a:off x="4572000" y="5517232"/>
+            <a:ext cx="3356263" cy="570364"/>
+          </a:xfrm>
+          <a:prstGeom prst="rect">
+            <a:avLst/>
+          </a:prstGeom>
+          <a:solidFill>
+            <a:schemeClr val="bg1">
+              <a:lumMod val="75000"/>
+            </a:schemeClr>
+          </a:solidFill>
+        </p:spPr>
+        <p:style>
+          <a:lnRef idx="2">
+            <a:schemeClr val="accent1">
+              <a:shade val="50000"/>
+            </a:schemeClr>
+          </a:lnRef>
+          <a:fillRef idx="1">
+            <a:schemeClr val="accent1"/>
+          </a:fillRef>
+          <a:effectRef idx="0">
+            <a:schemeClr val="accent1"/>
+          </a:effectRef>
+          <a:fontRef idx="minor">
+            <a:schemeClr val="lt1"/>
+          </a:fontRef>
+        </p:style>
+        <p:txBody>
+          <a:bodyPr rtlCol="0" anchor="ctr"/>
+          <a:lstStyle/>
+          <a:p>
+            <a:pPr algn="ctr"/>
+            <a:r>
+              <a:rPr lang="en-GB" dirty="0" smtClean="0">
+                <a:solidFill>
+                  <a:schemeClr val="tx1"/>
+                </a:solidFill>
+              </a:rPr>
+              <a:t>N 100,000</a:t>
+            </a:r>
+            <a:endParaRPr lang="en-GB" dirty="0">
+              <a:solidFill>
+                <a:schemeClr val="tx1"/>
+              </a:solidFill>
+            </a:endParaRPr>
+          </a:p>
+        </p:txBody>
+      </p:sp>
+      <p:sp>
+        <p:nvSpPr>
+          <p:cNvPr id="48" name="Rectangle 47"/>
+          <p:cNvSpPr/>
+          <p:nvPr/>
+        </p:nvSpPr>
+        <p:spPr>
+          <a:xfrm>
+            <a:off x="4716016" y="5652698"/>
+            <a:ext cx="178595" cy="146866"/>
+          </a:xfrm>
+          <a:prstGeom prst="rect">
+            <a:avLst/>
+          </a:prstGeom>
+          <a:solidFill>
+            <a:schemeClr val="bg1"/>
+          </a:solidFill>
+          <a:ln>
+            <a:solidFill>
+              <a:schemeClr val="tx1"/>
+            </a:solidFill>
+          </a:ln>
+        </p:spPr>
+        <p:style>
+          <a:lnRef idx="2">
+            <a:schemeClr val="accent1">
+              <a:shade val="50000"/>
+            </a:schemeClr>
+          </a:lnRef>
+          <a:fillRef idx="1">
+            <a:schemeClr val="accent1"/>
+          </a:fillRef>
+          <a:effectRef idx="0">
+            <a:schemeClr val="accent1"/>
+          </a:effectRef>
+          <a:fontRef idx="minor">
+            <a:schemeClr val="lt1"/>
+          </a:fontRef>
+        </p:style>
+        <p:txBody>
+          <a:bodyPr rtlCol="0" anchor="ctr"/>
+          <a:lstStyle/>
+          <a:p>
+            <a:pPr algn="ctr"/>
+            <a:endParaRPr lang="en-US"/>
           </a:p>
         </p:txBody>
       </p:sp>
     </p:spTree>
     <p:extLst>
       <p:ext uri="{BB962C8B-B14F-4D97-AF65-F5344CB8AC3E}">
-        <p14:creationId xmlns:p14="http://schemas.microsoft.com/office/powerpoint/2010/main" val="2206687156"/>
+        <p14:creationId xmlns:p14="http://schemas.microsoft.com/office/powerpoint/2010/main" val="435948118"/>
       </p:ext>
     </p:extLst>
   </p:cSld>
@@ -5740,13 +9003,13 @@
       </p:sp>
       <p:sp>
         <p:nvSpPr>
-          <p:cNvPr id="6" name="Rectangle 5"/>
-          <p:cNvSpPr/>
-          <p:nvPr/>
-        </p:nvSpPr>
-        <p:spPr>
-          <a:xfrm>
-            <a:off x="1142976" y="3429000"/>
+          <p:cNvPr id="5" name="Rectangle 4"/>
+          <p:cNvSpPr/>
+          <p:nvPr/>
+        </p:nvSpPr>
+        <p:spPr>
+          <a:xfrm>
+            <a:off x="1142976" y="2571744"/>
             <a:ext cx="2214578" cy="571504"/>
           </a:xfrm>
           <a:prstGeom prst="rect">
@@ -5786,11 +9049,127 @@
                   <a:srgbClr val="EE930C"/>
                 </a:solidFill>
               </a:rPr>
-              <a:t>Home Screen</a:t>
+              <a:t>Verify your no</a:t>
             </a:r>
             <a:endParaRPr lang="en-GB" dirty="0">
               <a:solidFill>
                 <a:srgbClr val="EE930C"/>
+              </a:solidFill>
+            </a:endParaRPr>
+          </a:p>
+        </p:txBody>
+      </p:sp>
+      <p:sp>
+        <p:nvSpPr>
+          <p:cNvPr id="6" name="Rectangle 5"/>
+          <p:cNvSpPr/>
+          <p:nvPr/>
+        </p:nvSpPr>
+        <p:spPr>
+          <a:xfrm>
+            <a:off x="1142976" y="3429000"/>
+            <a:ext cx="2214578" cy="571504"/>
+          </a:xfrm>
+          <a:prstGeom prst="rect">
+            <a:avLst/>
+          </a:prstGeom>
+          <a:solidFill>
+            <a:schemeClr val="bg1"/>
+          </a:solidFill>
+          <a:ln>
+            <a:noFill/>
+          </a:ln>
+        </p:spPr>
+        <p:style>
+          <a:lnRef idx="2">
+            <a:schemeClr val="accent1">
+              <a:shade val="50000"/>
+            </a:schemeClr>
+          </a:lnRef>
+          <a:fillRef idx="1">
+            <a:schemeClr val="accent1"/>
+          </a:fillRef>
+          <a:effectRef idx="0">
+            <a:schemeClr val="accent1"/>
+          </a:effectRef>
+          <a:fontRef idx="minor">
+            <a:schemeClr val="lt1"/>
+          </a:fontRef>
+        </p:style>
+        <p:txBody>
+          <a:bodyPr rtlCol="0" anchor="ctr"/>
+          <a:lstStyle/>
+          <a:p>
+            <a:pPr algn="ctr"/>
+            <a:r>
+              <a:rPr lang="en-GB" dirty="0" smtClean="0">
+                <a:solidFill>
+                  <a:srgbClr val="EE930C"/>
+                </a:solidFill>
+              </a:rPr>
+              <a:t>Enter code sent to phone</a:t>
+            </a:r>
+            <a:endParaRPr lang="en-GB" dirty="0">
+              <a:solidFill>
+                <a:srgbClr val="EE930C"/>
+              </a:solidFill>
+            </a:endParaRPr>
+          </a:p>
+        </p:txBody>
+      </p:sp>
+      <p:sp>
+        <p:nvSpPr>
+          <p:cNvPr id="7" name="Rectangle 6"/>
+          <p:cNvSpPr/>
+          <p:nvPr/>
+        </p:nvSpPr>
+        <p:spPr>
+          <a:xfrm>
+            <a:off x="1142976" y="4214818"/>
+            <a:ext cx="2214578" cy="571504"/>
+          </a:xfrm>
+          <a:prstGeom prst="rect">
+            <a:avLst/>
+          </a:prstGeom>
+          <a:solidFill>
+            <a:srgbClr val="EE930C"/>
+          </a:solidFill>
+          <a:ln>
+            <a:noFill/>
+          </a:ln>
+        </p:spPr>
+        <p:style>
+          <a:lnRef idx="2">
+            <a:schemeClr val="accent1">
+              <a:shade val="50000"/>
+            </a:schemeClr>
+          </a:lnRef>
+          <a:fillRef idx="1">
+            <a:schemeClr val="accent1"/>
+          </a:fillRef>
+          <a:effectRef idx="0">
+            <a:schemeClr val="accent1"/>
+          </a:effectRef>
+          <a:fontRef idx="minor">
+            <a:schemeClr val="lt1"/>
+          </a:fontRef>
+        </p:style>
+        <p:txBody>
+          <a:bodyPr rtlCol="0" anchor="ctr"/>
+          <a:lstStyle/>
+          <a:p>
+            <a:pPr algn="ctr"/>
+            <a:r>
+              <a:rPr lang="en-GB" dirty="0" smtClean="0">
+                <a:solidFill>
+                  <a:schemeClr val="bg1"/>
+                </a:solidFill>
+              </a:rPr>
+              <a:t>Resend code</a:t>
+            </a:r>
+            <a:endParaRPr lang="en-GB" dirty="0">
+              <a:solidFill>
+                <a:schemeClr val="bg1"/>
               </a:solidFill>
             </a:endParaRPr>
           </a:p>
@@ -6020,52 +9399,156 @@
       </p:sp>
       <p:sp>
         <p:nvSpPr>
-          <p:cNvPr id="3" name="Rounded Rectangle 2"/>
-          <p:cNvSpPr/>
-          <p:nvPr/>
-        </p:nvSpPr>
-        <p:spPr>
-          <a:xfrm>
-            <a:off x="4932040" y="2348880"/>
-            <a:ext cx="1248455" cy="936104"/>
-          </a:xfrm>
-          <a:prstGeom prst="roundRect">
+          <p:cNvPr id="17" name="Rectangle 16"/>
+          <p:cNvSpPr/>
+          <p:nvPr/>
+        </p:nvSpPr>
+        <p:spPr>
+          <a:xfrm>
+            <a:off x="4572000" y="2357430"/>
+            <a:ext cx="2643206" cy="3929090"/>
+          </a:xfrm>
+          <a:prstGeom prst="rect">
             <a:avLst/>
           </a:prstGeom>
           <a:solidFill>
             <a:schemeClr val="bg1"/>
           </a:solidFill>
-        </p:spPr>
-        <p:style>
-          <a:lnRef idx="2">
-            <a:schemeClr val="accent1">
-              <a:shade val="50000"/>
-            </a:schemeClr>
-          </a:lnRef>
-          <a:fillRef idx="1">
-            <a:schemeClr val="accent1"/>
-          </a:fillRef>
-          <a:effectRef idx="0">
-            <a:schemeClr val="accent1"/>
-          </a:effectRef>
-          <a:fontRef idx="minor">
-            <a:schemeClr val="lt1"/>
-          </a:fontRef>
-        </p:style>
-        <p:txBody>
-          <a:bodyPr rtlCol="0" anchor="ctr"/>
-          <a:lstStyle/>
-          <a:p>
-            <a:pPr algn="ctr"/>
-            <a:r>
-              <a:rPr lang="en-US" sz="1600" dirty="0" smtClean="0">
+          <a:ln>
+            <a:noFill/>
+          </a:ln>
+          <a:effectLst>
+            <a:outerShdw blurRad="63500" sx="102000" sy="102000" algn="ctr" rotWithShape="0">
+              <a:prstClr val="black">
+                <a:alpha val="40000"/>
+              </a:prstClr>
+            </a:outerShdw>
+          </a:effectLst>
+        </p:spPr>
+        <p:style>
+          <a:lnRef idx="2">
+            <a:schemeClr val="accent1">
+              <a:shade val="50000"/>
+            </a:schemeClr>
+          </a:lnRef>
+          <a:fillRef idx="1">
+            <a:schemeClr val="accent1"/>
+          </a:fillRef>
+          <a:effectRef idx="0">
+            <a:schemeClr val="accent1"/>
+          </a:effectRef>
+          <a:fontRef idx="minor">
+            <a:schemeClr val="lt1"/>
+          </a:fontRef>
+        </p:style>
+        <p:txBody>
+          <a:bodyPr rtlCol="0" anchor="ctr"/>
+          <a:lstStyle/>
+          <a:p>
+            <a:pPr algn="ctr"/>
+            <a:endParaRPr lang="en-GB" dirty="0"/>
+          </a:p>
+        </p:txBody>
+      </p:sp>
+      <p:sp>
+        <p:nvSpPr>
+          <p:cNvPr id="19" name="Oval 18"/>
+          <p:cNvSpPr/>
+          <p:nvPr/>
+        </p:nvSpPr>
+        <p:spPr>
+          <a:xfrm>
+            <a:off x="4714876" y="2500306"/>
+            <a:ext cx="571504" cy="571504"/>
+          </a:xfrm>
+          <a:prstGeom prst="ellipse">
+            <a:avLst/>
+          </a:prstGeom>
+          <a:solidFill>
+            <a:srgbClr val="EE930C"/>
+          </a:solidFill>
+          <a:ln>
+            <a:noFill/>
+          </a:ln>
+        </p:spPr>
+        <p:style>
+          <a:lnRef idx="2">
+            <a:schemeClr val="accent1">
+              <a:shade val="50000"/>
+            </a:schemeClr>
+          </a:lnRef>
+          <a:fillRef idx="1">
+            <a:schemeClr val="accent1"/>
+          </a:fillRef>
+          <a:effectRef idx="0">
+            <a:schemeClr val="accent1"/>
+          </a:effectRef>
+          <a:fontRef idx="minor">
+            <a:schemeClr val="lt1"/>
+          </a:fontRef>
+        </p:style>
+        <p:txBody>
+          <a:bodyPr rtlCol="0" anchor="ctr"/>
+          <a:lstStyle/>
+          <a:p>
+            <a:pPr algn="ctr"/>
+            <a:r>
+              <a:rPr lang="en-GB" sz="1200" dirty="0" smtClean="0"/>
+              <a:t>PIC</a:t>
+            </a:r>
+            <a:endParaRPr lang="en-GB" sz="1200" dirty="0"/>
+          </a:p>
+        </p:txBody>
+      </p:sp>
+      <p:sp>
+        <p:nvSpPr>
+          <p:cNvPr id="20" name="Rectangle 19"/>
+          <p:cNvSpPr/>
+          <p:nvPr/>
+        </p:nvSpPr>
+        <p:spPr>
+          <a:xfrm>
+            <a:off x="5357818" y="2643182"/>
+            <a:ext cx="1357322" cy="214314"/>
+          </a:xfrm>
+          <a:prstGeom prst="rect">
+            <a:avLst/>
+          </a:prstGeom>
+          <a:noFill/>
+          <a:ln>
+            <a:noFill/>
+          </a:ln>
+        </p:spPr>
+        <p:style>
+          <a:lnRef idx="2">
+            <a:schemeClr val="accent1">
+              <a:shade val="50000"/>
+            </a:schemeClr>
+          </a:lnRef>
+          <a:fillRef idx="1">
+            <a:schemeClr val="accent1"/>
+          </a:fillRef>
+          <a:effectRef idx="0">
+            <a:schemeClr val="accent1"/>
+          </a:effectRef>
+          <a:fontRef idx="minor">
+            <a:schemeClr val="lt1"/>
+          </a:fontRef>
+        </p:style>
+        <p:txBody>
+          <a:bodyPr rtlCol="0" anchor="ctr"/>
+          <a:lstStyle/>
+          <a:p>
+            <a:pPr algn="ctr"/>
+            <a:r>
+              <a:rPr lang="en-GB" dirty="0" smtClean="0">
                 <a:solidFill>
                   <a:srgbClr val="EE930C"/>
                 </a:solidFill>
               </a:rPr>
-              <a:t>Investment</a:t>
-            </a:r>
-            <a:endParaRPr lang="en-US" sz="1600" dirty="0">
+              <a:t>Full name</a:t>
+            </a:r>
+            <a:endParaRPr lang="en-GB" dirty="0">
               <a:solidFill>
                 <a:srgbClr val="EE930C"/>
               </a:solidFill>
@@ -6073,62 +9556,154 @@
           </a:p>
         </p:txBody>
       </p:sp>
-      <p:sp>
-        <p:nvSpPr>
-          <p:cNvPr id="30" name="Rounded Rectangle 29"/>
-          <p:cNvSpPr/>
-          <p:nvPr/>
-        </p:nvSpPr>
-        <p:spPr>
-          <a:xfrm>
-            <a:off x="6347881" y="2348880"/>
-            <a:ext cx="1248455" cy="936104"/>
-          </a:xfrm>
-          <a:prstGeom prst="roundRect">
+      <p:cxnSp>
+        <p:nvCxnSpPr>
+          <p:cNvPr id="22" name="Straight Connector 21"/>
+          <p:cNvCxnSpPr/>
+          <p:nvPr/>
+        </p:nvCxnSpPr>
+        <p:spPr>
+          <a:xfrm>
+            <a:off x="4572000" y="3143248"/>
+            <a:ext cx="2643206" cy="1588"/>
+          </a:xfrm>
+          <a:prstGeom prst="line">
+            <a:avLst/>
+          </a:prstGeom>
+          <a:ln>
+            <a:solidFill>
+              <a:srgbClr val="EE930C"/>
+            </a:solidFill>
+          </a:ln>
+        </p:spPr>
+        <p:style>
+          <a:lnRef idx="1">
+            <a:schemeClr val="accent1"/>
+          </a:lnRef>
+          <a:fillRef idx="0">
+            <a:schemeClr val="accent1"/>
+          </a:fillRef>
+          <a:effectRef idx="0">
+            <a:schemeClr val="accent1"/>
+          </a:effectRef>
+          <a:fontRef idx="minor">
+            <a:schemeClr val="tx1"/>
+          </a:fontRef>
+        </p:style>
+      </p:cxnSp>
+      <p:sp>
+        <p:nvSpPr>
+          <p:cNvPr id="24" name="Rectangle 23"/>
+          <p:cNvSpPr/>
+          <p:nvPr/>
+        </p:nvSpPr>
+        <p:spPr>
+          <a:xfrm>
+            <a:off x="4572000" y="3143248"/>
+            <a:ext cx="2643206" cy="357190"/>
+          </a:xfrm>
+          <a:prstGeom prst="rect">
             <a:avLst/>
           </a:prstGeom>
           <a:solidFill>
             <a:schemeClr val="bg1"/>
           </a:solidFill>
-        </p:spPr>
-        <p:style>
-          <a:lnRef idx="2">
-            <a:schemeClr val="accent1">
-              <a:shade val="50000"/>
-            </a:schemeClr>
-          </a:lnRef>
-          <a:fillRef idx="1">
-            <a:schemeClr val="accent1"/>
-          </a:fillRef>
-          <a:effectRef idx="0">
-            <a:schemeClr val="accent1"/>
-          </a:effectRef>
-          <a:fontRef idx="minor">
-            <a:schemeClr val="lt1"/>
-          </a:fontRef>
-        </p:style>
-        <p:txBody>
-          <a:bodyPr rtlCol="0" anchor="ctr"/>
-          <a:lstStyle/>
-          <a:p>
-            <a:pPr algn="ctr"/>
-            <a:r>
-              <a:rPr lang="en-GB" sz="1200" dirty="0">
+          <a:ln>
+            <a:solidFill>
+              <a:srgbClr val="EE930C"/>
+            </a:solidFill>
+          </a:ln>
+        </p:spPr>
+        <p:style>
+          <a:lnRef idx="2">
+            <a:schemeClr val="accent1">
+              <a:shade val="50000"/>
+            </a:schemeClr>
+          </a:lnRef>
+          <a:fillRef idx="1">
+            <a:schemeClr val="accent1"/>
+          </a:fillRef>
+          <a:effectRef idx="0">
+            <a:schemeClr val="accent1"/>
+          </a:effectRef>
+          <a:fontRef idx="minor">
+            <a:schemeClr val="lt1"/>
+          </a:fontRef>
+        </p:style>
+        <p:txBody>
+          <a:bodyPr rtlCol="0" anchor="ctr"/>
+          <a:lstStyle/>
+          <a:p>
+            <a:pPr algn="ctr"/>
+            <a:r>
+              <a:rPr lang="en-GB" dirty="0" smtClean="0">
                 <a:solidFill>
                   <a:srgbClr val="EE930C"/>
                 </a:solidFill>
               </a:rPr>
-              <a:t>Trending/Blog / </a:t>
-            </a:r>
-            <a:r>
-              <a:rPr lang="en-GB" sz="1200" dirty="0" smtClean="0">
+              <a:t>My Investment</a:t>
+            </a:r>
+            <a:endParaRPr lang="en-GB" dirty="0">
+              <a:solidFill>
+                <a:srgbClr val="EE930C"/>
+              </a:solidFill>
+            </a:endParaRPr>
+          </a:p>
+        </p:txBody>
+      </p:sp>
+      <p:sp>
+        <p:nvSpPr>
+          <p:cNvPr id="25" name="Rectangle 24"/>
+          <p:cNvSpPr/>
+          <p:nvPr/>
+        </p:nvSpPr>
+        <p:spPr>
+          <a:xfrm>
+            <a:off x="4572000" y="3500438"/>
+            <a:ext cx="2643206" cy="357190"/>
+          </a:xfrm>
+          <a:prstGeom prst="rect">
+            <a:avLst/>
+          </a:prstGeom>
+          <a:solidFill>
+            <a:schemeClr val="bg1"/>
+          </a:solidFill>
+          <a:ln>
+            <a:solidFill>
+              <a:srgbClr val="EE930C"/>
+            </a:solidFill>
+          </a:ln>
+        </p:spPr>
+        <p:style>
+          <a:lnRef idx="2">
+            <a:schemeClr val="accent1">
+              <a:shade val="50000"/>
+            </a:schemeClr>
+          </a:lnRef>
+          <a:fillRef idx="1">
+            <a:schemeClr val="accent1"/>
+          </a:fillRef>
+          <a:effectRef idx="0">
+            <a:schemeClr val="accent1"/>
+          </a:effectRef>
+          <a:fontRef idx="minor">
+            <a:schemeClr val="lt1"/>
+          </a:fontRef>
+        </p:style>
+        <p:txBody>
+          <a:bodyPr rtlCol="0" anchor="ctr"/>
+          <a:lstStyle/>
+          <a:p>
+            <a:pPr algn="ctr"/>
+            <a:r>
+              <a:rPr lang="en-GB" dirty="0" smtClean="0">
                 <a:solidFill>
                   <a:srgbClr val="EE930C"/>
                 </a:solidFill>
               </a:rPr>
-              <a:t>Videos</a:t>
-            </a:r>
-            <a:endParaRPr lang="en-GB" sz="1200" dirty="0">
+              <a:t>Trending/Blog / Videos</a:t>
+            </a:r>
+            <a:endParaRPr lang="en-GB" dirty="0">
               <a:solidFill>
                 <a:srgbClr val="EE930C"/>
               </a:solidFill>
@@ -6138,60 +9713,117 @@
       </p:sp>
       <p:sp>
         <p:nvSpPr>
-          <p:cNvPr id="34" name="Rounded Rectangle 33"/>
-          <p:cNvSpPr/>
-          <p:nvPr/>
-        </p:nvSpPr>
-        <p:spPr>
-          <a:xfrm>
-            <a:off x="4932040" y="3429000"/>
-            <a:ext cx="1248455" cy="936104"/>
-          </a:xfrm>
-          <a:prstGeom prst="roundRect">
+          <p:cNvPr id="26" name="Rectangle 25"/>
+          <p:cNvSpPr/>
+          <p:nvPr/>
+        </p:nvSpPr>
+        <p:spPr>
+          <a:xfrm>
+            <a:off x="4572000" y="3857628"/>
+            <a:ext cx="2643206" cy="357190"/>
+          </a:xfrm>
+          <a:prstGeom prst="rect">
             <a:avLst/>
           </a:prstGeom>
           <a:solidFill>
             <a:schemeClr val="bg1"/>
           </a:solidFill>
-        </p:spPr>
-        <p:style>
-          <a:lnRef idx="2">
-            <a:schemeClr val="accent1">
-              <a:shade val="50000"/>
-            </a:schemeClr>
-          </a:lnRef>
-          <a:fillRef idx="1">
-            <a:schemeClr val="accent1"/>
-          </a:fillRef>
-          <a:effectRef idx="0">
-            <a:schemeClr val="accent1"/>
-          </a:effectRef>
-          <a:fontRef idx="minor">
-            <a:schemeClr val="lt1"/>
-          </a:fontRef>
-        </p:style>
-        <p:txBody>
-          <a:bodyPr rtlCol="0" anchor="ctr"/>
-          <a:lstStyle/>
-          <a:p>
-            <a:pPr algn="ctr"/>
-            <a:r>
-              <a:rPr lang="en-GB" sz="1600" dirty="0">
+          <a:ln>
+            <a:solidFill>
+              <a:srgbClr val="EE930C"/>
+            </a:solidFill>
+          </a:ln>
+        </p:spPr>
+        <p:style>
+          <a:lnRef idx="2">
+            <a:schemeClr val="accent1">
+              <a:shade val="50000"/>
+            </a:schemeClr>
+          </a:lnRef>
+          <a:fillRef idx="1">
+            <a:schemeClr val="accent1"/>
+          </a:fillRef>
+          <a:effectRef idx="0">
+            <a:schemeClr val="accent1"/>
+          </a:effectRef>
+          <a:fontRef idx="minor">
+            <a:schemeClr val="lt1"/>
+          </a:fontRef>
+        </p:style>
+        <p:txBody>
+          <a:bodyPr rtlCol="0" anchor="ctr"/>
+          <a:lstStyle/>
+          <a:p>
+            <a:pPr algn="ctr"/>
+            <a:r>
+              <a:rPr lang="en-GB" dirty="0" smtClean="0">
                 <a:solidFill>
                   <a:srgbClr val="EE930C"/>
                 </a:solidFill>
               </a:rPr>
-              <a:t>Sport News / </a:t>
-            </a:r>
-            <a:r>
-              <a:rPr lang="en-GB" sz="1600" dirty="0" smtClean="0">
+              <a:t>Sport News / Betting</a:t>
+            </a:r>
+            <a:endParaRPr lang="en-GB" dirty="0">
+              <a:solidFill>
+                <a:srgbClr val="EE930C"/>
+              </a:solidFill>
+            </a:endParaRPr>
+          </a:p>
+        </p:txBody>
+      </p:sp>
+      <p:sp>
+        <p:nvSpPr>
+          <p:cNvPr id="27" name="Rectangle 26"/>
+          <p:cNvSpPr/>
+          <p:nvPr/>
+        </p:nvSpPr>
+        <p:spPr>
+          <a:xfrm>
+            <a:off x="4572000" y="4214818"/>
+            <a:ext cx="2643206" cy="357190"/>
+          </a:xfrm>
+          <a:prstGeom prst="rect">
+            <a:avLst/>
+          </a:prstGeom>
+          <a:solidFill>
+            <a:schemeClr val="bg1"/>
+          </a:solidFill>
+          <a:ln>
+            <a:solidFill>
+              <a:srgbClr val="EE930C"/>
+            </a:solidFill>
+          </a:ln>
+        </p:spPr>
+        <p:style>
+          <a:lnRef idx="2">
+            <a:schemeClr val="accent1">
+              <a:shade val="50000"/>
+            </a:schemeClr>
+          </a:lnRef>
+          <a:fillRef idx="1">
+            <a:schemeClr val="accent1"/>
+          </a:fillRef>
+          <a:effectRef idx="0">
+            <a:schemeClr val="accent1"/>
+          </a:effectRef>
+          <a:fontRef idx="minor">
+            <a:schemeClr val="lt1"/>
+          </a:fontRef>
+        </p:style>
+        <p:txBody>
+          <a:bodyPr rtlCol="0" anchor="ctr"/>
+          <a:lstStyle/>
+          <a:p>
+            <a:pPr algn="ctr"/>
+            <a:r>
+              <a:rPr lang="en-GB" dirty="0" smtClean="0">
                 <a:solidFill>
                   <a:srgbClr val="EE930C"/>
                 </a:solidFill>
               </a:rPr>
-              <a:t>Betting</a:t>
-            </a:r>
-            <a:endParaRPr lang="en-GB" sz="1600" dirty="0">
+              <a:t>BBN Deals </a:t>
+            </a:r>
+            <a:endParaRPr lang="en-GB" dirty="0">
               <a:solidFill>
                 <a:srgbClr val="EE930C"/>
               </a:solidFill>
@@ -6201,223 +9833,367 @@
       </p:sp>
       <p:sp>
         <p:nvSpPr>
-          <p:cNvPr id="36" name="Rounded Rectangle 35"/>
-          <p:cNvSpPr/>
-          <p:nvPr/>
-        </p:nvSpPr>
-        <p:spPr>
-          <a:xfrm>
-            <a:off x="6347881" y="3429000"/>
-            <a:ext cx="1248455" cy="936104"/>
-          </a:xfrm>
-          <a:prstGeom prst="roundRect">
+          <p:cNvPr id="28" name="Rectangle 27"/>
+          <p:cNvSpPr/>
+          <p:nvPr/>
+        </p:nvSpPr>
+        <p:spPr>
+          <a:xfrm>
+            <a:off x="4572000" y="4572008"/>
+            <a:ext cx="2643206" cy="357190"/>
+          </a:xfrm>
+          <a:prstGeom prst="rect">
             <a:avLst/>
           </a:prstGeom>
           <a:solidFill>
             <a:schemeClr val="bg1"/>
           </a:solidFill>
-        </p:spPr>
-        <p:style>
-          <a:lnRef idx="2">
-            <a:schemeClr val="accent1">
-              <a:shade val="50000"/>
-            </a:schemeClr>
-          </a:lnRef>
-          <a:fillRef idx="1">
-            <a:schemeClr val="accent1"/>
-          </a:fillRef>
-          <a:effectRef idx="0">
-            <a:schemeClr val="accent1"/>
-          </a:effectRef>
-          <a:fontRef idx="minor">
-            <a:schemeClr val="lt1"/>
-          </a:fontRef>
-        </p:style>
-        <p:txBody>
-          <a:bodyPr rtlCol="0" anchor="ctr"/>
-          <a:lstStyle/>
-          <a:p>
-            <a:pPr algn="ctr"/>
-            <a:r>
-              <a:rPr lang="en-GB" sz="1600" dirty="0">
+          <a:ln>
+            <a:solidFill>
+              <a:srgbClr val="EE930C"/>
+            </a:solidFill>
+          </a:ln>
+        </p:spPr>
+        <p:style>
+          <a:lnRef idx="2">
+            <a:schemeClr val="accent1">
+              <a:shade val="50000"/>
+            </a:schemeClr>
+          </a:lnRef>
+          <a:fillRef idx="1">
+            <a:schemeClr val="accent1"/>
+          </a:fillRef>
+          <a:effectRef idx="0">
+            <a:schemeClr val="accent1"/>
+          </a:effectRef>
+          <a:fontRef idx="minor">
+            <a:schemeClr val="lt1"/>
+          </a:fontRef>
+        </p:style>
+        <p:txBody>
+          <a:bodyPr rtlCol="0" anchor="ctr"/>
+          <a:lstStyle/>
+          <a:p>
+            <a:pPr algn="ctr"/>
+            <a:r>
+              <a:rPr lang="en-GB" dirty="0" smtClean="0">
                 <a:solidFill>
                   <a:srgbClr val="EE930C"/>
                 </a:solidFill>
               </a:rPr>
-              <a:t>Deals </a:t>
-            </a:r>
-          </a:p>
-        </p:txBody>
-      </p:sp>
-      <p:sp>
-        <p:nvSpPr>
-          <p:cNvPr id="37" name="Rounded Rectangle 36"/>
-          <p:cNvSpPr/>
-          <p:nvPr/>
-        </p:nvSpPr>
-        <p:spPr>
-          <a:xfrm>
-            <a:off x="4932040" y="4509120"/>
-            <a:ext cx="1248455" cy="936104"/>
-          </a:xfrm>
-          <a:prstGeom prst="roundRect">
+              <a:t>Message</a:t>
+            </a:r>
+            <a:endParaRPr lang="en-GB" dirty="0">
+              <a:solidFill>
+                <a:srgbClr val="EE930C"/>
+              </a:solidFill>
+            </a:endParaRPr>
+          </a:p>
+        </p:txBody>
+      </p:sp>
+      <p:sp>
+        <p:nvSpPr>
+          <p:cNvPr id="29" name="Rectangle 28"/>
+          <p:cNvSpPr/>
+          <p:nvPr/>
+        </p:nvSpPr>
+        <p:spPr>
+          <a:xfrm>
+            <a:off x="4572000" y="4929198"/>
+            <a:ext cx="2643206" cy="357190"/>
+          </a:xfrm>
+          <a:prstGeom prst="rect">
             <a:avLst/>
           </a:prstGeom>
           <a:solidFill>
             <a:schemeClr val="bg1"/>
           </a:solidFill>
-        </p:spPr>
-        <p:style>
-          <a:lnRef idx="2">
-            <a:schemeClr val="accent1">
-              <a:shade val="50000"/>
-            </a:schemeClr>
-          </a:lnRef>
-          <a:fillRef idx="1">
-            <a:schemeClr val="accent1"/>
-          </a:fillRef>
-          <a:effectRef idx="0">
-            <a:schemeClr val="accent1"/>
-          </a:effectRef>
-          <a:fontRef idx="minor">
-            <a:schemeClr val="lt1"/>
-          </a:fontRef>
-        </p:style>
-        <p:txBody>
-          <a:bodyPr rtlCol="0" anchor="ctr"/>
-          <a:lstStyle/>
-          <a:p>
-            <a:pPr algn="ctr"/>
-            <a:endParaRPr lang="en-US"/>
-          </a:p>
-        </p:txBody>
-      </p:sp>
-      <p:sp>
-        <p:nvSpPr>
-          <p:cNvPr id="38" name="Rounded Rectangle 37"/>
-          <p:cNvSpPr/>
-          <p:nvPr/>
-        </p:nvSpPr>
-        <p:spPr>
-          <a:xfrm>
-            <a:off x="6347881" y="4509120"/>
-            <a:ext cx="1248455" cy="936104"/>
-          </a:xfrm>
-          <a:prstGeom prst="roundRect">
+          <a:ln>
+            <a:solidFill>
+              <a:srgbClr val="EE930C"/>
+            </a:solidFill>
+          </a:ln>
+        </p:spPr>
+        <p:style>
+          <a:lnRef idx="2">
+            <a:schemeClr val="accent1">
+              <a:shade val="50000"/>
+            </a:schemeClr>
+          </a:lnRef>
+          <a:fillRef idx="1">
+            <a:schemeClr val="accent1"/>
+          </a:fillRef>
+          <a:effectRef idx="0">
+            <a:schemeClr val="accent1"/>
+          </a:effectRef>
+          <a:fontRef idx="minor">
+            <a:schemeClr val="lt1"/>
+          </a:fontRef>
+        </p:style>
+        <p:txBody>
+          <a:bodyPr rtlCol="0" anchor="ctr"/>
+          <a:lstStyle/>
+          <a:p>
+            <a:pPr algn="ctr"/>
+            <a:r>
+              <a:rPr lang="en-GB" dirty="0" smtClean="0">
+                <a:solidFill>
+                  <a:srgbClr val="EE930C"/>
+                </a:solidFill>
+              </a:rPr>
+              <a:t>Notification</a:t>
+            </a:r>
+            <a:endParaRPr lang="en-GB" dirty="0">
+              <a:solidFill>
+                <a:srgbClr val="EE930C"/>
+              </a:solidFill>
+            </a:endParaRPr>
+          </a:p>
+        </p:txBody>
+      </p:sp>
+      <p:sp>
+        <p:nvSpPr>
+          <p:cNvPr id="31" name="Rectangle 30"/>
+          <p:cNvSpPr/>
+          <p:nvPr/>
+        </p:nvSpPr>
+        <p:spPr>
+          <a:xfrm>
+            <a:off x="4572000" y="5286388"/>
+            <a:ext cx="2643206" cy="1357322"/>
+          </a:xfrm>
+          <a:prstGeom prst="rect">
             <a:avLst/>
           </a:prstGeom>
           <a:solidFill>
             <a:schemeClr val="bg1"/>
           </a:solidFill>
-        </p:spPr>
-        <p:style>
-          <a:lnRef idx="2">
-            <a:schemeClr val="accent1">
-              <a:shade val="50000"/>
-            </a:schemeClr>
-          </a:lnRef>
-          <a:fillRef idx="1">
-            <a:schemeClr val="accent1"/>
-          </a:fillRef>
-          <a:effectRef idx="0">
-            <a:schemeClr val="accent1"/>
-          </a:effectRef>
-          <a:fontRef idx="minor">
-            <a:schemeClr val="lt1"/>
-          </a:fontRef>
-        </p:style>
-        <p:txBody>
-          <a:bodyPr rtlCol="0" anchor="ctr"/>
-          <a:lstStyle/>
-          <a:p>
-            <a:pPr algn="ctr"/>
-            <a:endParaRPr lang="en-US"/>
-          </a:p>
-        </p:txBody>
-      </p:sp>
-      <p:sp>
-        <p:nvSpPr>
-          <p:cNvPr id="39" name="Rounded Rectangle 38"/>
-          <p:cNvSpPr/>
-          <p:nvPr/>
-        </p:nvSpPr>
-        <p:spPr>
-          <a:xfrm>
-            <a:off x="4932040" y="5589240"/>
-            <a:ext cx="1248455" cy="936104"/>
-          </a:xfrm>
-          <a:prstGeom prst="roundRect">
+          <a:ln>
+            <a:solidFill>
+              <a:srgbClr val="EE930C"/>
+            </a:solidFill>
+          </a:ln>
+        </p:spPr>
+        <p:style>
+          <a:lnRef idx="2">
+            <a:schemeClr val="accent1">
+              <a:shade val="50000"/>
+            </a:schemeClr>
+          </a:lnRef>
+          <a:fillRef idx="1">
+            <a:schemeClr val="accent1"/>
+          </a:fillRef>
+          <a:effectRef idx="0">
+            <a:schemeClr val="accent1"/>
+          </a:effectRef>
+          <a:fontRef idx="minor">
+            <a:schemeClr val="lt1"/>
+          </a:fontRef>
+        </p:style>
+        <p:txBody>
+          <a:bodyPr rtlCol="0" anchor="ctr"/>
+          <a:lstStyle/>
+          <a:p>
+            <a:pPr algn="ctr"/>
+            <a:endParaRPr lang="en-GB" dirty="0" smtClean="0">
+              <a:solidFill>
+                <a:srgbClr val="EE930C"/>
+              </a:solidFill>
+            </a:endParaRPr>
+          </a:p>
+          <a:p>
+            <a:pPr algn="ctr"/>
+            <a:endParaRPr lang="en-GB" dirty="0">
+              <a:solidFill>
+                <a:srgbClr val="EE930C"/>
+              </a:solidFill>
+            </a:endParaRPr>
+          </a:p>
+          <a:p>
+            <a:pPr algn="ctr"/>
+            <a:r>
+              <a:rPr lang="en-GB" dirty="0" smtClean="0">
+                <a:solidFill>
+                  <a:srgbClr val="EE930C"/>
+                </a:solidFill>
+              </a:rPr>
+              <a:t>Google ads/customise ads</a:t>
+            </a:r>
+            <a:endParaRPr lang="en-GB" dirty="0">
+              <a:solidFill>
+                <a:srgbClr val="EE930C"/>
+              </a:solidFill>
+            </a:endParaRPr>
+          </a:p>
+        </p:txBody>
+      </p:sp>
+      <p:sp>
+        <p:nvSpPr>
+          <p:cNvPr id="32" name="Rectangle 31"/>
+          <p:cNvSpPr/>
+          <p:nvPr/>
+        </p:nvSpPr>
+        <p:spPr>
+          <a:xfrm>
+            <a:off x="4572000" y="5286388"/>
+            <a:ext cx="2643206" cy="357190"/>
+          </a:xfrm>
+          <a:prstGeom prst="rect">
             <a:avLst/>
           </a:prstGeom>
           <a:solidFill>
             <a:schemeClr val="bg1"/>
           </a:solidFill>
-        </p:spPr>
-        <p:style>
-          <a:lnRef idx="2">
-            <a:schemeClr val="accent1">
-              <a:shade val="50000"/>
-            </a:schemeClr>
-          </a:lnRef>
-          <a:fillRef idx="1">
-            <a:schemeClr val="accent1"/>
-          </a:fillRef>
-          <a:effectRef idx="0">
-            <a:schemeClr val="accent1"/>
-          </a:effectRef>
-          <a:fontRef idx="minor">
-            <a:schemeClr val="lt1"/>
-          </a:fontRef>
-        </p:style>
-        <p:txBody>
-          <a:bodyPr rtlCol="0" anchor="ctr"/>
-          <a:lstStyle/>
-          <a:p>
-            <a:pPr algn="ctr"/>
-            <a:endParaRPr lang="en-US"/>
-          </a:p>
-        </p:txBody>
-      </p:sp>
-      <p:sp>
-        <p:nvSpPr>
-          <p:cNvPr id="40" name="Rounded Rectangle 39"/>
-          <p:cNvSpPr/>
-          <p:nvPr/>
-        </p:nvSpPr>
-        <p:spPr>
-          <a:xfrm>
-            <a:off x="6347881" y="5589240"/>
-            <a:ext cx="1248455" cy="936104"/>
-          </a:xfrm>
-          <a:prstGeom prst="roundRect">
+          <a:ln>
+            <a:solidFill>
+              <a:srgbClr val="EE930C"/>
+            </a:solidFill>
+          </a:ln>
+        </p:spPr>
+        <p:style>
+          <a:lnRef idx="2">
+            <a:schemeClr val="accent1">
+              <a:shade val="50000"/>
+            </a:schemeClr>
+          </a:lnRef>
+          <a:fillRef idx="1">
+            <a:schemeClr val="accent1"/>
+          </a:fillRef>
+          <a:effectRef idx="0">
+            <a:schemeClr val="accent1"/>
+          </a:effectRef>
+          <a:fontRef idx="minor">
+            <a:schemeClr val="lt1"/>
+          </a:fontRef>
+        </p:style>
+        <p:txBody>
+          <a:bodyPr rtlCol="0" anchor="ctr"/>
+          <a:lstStyle/>
+          <a:p>
+            <a:pPr algn="ctr"/>
+            <a:r>
+              <a:rPr lang="en-GB" dirty="0" smtClean="0">
+                <a:solidFill>
+                  <a:srgbClr val="EE930C"/>
+                </a:solidFill>
+              </a:rPr>
+              <a:t>Settings</a:t>
+            </a:r>
+            <a:endParaRPr lang="en-GB" dirty="0">
+              <a:solidFill>
+                <a:srgbClr val="EE930C"/>
+              </a:solidFill>
+            </a:endParaRPr>
+          </a:p>
+        </p:txBody>
+      </p:sp>
+      <p:sp>
+        <p:nvSpPr>
+          <p:cNvPr id="33" name="Oval 32"/>
+          <p:cNvSpPr/>
+          <p:nvPr/>
+        </p:nvSpPr>
+        <p:spPr>
+          <a:xfrm>
+            <a:off x="6357950" y="4643446"/>
+            <a:ext cx="214314" cy="214314"/>
+          </a:xfrm>
+          <a:prstGeom prst="ellipse">
+            <a:avLst/>
+          </a:prstGeom>
+          <a:solidFill>
+            <a:srgbClr val="FF0000"/>
+          </a:solidFill>
+          <a:ln>
+            <a:noFill/>
+          </a:ln>
+        </p:spPr>
+        <p:style>
+          <a:lnRef idx="2">
+            <a:schemeClr val="accent1">
+              <a:shade val="50000"/>
+            </a:schemeClr>
+          </a:lnRef>
+          <a:fillRef idx="1">
+            <a:schemeClr val="accent1"/>
+          </a:fillRef>
+          <a:effectRef idx="0">
+            <a:schemeClr val="accent1"/>
+          </a:effectRef>
+          <a:fontRef idx="minor">
+            <a:schemeClr val="lt1"/>
+          </a:fontRef>
+        </p:style>
+        <p:txBody>
+          <a:bodyPr rtlCol="0" anchor="ctr"/>
+          <a:lstStyle/>
+          <a:p>
+            <a:pPr algn="ctr"/>
+            <a:r>
+              <a:rPr lang="en-GB" sz="900" dirty="0" smtClean="0"/>
+              <a:t>8</a:t>
+            </a:r>
+            <a:endParaRPr lang="en-GB" sz="900" dirty="0"/>
+          </a:p>
+        </p:txBody>
+      </p:sp>
+      <p:sp>
+        <p:nvSpPr>
+          <p:cNvPr id="35" name="Rectangle 34"/>
+          <p:cNvSpPr/>
+          <p:nvPr/>
+        </p:nvSpPr>
+        <p:spPr>
+          <a:xfrm>
+            <a:off x="4572000" y="5643578"/>
+            <a:ext cx="2643206" cy="357190"/>
+          </a:xfrm>
+          <a:prstGeom prst="rect">
             <a:avLst/>
           </a:prstGeom>
           <a:solidFill>
             <a:schemeClr val="bg1"/>
           </a:solidFill>
-        </p:spPr>
-        <p:style>
-          <a:lnRef idx="2">
-            <a:schemeClr val="accent1">
-              <a:shade val="50000"/>
-            </a:schemeClr>
-          </a:lnRef>
-          <a:fillRef idx="1">
-            <a:schemeClr val="accent1"/>
-          </a:fillRef>
-          <a:effectRef idx="0">
-            <a:schemeClr val="accent1"/>
-          </a:effectRef>
-          <a:fontRef idx="minor">
-            <a:schemeClr val="lt1"/>
-          </a:fontRef>
-        </p:style>
-        <p:txBody>
-          <a:bodyPr rtlCol="0" anchor="ctr"/>
-          <a:lstStyle/>
-          <a:p>
-            <a:pPr algn="ctr"/>
-            <a:endParaRPr lang="en-US"/>
+          <a:ln>
+            <a:solidFill>
+              <a:srgbClr val="EE930C"/>
+            </a:solidFill>
+          </a:ln>
+        </p:spPr>
+        <p:style>
+          <a:lnRef idx="2">
+            <a:schemeClr val="accent1">
+              <a:shade val="50000"/>
+            </a:schemeClr>
+          </a:lnRef>
+          <a:fillRef idx="1">
+            <a:schemeClr val="accent1"/>
+          </a:fillRef>
+          <a:effectRef idx="0">
+            <a:schemeClr val="accent1"/>
+          </a:effectRef>
+          <a:fontRef idx="minor">
+            <a:schemeClr val="lt1"/>
+          </a:fontRef>
+        </p:style>
+        <p:txBody>
+          <a:bodyPr rtlCol="0" anchor="ctr"/>
+          <a:lstStyle/>
+          <a:p>
+            <a:pPr algn="ctr"/>
+            <a:r>
+              <a:rPr lang="en-GB" dirty="0" smtClean="0">
+                <a:solidFill>
+                  <a:srgbClr val="EE930C"/>
+                </a:solidFill>
+              </a:rPr>
+              <a:t>Contact us</a:t>
+            </a:r>
+            <a:endParaRPr lang="en-GB" dirty="0">
+              <a:solidFill>
+                <a:srgbClr val="EE930C"/>
+              </a:solidFill>
+            </a:endParaRPr>
           </a:p>
         </p:txBody>
       </p:sp>
@@ -6448,33 +10224,14 @@
       </p:grpSpPr>
       <p:sp>
         <p:nvSpPr>
-          <p:cNvPr id="2" name="Title 1"/>
-          <p:cNvSpPr>
-            <a:spLocks noGrp="1"/>
-          </p:cNvSpPr>
-          <p:nvPr>
-            <p:ph type="title"/>
-          </p:nvPr>
-        </p:nvSpPr>
-        <p:spPr/>
-        <p:txBody>
-          <a:bodyPr/>
-          <a:lstStyle/>
-          <a:p>
-            <a:endParaRPr lang="en-GB"/>
-          </a:p>
-        </p:txBody>
-      </p:sp>
-      <p:sp>
-        <p:nvSpPr>
           <p:cNvPr id="4" name="Rectangle 3"/>
           <p:cNvSpPr/>
           <p:nvPr/>
         </p:nvSpPr>
         <p:spPr>
           <a:xfrm>
-            <a:off x="571472" y="1571612"/>
-            <a:ext cx="3357586" cy="4643470"/>
+            <a:off x="571472" y="1071546"/>
+            <a:ext cx="3357586" cy="5214974"/>
           </a:xfrm>
           <a:prstGeom prst="rect">
             <a:avLst/>
@@ -6513,13 +10270,13 @@
       </p:sp>
       <p:sp>
         <p:nvSpPr>
-          <p:cNvPr id="5" name="Rectangle 4"/>
-          <p:cNvSpPr/>
-          <p:nvPr/>
-        </p:nvSpPr>
-        <p:spPr>
-          <a:xfrm>
-            <a:off x="1142976" y="2571744"/>
+          <p:cNvPr id="6" name="Rectangle 5"/>
+          <p:cNvSpPr/>
+          <p:nvPr/>
+        </p:nvSpPr>
+        <p:spPr>
+          <a:xfrm>
+            <a:off x="1142976" y="3286124"/>
             <a:ext cx="2214578" cy="571504"/>
           </a:xfrm>
           <a:prstGeom prst="rect">
@@ -6559,7 +10316,7 @@
                   <a:srgbClr val="EE930C"/>
                 </a:solidFill>
               </a:rPr>
-              <a:t>Verify your no</a:t>
+              <a:t>My Investment</a:t>
             </a:r>
             <a:endParaRPr lang="en-GB" dirty="0">
               <a:solidFill>
@@ -6571,20 +10328,20 @@
       </p:sp>
       <p:sp>
         <p:nvSpPr>
-          <p:cNvPr id="6" name="Rectangle 5"/>
-          <p:cNvSpPr/>
-          <p:nvPr/>
-        </p:nvSpPr>
-        <p:spPr>
-          <a:xfrm>
-            <a:off x="1142976" y="3429000"/>
-            <a:ext cx="2214578" cy="571504"/>
-          </a:xfrm>
-          <a:prstGeom prst="rect">
-            <a:avLst/>
-          </a:prstGeom>
-          <a:solidFill>
-            <a:schemeClr val="bg1"/>
+          <p:cNvPr id="8" name="Rectangle 7"/>
+          <p:cNvSpPr/>
+          <p:nvPr/>
+        </p:nvSpPr>
+        <p:spPr>
+          <a:xfrm>
+            <a:off x="4572000" y="1000108"/>
+            <a:ext cx="3357586" cy="5669252"/>
+          </a:xfrm>
+          <a:prstGeom prst="rect">
+            <a:avLst/>
+          </a:prstGeom>
+          <a:solidFill>
+            <a:srgbClr val="EE930C"/>
           </a:solidFill>
           <a:ln>
             <a:noFill/>
@@ -6611,122 +10368,6 @@
           <a:lstStyle/>
           <a:p>
             <a:pPr algn="ctr"/>
-            <a:r>
-              <a:rPr lang="en-GB" dirty="0" smtClean="0">
-                <a:solidFill>
-                  <a:srgbClr val="EE930C"/>
-                </a:solidFill>
-              </a:rPr>
-              <a:t>Enter code sent to phone</a:t>
-            </a:r>
-            <a:endParaRPr lang="en-GB" dirty="0">
-              <a:solidFill>
-                <a:srgbClr val="EE930C"/>
-              </a:solidFill>
-            </a:endParaRPr>
-          </a:p>
-        </p:txBody>
-      </p:sp>
-      <p:sp>
-        <p:nvSpPr>
-          <p:cNvPr id="7" name="Rectangle 6"/>
-          <p:cNvSpPr/>
-          <p:nvPr/>
-        </p:nvSpPr>
-        <p:spPr>
-          <a:xfrm>
-            <a:off x="1142976" y="4214818"/>
-            <a:ext cx="2214578" cy="571504"/>
-          </a:xfrm>
-          <a:prstGeom prst="rect">
-            <a:avLst/>
-          </a:prstGeom>
-          <a:solidFill>
-            <a:srgbClr val="EE930C"/>
-          </a:solidFill>
-          <a:ln>
-            <a:noFill/>
-          </a:ln>
-        </p:spPr>
-        <p:style>
-          <a:lnRef idx="2">
-            <a:schemeClr val="accent1">
-              <a:shade val="50000"/>
-            </a:schemeClr>
-          </a:lnRef>
-          <a:fillRef idx="1">
-            <a:schemeClr val="accent1"/>
-          </a:fillRef>
-          <a:effectRef idx="0">
-            <a:schemeClr val="accent1"/>
-          </a:effectRef>
-          <a:fontRef idx="minor">
-            <a:schemeClr val="lt1"/>
-          </a:fontRef>
-        </p:style>
-        <p:txBody>
-          <a:bodyPr rtlCol="0" anchor="ctr"/>
-          <a:lstStyle/>
-          <a:p>
-            <a:pPr algn="ctr"/>
-            <a:r>
-              <a:rPr lang="en-GB" dirty="0" smtClean="0">
-                <a:solidFill>
-                  <a:schemeClr val="bg1"/>
-                </a:solidFill>
-              </a:rPr>
-              <a:t>Resend code</a:t>
-            </a:r>
-            <a:endParaRPr lang="en-GB" dirty="0">
-              <a:solidFill>
-                <a:schemeClr val="bg1"/>
-              </a:solidFill>
-            </a:endParaRPr>
-          </a:p>
-        </p:txBody>
-      </p:sp>
-      <p:sp>
-        <p:nvSpPr>
-          <p:cNvPr id="8" name="Rectangle 7"/>
-          <p:cNvSpPr/>
-          <p:nvPr/>
-        </p:nvSpPr>
-        <p:spPr>
-          <a:xfrm>
-            <a:off x="4572000" y="1643050"/>
-            <a:ext cx="3357586" cy="5000660"/>
-          </a:xfrm>
-          <a:prstGeom prst="rect">
-            <a:avLst/>
-          </a:prstGeom>
-          <a:solidFill>
-            <a:srgbClr val="EE930C"/>
-          </a:solidFill>
-          <a:ln>
-            <a:noFill/>
-          </a:ln>
-        </p:spPr>
-        <p:style>
-          <a:lnRef idx="2">
-            <a:schemeClr val="accent1">
-              <a:shade val="50000"/>
-            </a:schemeClr>
-          </a:lnRef>
-          <a:fillRef idx="1">
-            <a:schemeClr val="accent1"/>
-          </a:fillRef>
-          <a:effectRef idx="0">
-            <a:schemeClr val="accent1"/>
-          </a:effectRef>
-          <a:fontRef idx="minor">
-            <a:schemeClr val="lt1"/>
-          </a:fontRef>
-        </p:style>
-        <p:txBody>
-          <a:bodyPr rtlCol="0" anchor="ctr"/>
-          <a:lstStyle/>
-          <a:p>
-            <a:pPr algn="ctr"/>
             <a:endParaRPr lang="en-GB"/>
           </a:p>
         </p:txBody>
@@ -6739,7 +10380,7 @@
         </p:nvSpPr>
         <p:spPr>
           <a:xfrm>
-            <a:off x="5929322" y="1714488"/>
+            <a:off x="5929322" y="1071546"/>
             <a:ext cx="642942" cy="369332"/>
           </a:xfrm>
           <a:prstGeom prst="rect">
@@ -6777,7 +10418,7 @@
         </p:nvSpPr>
         <p:spPr>
           <a:xfrm>
-            <a:off x="4714876" y="1785926"/>
+            <a:off x="4714876" y="1142984"/>
             <a:ext cx="357190" cy="71438"/>
           </a:xfrm>
           <a:prstGeom prst="rect">
@@ -6823,7 +10464,7 @@
         </p:nvSpPr>
         <p:spPr>
           <a:xfrm>
-            <a:off x="4714876" y="1928802"/>
+            <a:off x="4714876" y="1285860"/>
             <a:ext cx="357190" cy="71438"/>
           </a:xfrm>
           <a:prstGeom prst="rect">
@@ -6869,7 +10510,7 @@
         </p:nvSpPr>
         <p:spPr>
           <a:xfrm>
-            <a:off x="4714876" y="2071678"/>
+            <a:off x="4714876" y="1428736"/>
             <a:ext cx="357190" cy="71438"/>
           </a:xfrm>
           <a:prstGeom prst="rect">
@@ -6909,14 +10550,14 @@
       </p:sp>
       <p:sp>
         <p:nvSpPr>
-          <p:cNvPr id="17" name="Rectangle 16"/>
-          <p:cNvSpPr/>
-          <p:nvPr/>
-        </p:nvSpPr>
-        <p:spPr>
-          <a:xfrm>
-            <a:off x="4572000" y="2357430"/>
-            <a:ext cx="2643206" cy="3929090"/>
+          <p:cNvPr id="23" name="Rectangle 22"/>
+          <p:cNvSpPr/>
+          <p:nvPr/>
+        </p:nvSpPr>
+        <p:spPr>
+          <a:xfrm>
+            <a:off x="4572000" y="1928802"/>
+            <a:ext cx="3357586" cy="4286256"/>
           </a:xfrm>
           <a:prstGeom prst="rect">
             <a:avLst/>
@@ -6956,22 +10597,22 @@
           <a:lstStyle/>
           <a:p>
             <a:pPr algn="ctr"/>
-            <a:endParaRPr lang="en-GB" dirty="0"/>
-          </a:p>
-        </p:txBody>
-      </p:sp>
-      <p:sp>
-        <p:nvSpPr>
-          <p:cNvPr id="19" name="Oval 18"/>
-          <p:cNvSpPr/>
-          <p:nvPr/>
-        </p:nvSpPr>
-        <p:spPr>
-          <a:xfrm>
-            <a:off x="4714876" y="2500306"/>
-            <a:ext cx="571504" cy="571504"/>
-          </a:xfrm>
-          <a:prstGeom prst="ellipse">
+            <a:endParaRPr lang="en-GB"/>
+          </a:p>
+        </p:txBody>
+      </p:sp>
+      <p:sp>
+        <p:nvSpPr>
+          <p:cNvPr id="30" name="Rectangle 29"/>
+          <p:cNvSpPr/>
+          <p:nvPr/>
+        </p:nvSpPr>
+        <p:spPr>
+          <a:xfrm>
+            <a:off x="5429256" y="1571612"/>
+            <a:ext cx="1785950" cy="285752"/>
+          </a:xfrm>
+          <a:prstGeom prst="rect">
             <a:avLst/>
           </a:prstGeom>
           <a:solidFill>
@@ -7003,31 +10644,30 @@
           <a:p>
             <a:pPr algn="ctr"/>
             <a:r>
-              <a:rPr lang="en-GB" sz="1200" dirty="0" smtClean="0"/>
-              <a:t>PIC</a:t>
-            </a:r>
-            <a:endParaRPr lang="en-GB" sz="1200" dirty="0"/>
-          </a:p>
-        </p:txBody>
-      </p:sp>
-      <p:sp>
-        <p:nvSpPr>
-          <p:cNvPr id="20" name="Rectangle 19"/>
-          <p:cNvSpPr/>
-          <p:nvPr/>
-        </p:nvSpPr>
-        <p:spPr>
-          <a:xfrm>
-            <a:off x="5357818" y="2643182"/>
-            <a:ext cx="1357322" cy="214314"/>
-          </a:xfrm>
-          <a:prstGeom prst="rect">
-            <a:avLst/>
-          </a:prstGeom>
-          <a:noFill/>
-          <a:ln>
-            <a:noFill/>
-          </a:ln>
+              <a:rPr lang="en-GB" dirty="0" smtClean="0"/>
+              <a:t>My Investment</a:t>
+            </a:r>
+            <a:endParaRPr lang="en-GB" dirty="0"/>
+          </a:p>
+        </p:txBody>
+      </p:sp>
+      <p:sp>
+        <p:nvSpPr>
+          <p:cNvPr id="32" name="Rectangle 31"/>
+          <p:cNvSpPr/>
+          <p:nvPr/>
+        </p:nvSpPr>
+        <p:spPr>
+          <a:xfrm>
+            <a:off x="4572000" y="4450792"/>
+            <a:ext cx="1714512" cy="571504"/>
+          </a:xfrm>
+          <a:prstGeom prst="rect">
+            <a:avLst/>
+          </a:prstGeom>
+          <a:solidFill>
+            <a:schemeClr val="bg1"/>
+          </a:solidFill>
         </p:spPr>
         <p:style>
           <a:lnRef idx="2">
@@ -7053,109 +10693,561 @@
             <a:r>
               <a:rPr lang="en-GB" dirty="0" smtClean="0">
                 <a:solidFill>
-                  <a:srgbClr val="EE930C"/>
+                  <a:schemeClr val="tx1"/>
                 </a:solidFill>
               </a:rPr>
-              <a:t>Full name</a:t>
+              <a:t>My balance</a:t>
             </a:r>
             <a:endParaRPr lang="en-GB" dirty="0">
               <a:solidFill>
-                <a:srgbClr val="EE930C"/>
+                <a:schemeClr val="tx1"/>
               </a:solidFill>
             </a:endParaRPr>
           </a:p>
         </p:txBody>
       </p:sp>
-      <p:cxnSp>
-        <p:nvCxnSpPr>
-          <p:cNvPr id="22" name="Straight Connector 21"/>
-          <p:cNvCxnSpPr/>
-          <p:nvPr/>
-        </p:nvCxnSpPr>
-        <p:spPr>
-          <a:xfrm>
-            <a:off x="4572000" y="3658704"/>
-            <a:ext cx="2643206" cy="1588"/>
-          </a:xfrm>
-          <a:prstGeom prst="line">
-            <a:avLst/>
-          </a:prstGeom>
+      <p:sp>
+        <p:nvSpPr>
+          <p:cNvPr id="33" name="Rectangle 32"/>
+          <p:cNvSpPr/>
+          <p:nvPr/>
+        </p:nvSpPr>
+        <p:spPr>
+          <a:xfrm>
+            <a:off x="4572000" y="3879288"/>
+            <a:ext cx="1714512" cy="571504"/>
+          </a:xfrm>
+          <a:prstGeom prst="rect">
+            <a:avLst/>
+          </a:prstGeom>
+          <a:solidFill>
+            <a:schemeClr val="bg1"/>
+          </a:solidFill>
+        </p:spPr>
+        <p:style>
+          <a:lnRef idx="2">
+            <a:schemeClr val="accent1">
+              <a:shade val="50000"/>
+            </a:schemeClr>
+          </a:lnRef>
+          <a:fillRef idx="1">
+            <a:schemeClr val="accent1"/>
+          </a:fillRef>
+          <a:effectRef idx="0">
+            <a:schemeClr val="accent1"/>
+          </a:effectRef>
+          <a:fontRef idx="minor">
+            <a:schemeClr val="lt1"/>
+          </a:fontRef>
+        </p:style>
+        <p:txBody>
+          <a:bodyPr rtlCol="0" anchor="ctr"/>
+          <a:lstStyle/>
+          <a:p>
+            <a:pPr algn="ctr"/>
+            <a:r>
+              <a:rPr lang="en-GB" dirty="0" smtClean="0">
+                <a:solidFill>
+                  <a:schemeClr val="tx1"/>
+                </a:solidFill>
+              </a:rPr>
+              <a:t>Deposits</a:t>
+            </a:r>
+            <a:endParaRPr lang="en-GB" dirty="0">
+              <a:solidFill>
+                <a:schemeClr val="tx1"/>
+              </a:solidFill>
+            </a:endParaRPr>
+          </a:p>
+        </p:txBody>
+      </p:sp>
+      <p:sp>
+        <p:nvSpPr>
+          <p:cNvPr id="34" name="Rectangle 33"/>
+          <p:cNvSpPr/>
+          <p:nvPr/>
+        </p:nvSpPr>
+        <p:spPr>
+          <a:xfrm>
+            <a:off x="6215074" y="3879288"/>
+            <a:ext cx="1714512" cy="571504"/>
+          </a:xfrm>
+          <a:prstGeom prst="rect">
+            <a:avLst/>
+          </a:prstGeom>
+          <a:solidFill>
+            <a:schemeClr val="bg1"/>
+          </a:solidFill>
+        </p:spPr>
+        <p:style>
+          <a:lnRef idx="2">
+            <a:schemeClr val="accent1">
+              <a:shade val="50000"/>
+            </a:schemeClr>
+          </a:lnRef>
+          <a:fillRef idx="1">
+            <a:schemeClr val="accent1"/>
+          </a:fillRef>
+          <a:effectRef idx="0">
+            <a:schemeClr val="accent1"/>
+          </a:effectRef>
+          <a:fontRef idx="minor">
+            <a:schemeClr val="lt1"/>
+          </a:fontRef>
+        </p:style>
+        <p:txBody>
+          <a:bodyPr rtlCol="0" anchor="ctr"/>
+          <a:lstStyle/>
+          <a:p>
+            <a:pPr algn="ctr"/>
+            <a:r>
+              <a:rPr lang="en-GB" dirty="0" smtClean="0">
+                <a:solidFill>
+                  <a:schemeClr val="tx1"/>
+                </a:solidFill>
+              </a:rPr>
+              <a:t>Withdraw</a:t>
+            </a:r>
+            <a:endParaRPr lang="en-GB" dirty="0">
+              <a:solidFill>
+                <a:schemeClr val="tx1"/>
+              </a:solidFill>
+            </a:endParaRPr>
+          </a:p>
+        </p:txBody>
+      </p:sp>
+      <p:sp>
+        <p:nvSpPr>
+          <p:cNvPr id="35" name="Rectangle 34"/>
+          <p:cNvSpPr/>
+          <p:nvPr/>
+        </p:nvSpPr>
+        <p:spPr>
+          <a:xfrm>
+            <a:off x="5286380" y="2210564"/>
+            <a:ext cx="1785950" cy="570364"/>
+          </a:xfrm>
+          <a:prstGeom prst="rect">
+            <a:avLst/>
+          </a:prstGeom>
+          <a:solidFill>
+            <a:schemeClr val="bg1"/>
+          </a:solidFill>
+        </p:spPr>
+        <p:style>
+          <a:lnRef idx="2">
+            <a:schemeClr val="accent1">
+              <a:shade val="50000"/>
+            </a:schemeClr>
+          </a:lnRef>
+          <a:fillRef idx="1">
+            <a:schemeClr val="accent1"/>
+          </a:fillRef>
+          <a:effectRef idx="0">
+            <a:schemeClr val="accent1"/>
+          </a:effectRef>
+          <a:fontRef idx="minor">
+            <a:schemeClr val="lt1"/>
+          </a:fontRef>
+        </p:style>
+        <p:txBody>
+          <a:bodyPr rtlCol="0" anchor="ctr"/>
+          <a:lstStyle/>
+          <a:p>
+            <a:pPr algn="ctr"/>
+            <a:r>
+              <a:rPr lang="en-GB" dirty="0" smtClean="0">
+                <a:solidFill>
+                  <a:schemeClr val="tx1"/>
+                </a:solidFill>
+              </a:rPr>
+              <a:t>N 59,800</a:t>
+            </a:r>
+            <a:endParaRPr lang="en-GB" dirty="0">
+              <a:solidFill>
+                <a:schemeClr val="tx1"/>
+              </a:solidFill>
+            </a:endParaRPr>
+          </a:p>
+        </p:txBody>
+      </p:sp>
+      <p:sp>
+        <p:nvSpPr>
+          <p:cNvPr id="36" name="Rectangle 35"/>
+          <p:cNvSpPr/>
+          <p:nvPr/>
+        </p:nvSpPr>
+        <p:spPr>
+          <a:xfrm>
+            <a:off x="4572000" y="5022296"/>
+            <a:ext cx="1643074" cy="571504"/>
+          </a:xfrm>
+          <a:prstGeom prst="rect">
+            <a:avLst/>
+          </a:prstGeom>
+          <a:solidFill>
+            <a:schemeClr val="bg1"/>
+          </a:solidFill>
+        </p:spPr>
+        <p:style>
+          <a:lnRef idx="2">
+            <a:schemeClr val="accent1">
+              <a:shade val="50000"/>
+            </a:schemeClr>
+          </a:lnRef>
+          <a:fillRef idx="1">
+            <a:schemeClr val="accent1"/>
+          </a:fillRef>
+          <a:effectRef idx="0">
+            <a:schemeClr val="accent1"/>
+          </a:effectRef>
+          <a:fontRef idx="minor">
+            <a:schemeClr val="lt1"/>
+          </a:fontRef>
+        </p:style>
+        <p:txBody>
+          <a:bodyPr rtlCol="0" anchor="ctr"/>
+          <a:lstStyle/>
+          <a:p>
+            <a:r>
+              <a:rPr lang="en-GB" dirty="0" smtClean="0">
+                <a:solidFill>
+                  <a:schemeClr val="tx1"/>
+                </a:solidFill>
+              </a:rPr>
+              <a:t>All transactions</a:t>
+            </a:r>
+          </a:p>
+        </p:txBody>
+      </p:sp>
+      <p:sp>
+        <p:nvSpPr>
+          <p:cNvPr id="37" name="Rectangle 36"/>
+          <p:cNvSpPr/>
+          <p:nvPr/>
+        </p:nvSpPr>
+        <p:spPr>
+          <a:xfrm>
+            <a:off x="6215074" y="4450792"/>
+            <a:ext cx="1714512" cy="571504"/>
+          </a:xfrm>
+          <a:prstGeom prst="rect">
+            <a:avLst/>
+          </a:prstGeom>
+          <a:solidFill>
+            <a:schemeClr val="bg1"/>
+          </a:solidFill>
+        </p:spPr>
+        <p:style>
+          <a:lnRef idx="2">
+            <a:schemeClr val="accent1">
+              <a:shade val="50000"/>
+            </a:schemeClr>
+          </a:lnRef>
+          <a:fillRef idx="1">
+            <a:schemeClr val="accent1"/>
+          </a:fillRef>
+          <a:effectRef idx="0">
+            <a:schemeClr val="accent1"/>
+          </a:effectRef>
+          <a:fontRef idx="minor">
+            <a:schemeClr val="lt1"/>
+          </a:fontRef>
+        </p:style>
+        <p:txBody>
+          <a:bodyPr rtlCol="0" anchor="ctr"/>
+          <a:lstStyle/>
+          <a:p>
+            <a:pPr algn="ctr"/>
+            <a:r>
+              <a:rPr lang="en-GB" dirty="0" smtClean="0">
+                <a:solidFill>
+                  <a:schemeClr val="tx1"/>
+                </a:solidFill>
+              </a:rPr>
+              <a:t>Reinvest</a:t>
+            </a:r>
+            <a:endParaRPr lang="en-GB" dirty="0">
+              <a:solidFill>
+                <a:schemeClr val="tx1"/>
+              </a:solidFill>
+            </a:endParaRPr>
+          </a:p>
+        </p:txBody>
+      </p:sp>
+      <p:sp>
+        <p:nvSpPr>
+          <p:cNvPr id="38" name="Rectangle 37"/>
+          <p:cNvSpPr/>
+          <p:nvPr/>
+        </p:nvSpPr>
+        <p:spPr>
+          <a:xfrm>
+            <a:off x="6215074" y="5022296"/>
+            <a:ext cx="1714512" cy="571504"/>
+          </a:xfrm>
+          <a:prstGeom prst="rect">
+            <a:avLst/>
+          </a:prstGeom>
+          <a:solidFill>
+            <a:schemeClr val="bg1"/>
+          </a:solidFill>
+        </p:spPr>
+        <p:style>
+          <a:lnRef idx="2">
+            <a:schemeClr val="accent1">
+              <a:shade val="50000"/>
+            </a:schemeClr>
+          </a:lnRef>
+          <a:fillRef idx="1">
+            <a:schemeClr val="accent1"/>
+          </a:fillRef>
+          <a:effectRef idx="0">
+            <a:schemeClr val="accent1"/>
+          </a:effectRef>
+          <a:fontRef idx="minor">
+            <a:schemeClr val="lt1"/>
+          </a:fontRef>
+        </p:style>
+        <p:txBody>
+          <a:bodyPr rtlCol="0" anchor="ctr"/>
+          <a:lstStyle/>
+          <a:p>
+            <a:pPr algn="ctr"/>
+            <a:r>
+              <a:rPr lang="en-GB" dirty="0" smtClean="0">
+                <a:solidFill>
+                  <a:schemeClr val="tx1"/>
+                </a:solidFill>
+              </a:rPr>
+              <a:t>My referral link</a:t>
+            </a:r>
+            <a:endParaRPr lang="en-GB" dirty="0">
+              <a:solidFill>
+                <a:schemeClr val="tx1"/>
+              </a:solidFill>
+            </a:endParaRPr>
+          </a:p>
+        </p:txBody>
+      </p:sp>
+      <p:sp>
+        <p:nvSpPr>
+          <p:cNvPr id="39" name="Rectangle 38"/>
+          <p:cNvSpPr/>
+          <p:nvPr/>
+        </p:nvSpPr>
+        <p:spPr>
+          <a:xfrm>
+            <a:off x="4572000" y="5593800"/>
+            <a:ext cx="1643074" cy="571504"/>
+          </a:xfrm>
+          <a:prstGeom prst="rect">
+            <a:avLst/>
+          </a:prstGeom>
+          <a:solidFill>
+            <a:schemeClr val="bg1"/>
+          </a:solidFill>
+        </p:spPr>
+        <p:style>
+          <a:lnRef idx="2">
+            <a:schemeClr val="accent1">
+              <a:shade val="50000"/>
+            </a:schemeClr>
+          </a:lnRef>
+          <a:fillRef idx="1">
+            <a:schemeClr val="accent1"/>
+          </a:fillRef>
+          <a:effectRef idx="0">
+            <a:schemeClr val="accent1"/>
+          </a:effectRef>
+          <a:fontRef idx="minor">
+            <a:schemeClr val="lt1"/>
+          </a:fontRef>
+        </p:style>
+        <p:txBody>
+          <a:bodyPr rtlCol="0" anchor="ctr"/>
+          <a:lstStyle/>
+          <a:p>
+            <a:pPr algn="ctr"/>
+            <a:r>
+              <a:rPr lang="en-GB" dirty="0">
+                <a:solidFill>
+                  <a:schemeClr val="tx1"/>
+                </a:solidFill>
+              </a:rPr>
+              <a:t>Add bank</a:t>
+            </a:r>
+          </a:p>
+        </p:txBody>
+      </p:sp>
+      <p:sp>
+        <p:nvSpPr>
+          <p:cNvPr id="40" name="Rectangle 39"/>
+          <p:cNvSpPr/>
+          <p:nvPr/>
+        </p:nvSpPr>
+        <p:spPr>
+          <a:xfrm>
+            <a:off x="6215074" y="5593800"/>
+            <a:ext cx="1714512" cy="571504"/>
+          </a:xfrm>
+          <a:prstGeom prst="rect">
+            <a:avLst/>
+          </a:prstGeom>
+          <a:solidFill>
+            <a:schemeClr val="bg1"/>
+          </a:solidFill>
+        </p:spPr>
+        <p:style>
+          <a:lnRef idx="2">
+            <a:schemeClr val="accent1">
+              <a:shade val="50000"/>
+            </a:schemeClr>
+          </a:lnRef>
+          <a:fillRef idx="1">
+            <a:schemeClr val="accent1"/>
+          </a:fillRef>
+          <a:effectRef idx="0">
+            <a:schemeClr val="accent1"/>
+          </a:effectRef>
+          <a:fontRef idx="minor">
+            <a:schemeClr val="lt1"/>
+          </a:fontRef>
+        </p:style>
+        <p:txBody>
+          <a:bodyPr rtlCol="0" anchor="ctr"/>
+          <a:lstStyle/>
+          <a:p>
+            <a:pPr algn="ctr"/>
+            <a:endParaRPr lang="en-GB" dirty="0">
+              <a:solidFill>
+                <a:schemeClr val="tx1"/>
+              </a:solidFill>
+            </a:endParaRPr>
+          </a:p>
+        </p:txBody>
+      </p:sp>
+      <p:sp>
+        <p:nvSpPr>
+          <p:cNvPr id="41" name="Rectangle 40"/>
+          <p:cNvSpPr/>
+          <p:nvPr/>
+        </p:nvSpPr>
+        <p:spPr>
+          <a:xfrm>
+            <a:off x="4572000" y="6165304"/>
+            <a:ext cx="3357586" cy="714356"/>
+          </a:xfrm>
+          <a:prstGeom prst="rect">
+            <a:avLst/>
+          </a:prstGeom>
+          <a:solidFill>
+            <a:srgbClr val="EE930C"/>
+          </a:solidFill>
+        </p:spPr>
+        <p:style>
+          <a:lnRef idx="2">
+            <a:schemeClr val="accent1">
+              <a:shade val="50000"/>
+            </a:schemeClr>
+          </a:lnRef>
+          <a:fillRef idx="1">
+            <a:schemeClr val="accent1"/>
+          </a:fillRef>
+          <a:effectRef idx="0">
+            <a:schemeClr val="accent1"/>
+          </a:effectRef>
+          <a:fontRef idx="minor">
+            <a:schemeClr val="lt1"/>
+          </a:fontRef>
+        </p:style>
+        <p:txBody>
+          <a:bodyPr rtlCol="0" anchor="ctr"/>
+          <a:lstStyle/>
+          <a:p>
+            <a:pPr algn="ctr"/>
+            <a:r>
+              <a:rPr lang="en-GB" dirty="0">
+                <a:solidFill>
+                  <a:schemeClr val="bg1"/>
+                </a:solidFill>
+              </a:rPr>
+              <a:t>C</a:t>
+            </a:r>
+            <a:r>
+              <a:rPr lang="en-GB" dirty="0" smtClean="0">
+                <a:solidFill>
+                  <a:schemeClr val="bg1"/>
+                </a:solidFill>
+              </a:rPr>
+              <a:t>ustomise </a:t>
+            </a:r>
+            <a:r>
+              <a:rPr lang="en-GB" dirty="0">
+                <a:solidFill>
+                  <a:schemeClr val="bg1"/>
+                </a:solidFill>
+              </a:rPr>
+              <a:t>ads</a:t>
+            </a:r>
+          </a:p>
+        </p:txBody>
+      </p:sp>
+      <p:sp>
+        <p:nvSpPr>
+          <p:cNvPr id="2" name="Rectangle 1"/>
+          <p:cNvSpPr/>
+          <p:nvPr/>
+        </p:nvSpPr>
+        <p:spPr>
+          <a:xfrm>
+            <a:off x="5148064" y="2946792"/>
+            <a:ext cx="2067142" cy="178595"/>
+          </a:xfrm>
+          <a:prstGeom prst="rect">
+            <a:avLst/>
+          </a:prstGeom>
+          <a:solidFill>
+            <a:schemeClr val="bg1"/>
+          </a:solidFill>
           <a:ln>
             <a:solidFill>
-              <a:srgbClr val="EE930C"/>
+              <a:schemeClr val="bg1"/>
             </a:solidFill>
           </a:ln>
         </p:spPr>
         <p:style>
-          <a:lnRef idx="1">
-            <a:schemeClr val="accent1"/>
-          </a:lnRef>
-          <a:fillRef idx="0">
-            <a:schemeClr val="accent1"/>
-          </a:fillRef>
-          <a:effectRef idx="0">
-            <a:schemeClr val="accent1"/>
-          </a:effectRef>
-          <a:fontRef idx="minor">
-            <a:schemeClr val="tx1"/>
-          </a:fontRef>
-        </p:style>
-      </p:cxnSp>
-      <p:sp>
-        <p:nvSpPr>
-          <p:cNvPr id="28" name="Rectangle 27"/>
-          <p:cNvSpPr/>
-          <p:nvPr/>
-        </p:nvSpPr>
-        <p:spPr>
-          <a:xfrm>
-            <a:off x="4572000" y="3656424"/>
-            <a:ext cx="2643206" cy="357190"/>
-          </a:xfrm>
-          <a:prstGeom prst="rect">
-            <a:avLst/>
-          </a:prstGeom>
-          <a:solidFill>
-            <a:schemeClr val="bg1"/>
-          </a:solidFill>
-          <a:ln>
-            <a:solidFill>
-              <a:srgbClr val="EE930C"/>
-            </a:solidFill>
-          </a:ln>
-        </p:spPr>
-        <p:style>
-          <a:lnRef idx="2">
-            <a:schemeClr val="accent1">
-              <a:shade val="50000"/>
-            </a:schemeClr>
-          </a:lnRef>
-          <a:fillRef idx="1">
-            <a:schemeClr val="accent1"/>
-          </a:fillRef>
-          <a:effectRef idx="0">
-            <a:schemeClr val="accent1"/>
-          </a:effectRef>
-          <a:fontRef idx="minor">
-            <a:schemeClr val="lt1"/>
-          </a:fontRef>
-        </p:style>
-        <p:txBody>
-          <a:bodyPr rtlCol="0" anchor="ctr"/>
-          <a:lstStyle/>
-          <a:p>
-            <a:pPr algn="ctr"/>
-            <a:r>
-              <a:rPr lang="en-GB" sz="1600" dirty="0" smtClean="0">
+          <a:lnRef idx="2">
+            <a:schemeClr val="accent1">
+              <a:shade val="50000"/>
+            </a:schemeClr>
+          </a:lnRef>
+          <a:fillRef idx="1">
+            <a:schemeClr val="accent1"/>
+          </a:fillRef>
+          <a:effectRef idx="0">
+            <a:schemeClr val="accent1"/>
+          </a:effectRef>
+          <a:fontRef idx="minor">
+            <a:schemeClr val="lt1"/>
+          </a:fontRef>
+        </p:style>
+        <p:txBody>
+          <a:bodyPr rtlCol="0" anchor="ctr"/>
+          <a:lstStyle/>
+          <a:p>
+            <a:pPr algn="ctr"/>
+            <a:r>
+              <a:rPr lang="en-US" dirty="0" smtClean="0">
                 <a:solidFill>
-                  <a:srgbClr val="EE930C"/>
+                  <a:schemeClr val="tx1"/>
                 </a:solidFill>
               </a:rPr>
-              <a:t>Message</a:t>
-            </a:r>
-            <a:endParaRPr lang="en-GB" sz="1600" dirty="0">
+              <a:t>BTC   0.190000</a:t>
+            </a:r>
+            <a:endParaRPr lang="en-US" dirty="0">
               <a:solidFill>
-                <a:srgbClr val="EE930C"/>
+                <a:schemeClr val="tx1"/>
               </a:solidFill>
             </a:endParaRPr>
           </a:p>
@@ -7163,14 +11255,14 @@
       </p:sp>
       <p:sp>
         <p:nvSpPr>
-          <p:cNvPr id="29" name="Rectangle 28"/>
-          <p:cNvSpPr/>
-          <p:nvPr/>
-        </p:nvSpPr>
-        <p:spPr>
-          <a:xfrm>
-            <a:off x="4572000" y="4013614"/>
-            <a:ext cx="2643206" cy="357190"/>
+          <p:cNvPr id="22" name="Rectangle 21"/>
+          <p:cNvSpPr/>
+          <p:nvPr/>
+        </p:nvSpPr>
+        <p:spPr>
+          <a:xfrm>
+            <a:off x="4572000" y="3361552"/>
+            <a:ext cx="1714512" cy="571504"/>
           </a:xfrm>
           <a:prstGeom prst="rect">
             <a:avLst/>
@@ -7178,44 +11270,39 @@
           <a:solidFill>
             <a:schemeClr val="bg1"/>
           </a:solidFill>
-          <a:ln>
-            <a:solidFill>
-              <a:srgbClr val="EE930C"/>
-            </a:solidFill>
-          </a:ln>
-        </p:spPr>
-        <p:style>
-          <a:lnRef idx="2">
-            <a:schemeClr val="accent1">
-              <a:shade val="50000"/>
-            </a:schemeClr>
-          </a:lnRef>
-          <a:fillRef idx="1">
-            <a:schemeClr val="accent1"/>
-          </a:fillRef>
-          <a:effectRef idx="0">
-            <a:schemeClr val="accent1"/>
-          </a:effectRef>
-          <a:fontRef idx="minor">
-            <a:schemeClr val="lt1"/>
-          </a:fontRef>
-        </p:style>
-        <p:txBody>
-          <a:bodyPr rtlCol="0" anchor="ctr"/>
-          <a:lstStyle/>
-          <a:p>
-            <a:pPr algn="ctr"/>
-            <a:r>
-              <a:rPr lang="en-GB" sz="1600" dirty="0" smtClean="0">
+        </p:spPr>
+        <p:style>
+          <a:lnRef idx="2">
+            <a:schemeClr val="accent1">
+              <a:shade val="50000"/>
+            </a:schemeClr>
+          </a:lnRef>
+          <a:fillRef idx="1">
+            <a:schemeClr val="accent1"/>
+          </a:fillRef>
+          <a:effectRef idx="0">
+            <a:schemeClr val="accent1"/>
+          </a:effectRef>
+          <a:fontRef idx="minor">
+            <a:schemeClr val="lt1"/>
+          </a:fontRef>
+        </p:style>
+        <p:txBody>
+          <a:bodyPr rtlCol="0" anchor="ctr"/>
+          <a:lstStyle/>
+          <a:p>
+            <a:pPr algn="ctr"/>
+            <a:r>
+              <a:rPr lang="en-GB" dirty="0" smtClean="0">
                 <a:solidFill>
-                  <a:srgbClr val="EE930C"/>
+                  <a:schemeClr val="tx1"/>
                 </a:solidFill>
               </a:rPr>
-              <a:t>Notifications</a:t>
-            </a:r>
-            <a:endParaRPr lang="en-GB" sz="1600" dirty="0">
+              <a:t>Buy</a:t>
+            </a:r>
+            <a:endParaRPr lang="en-GB" dirty="0">
               <a:solidFill>
-                <a:srgbClr val="EE930C"/>
+                <a:schemeClr val="tx1"/>
               </a:solidFill>
             </a:endParaRPr>
           </a:p>
@@ -7223,14 +11310,14 @@
       </p:sp>
       <p:sp>
         <p:nvSpPr>
-          <p:cNvPr id="31" name="Rectangle 30"/>
-          <p:cNvSpPr/>
-          <p:nvPr/>
-        </p:nvSpPr>
-        <p:spPr>
-          <a:xfrm>
-            <a:off x="4572000" y="4591958"/>
-            <a:ext cx="2643206" cy="2051752"/>
+          <p:cNvPr id="24" name="Rectangle 23"/>
+          <p:cNvSpPr/>
+          <p:nvPr/>
+        </p:nvSpPr>
+        <p:spPr>
+          <a:xfrm>
+            <a:off x="6215074" y="3361552"/>
+            <a:ext cx="1714512" cy="571504"/>
           </a:xfrm>
           <a:prstGeom prst="rect">
             <a:avLst/>
@@ -7238,369 +11325,45 @@
           <a:solidFill>
             <a:schemeClr val="bg1"/>
           </a:solidFill>
-          <a:ln>
-            <a:solidFill>
-              <a:srgbClr val="EE930C"/>
-            </a:solidFill>
-          </a:ln>
-        </p:spPr>
-        <p:style>
-          <a:lnRef idx="2">
-            <a:schemeClr val="accent1">
-              <a:shade val="50000"/>
-            </a:schemeClr>
-          </a:lnRef>
-          <a:fillRef idx="1">
-            <a:schemeClr val="accent1"/>
-          </a:fillRef>
-          <a:effectRef idx="0">
-            <a:schemeClr val="accent1"/>
-          </a:effectRef>
-          <a:fontRef idx="minor">
-            <a:schemeClr val="lt1"/>
-          </a:fontRef>
-        </p:style>
-        <p:txBody>
-          <a:bodyPr rtlCol="0" anchor="ctr"/>
-          <a:lstStyle/>
-          <a:p>
-            <a:pPr algn="ctr"/>
-            <a:endParaRPr lang="en-GB" dirty="0" smtClean="0">
+        </p:spPr>
+        <p:style>
+          <a:lnRef idx="2">
+            <a:schemeClr val="accent1">
+              <a:shade val="50000"/>
+            </a:schemeClr>
+          </a:lnRef>
+          <a:fillRef idx="1">
+            <a:schemeClr val="accent1"/>
+          </a:fillRef>
+          <a:effectRef idx="0">
+            <a:schemeClr val="accent1"/>
+          </a:effectRef>
+          <a:fontRef idx="minor">
+            <a:schemeClr val="lt1"/>
+          </a:fontRef>
+        </p:style>
+        <p:txBody>
+          <a:bodyPr rtlCol="0" anchor="ctr"/>
+          <a:lstStyle/>
+          <a:p>
+            <a:pPr algn="ctr"/>
+            <a:r>
+              <a:rPr lang="en-GB" dirty="0" smtClean="0">
+                <a:solidFill>
+                  <a:schemeClr val="tx1"/>
+                </a:solidFill>
+              </a:rPr>
+              <a:t>Sell</a:t>
+            </a:r>
+            <a:endParaRPr lang="en-GB" dirty="0">
               <a:solidFill>
-                <a:srgbClr val="EE930C"/>
+                <a:schemeClr val="tx1"/>
               </a:solidFill>
             </a:endParaRPr>
           </a:p>
-          <a:p>
-            <a:pPr algn="ctr"/>
-            <a:endParaRPr lang="en-GB" dirty="0">
-              <a:solidFill>
-                <a:srgbClr val="EE930C"/>
-              </a:solidFill>
-            </a:endParaRPr>
-          </a:p>
-          <a:p>
-            <a:pPr algn="ctr"/>
-            <a:r>
-              <a:rPr lang="en-GB" dirty="0" smtClean="0">
-                <a:solidFill>
-                  <a:srgbClr val="EE930C"/>
-                </a:solidFill>
-              </a:rPr>
-              <a:t>Google ads/customise ads</a:t>
-            </a:r>
-            <a:endParaRPr lang="en-GB" dirty="0">
-              <a:solidFill>
-                <a:srgbClr val="EE930C"/>
-              </a:solidFill>
-            </a:endParaRPr>
-          </a:p>
-        </p:txBody>
-      </p:sp>
-      <p:sp>
-        <p:nvSpPr>
-          <p:cNvPr id="32" name="Rectangle 31"/>
-          <p:cNvSpPr/>
-          <p:nvPr/>
-        </p:nvSpPr>
-        <p:spPr>
-          <a:xfrm>
-            <a:off x="4572000" y="4370804"/>
-            <a:ext cx="2643206" cy="357190"/>
-          </a:xfrm>
-          <a:prstGeom prst="rect">
-            <a:avLst/>
-          </a:prstGeom>
-          <a:solidFill>
-            <a:schemeClr val="bg1"/>
-          </a:solidFill>
-          <a:ln>
-            <a:solidFill>
-              <a:srgbClr val="EE930C"/>
-            </a:solidFill>
-          </a:ln>
-        </p:spPr>
-        <p:style>
-          <a:lnRef idx="2">
-            <a:schemeClr val="accent1">
-              <a:shade val="50000"/>
-            </a:schemeClr>
-          </a:lnRef>
-          <a:fillRef idx="1">
-            <a:schemeClr val="accent1"/>
-          </a:fillRef>
-          <a:effectRef idx="0">
-            <a:schemeClr val="accent1"/>
-          </a:effectRef>
-          <a:fontRef idx="minor">
-            <a:schemeClr val="lt1"/>
-          </a:fontRef>
-        </p:style>
-        <p:txBody>
-          <a:bodyPr rtlCol="0" anchor="ctr"/>
-          <a:lstStyle/>
-          <a:p>
-            <a:pPr algn="ctr"/>
-            <a:r>
-              <a:rPr lang="en-GB" sz="1600" dirty="0" smtClean="0">
-                <a:solidFill>
-                  <a:srgbClr val="EE930C"/>
-                </a:solidFill>
-              </a:rPr>
-              <a:t>Settings</a:t>
-            </a:r>
-            <a:endParaRPr lang="en-GB" sz="1600" dirty="0">
-              <a:solidFill>
-                <a:srgbClr val="EE930C"/>
-              </a:solidFill>
-            </a:endParaRPr>
-          </a:p>
-        </p:txBody>
-      </p:sp>
-      <p:sp>
-        <p:nvSpPr>
-          <p:cNvPr id="33" name="Oval 32"/>
-          <p:cNvSpPr/>
-          <p:nvPr/>
-        </p:nvSpPr>
-        <p:spPr>
-          <a:xfrm>
-            <a:off x="6357950" y="3727862"/>
-            <a:ext cx="214314" cy="214314"/>
-          </a:xfrm>
-          <a:prstGeom prst="ellipse">
-            <a:avLst/>
-          </a:prstGeom>
-          <a:solidFill>
-            <a:srgbClr val="FF0000"/>
-          </a:solidFill>
-          <a:ln>
-            <a:noFill/>
-          </a:ln>
-        </p:spPr>
-        <p:style>
-          <a:lnRef idx="2">
-            <a:schemeClr val="accent1">
-              <a:shade val="50000"/>
-            </a:schemeClr>
-          </a:lnRef>
-          <a:fillRef idx="1">
-            <a:schemeClr val="accent1"/>
-          </a:fillRef>
-          <a:effectRef idx="0">
-            <a:schemeClr val="accent1"/>
-          </a:effectRef>
-          <a:fontRef idx="minor">
-            <a:schemeClr val="lt1"/>
-          </a:fontRef>
-        </p:style>
-        <p:txBody>
-          <a:bodyPr rtlCol="0" anchor="ctr"/>
-          <a:lstStyle/>
-          <a:p>
-            <a:pPr algn="ctr"/>
-            <a:r>
-              <a:rPr lang="en-GB" sz="900" dirty="0" smtClean="0"/>
-              <a:t>8</a:t>
-            </a:r>
-            <a:endParaRPr lang="en-GB" sz="900" dirty="0"/>
-          </a:p>
-        </p:txBody>
-      </p:sp>
-      <p:sp>
-        <p:nvSpPr>
-          <p:cNvPr id="35" name="Rectangle 34"/>
-          <p:cNvSpPr/>
-          <p:nvPr/>
-        </p:nvSpPr>
-        <p:spPr>
-          <a:xfrm>
-            <a:off x="4572000" y="4727994"/>
-            <a:ext cx="2643206" cy="357190"/>
-          </a:xfrm>
-          <a:prstGeom prst="rect">
-            <a:avLst/>
-          </a:prstGeom>
-          <a:solidFill>
-            <a:schemeClr val="bg1"/>
-          </a:solidFill>
-          <a:ln>
-            <a:solidFill>
-              <a:srgbClr val="EE930C"/>
-            </a:solidFill>
-          </a:ln>
-        </p:spPr>
-        <p:style>
-          <a:lnRef idx="2">
-            <a:schemeClr val="accent1">
-              <a:shade val="50000"/>
-            </a:schemeClr>
-          </a:lnRef>
-          <a:fillRef idx="1">
-            <a:schemeClr val="accent1"/>
-          </a:fillRef>
-          <a:effectRef idx="0">
-            <a:schemeClr val="accent1"/>
-          </a:effectRef>
-          <a:fontRef idx="minor">
-            <a:schemeClr val="lt1"/>
-          </a:fontRef>
-        </p:style>
-        <p:txBody>
-          <a:bodyPr rtlCol="0" anchor="ctr"/>
-          <a:lstStyle/>
-          <a:p>
-            <a:pPr algn="ctr"/>
-            <a:r>
-              <a:rPr lang="en-GB" sz="1600" dirty="0" smtClean="0">
-                <a:solidFill>
-                  <a:srgbClr val="EE930C"/>
-                </a:solidFill>
-              </a:rPr>
-              <a:t>BBN </a:t>
-            </a:r>
-            <a:r>
-              <a:rPr lang="en-GB" sz="1600" smtClean="0">
-                <a:solidFill>
-                  <a:srgbClr val="EE930C"/>
-                </a:solidFill>
-              </a:rPr>
-              <a:t>ATM Card</a:t>
-            </a:r>
-            <a:endParaRPr lang="en-GB" sz="1600" dirty="0">
-              <a:solidFill>
-                <a:srgbClr val="EE930C"/>
-              </a:solidFill>
-            </a:endParaRPr>
-          </a:p>
-        </p:txBody>
-      </p:sp>
-      <p:sp>
-        <p:nvSpPr>
-          <p:cNvPr id="30" name="Rectangle 29"/>
-          <p:cNvSpPr/>
-          <p:nvPr/>
-        </p:nvSpPr>
-        <p:spPr>
-          <a:xfrm>
-            <a:off x="4572000" y="3284984"/>
-            <a:ext cx="2643206" cy="357190"/>
-          </a:xfrm>
-          <a:prstGeom prst="rect">
-            <a:avLst/>
-          </a:prstGeom>
-          <a:solidFill>
-            <a:schemeClr val="bg1"/>
-          </a:solidFill>
-          <a:ln>
-            <a:solidFill>
-              <a:srgbClr val="EE930C"/>
-            </a:solidFill>
-          </a:ln>
-        </p:spPr>
-        <p:style>
-          <a:lnRef idx="2">
-            <a:schemeClr val="accent1">
-              <a:shade val="50000"/>
-            </a:schemeClr>
-          </a:lnRef>
-          <a:fillRef idx="1">
-            <a:schemeClr val="accent1"/>
-          </a:fillRef>
-          <a:effectRef idx="0">
-            <a:schemeClr val="accent1"/>
-          </a:effectRef>
-          <a:fontRef idx="minor">
-            <a:schemeClr val="lt1"/>
-          </a:fontRef>
-        </p:style>
-        <p:txBody>
-          <a:bodyPr rtlCol="0" anchor="ctr"/>
-          <a:lstStyle/>
-          <a:p>
-            <a:pPr algn="ctr"/>
-            <a:r>
-              <a:rPr lang="en-GB" sz="1600" dirty="0" smtClean="0">
-                <a:solidFill>
-                  <a:srgbClr val="EE930C"/>
-                </a:solidFill>
-              </a:rPr>
-              <a:t>Profile</a:t>
-            </a:r>
-            <a:endParaRPr lang="en-GB" sz="1600" dirty="0">
-              <a:solidFill>
-                <a:srgbClr val="EE930C"/>
-              </a:solidFill>
-            </a:endParaRPr>
-          </a:p>
-        </p:txBody>
-      </p:sp>
-      <p:sp>
-        <p:nvSpPr>
-          <p:cNvPr id="34" name="Rectangle 33"/>
-          <p:cNvSpPr/>
-          <p:nvPr/>
-        </p:nvSpPr>
-        <p:spPr>
-          <a:xfrm>
-            <a:off x="4572000" y="5088034"/>
-            <a:ext cx="2643206" cy="357190"/>
-          </a:xfrm>
-          <a:prstGeom prst="rect">
-            <a:avLst/>
-          </a:prstGeom>
-          <a:solidFill>
-            <a:schemeClr val="bg1"/>
-          </a:solidFill>
-          <a:ln>
-            <a:solidFill>
-              <a:srgbClr val="EE930C"/>
-            </a:solidFill>
-          </a:ln>
-        </p:spPr>
-        <p:style>
-          <a:lnRef idx="2">
-            <a:schemeClr val="accent1">
-              <a:shade val="50000"/>
-            </a:schemeClr>
-          </a:lnRef>
-          <a:fillRef idx="1">
-            <a:schemeClr val="accent1"/>
-          </a:fillRef>
-          <a:effectRef idx="0">
-            <a:schemeClr val="accent1"/>
-          </a:effectRef>
-          <a:fontRef idx="minor">
-            <a:schemeClr val="lt1"/>
-          </a:fontRef>
-        </p:style>
-        <p:txBody>
-          <a:bodyPr rtlCol="0" anchor="ctr"/>
-          <a:lstStyle/>
-          <a:p>
-            <a:pPr algn="ctr"/>
-            <a:r>
-              <a:rPr lang="en-GB" sz="1600" dirty="0" smtClean="0">
-                <a:solidFill>
-                  <a:srgbClr val="EE930C"/>
-                </a:solidFill>
-              </a:rPr>
-              <a:t>Contact us</a:t>
-            </a:r>
-            <a:endParaRPr lang="en-GB" sz="1600" dirty="0">
-              <a:solidFill>
-                <a:srgbClr val="EE930C"/>
-              </a:solidFill>
-            </a:endParaRPr>
-          </a:p>
         </p:txBody>
       </p:sp>
     </p:spTree>
-    <p:extLst>
-      <p:ext uri="{BB962C8B-B14F-4D97-AF65-F5344CB8AC3E}">
-        <p14:creationId xmlns:p14="http://schemas.microsoft.com/office/powerpoint/2010/main" val="2484330639"/>
-      </p:ext>
-    </p:extLst>
   </p:cSld>
   <p:clrMapOvr>
     <a:masterClrMapping/>
@@ -7627,14 +11390,14 @@
       </p:grpSpPr>
       <p:sp>
         <p:nvSpPr>
-          <p:cNvPr id="4" name="Rectangle 3"/>
-          <p:cNvSpPr/>
-          <p:nvPr/>
-        </p:nvSpPr>
-        <p:spPr>
-          <a:xfrm>
-            <a:off x="571472" y="1071546"/>
-            <a:ext cx="3357586" cy="5214974"/>
+          <p:cNvPr id="10" name="Rectangle 9"/>
+          <p:cNvSpPr/>
+          <p:nvPr/>
+        </p:nvSpPr>
+        <p:spPr>
+          <a:xfrm>
+            <a:off x="4500562" y="1124744"/>
+            <a:ext cx="3455814" cy="5219534"/>
           </a:xfrm>
           <a:prstGeom prst="rect">
             <a:avLst/>
@@ -7667,20 +11430,20 @@
           <a:lstStyle/>
           <a:p>
             <a:pPr algn="ctr"/>
-            <a:endParaRPr lang="en-GB"/>
-          </a:p>
-        </p:txBody>
-      </p:sp>
-      <p:sp>
-        <p:nvSpPr>
-          <p:cNvPr id="6" name="Rectangle 5"/>
-          <p:cNvSpPr/>
-          <p:nvPr/>
-        </p:nvSpPr>
-        <p:spPr>
-          <a:xfrm>
-            <a:off x="1142976" y="3286124"/>
-            <a:ext cx="2214578" cy="571504"/>
+            <a:endParaRPr lang="en-GB" dirty="0"/>
+          </a:p>
+        </p:txBody>
+      </p:sp>
+      <p:sp>
+        <p:nvSpPr>
+          <p:cNvPr id="11" name="Rectangle 10"/>
+          <p:cNvSpPr/>
+          <p:nvPr/>
+        </p:nvSpPr>
+        <p:spPr>
+          <a:xfrm>
+            <a:off x="4499992" y="1915122"/>
+            <a:ext cx="3456384" cy="793798"/>
           </a:xfrm>
           <a:prstGeom prst="rect">
             <a:avLst/>
@@ -7691,6 +11454,137 @@
           <a:ln>
             <a:noFill/>
           </a:ln>
+          <a:effectLst>
+            <a:glow rad="63500">
+              <a:schemeClr val="accent1">
+                <a:satMod val="175000"/>
+                <a:alpha val="40000"/>
+              </a:schemeClr>
+            </a:glow>
+          </a:effectLst>
+        </p:spPr>
+        <p:style>
+          <a:lnRef idx="2">
+            <a:schemeClr val="accent1">
+              <a:shade val="50000"/>
+            </a:schemeClr>
+          </a:lnRef>
+          <a:fillRef idx="1">
+            <a:schemeClr val="accent1"/>
+          </a:fillRef>
+          <a:effectRef idx="0">
+            <a:schemeClr val="accent1"/>
+          </a:effectRef>
+          <a:fontRef idx="minor">
+            <a:schemeClr val="lt1"/>
+          </a:fontRef>
+        </p:style>
+        <p:txBody>
+          <a:bodyPr rtlCol="0" anchor="ctr"/>
+          <a:lstStyle/>
+          <a:p>
+            <a:pPr algn="ctr"/>
+            <a:r>
+              <a:rPr lang="en-GB" dirty="0" smtClean="0">
+                <a:solidFill>
+                  <a:schemeClr val="bg1">
+                    <a:lumMod val="85000"/>
+                  </a:schemeClr>
+                </a:solidFill>
+              </a:rPr>
+              <a:t>Amount</a:t>
+            </a:r>
+            <a:endParaRPr lang="en-GB" dirty="0">
+              <a:solidFill>
+                <a:schemeClr val="bg1">
+                  <a:lumMod val="85000"/>
+                </a:schemeClr>
+              </a:solidFill>
+            </a:endParaRPr>
+          </a:p>
+        </p:txBody>
+      </p:sp>
+      <p:sp>
+        <p:nvSpPr>
+          <p:cNvPr id="15" name="Rectangle 14"/>
+          <p:cNvSpPr/>
+          <p:nvPr/>
+        </p:nvSpPr>
+        <p:spPr>
+          <a:xfrm>
+            <a:off x="5072066" y="1343618"/>
+            <a:ext cx="2214578" cy="571504"/>
+          </a:xfrm>
+          <a:prstGeom prst="rect">
+            <a:avLst/>
+          </a:prstGeom>
+          <a:solidFill>
+            <a:srgbClr val="EE930C"/>
+          </a:solidFill>
+          <a:ln>
+            <a:noFill/>
+          </a:ln>
+        </p:spPr>
+        <p:style>
+          <a:lnRef idx="2">
+            <a:schemeClr val="accent1">
+              <a:shade val="50000"/>
+            </a:schemeClr>
+          </a:lnRef>
+          <a:fillRef idx="1">
+            <a:schemeClr val="accent1"/>
+          </a:fillRef>
+          <a:effectRef idx="0">
+            <a:schemeClr val="accent1"/>
+          </a:effectRef>
+          <a:fontRef idx="minor">
+            <a:schemeClr val="lt1"/>
+          </a:fontRef>
+        </p:style>
+        <p:txBody>
+          <a:bodyPr rtlCol="0" anchor="ctr"/>
+          <a:lstStyle/>
+          <a:p>
+            <a:pPr algn="ctr"/>
+            <a:r>
+              <a:rPr lang="en-GB" dirty="0">
+                <a:solidFill>
+                  <a:schemeClr val="bg1"/>
+                </a:solidFill>
+              </a:rPr>
+              <a:t>Withdraw</a:t>
+            </a:r>
+          </a:p>
+        </p:txBody>
+      </p:sp>
+      <p:sp>
+        <p:nvSpPr>
+          <p:cNvPr id="16" name="Rectangle 15"/>
+          <p:cNvSpPr/>
+          <p:nvPr/>
+        </p:nvSpPr>
+        <p:spPr>
+          <a:xfrm>
+            <a:off x="4499992" y="2767818"/>
+            <a:ext cx="3456384" cy="445158"/>
+          </a:xfrm>
+          <a:prstGeom prst="rect">
+            <a:avLst/>
+          </a:prstGeom>
+          <a:solidFill>
+            <a:schemeClr val="bg1"/>
+          </a:solidFill>
+          <a:ln>
+            <a:noFill/>
+          </a:ln>
+          <a:effectLst>
+            <a:glow rad="63500">
+              <a:schemeClr val="accent1">
+                <a:satMod val="175000"/>
+                <a:alpha val="40000"/>
+              </a:schemeClr>
+            </a:glow>
+          </a:effectLst>
         </p:spPr>
         <p:style>
           <a:lnRef idx="2">
@@ -7719,7 +11613,7 @@
                   <a:srgbClr val="EE930C"/>
                 </a:solidFill>
               </a:rPr>
-              <a:t>My Investment</a:t>
+              <a:t>To Bank</a:t>
             </a:r>
             <a:endParaRPr lang="en-GB" dirty="0">
               <a:solidFill>
@@ -7731,16 +11625,16 @@
       </p:sp>
       <p:sp>
         <p:nvSpPr>
-          <p:cNvPr id="8" name="Rectangle 7"/>
-          <p:cNvSpPr/>
-          <p:nvPr/>
-        </p:nvSpPr>
-        <p:spPr>
-          <a:xfrm>
-            <a:off x="4572000" y="1000108"/>
-            <a:ext cx="3357586" cy="4643470"/>
-          </a:xfrm>
-          <a:prstGeom prst="rect">
+          <p:cNvPr id="20" name="Right Arrow 19"/>
+          <p:cNvSpPr/>
+          <p:nvPr/>
+        </p:nvSpPr>
+        <p:spPr>
+          <a:xfrm>
+            <a:off x="7358082" y="5987088"/>
+            <a:ext cx="142876" cy="142876"/>
+          </a:xfrm>
+          <a:prstGeom prst="rightArrow">
             <a:avLst/>
           </a:prstGeom>
           <a:solidFill>
@@ -7777,58 +11671,20 @@
       </p:sp>
       <p:sp>
         <p:nvSpPr>
-          <p:cNvPr id="12" name="TextBox 11"/>
-          <p:cNvSpPr txBox="1"/>
-          <p:nvPr/>
-        </p:nvSpPr>
-        <p:spPr>
-          <a:xfrm>
-            <a:off x="5929322" y="1071546"/>
-            <a:ext cx="642942" cy="369332"/>
-          </a:xfrm>
-          <a:prstGeom prst="rect">
-            <a:avLst/>
-          </a:prstGeom>
-          <a:noFill/>
-        </p:spPr>
-        <p:txBody>
-          <a:bodyPr wrap="square" rtlCol="0">
-            <a:spAutoFit/>
-          </a:bodyPr>
-          <a:lstStyle/>
-          <a:p>
-            <a:r>
-              <a:rPr lang="en-GB" dirty="0" smtClean="0">
-                <a:solidFill>
-                  <a:schemeClr val="bg1"/>
-                </a:solidFill>
-              </a:rPr>
-              <a:t>BBN</a:t>
-            </a:r>
-            <a:endParaRPr lang="en-GB" dirty="0">
-              <a:solidFill>
-                <a:schemeClr val="bg1"/>
-              </a:solidFill>
-            </a:endParaRPr>
-          </a:p>
-        </p:txBody>
-      </p:sp>
-      <p:sp>
-        <p:nvSpPr>
-          <p:cNvPr id="14" name="Rectangle 13"/>
-          <p:cNvSpPr/>
-          <p:nvPr/>
-        </p:nvSpPr>
-        <p:spPr>
-          <a:xfrm>
-            <a:off x="4714876" y="1142984"/>
-            <a:ext cx="357190" cy="71438"/>
-          </a:xfrm>
-          <a:prstGeom prst="rect">
-            <a:avLst/>
-          </a:prstGeom>
-          <a:solidFill>
-            <a:schemeClr val="bg1"/>
+          <p:cNvPr id="23" name="Rectangle 22"/>
+          <p:cNvSpPr/>
+          <p:nvPr/>
+        </p:nvSpPr>
+        <p:spPr>
+          <a:xfrm>
+            <a:off x="571472" y="1124744"/>
+            <a:ext cx="3357586" cy="5214974"/>
+          </a:xfrm>
+          <a:prstGeom prst="rect">
+            <a:avLst/>
+          </a:prstGeom>
+          <a:solidFill>
+            <a:srgbClr val="EE930C"/>
           </a:solidFill>
           <a:ln>
             <a:noFill/>
@@ -7861,14 +11717,14 @@
       </p:sp>
       <p:sp>
         <p:nvSpPr>
-          <p:cNvPr id="15" name="Rectangle 14"/>
-          <p:cNvSpPr/>
-          <p:nvPr/>
-        </p:nvSpPr>
-        <p:spPr>
-          <a:xfrm>
-            <a:off x="4714876" y="1285860"/>
-            <a:ext cx="357190" cy="71438"/>
+          <p:cNvPr id="24" name="Rectangle 23"/>
+          <p:cNvSpPr/>
+          <p:nvPr/>
+        </p:nvSpPr>
+        <p:spPr>
+          <a:xfrm>
+            <a:off x="1142976" y="3339322"/>
+            <a:ext cx="2214578" cy="571504"/>
           </a:xfrm>
           <a:prstGeom prst="rect">
             <a:avLst/>
@@ -7901,66 +11757,32 @@
           <a:lstStyle/>
           <a:p>
             <a:pPr algn="ctr"/>
-            <a:endParaRPr lang="en-GB"/>
-          </a:p>
-        </p:txBody>
-      </p:sp>
-      <p:sp>
-        <p:nvSpPr>
-          <p:cNvPr id="16" name="Rectangle 15"/>
-          <p:cNvSpPr/>
-          <p:nvPr/>
-        </p:nvSpPr>
-        <p:spPr>
-          <a:xfrm>
-            <a:off x="4714876" y="1428736"/>
-            <a:ext cx="357190" cy="71438"/>
-          </a:xfrm>
-          <a:prstGeom prst="rect">
-            <a:avLst/>
-          </a:prstGeom>
-          <a:solidFill>
-            <a:schemeClr val="bg1"/>
-          </a:solidFill>
-          <a:ln>
-            <a:noFill/>
-          </a:ln>
-        </p:spPr>
-        <p:style>
-          <a:lnRef idx="2">
-            <a:schemeClr val="accent1">
-              <a:shade val="50000"/>
-            </a:schemeClr>
-          </a:lnRef>
-          <a:fillRef idx="1">
-            <a:schemeClr val="accent1"/>
-          </a:fillRef>
-          <a:effectRef idx="0">
-            <a:schemeClr val="accent1"/>
-          </a:effectRef>
-          <a:fontRef idx="minor">
-            <a:schemeClr val="lt1"/>
-          </a:fontRef>
-        </p:style>
-        <p:txBody>
-          <a:bodyPr rtlCol="0" anchor="ctr"/>
-          <a:lstStyle/>
-          <a:p>
-            <a:pPr algn="ctr"/>
-            <a:endParaRPr lang="en-GB"/>
-          </a:p>
-        </p:txBody>
-      </p:sp>
-      <p:sp>
-        <p:nvSpPr>
-          <p:cNvPr id="23" name="Rectangle 22"/>
-          <p:cNvSpPr/>
-          <p:nvPr/>
-        </p:nvSpPr>
-        <p:spPr>
-          <a:xfrm>
-            <a:off x="4572000" y="1928802"/>
-            <a:ext cx="3357586" cy="4286256"/>
+            <a:r>
+              <a:rPr lang="en-GB" dirty="0" smtClean="0">
+                <a:solidFill>
+                  <a:srgbClr val="EE930C"/>
+                </a:solidFill>
+              </a:rPr>
+              <a:t>Withdraw</a:t>
+            </a:r>
+            <a:endParaRPr lang="en-GB" dirty="0">
+              <a:solidFill>
+                <a:srgbClr val="EE930C"/>
+              </a:solidFill>
+            </a:endParaRPr>
+          </a:p>
+        </p:txBody>
+      </p:sp>
+      <p:sp>
+        <p:nvSpPr>
+          <p:cNvPr id="26" name="Rectangle 25"/>
+          <p:cNvSpPr/>
+          <p:nvPr/>
+        </p:nvSpPr>
+        <p:spPr>
+          <a:xfrm>
+            <a:off x="4499992" y="3212976"/>
+            <a:ext cx="3456384" cy="445158"/>
           </a:xfrm>
           <a:prstGeom prst="rect">
             <a:avLst/>
@@ -7972,11 +11794,12 @@
             <a:noFill/>
           </a:ln>
           <a:effectLst>
-            <a:outerShdw blurRad="63500" sx="102000" sy="102000" algn="ctr" rotWithShape="0">
-              <a:prstClr val="black">
+            <a:glow rad="63500">
+              <a:schemeClr val="accent1">
+                <a:satMod val="175000"/>
                 <a:alpha val="40000"/>
-              </a:prstClr>
-            </a:outerShdw>
+              </a:schemeClr>
+            </a:glow>
           </a:effectLst>
         </p:spPr>
         <p:style>
@@ -8000,77 +11823,50 @@
           <a:lstStyle/>
           <a:p>
             <a:pPr algn="ctr"/>
-            <a:endParaRPr lang="en-GB"/>
-          </a:p>
-        </p:txBody>
-      </p:sp>
-      <p:sp>
-        <p:nvSpPr>
-          <p:cNvPr id="30" name="Rectangle 29"/>
-          <p:cNvSpPr/>
-          <p:nvPr/>
-        </p:nvSpPr>
-        <p:spPr>
-          <a:xfrm>
-            <a:off x="5429256" y="1571612"/>
-            <a:ext cx="1785950" cy="285752"/>
-          </a:xfrm>
-          <a:prstGeom prst="rect">
-            <a:avLst/>
-          </a:prstGeom>
-          <a:solidFill>
-            <a:srgbClr val="EE930C"/>
+            <a:r>
+              <a:rPr lang="en-GB" dirty="0" smtClean="0">
+                <a:solidFill>
+                  <a:srgbClr val="EE930C"/>
+                </a:solidFill>
+              </a:rPr>
+              <a:t>Transfer </a:t>
+            </a:r>
+            <a:endParaRPr lang="en-GB" dirty="0">
+              <a:solidFill>
+                <a:srgbClr val="EE930C"/>
+              </a:solidFill>
+            </a:endParaRPr>
+          </a:p>
+        </p:txBody>
+      </p:sp>
+      <p:sp>
+        <p:nvSpPr>
+          <p:cNvPr id="27" name="Rectangle 26"/>
+          <p:cNvSpPr/>
+          <p:nvPr/>
+        </p:nvSpPr>
+        <p:spPr>
+          <a:xfrm>
+            <a:off x="4499992" y="3645024"/>
+            <a:ext cx="3456384" cy="445158"/>
+          </a:xfrm>
+          <a:prstGeom prst="rect">
+            <a:avLst/>
+          </a:prstGeom>
+          <a:solidFill>
+            <a:schemeClr val="bg1"/>
           </a:solidFill>
           <a:ln>
             <a:noFill/>
           </a:ln>
-        </p:spPr>
-        <p:style>
-          <a:lnRef idx="2">
-            <a:schemeClr val="accent1">
-              <a:shade val="50000"/>
-            </a:schemeClr>
-          </a:lnRef>
-          <a:fillRef idx="1">
-            <a:schemeClr val="accent1"/>
-          </a:fillRef>
-          <a:effectRef idx="0">
-            <a:schemeClr val="accent1"/>
-          </a:effectRef>
-          <a:fontRef idx="minor">
-            <a:schemeClr val="lt1"/>
-          </a:fontRef>
-        </p:style>
-        <p:txBody>
-          <a:bodyPr rtlCol="0" anchor="ctr"/>
-          <a:lstStyle/>
-          <a:p>
-            <a:pPr algn="ctr"/>
-            <a:r>
-              <a:rPr lang="en-GB" dirty="0" smtClean="0"/>
-              <a:t>My Investment</a:t>
-            </a:r>
-            <a:endParaRPr lang="en-GB" dirty="0"/>
-          </a:p>
-        </p:txBody>
-      </p:sp>
-      <p:sp>
-        <p:nvSpPr>
-          <p:cNvPr id="32" name="Rectangle 31"/>
-          <p:cNvSpPr/>
-          <p:nvPr/>
-        </p:nvSpPr>
-        <p:spPr>
-          <a:xfrm>
-            <a:off x="4572000" y="3786190"/>
-            <a:ext cx="1714512" cy="571504"/>
-          </a:xfrm>
-          <a:prstGeom prst="rect">
-            <a:avLst/>
-          </a:prstGeom>
-          <a:solidFill>
-            <a:schemeClr val="bg1"/>
-          </a:solidFill>
+          <a:effectLst>
+            <a:glow rad="63500">
+              <a:schemeClr val="accent1">
+                <a:satMod val="175000"/>
+                <a:alpha val="40000"/>
+              </a:schemeClr>
+            </a:glow>
+          </a:effectLst>
         </p:spPr>
         <p:style>
           <a:lnRef idx="2">
@@ -8096,14 +11892,14 @@
             <a:r>
               <a:rPr lang="en-GB" dirty="0" smtClean="0">
                 <a:solidFill>
-                  <a:schemeClr val="tx1"/>
+                  <a:srgbClr val="EE930C"/>
                 </a:solidFill>
               </a:rPr>
-              <a:t>My balance</a:t>
+              <a:t>Recharge</a:t>
             </a:r>
             <a:endParaRPr lang="en-GB" dirty="0">
               <a:solidFill>
-                <a:schemeClr val="tx1"/>
+                <a:srgbClr val="EE930C"/>
               </a:solidFill>
             </a:endParaRPr>
           </a:p>
@@ -8111,14 +11907,14 @@
       </p:sp>
       <p:sp>
         <p:nvSpPr>
-          <p:cNvPr id="33" name="Rectangle 32"/>
-          <p:cNvSpPr/>
-          <p:nvPr/>
-        </p:nvSpPr>
-        <p:spPr>
-          <a:xfrm>
-            <a:off x="4572000" y="3214686"/>
-            <a:ext cx="1714512" cy="571504"/>
+          <p:cNvPr id="28" name="Rectangle 27"/>
+          <p:cNvSpPr/>
+          <p:nvPr/>
+        </p:nvSpPr>
+        <p:spPr>
+          <a:xfrm>
+            <a:off x="4499992" y="4063962"/>
+            <a:ext cx="3456384" cy="445158"/>
           </a:xfrm>
           <a:prstGeom prst="rect">
             <a:avLst/>
@@ -8126,6 +11922,17 @@
           <a:solidFill>
             <a:schemeClr val="bg1"/>
           </a:solidFill>
+          <a:ln>
+            <a:noFill/>
+          </a:ln>
+          <a:effectLst>
+            <a:glow rad="63500">
+              <a:schemeClr val="accent1">
+                <a:satMod val="175000"/>
+                <a:alpha val="40000"/>
+              </a:schemeClr>
+            </a:glow>
+          </a:effectLst>
         </p:spPr>
         <p:style>
           <a:lnRef idx="2">
@@ -8151,14 +11958,14 @@
             <a:r>
               <a:rPr lang="en-GB" dirty="0" smtClean="0">
                 <a:solidFill>
-                  <a:schemeClr val="tx1"/>
+                  <a:srgbClr val="EE930C"/>
                 </a:solidFill>
               </a:rPr>
-              <a:t>Deposits</a:t>
+              <a:t>DSTV</a:t>
             </a:r>
             <a:endParaRPr lang="en-GB" dirty="0">
               <a:solidFill>
-                <a:schemeClr val="tx1"/>
+                <a:srgbClr val="EE930C"/>
               </a:solidFill>
             </a:endParaRPr>
           </a:p>
@@ -8166,14 +11973,14 @@
       </p:sp>
       <p:sp>
         <p:nvSpPr>
-          <p:cNvPr id="34" name="Rectangle 33"/>
-          <p:cNvSpPr/>
-          <p:nvPr/>
-        </p:nvSpPr>
-        <p:spPr>
-          <a:xfrm>
-            <a:off x="6215074" y="3214686"/>
-            <a:ext cx="1714512" cy="571504"/>
+          <p:cNvPr id="29" name="Rectangle 28"/>
+          <p:cNvSpPr/>
+          <p:nvPr/>
+        </p:nvSpPr>
+        <p:spPr>
+          <a:xfrm>
+            <a:off x="4499992" y="4496010"/>
+            <a:ext cx="3456384" cy="445158"/>
           </a:xfrm>
           <a:prstGeom prst="rect">
             <a:avLst/>
@@ -8181,6 +11988,17 @@
           <a:solidFill>
             <a:schemeClr val="bg1"/>
           </a:solidFill>
+          <a:ln>
+            <a:noFill/>
+          </a:ln>
+          <a:effectLst>
+            <a:glow rad="63500">
+              <a:schemeClr val="accent1">
+                <a:satMod val="175000"/>
+                <a:alpha val="40000"/>
+              </a:schemeClr>
+            </a:glow>
+          </a:effectLst>
         </p:spPr>
         <p:style>
           <a:lnRef idx="2">
@@ -8206,14 +12024,14 @@
             <a:r>
               <a:rPr lang="en-GB" dirty="0" smtClean="0">
                 <a:solidFill>
-                  <a:schemeClr val="tx1"/>
+                  <a:srgbClr val="EE930C"/>
                 </a:solidFill>
               </a:rPr>
-              <a:t>Withdraw</a:t>
+              <a:t>Internet Subscription</a:t>
             </a:r>
             <a:endParaRPr lang="en-GB" dirty="0">
               <a:solidFill>
-                <a:schemeClr val="tx1"/>
+                <a:srgbClr val="EE930C"/>
               </a:solidFill>
             </a:endParaRPr>
           </a:p>
@@ -8221,14 +12039,14 @@
       </p:sp>
       <p:sp>
         <p:nvSpPr>
-          <p:cNvPr id="35" name="Rectangle 34"/>
-          <p:cNvSpPr/>
-          <p:nvPr/>
-        </p:nvSpPr>
-        <p:spPr>
-          <a:xfrm>
-            <a:off x="5286380" y="2143116"/>
-            <a:ext cx="1785950" cy="714380"/>
+          <p:cNvPr id="30" name="Rectangle 29"/>
+          <p:cNvSpPr/>
+          <p:nvPr/>
+        </p:nvSpPr>
+        <p:spPr>
+          <a:xfrm>
+            <a:off x="4499992" y="4928058"/>
+            <a:ext cx="3456384" cy="445158"/>
           </a:xfrm>
           <a:prstGeom prst="rect">
             <a:avLst/>
@@ -8236,6 +12054,17 @@
           <a:solidFill>
             <a:schemeClr val="bg1"/>
           </a:solidFill>
+          <a:ln>
+            <a:noFill/>
+          </a:ln>
+          <a:effectLst>
+            <a:glow rad="63500">
+              <a:schemeClr val="accent1">
+                <a:satMod val="175000"/>
+                <a:alpha val="40000"/>
+              </a:schemeClr>
+            </a:glow>
+          </a:effectLst>
         </p:spPr>
         <p:style>
           <a:lnRef idx="2">
@@ -8261,14 +12090,14 @@
             <a:r>
               <a:rPr lang="en-GB" dirty="0" smtClean="0">
                 <a:solidFill>
-                  <a:schemeClr val="tx1"/>
+                  <a:srgbClr val="EE930C"/>
                 </a:solidFill>
               </a:rPr>
-              <a:t>N 0.00</a:t>
+              <a:t>Shopping</a:t>
             </a:r>
             <a:endParaRPr lang="en-GB" dirty="0">
               <a:solidFill>
-                <a:schemeClr val="tx1"/>
+                <a:srgbClr val="EE930C"/>
               </a:solidFill>
             </a:endParaRPr>
           </a:p>
@@ -8276,14 +12105,14 @@
       </p:sp>
       <p:sp>
         <p:nvSpPr>
-          <p:cNvPr id="36" name="Rectangle 35"/>
-          <p:cNvSpPr/>
-          <p:nvPr/>
-        </p:nvSpPr>
-        <p:spPr>
-          <a:xfrm>
-            <a:off x="4572000" y="4357694"/>
-            <a:ext cx="1643074" cy="571504"/>
+          <p:cNvPr id="31" name="Rectangle 30"/>
+          <p:cNvSpPr/>
+          <p:nvPr/>
+        </p:nvSpPr>
+        <p:spPr>
+          <a:xfrm>
+            <a:off x="4499992" y="5360106"/>
+            <a:ext cx="3456384" cy="445158"/>
           </a:xfrm>
           <a:prstGeom prst="rect">
             <a:avLst/>
@@ -8291,48 +12120,65 @@
           <a:solidFill>
             <a:schemeClr val="bg1"/>
           </a:solidFill>
-        </p:spPr>
-        <p:style>
-          <a:lnRef idx="2">
-            <a:schemeClr val="accent1">
-              <a:shade val="50000"/>
-            </a:schemeClr>
-          </a:lnRef>
-          <a:fillRef idx="1">
-            <a:schemeClr val="accent1"/>
-          </a:fillRef>
-          <a:effectRef idx="0">
-            <a:schemeClr val="accent1"/>
-          </a:effectRef>
-          <a:fontRef idx="minor">
-            <a:schemeClr val="lt1"/>
-          </a:fontRef>
-        </p:style>
-        <p:txBody>
-          <a:bodyPr rtlCol="0" anchor="ctr"/>
-          <a:lstStyle/>
-          <a:p>
+          <a:ln>
+            <a:noFill/>
+          </a:ln>
+          <a:effectLst>
+            <a:glow rad="63500">
+              <a:schemeClr val="accent1">
+                <a:satMod val="175000"/>
+                <a:alpha val="40000"/>
+              </a:schemeClr>
+            </a:glow>
+          </a:effectLst>
+        </p:spPr>
+        <p:style>
+          <a:lnRef idx="2">
+            <a:schemeClr val="accent1">
+              <a:shade val="50000"/>
+            </a:schemeClr>
+          </a:lnRef>
+          <a:fillRef idx="1">
+            <a:schemeClr val="accent1"/>
+          </a:fillRef>
+          <a:effectRef idx="0">
+            <a:schemeClr val="accent1"/>
+          </a:effectRef>
+          <a:fontRef idx="minor">
+            <a:schemeClr val="lt1"/>
+          </a:fontRef>
+        </p:style>
+        <p:txBody>
+          <a:bodyPr rtlCol="0" anchor="ctr"/>
+          <a:lstStyle/>
+          <a:p>
+            <a:pPr algn="ctr"/>
             <a:r>
               <a:rPr lang="en-GB" dirty="0" smtClean="0">
                 <a:solidFill>
-                  <a:schemeClr val="tx1"/>
+                  <a:srgbClr val="EE930C"/>
                 </a:solidFill>
               </a:rPr>
-              <a:t>All transactions</a:t>
-            </a:r>
-          </a:p>
-        </p:txBody>
-      </p:sp>
-      <p:sp>
-        <p:nvSpPr>
-          <p:cNvPr id="37" name="Rectangle 36"/>
-          <p:cNvSpPr/>
-          <p:nvPr/>
-        </p:nvSpPr>
-        <p:spPr>
-          <a:xfrm>
-            <a:off x="6215074" y="3786190"/>
-            <a:ext cx="1714512" cy="571504"/>
+              <a:t>Movie Ticket</a:t>
+            </a:r>
+            <a:endParaRPr lang="en-GB" dirty="0">
+              <a:solidFill>
+                <a:srgbClr val="EE930C"/>
+              </a:solidFill>
+            </a:endParaRPr>
+          </a:p>
+        </p:txBody>
+      </p:sp>
+      <p:sp>
+        <p:nvSpPr>
+          <p:cNvPr id="32" name="Rectangle 31"/>
+          <p:cNvSpPr/>
+          <p:nvPr/>
+        </p:nvSpPr>
+        <p:spPr>
+          <a:xfrm>
+            <a:off x="4499992" y="5792154"/>
+            <a:ext cx="3456384" cy="445158"/>
           </a:xfrm>
           <a:prstGeom prst="rect">
             <a:avLst/>
@@ -8340,6 +12186,17 @@
           <a:solidFill>
             <a:schemeClr val="bg1"/>
           </a:solidFill>
+          <a:ln>
+            <a:noFill/>
+          </a:ln>
+          <a:effectLst>
+            <a:glow rad="63500">
+              <a:schemeClr val="accent1">
+                <a:satMod val="175000"/>
+                <a:alpha val="40000"/>
+              </a:schemeClr>
+            </a:glow>
+          </a:effectLst>
         </p:spPr>
         <p:style>
           <a:lnRef idx="2">
@@ -8365,234 +12222,16 @@
             <a:r>
               <a:rPr lang="en-GB" dirty="0" smtClean="0">
                 <a:solidFill>
-                  <a:schemeClr val="tx1"/>
+                  <a:srgbClr val="EE930C"/>
                 </a:solidFill>
               </a:rPr>
-              <a:t>Reinvest</a:t>
+              <a:t>Event Ticket</a:t>
             </a:r>
             <a:endParaRPr lang="en-GB" dirty="0">
               <a:solidFill>
-                <a:schemeClr val="tx1"/>
+                <a:srgbClr val="EE930C"/>
               </a:solidFill>
             </a:endParaRPr>
-          </a:p>
-        </p:txBody>
-      </p:sp>
-      <p:sp>
-        <p:nvSpPr>
-          <p:cNvPr id="38" name="Rectangle 37"/>
-          <p:cNvSpPr/>
-          <p:nvPr/>
-        </p:nvSpPr>
-        <p:spPr>
-          <a:xfrm>
-            <a:off x="6215074" y="4357694"/>
-            <a:ext cx="1714512" cy="571504"/>
-          </a:xfrm>
-          <a:prstGeom prst="rect">
-            <a:avLst/>
-          </a:prstGeom>
-          <a:solidFill>
-            <a:schemeClr val="bg1"/>
-          </a:solidFill>
-        </p:spPr>
-        <p:style>
-          <a:lnRef idx="2">
-            <a:schemeClr val="accent1">
-              <a:shade val="50000"/>
-            </a:schemeClr>
-          </a:lnRef>
-          <a:fillRef idx="1">
-            <a:schemeClr val="accent1"/>
-          </a:fillRef>
-          <a:effectRef idx="0">
-            <a:schemeClr val="accent1"/>
-          </a:effectRef>
-          <a:fontRef idx="minor">
-            <a:schemeClr val="lt1"/>
-          </a:fontRef>
-        </p:style>
-        <p:txBody>
-          <a:bodyPr rtlCol="0" anchor="ctr"/>
-          <a:lstStyle/>
-          <a:p>
-            <a:pPr algn="ctr"/>
-            <a:r>
-              <a:rPr lang="en-GB" dirty="0" smtClean="0">
-                <a:solidFill>
-                  <a:schemeClr val="tx1"/>
-                </a:solidFill>
-              </a:rPr>
-              <a:t>My referral link</a:t>
-            </a:r>
-            <a:endParaRPr lang="en-GB" dirty="0">
-              <a:solidFill>
-                <a:schemeClr val="tx1"/>
-              </a:solidFill>
-            </a:endParaRPr>
-          </a:p>
-        </p:txBody>
-      </p:sp>
-      <p:sp>
-        <p:nvSpPr>
-          <p:cNvPr id="39" name="Rectangle 38"/>
-          <p:cNvSpPr/>
-          <p:nvPr/>
-        </p:nvSpPr>
-        <p:spPr>
-          <a:xfrm>
-            <a:off x="4572000" y="4929198"/>
-            <a:ext cx="1643074" cy="571504"/>
-          </a:xfrm>
-          <a:prstGeom prst="rect">
-            <a:avLst/>
-          </a:prstGeom>
-          <a:solidFill>
-            <a:schemeClr val="bg1"/>
-          </a:solidFill>
-        </p:spPr>
-        <p:style>
-          <a:lnRef idx="2">
-            <a:schemeClr val="accent1">
-              <a:shade val="50000"/>
-            </a:schemeClr>
-          </a:lnRef>
-          <a:fillRef idx="1">
-            <a:schemeClr val="accent1"/>
-          </a:fillRef>
-          <a:effectRef idx="0">
-            <a:schemeClr val="accent1"/>
-          </a:effectRef>
-          <a:fontRef idx="minor">
-            <a:schemeClr val="lt1"/>
-          </a:fontRef>
-        </p:style>
-        <p:txBody>
-          <a:bodyPr rtlCol="0" anchor="ctr"/>
-          <a:lstStyle/>
-          <a:p>
-            <a:pPr algn="ctr"/>
-            <a:r>
-              <a:rPr lang="en-GB" dirty="0">
-                <a:solidFill>
-                  <a:schemeClr val="tx1"/>
-                </a:solidFill>
-              </a:rPr>
-              <a:t>Add bank</a:t>
-            </a:r>
-          </a:p>
-        </p:txBody>
-      </p:sp>
-      <p:sp>
-        <p:nvSpPr>
-          <p:cNvPr id="40" name="Rectangle 39"/>
-          <p:cNvSpPr/>
-          <p:nvPr/>
-        </p:nvSpPr>
-        <p:spPr>
-          <a:xfrm>
-            <a:off x="6215074" y="4929198"/>
-            <a:ext cx="1714512" cy="571504"/>
-          </a:xfrm>
-          <a:prstGeom prst="rect">
-            <a:avLst/>
-          </a:prstGeom>
-          <a:solidFill>
-            <a:schemeClr val="bg1"/>
-          </a:solidFill>
-        </p:spPr>
-        <p:style>
-          <a:lnRef idx="2">
-            <a:schemeClr val="accent1">
-              <a:shade val="50000"/>
-            </a:schemeClr>
-          </a:lnRef>
-          <a:fillRef idx="1">
-            <a:schemeClr val="accent1"/>
-          </a:fillRef>
-          <a:effectRef idx="0">
-            <a:schemeClr val="accent1"/>
-          </a:effectRef>
-          <a:fontRef idx="minor">
-            <a:schemeClr val="lt1"/>
-          </a:fontRef>
-        </p:style>
-        <p:txBody>
-          <a:bodyPr rtlCol="0" anchor="ctr"/>
-          <a:lstStyle/>
-          <a:p>
-            <a:pPr algn="ctr"/>
-            <a:endParaRPr lang="en-GB" dirty="0">
-              <a:solidFill>
-                <a:schemeClr val="tx1"/>
-              </a:solidFill>
-            </a:endParaRPr>
-          </a:p>
-        </p:txBody>
-      </p:sp>
-      <p:sp>
-        <p:nvSpPr>
-          <p:cNvPr id="41" name="Rectangle 40"/>
-          <p:cNvSpPr/>
-          <p:nvPr/>
-        </p:nvSpPr>
-        <p:spPr>
-          <a:xfrm>
-            <a:off x="4572000" y="5500702"/>
-            <a:ext cx="3357586" cy="714356"/>
-          </a:xfrm>
-          <a:prstGeom prst="rect">
-            <a:avLst/>
-          </a:prstGeom>
-          <a:solidFill>
-            <a:srgbClr val="EE930C"/>
-          </a:solidFill>
-        </p:spPr>
-        <p:style>
-          <a:lnRef idx="2">
-            <a:schemeClr val="accent1">
-              <a:shade val="50000"/>
-            </a:schemeClr>
-          </a:lnRef>
-          <a:fillRef idx="1">
-            <a:schemeClr val="accent1"/>
-          </a:fillRef>
-          <a:effectRef idx="0">
-            <a:schemeClr val="accent1"/>
-          </a:effectRef>
-          <a:fontRef idx="minor">
-            <a:schemeClr val="lt1"/>
-          </a:fontRef>
-        </p:style>
-        <p:txBody>
-          <a:bodyPr rtlCol="0" anchor="ctr"/>
-          <a:lstStyle/>
-          <a:p>
-            <a:pPr algn="ctr"/>
-            <a:r>
-              <a:rPr lang="en-GB" dirty="0">
-                <a:solidFill>
-                  <a:schemeClr val="bg1"/>
-                </a:solidFill>
-              </a:rPr>
-              <a:t>C</a:t>
-            </a:r>
-            <a:r>
-              <a:rPr lang="en-GB" dirty="0" smtClean="0">
-                <a:solidFill>
-                  <a:schemeClr val="bg1"/>
-                </a:solidFill>
-              </a:rPr>
-              <a:t>ustomise </a:t>
-            </a:r>
-            <a:r>
-              <a:rPr lang="en-GB" dirty="0">
-                <a:solidFill>
-                  <a:schemeClr val="bg1"/>
-                </a:solidFill>
-              </a:rPr>
-              <a:t>ads</a:t>
-            </a:r>
           </a:p>
         </p:txBody>
       </p:sp>
@@ -8725,7 +12364,7 @@
                   </a:schemeClr>
                 </a:solidFill>
               </a:rPr>
-              <a:t>Amount</a:t>
+              <a:t>Pick A Plan</a:t>
             </a:r>
             <a:endParaRPr lang="en-GB" dirty="0">
               <a:solidFill>
@@ -8780,13 +12419,18 @@
           <a:p>
             <a:pPr algn="ctr"/>
             <a:r>
-              <a:rPr lang="en-GB" dirty="0">
+              <a:rPr lang="en-GB" dirty="0" smtClean="0">
                 <a:solidFill>
                   <a:schemeClr val="bg1"/>
                 </a:solidFill>
               </a:rPr>
-              <a:t>Withdraw</a:t>
-            </a:r>
+              <a:t>Deposit</a:t>
+            </a:r>
+            <a:endParaRPr lang="en-GB" dirty="0">
+              <a:solidFill>
+                <a:schemeClr val="bg1"/>
+              </a:solidFill>
+            </a:endParaRPr>
           </a:p>
         </p:txBody>
       </p:sp>
@@ -8798,7 +12442,7 @@
         </p:nvSpPr>
         <p:spPr>
           <a:xfrm>
-            <a:off x="4499992" y="2767818"/>
+            <a:off x="4499992" y="4351994"/>
             <a:ext cx="3456384" cy="445158"/>
           </a:xfrm>
           <a:prstGeom prst="rect">
@@ -8846,7 +12490,7 @@
                   <a:srgbClr val="EE930C"/>
                 </a:solidFill>
               </a:rPr>
-              <a:t>To Bank</a:t>
+              <a:t>N20,000</a:t>
             </a:r>
             <a:endParaRPr lang="en-GB" dirty="0">
               <a:solidFill>
@@ -8996,7 +12640,7 @@
                   <a:srgbClr val="EE930C"/>
                 </a:solidFill>
               </a:rPr>
-              <a:t>Withdraw</a:t>
+              <a:t>Deposit</a:t>
             </a:r>
             <a:endParaRPr lang="en-GB" dirty="0">
               <a:solidFill>
@@ -9014,7 +12658,7 @@
         </p:nvSpPr>
         <p:spPr>
           <a:xfrm>
-            <a:off x="4499992" y="3212976"/>
+            <a:off x="4499992" y="4797152"/>
             <a:ext cx="3456384" cy="445158"/>
           </a:xfrm>
           <a:prstGeom prst="rect">
@@ -9062,7 +12706,7 @@
                   <a:srgbClr val="EE930C"/>
                 </a:solidFill>
               </a:rPr>
-              <a:t>Transfer </a:t>
+              <a:t>N50,000 </a:t>
             </a:r>
             <a:endParaRPr lang="en-GB" dirty="0">
               <a:solidFill>
@@ -9080,7 +12724,7 @@
         </p:nvSpPr>
         <p:spPr>
           <a:xfrm>
-            <a:off x="4499992" y="3645024"/>
+            <a:off x="4499992" y="5229200"/>
             <a:ext cx="3456384" cy="445158"/>
           </a:xfrm>
           <a:prstGeom prst="rect">
@@ -9128,7 +12772,7 @@
                   <a:srgbClr val="EE930C"/>
                 </a:solidFill>
               </a:rPr>
-              <a:t>Recharge</a:t>
+              <a:t>N100,000</a:t>
             </a:r>
             <a:endParaRPr lang="en-GB" dirty="0">
               <a:solidFill>
@@ -9146,7 +12790,7 @@
         </p:nvSpPr>
         <p:spPr>
           <a:xfrm>
-            <a:off x="4499992" y="4063962"/>
+            <a:off x="4499992" y="5648138"/>
             <a:ext cx="3456384" cy="445158"/>
           </a:xfrm>
           <a:prstGeom prst="rect">
@@ -9194,7 +12838,7 @@
                   <a:srgbClr val="EE930C"/>
                 </a:solidFill>
               </a:rPr>
-              <a:t>DSTV</a:t>
+              <a:t>N200,000</a:t>
             </a:r>
             <a:endParaRPr lang="en-GB" dirty="0">
               <a:solidFill>
@@ -9206,14 +12850,14 @@
       </p:sp>
       <p:sp>
         <p:nvSpPr>
-          <p:cNvPr id="29" name="Rectangle 28"/>
-          <p:cNvSpPr/>
-          <p:nvPr/>
-        </p:nvSpPr>
-        <p:spPr>
-          <a:xfrm>
-            <a:off x="4499992" y="4496010"/>
-            <a:ext cx="3456384" cy="445158"/>
+          <p:cNvPr id="17" name="Rectangle 16"/>
+          <p:cNvSpPr/>
+          <p:nvPr/>
+        </p:nvSpPr>
+        <p:spPr>
+          <a:xfrm>
+            <a:off x="4499992" y="2852936"/>
+            <a:ext cx="3456384" cy="1224136"/>
           </a:xfrm>
           <a:prstGeom prst="rect">
             <a:avLst/>
@@ -9260,7 +12904,7 @@
                   <a:srgbClr val="EE930C"/>
                 </a:solidFill>
               </a:rPr>
-              <a:t>Internet Subscription</a:t>
+              <a:t>N20,000</a:t>
             </a:r>
             <a:endParaRPr lang="en-GB" dirty="0">
               <a:solidFill>
@@ -9272,16 +12916,16 @@
       </p:sp>
       <p:sp>
         <p:nvSpPr>
-          <p:cNvPr id="30" name="Rectangle 29"/>
-          <p:cNvSpPr/>
-          <p:nvPr/>
-        </p:nvSpPr>
-        <p:spPr>
-          <a:xfrm>
-            <a:off x="4499992" y="4928058"/>
-            <a:ext cx="3456384" cy="445158"/>
-          </a:xfrm>
-          <a:prstGeom prst="rect">
+          <p:cNvPr id="18" name="Oval 17"/>
+          <p:cNvSpPr/>
+          <p:nvPr/>
+        </p:nvSpPr>
+        <p:spPr>
+          <a:xfrm>
+            <a:off x="7455740" y="3645024"/>
+            <a:ext cx="428628" cy="428628"/>
+          </a:xfrm>
+          <a:prstGeom prst="ellipse">
             <a:avLst/>
           </a:prstGeom>
           <a:solidFill>
@@ -9290,185 +12934,84 @@
           <a:ln>
             <a:noFill/>
           </a:ln>
-          <a:effectLst>
-            <a:glow rad="63500">
-              <a:schemeClr val="accent1">
-                <a:satMod val="175000"/>
-                <a:alpha val="40000"/>
-              </a:schemeClr>
-            </a:glow>
-          </a:effectLst>
-        </p:spPr>
-        <p:style>
-          <a:lnRef idx="2">
-            <a:schemeClr val="accent1">
-              <a:shade val="50000"/>
-            </a:schemeClr>
-          </a:lnRef>
-          <a:fillRef idx="1">
-            <a:schemeClr val="accent1"/>
-          </a:fillRef>
-          <a:effectRef idx="0">
-            <a:schemeClr val="accent1"/>
-          </a:effectRef>
-          <a:fontRef idx="minor">
-            <a:schemeClr val="lt1"/>
-          </a:fontRef>
-        </p:style>
-        <p:txBody>
-          <a:bodyPr rtlCol="0" anchor="ctr"/>
-          <a:lstStyle/>
-          <a:p>
-            <a:pPr algn="ctr"/>
-            <a:r>
-              <a:rPr lang="en-GB" dirty="0" smtClean="0">
-                <a:solidFill>
-                  <a:srgbClr val="EE930C"/>
-                </a:solidFill>
-              </a:rPr>
-              <a:t>Shopping</a:t>
-            </a:r>
-            <a:endParaRPr lang="en-GB" dirty="0">
-              <a:solidFill>
-                <a:srgbClr val="EE930C"/>
-              </a:solidFill>
-            </a:endParaRPr>
-          </a:p>
-        </p:txBody>
-      </p:sp>
-      <p:sp>
-        <p:nvSpPr>
-          <p:cNvPr id="31" name="Rectangle 30"/>
-          <p:cNvSpPr/>
-          <p:nvPr/>
-        </p:nvSpPr>
-        <p:spPr>
-          <a:xfrm>
-            <a:off x="4499992" y="5360106"/>
-            <a:ext cx="3456384" cy="445158"/>
-          </a:xfrm>
-          <a:prstGeom prst="rect">
-            <a:avLst/>
-          </a:prstGeom>
-          <a:solidFill>
-            <a:schemeClr val="bg1"/>
+        </p:spPr>
+        <p:style>
+          <a:lnRef idx="2">
+            <a:schemeClr val="accent1">
+              <a:shade val="50000"/>
+            </a:schemeClr>
+          </a:lnRef>
+          <a:fillRef idx="1">
+            <a:schemeClr val="accent1"/>
+          </a:fillRef>
+          <a:effectRef idx="0">
+            <a:schemeClr val="accent1"/>
+          </a:effectRef>
+          <a:fontRef idx="minor">
+            <a:schemeClr val="lt1"/>
+          </a:fontRef>
+        </p:style>
+        <p:txBody>
+          <a:bodyPr rtlCol="0" anchor="ctr"/>
+          <a:lstStyle/>
+          <a:p>
+            <a:pPr algn="ctr"/>
+            <a:endParaRPr lang="en-GB"/>
+          </a:p>
+        </p:txBody>
+      </p:sp>
+      <p:sp>
+        <p:nvSpPr>
+          <p:cNvPr id="19" name="Right Arrow 18"/>
+          <p:cNvSpPr/>
+          <p:nvPr/>
+        </p:nvSpPr>
+        <p:spPr>
+          <a:xfrm>
+            <a:off x="7598616" y="3787900"/>
+            <a:ext cx="142876" cy="142876"/>
+          </a:xfrm>
+          <a:prstGeom prst="rightArrow">
+            <a:avLst/>
+          </a:prstGeom>
+          <a:solidFill>
+            <a:srgbClr val="EE930C"/>
           </a:solidFill>
           <a:ln>
             <a:noFill/>
           </a:ln>
-          <a:effectLst>
-            <a:glow rad="63500">
-              <a:schemeClr val="accent1">
-                <a:satMod val="175000"/>
-                <a:alpha val="40000"/>
-              </a:schemeClr>
-            </a:glow>
-          </a:effectLst>
-        </p:spPr>
-        <p:style>
-          <a:lnRef idx="2">
-            <a:schemeClr val="accent1">
-              <a:shade val="50000"/>
-            </a:schemeClr>
-          </a:lnRef>
-          <a:fillRef idx="1">
-            <a:schemeClr val="accent1"/>
-          </a:fillRef>
-          <a:effectRef idx="0">
-            <a:schemeClr val="accent1"/>
-          </a:effectRef>
-          <a:fontRef idx="minor">
-            <a:schemeClr val="lt1"/>
-          </a:fontRef>
-        </p:style>
-        <p:txBody>
-          <a:bodyPr rtlCol="0" anchor="ctr"/>
-          <a:lstStyle/>
-          <a:p>
-            <a:pPr algn="ctr"/>
-            <a:r>
-              <a:rPr lang="en-GB" dirty="0" smtClean="0">
-                <a:solidFill>
-                  <a:srgbClr val="EE930C"/>
-                </a:solidFill>
-              </a:rPr>
-              <a:t>Movie Ticket</a:t>
-            </a:r>
-            <a:endParaRPr lang="en-GB" dirty="0">
-              <a:solidFill>
-                <a:srgbClr val="EE930C"/>
-              </a:solidFill>
-            </a:endParaRPr>
-          </a:p>
-        </p:txBody>
-      </p:sp>
-      <p:sp>
-        <p:nvSpPr>
-          <p:cNvPr id="32" name="Rectangle 31"/>
-          <p:cNvSpPr/>
-          <p:nvPr/>
-        </p:nvSpPr>
-        <p:spPr>
-          <a:xfrm>
-            <a:off x="4499992" y="5792154"/>
-            <a:ext cx="3456384" cy="445158"/>
-          </a:xfrm>
-          <a:prstGeom prst="rect">
-            <a:avLst/>
-          </a:prstGeom>
-          <a:solidFill>
-            <a:schemeClr val="bg1"/>
-          </a:solidFill>
-          <a:ln>
-            <a:noFill/>
-          </a:ln>
-          <a:effectLst>
-            <a:glow rad="63500">
-              <a:schemeClr val="accent1">
-                <a:satMod val="175000"/>
-                <a:alpha val="40000"/>
-              </a:schemeClr>
-            </a:glow>
-          </a:effectLst>
-        </p:spPr>
-        <p:style>
-          <a:lnRef idx="2">
-            <a:schemeClr val="accent1">
-              <a:shade val="50000"/>
-            </a:schemeClr>
-          </a:lnRef>
-          <a:fillRef idx="1">
-            <a:schemeClr val="accent1"/>
-          </a:fillRef>
-          <a:effectRef idx="0">
-            <a:schemeClr val="accent1"/>
-          </a:effectRef>
-          <a:fontRef idx="minor">
-            <a:schemeClr val="lt1"/>
-          </a:fontRef>
-        </p:style>
-        <p:txBody>
-          <a:bodyPr rtlCol="0" anchor="ctr"/>
-          <a:lstStyle/>
-          <a:p>
-            <a:pPr algn="ctr"/>
-            <a:r>
-              <a:rPr lang="en-GB" dirty="0" smtClean="0">
-                <a:solidFill>
-                  <a:srgbClr val="EE930C"/>
-                </a:solidFill>
-              </a:rPr>
-              <a:t>Event Ticket</a:t>
-            </a:r>
-            <a:endParaRPr lang="en-GB" dirty="0">
-              <a:solidFill>
-                <a:srgbClr val="EE930C"/>
-              </a:solidFill>
-            </a:endParaRPr>
+        </p:spPr>
+        <p:style>
+          <a:lnRef idx="2">
+            <a:schemeClr val="accent1">
+              <a:shade val="50000"/>
+            </a:schemeClr>
+          </a:lnRef>
+          <a:fillRef idx="1">
+            <a:schemeClr val="accent1"/>
+          </a:fillRef>
+          <a:effectRef idx="0">
+            <a:schemeClr val="accent1"/>
+          </a:effectRef>
+          <a:fontRef idx="minor">
+            <a:schemeClr val="lt1"/>
+          </a:fontRef>
+        </p:style>
+        <p:txBody>
+          <a:bodyPr rtlCol="0" anchor="ctr"/>
+          <a:lstStyle/>
+          <a:p>
+            <a:pPr algn="ctr"/>
+            <a:endParaRPr lang="en-GB"/>
           </a:p>
         </p:txBody>
       </p:sp>
     </p:spTree>
+    <p:extLst>
+      <p:ext uri="{BB962C8B-B14F-4D97-AF65-F5344CB8AC3E}">
+        <p14:creationId xmlns:p14="http://schemas.microsoft.com/office/powerpoint/2010/main" val="327363673"/>
+      </p:ext>
+    </p:extLst>
   </p:cSld>
   <p:clrMapOvr>
     <a:masterClrMapping/>
@@ -9541,14 +13084,67 @@
       </p:sp>
       <p:sp>
         <p:nvSpPr>
-          <p:cNvPr id="11" name="Rectangle 10"/>
-          <p:cNvSpPr/>
-          <p:nvPr/>
-        </p:nvSpPr>
-        <p:spPr>
-          <a:xfrm>
-            <a:off x="4499992" y="1915122"/>
-            <a:ext cx="3456384" cy="793798"/>
+          <p:cNvPr id="15" name="Rectangle 14"/>
+          <p:cNvSpPr/>
+          <p:nvPr/>
+        </p:nvSpPr>
+        <p:spPr>
+          <a:xfrm>
+            <a:off x="5072066" y="1343618"/>
+            <a:ext cx="2596278" cy="571504"/>
+          </a:xfrm>
+          <a:prstGeom prst="rect">
+            <a:avLst/>
+          </a:prstGeom>
+          <a:solidFill>
+            <a:srgbClr val="EE930C"/>
+          </a:solidFill>
+          <a:ln>
+            <a:noFill/>
+          </a:ln>
+        </p:spPr>
+        <p:style>
+          <a:lnRef idx="2">
+            <a:schemeClr val="accent1">
+              <a:shade val="50000"/>
+            </a:schemeClr>
+          </a:lnRef>
+          <a:fillRef idx="1">
+            <a:schemeClr val="accent1"/>
+          </a:fillRef>
+          <a:effectRef idx="0">
+            <a:schemeClr val="accent1"/>
+          </a:effectRef>
+          <a:fontRef idx="minor">
+            <a:schemeClr val="lt1"/>
+          </a:fontRef>
+        </p:style>
+        <p:txBody>
+          <a:bodyPr rtlCol="0" anchor="ctr"/>
+          <a:lstStyle/>
+          <a:p>
+            <a:pPr algn="ctr"/>
+            <a:r>
+              <a:rPr lang="en-GB" dirty="0">
+                <a:solidFill>
+                  <a:schemeClr val="bg1"/>
+                </a:solidFill>
+              </a:rPr>
+              <a:t>Trending/Blog / Videos</a:t>
+            </a:r>
+          </a:p>
+        </p:txBody>
+      </p:sp>
+      <p:sp>
+        <p:nvSpPr>
+          <p:cNvPr id="16" name="Rectangle 15"/>
+          <p:cNvSpPr/>
+          <p:nvPr/>
+        </p:nvSpPr>
+        <p:spPr>
+          <a:xfrm>
+            <a:off x="4499992" y="2047738"/>
+            <a:ext cx="3456384" cy="445158"/>
           </a:xfrm>
           <a:prstGeom prst="rect">
             <a:avLst/>
@@ -9592,18 +13188,14 @@
             <a:r>
               <a:rPr lang="en-GB" dirty="0" smtClean="0">
                 <a:solidFill>
-                  <a:schemeClr val="bg1">
-                    <a:lumMod val="85000"/>
-                  </a:schemeClr>
+                  <a:srgbClr val="EE930C"/>
                 </a:solidFill>
               </a:rPr>
-              <a:t>Pick A Plan</a:t>
+              <a:t>Twitter trending</a:t>
             </a:r>
             <a:endParaRPr lang="en-GB" dirty="0">
               <a:solidFill>
-                <a:schemeClr val="bg1">
-                  <a:lumMod val="85000"/>
-                </a:schemeClr>
+                <a:srgbClr val="EE930C"/>
               </a:solidFill>
             </a:endParaRPr>
           </a:p>
@@ -9611,16 +13203,16 @@
       </p:sp>
       <p:sp>
         <p:nvSpPr>
-          <p:cNvPr id="15" name="Rectangle 14"/>
-          <p:cNvSpPr/>
-          <p:nvPr/>
-        </p:nvSpPr>
-        <p:spPr>
-          <a:xfrm>
-            <a:off x="5072066" y="1343618"/>
-            <a:ext cx="2214578" cy="571504"/>
-          </a:xfrm>
-          <a:prstGeom prst="rect">
+          <p:cNvPr id="20" name="Right Arrow 19"/>
+          <p:cNvSpPr/>
+          <p:nvPr/>
+        </p:nvSpPr>
+        <p:spPr>
+          <a:xfrm>
+            <a:off x="7358082" y="5267008"/>
+            <a:ext cx="142876" cy="142876"/>
+          </a:xfrm>
+          <a:prstGeom prst="rightArrow">
             <a:avLst/>
           </a:prstGeom>
           <a:solidFill>
@@ -9651,31 +13243,118 @@
           <a:lstStyle/>
           <a:p>
             <a:pPr algn="ctr"/>
-            <a:r>
-              <a:rPr lang="en-GB" dirty="0" smtClean="0">
+            <a:endParaRPr lang="en-GB"/>
+          </a:p>
+        </p:txBody>
+      </p:sp>
+      <p:sp>
+        <p:nvSpPr>
+          <p:cNvPr id="23" name="Rectangle 22"/>
+          <p:cNvSpPr/>
+          <p:nvPr/>
+        </p:nvSpPr>
+        <p:spPr>
+          <a:xfrm>
+            <a:off x="571472" y="1124744"/>
+            <a:ext cx="3357586" cy="5214974"/>
+          </a:xfrm>
+          <a:prstGeom prst="rect">
+            <a:avLst/>
+          </a:prstGeom>
+          <a:solidFill>
+            <a:srgbClr val="EE930C"/>
+          </a:solidFill>
+          <a:ln>
+            <a:noFill/>
+          </a:ln>
+        </p:spPr>
+        <p:style>
+          <a:lnRef idx="2">
+            <a:schemeClr val="accent1">
+              <a:shade val="50000"/>
+            </a:schemeClr>
+          </a:lnRef>
+          <a:fillRef idx="1">
+            <a:schemeClr val="accent1"/>
+          </a:fillRef>
+          <a:effectRef idx="0">
+            <a:schemeClr val="accent1"/>
+          </a:effectRef>
+          <a:fontRef idx="minor">
+            <a:schemeClr val="lt1"/>
+          </a:fontRef>
+        </p:style>
+        <p:txBody>
+          <a:bodyPr rtlCol="0" anchor="ctr"/>
+          <a:lstStyle/>
+          <a:p>
+            <a:pPr algn="ctr"/>
+            <a:endParaRPr lang="en-GB"/>
+          </a:p>
+        </p:txBody>
+      </p:sp>
+      <p:sp>
+        <p:nvSpPr>
+          <p:cNvPr id="24" name="Rectangle 23"/>
+          <p:cNvSpPr/>
+          <p:nvPr/>
+        </p:nvSpPr>
+        <p:spPr>
+          <a:xfrm>
+            <a:off x="1142976" y="3339322"/>
+            <a:ext cx="2214578" cy="571504"/>
+          </a:xfrm>
+          <a:prstGeom prst="rect">
+            <a:avLst/>
+          </a:prstGeom>
+          <a:solidFill>
+            <a:schemeClr val="bg1"/>
+          </a:solidFill>
+          <a:ln>
+            <a:noFill/>
+          </a:ln>
+        </p:spPr>
+        <p:style>
+          <a:lnRef idx="2">
+            <a:schemeClr val="accent1">
+              <a:shade val="50000"/>
+            </a:schemeClr>
+          </a:lnRef>
+          <a:fillRef idx="1">
+            <a:schemeClr val="accent1"/>
+          </a:fillRef>
+          <a:effectRef idx="0">
+            <a:schemeClr val="accent1"/>
+          </a:effectRef>
+          <a:fontRef idx="minor">
+            <a:schemeClr val="lt1"/>
+          </a:fontRef>
+        </p:style>
+        <p:txBody>
+          <a:bodyPr rtlCol="0" anchor="ctr"/>
+          <a:lstStyle/>
+          <a:p>
+            <a:pPr algn="ctr"/>
+            <a:r>
+              <a:rPr lang="en-GB" dirty="0">
                 <a:solidFill>
-                  <a:schemeClr val="bg1"/>
+                  <a:srgbClr val="EE930C"/>
                 </a:solidFill>
               </a:rPr>
-              <a:t>Deposit</a:t>
-            </a:r>
-            <a:endParaRPr lang="en-GB" dirty="0">
-              <a:solidFill>
-                <a:schemeClr val="bg1"/>
-              </a:solidFill>
-            </a:endParaRPr>
-          </a:p>
-        </p:txBody>
-      </p:sp>
-      <p:sp>
-        <p:nvSpPr>
-          <p:cNvPr id="16" name="Rectangle 15"/>
-          <p:cNvSpPr/>
-          <p:nvPr/>
-        </p:nvSpPr>
-        <p:spPr>
-          <a:xfrm>
-            <a:off x="4499992" y="4351994"/>
+              <a:t>Trending/Blog / Videos</a:t>
+            </a:r>
+          </a:p>
+        </p:txBody>
+      </p:sp>
+      <p:sp>
+        <p:nvSpPr>
+          <p:cNvPr id="26" name="Rectangle 25"/>
+          <p:cNvSpPr/>
+          <p:nvPr/>
+        </p:nvSpPr>
+        <p:spPr>
+          <a:xfrm>
+            <a:off x="4499992" y="2492896"/>
             <a:ext cx="3456384" cy="445158"/>
           </a:xfrm>
           <a:prstGeom prst="rect">
@@ -9718,12 +13397,20 @@
           <a:p>
             <a:pPr algn="ctr"/>
             <a:r>
+              <a:rPr lang="en-GB" dirty="0" err="1" smtClean="0">
+                <a:solidFill>
+                  <a:srgbClr val="EE930C"/>
+                </a:solidFill>
+              </a:rPr>
+              <a:t>Youtube</a:t>
+            </a:r>
+            <a:r>
               <a:rPr lang="en-GB" dirty="0" smtClean="0">
                 <a:solidFill>
                   <a:srgbClr val="EE930C"/>
                 </a:solidFill>
               </a:rPr>
-              <a:t>N20,000</a:t>
+              <a:t> Top Videos</a:t>
             </a:r>
             <a:endParaRPr lang="en-GB" dirty="0">
               <a:solidFill>
@@ -9735,163 +13422,13 @@
       </p:sp>
       <p:sp>
         <p:nvSpPr>
-          <p:cNvPr id="20" name="Right Arrow 19"/>
-          <p:cNvSpPr/>
-          <p:nvPr/>
-        </p:nvSpPr>
-        <p:spPr>
-          <a:xfrm>
-            <a:off x="7358082" y="5987088"/>
-            <a:ext cx="142876" cy="142876"/>
-          </a:xfrm>
-          <a:prstGeom prst="rightArrow">
-            <a:avLst/>
-          </a:prstGeom>
-          <a:solidFill>
-            <a:srgbClr val="EE930C"/>
-          </a:solidFill>
-          <a:ln>
-            <a:noFill/>
-          </a:ln>
-        </p:spPr>
-        <p:style>
-          <a:lnRef idx="2">
-            <a:schemeClr val="accent1">
-              <a:shade val="50000"/>
-            </a:schemeClr>
-          </a:lnRef>
-          <a:fillRef idx="1">
-            <a:schemeClr val="accent1"/>
-          </a:fillRef>
-          <a:effectRef idx="0">
-            <a:schemeClr val="accent1"/>
-          </a:effectRef>
-          <a:fontRef idx="minor">
-            <a:schemeClr val="lt1"/>
-          </a:fontRef>
-        </p:style>
-        <p:txBody>
-          <a:bodyPr rtlCol="0" anchor="ctr"/>
-          <a:lstStyle/>
-          <a:p>
-            <a:pPr algn="ctr"/>
-            <a:endParaRPr lang="en-GB"/>
-          </a:p>
-        </p:txBody>
-      </p:sp>
-      <p:sp>
-        <p:nvSpPr>
-          <p:cNvPr id="23" name="Rectangle 22"/>
-          <p:cNvSpPr/>
-          <p:nvPr/>
-        </p:nvSpPr>
-        <p:spPr>
-          <a:xfrm>
-            <a:off x="571472" y="1124744"/>
-            <a:ext cx="3357586" cy="5214974"/>
-          </a:xfrm>
-          <a:prstGeom prst="rect">
-            <a:avLst/>
-          </a:prstGeom>
-          <a:solidFill>
-            <a:srgbClr val="EE930C"/>
-          </a:solidFill>
-          <a:ln>
-            <a:noFill/>
-          </a:ln>
-        </p:spPr>
-        <p:style>
-          <a:lnRef idx="2">
-            <a:schemeClr val="accent1">
-              <a:shade val="50000"/>
-            </a:schemeClr>
-          </a:lnRef>
-          <a:fillRef idx="1">
-            <a:schemeClr val="accent1"/>
-          </a:fillRef>
-          <a:effectRef idx="0">
-            <a:schemeClr val="accent1"/>
-          </a:effectRef>
-          <a:fontRef idx="minor">
-            <a:schemeClr val="lt1"/>
-          </a:fontRef>
-        </p:style>
-        <p:txBody>
-          <a:bodyPr rtlCol="0" anchor="ctr"/>
-          <a:lstStyle/>
-          <a:p>
-            <a:pPr algn="ctr"/>
-            <a:endParaRPr lang="en-GB"/>
-          </a:p>
-        </p:txBody>
-      </p:sp>
-      <p:sp>
-        <p:nvSpPr>
-          <p:cNvPr id="24" name="Rectangle 23"/>
-          <p:cNvSpPr/>
-          <p:nvPr/>
-        </p:nvSpPr>
-        <p:spPr>
-          <a:xfrm>
-            <a:off x="1142976" y="3339322"/>
-            <a:ext cx="2214578" cy="571504"/>
-          </a:xfrm>
-          <a:prstGeom prst="rect">
-            <a:avLst/>
-          </a:prstGeom>
-          <a:solidFill>
-            <a:schemeClr val="bg1"/>
-          </a:solidFill>
-          <a:ln>
-            <a:noFill/>
-          </a:ln>
-        </p:spPr>
-        <p:style>
-          <a:lnRef idx="2">
-            <a:schemeClr val="accent1">
-              <a:shade val="50000"/>
-            </a:schemeClr>
-          </a:lnRef>
-          <a:fillRef idx="1">
-            <a:schemeClr val="accent1"/>
-          </a:fillRef>
-          <a:effectRef idx="0">
-            <a:schemeClr val="accent1"/>
-          </a:effectRef>
-          <a:fontRef idx="minor">
-            <a:schemeClr val="lt1"/>
-          </a:fontRef>
-        </p:style>
-        <p:txBody>
-          <a:bodyPr rtlCol="0" anchor="ctr"/>
-          <a:lstStyle/>
-          <a:p>
-            <a:pPr algn="ctr"/>
-            <a:r>
-              <a:rPr lang="en-GB" dirty="0" smtClean="0">
-                <a:solidFill>
-                  <a:srgbClr val="EE930C"/>
-                </a:solidFill>
-              </a:rPr>
-              <a:t>Deposit</a:t>
-            </a:r>
-            <a:endParaRPr lang="en-GB" dirty="0">
-              <a:solidFill>
-                <a:srgbClr val="EE930C"/>
-              </a:solidFill>
-            </a:endParaRPr>
-          </a:p>
-        </p:txBody>
-      </p:sp>
-      <p:sp>
-        <p:nvSpPr>
-          <p:cNvPr id="26" name="Rectangle 25"/>
-          <p:cNvSpPr/>
-          <p:nvPr/>
-        </p:nvSpPr>
-        <p:spPr>
-          <a:xfrm>
-            <a:off x="4499992" y="4797152"/>
+          <p:cNvPr id="27" name="Rectangle 26"/>
+          <p:cNvSpPr/>
+          <p:nvPr/>
+        </p:nvSpPr>
+        <p:spPr>
+          <a:xfrm>
+            <a:off x="4499992" y="2924944"/>
             <a:ext cx="3456384" cy="445158"/>
           </a:xfrm>
           <a:prstGeom prst="rect">
@@ -9934,12 +13471,12 @@
           <a:p>
             <a:pPr algn="ctr"/>
             <a:r>
-              <a:rPr lang="en-GB" dirty="0" smtClean="0">
+              <a:rPr lang="en-GB" dirty="0" err="1" smtClean="0">
                 <a:solidFill>
                   <a:srgbClr val="EE930C"/>
                 </a:solidFill>
               </a:rPr>
-              <a:t>N50,000 </a:t>
+              <a:t>LIBlog</a:t>
             </a:r>
             <a:endParaRPr lang="en-GB" dirty="0">
               <a:solidFill>
@@ -9951,13 +13488,13 @@
       </p:sp>
       <p:sp>
         <p:nvSpPr>
-          <p:cNvPr id="27" name="Rectangle 26"/>
-          <p:cNvSpPr/>
-          <p:nvPr/>
-        </p:nvSpPr>
-        <p:spPr>
-          <a:xfrm>
-            <a:off x="4499992" y="5229200"/>
+          <p:cNvPr id="28" name="Rectangle 27"/>
+          <p:cNvSpPr/>
+          <p:nvPr/>
+        </p:nvSpPr>
+        <p:spPr>
+          <a:xfrm>
+            <a:off x="4499992" y="3343882"/>
             <a:ext cx="3456384" cy="445158"/>
           </a:xfrm>
           <a:prstGeom prst="rect">
@@ -10005,7 +13542,7 @@
                   <a:srgbClr val="EE930C"/>
                 </a:solidFill>
               </a:rPr>
-              <a:t>N100,000</a:t>
+              <a:t>Other News</a:t>
             </a:r>
             <a:endParaRPr lang="en-GB" dirty="0">
               <a:solidFill>
@@ -10017,13 +13554,13 @@
       </p:sp>
       <p:sp>
         <p:nvSpPr>
-          <p:cNvPr id="28" name="Rectangle 27"/>
-          <p:cNvSpPr/>
-          <p:nvPr/>
-        </p:nvSpPr>
-        <p:spPr>
-          <a:xfrm>
-            <a:off x="4499992" y="5648138"/>
+          <p:cNvPr id="29" name="Rectangle 28"/>
+          <p:cNvSpPr/>
+          <p:nvPr/>
+        </p:nvSpPr>
+        <p:spPr>
+          <a:xfrm>
+            <a:off x="4499992" y="3775930"/>
             <a:ext cx="3456384" cy="445158"/>
           </a:xfrm>
           <a:prstGeom prst="rect">
@@ -10071,7 +13608,7 @@
                   <a:srgbClr val="EE930C"/>
                 </a:solidFill>
               </a:rPr>
-              <a:t>N200,000</a:t>
+              <a:t>Comedy</a:t>
             </a:r>
             <a:endParaRPr lang="en-GB" dirty="0">
               <a:solidFill>
@@ -10083,14 +13620,14 @@
       </p:sp>
       <p:sp>
         <p:nvSpPr>
-          <p:cNvPr id="17" name="Rectangle 16"/>
-          <p:cNvSpPr/>
-          <p:nvPr/>
-        </p:nvSpPr>
-        <p:spPr>
-          <a:xfrm>
-            <a:off x="4499992" y="2852936"/>
-            <a:ext cx="3456384" cy="1224136"/>
+          <p:cNvPr id="30" name="Rectangle 29"/>
+          <p:cNvSpPr/>
+          <p:nvPr/>
+        </p:nvSpPr>
+        <p:spPr>
+          <a:xfrm>
+            <a:off x="4499992" y="4207978"/>
+            <a:ext cx="3456384" cy="445158"/>
           </a:xfrm>
           <a:prstGeom prst="rect">
             <a:avLst/>
@@ -10132,12 +13669,86 @@
           <a:p>
             <a:pPr algn="ctr"/>
             <a:r>
+              <a:rPr lang="en-GB" dirty="0" err="1" smtClean="0">
+                <a:solidFill>
+                  <a:srgbClr val="EE930C"/>
+                </a:solidFill>
+              </a:rPr>
+              <a:t>Ebooks</a:t>
+            </a:r>
+            <a:endParaRPr lang="en-GB" dirty="0">
+              <a:solidFill>
+                <a:srgbClr val="EE930C"/>
+              </a:solidFill>
+            </a:endParaRPr>
+          </a:p>
+        </p:txBody>
+      </p:sp>
+      <p:sp>
+        <p:nvSpPr>
+          <p:cNvPr id="31" name="Rectangle 30"/>
+          <p:cNvSpPr/>
+          <p:nvPr/>
+        </p:nvSpPr>
+        <p:spPr>
+          <a:xfrm>
+            <a:off x="4499992" y="4640026"/>
+            <a:ext cx="3456384" cy="445158"/>
+          </a:xfrm>
+          <a:prstGeom prst="rect">
+            <a:avLst/>
+          </a:prstGeom>
+          <a:solidFill>
+            <a:schemeClr val="bg1"/>
+          </a:solidFill>
+          <a:ln>
+            <a:noFill/>
+          </a:ln>
+          <a:effectLst>
+            <a:glow rad="63500">
+              <a:schemeClr val="accent1">
+                <a:satMod val="175000"/>
+                <a:alpha val="40000"/>
+              </a:schemeClr>
+            </a:glow>
+          </a:effectLst>
+        </p:spPr>
+        <p:style>
+          <a:lnRef idx="2">
+            <a:schemeClr val="accent1">
+              <a:shade val="50000"/>
+            </a:schemeClr>
+          </a:lnRef>
+          <a:fillRef idx="1">
+            <a:schemeClr val="accent1"/>
+          </a:fillRef>
+          <a:effectRef idx="0">
+            <a:schemeClr val="accent1"/>
+          </a:effectRef>
+          <a:fontRef idx="minor">
+            <a:schemeClr val="lt1"/>
+          </a:fontRef>
+        </p:style>
+        <p:txBody>
+          <a:bodyPr rtlCol="0" anchor="ctr"/>
+          <a:lstStyle/>
+          <a:p>
+            <a:pPr algn="ctr"/>
+            <a:r>
               <a:rPr lang="en-GB" dirty="0" smtClean="0">
                 <a:solidFill>
                   <a:srgbClr val="EE930C"/>
                 </a:solidFill>
               </a:rPr>
-              <a:t>N20,000</a:t>
+              <a:t>Hollywood/</a:t>
+            </a:r>
+            <a:r>
+              <a:rPr lang="en-GB" dirty="0" err="1" smtClean="0">
+                <a:solidFill>
+                  <a:srgbClr val="EE930C"/>
+                </a:solidFill>
+              </a:rPr>
+              <a:t>Nollywood</a:t>
             </a:r>
             <a:endParaRPr lang="en-GB" dirty="0">
               <a:solidFill>
@@ -10149,16 +13760,16 @@
       </p:sp>
       <p:sp>
         <p:nvSpPr>
-          <p:cNvPr id="18" name="Oval 17"/>
-          <p:cNvSpPr/>
-          <p:nvPr/>
-        </p:nvSpPr>
-        <p:spPr>
-          <a:xfrm>
-            <a:off x="7455740" y="3645024"/>
-            <a:ext cx="428628" cy="428628"/>
-          </a:xfrm>
-          <a:prstGeom prst="ellipse">
+          <p:cNvPr id="32" name="Rectangle 31"/>
+          <p:cNvSpPr/>
+          <p:nvPr/>
+        </p:nvSpPr>
+        <p:spPr>
+          <a:xfrm>
+            <a:off x="4499992" y="5072074"/>
+            <a:ext cx="3456384" cy="445158"/>
+          </a:xfrm>
+          <a:prstGeom prst="rect">
             <a:avLst/>
           </a:prstGeom>
           <a:solidFill>
@@ -10167,82 +13778,56 @@
           <a:ln>
             <a:noFill/>
           </a:ln>
-        </p:spPr>
-        <p:style>
-          <a:lnRef idx="2">
-            <a:schemeClr val="accent1">
-              <a:shade val="50000"/>
-            </a:schemeClr>
-          </a:lnRef>
-          <a:fillRef idx="1">
-            <a:schemeClr val="accent1"/>
-          </a:fillRef>
-          <a:effectRef idx="0">
-            <a:schemeClr val="accent1"/>
-          </a:effectRef>
-          <a:fontRef idx="minor">
-            <a:schemeClr val="lt1"/>
-          </a:fontRef>
-        </p:style>
-        <p:txBody>
-          <a:bodyPr rtlCol="0" anchor="ctr"/>
-          <a:lstStyle/>
-          <a:p>
-            <a:pPr algn="ctr"/>
-            <a:endParaRPr lang="en-GB"/>
-          </a:p>
-        </p:txBody>
-      </p:sp>
-      <p:sp>
-        <p:nvSpPr>
-          <p:cNvPr id="19" name="Right Arrow 18"/>
-          <p:cNvSpPr/>
-          <p:nvPr/>
-        </p:nvSpPr>
-        <p:spPr>
-          <a:xfrm>
-            <a:off x="7598616" y="3787900"/>
-            <a:ext cx="142876" cy="142876"/>
-          </a:xfrm>
-          <a:prstGeom prst="rightArrow">
-            <a:avLst/>
-          </a:prstGeom>
-          <a:solidFill>
-            <a:srgbClr val="EE930C"/>
-          </a:solidFill>
-          <a:ln>
-            <a:noFill/>
-          </a:ln>
-        </p:spPr>
-        <p:style>
-          <a:lnRef idx="2">
-            <a:schemeClr val="accent1">
-              <a:shade val="50000"/>
-            </a:schemeClr>
-          </a:lnRef>
-          <a:fillRef idx="1">
-            <a:schemeClr val="accent1"/>
-          </a:fillRef>
-          <a:effectRef idx="0">
-            <a:schemeClr val="accent1"/>
-          </a:effectRef>
-          <a:fontRef idx="minor">
-            <a:schemeClr val="lt1"/>
-          </a:fontRef>
-        </p:style>
-        <p:txBody>
-          <a:bodyPr rtlCol="0" anchor="ctr"/>
-          <a:lstStyle/>
-          <a:p>
-            <a:pPr algn="ctr"/>
-            <a:endParaRPr lang="en-GB"/>
+          <a:effectLst>
+            <a:glow rad="63500">
+              <a:schemeClr val="accent1">
+                <a:satMod val="175000"/>
+                <a:alpha val="40000"/>
+              </a:schemeClr>
+            </a:glow>
+          </a:effectLst>
+        </p:spPr>
+        <p:style>
+          <a:lnRef idx="2">
+            <a:schemeClr val="accent1">
+              <a:shade val="50000"/>
+            </a:schemeClr>
+          </a:lnRef>
+          <a:fillRef idx="1">
+            <a:schemeClr val="accent1"/>
+          </a:fillRef>
+          <a:effectRef idx="0">
+            <a:schemeClr val="accent1"/>
+          </a:effectRef>
+          <a:fontRef idx="minor">
+            <a:schemeClr val="lt1"/>
+          </a:fontRef>
+        </p:style>
+        <p:txBody>
+          <a:bodyPr rtlCol="0" anchor="ctr"/>
+          <a:lstStyle/>
+          <a:p>
+            <a:pPr algn="ctr"/>
+            <a:r>
+              <a:rPr lang="en-GB" dirty="0" smtClean="0">
+                <a:solidFill>
+                  <a:srgbClr val="EE930C"/>
+                </a:solidFill>
+              </a:rPr>
+              <a:t>Games</a:t>
+            </a:r>
+            <a:endParaRPr lang="en-GB" dirty="0">
+              <a:solidFill>
+                <a:srgbClr val="EE930C"/>
+              </a:solidFill>
+            </a:endParaRPr>
           </a:p>
         </p:txBody>
       </p:sp>
     </p:spTree>
     <p:extLst>
       <p:ext uri="{BB962C8B-B14F-4D97-AF65-F5344CB8AC3E}">
-        <p14:creationId xmlns:p14="http://schemas.microsoft.com/office/powerpoint/2010/main" val="327363673"/>
+        <p14:creationId xmlns:p14="http://schemas.microsoft.com/office/powerpoint/2010/main" val="665087177"/>
       </p:ext>
     </p:extLst>
   </p:cSld>
@@ -10278,7 +13863,7 @@
         <p:spPr>
           <a:xfrm>
             <a:off x="4500562" y="1124744"/>
-            <a:ext cx="3455814" cy="5616624"/>
+            <a:ext cx="3455814" cy="5219534"/>
           </a:xfrm>
           <a:prstGeom prst="rect">
             <a:avLst/>
@@ -10363,7 +13948,7 @@
                   <a:schemeClr val="bg1"/>
                 </a:solidFill>
               </a:rPr>
-              <a:t>Trending/Blog / Videos</a:t>
+              <a:t>Sport Update</a:t>
             </a:r>
           </a:p>
         </p:txBody>
@@ -10424,7 +14009,7 @@
                   <a:srgbClr val="EE930C"/>
                 </a:solidFill>
               </a:rPr>
-              <a:t>Twitter trending</a:t>
+              <a:t>News</a:t>
             </a:r>
             <a:endParaRPr lang="en-GB" dirty="0">
               <a:solidFill>
@@ -10436,52 +14021,6 @@
       </p:sp>
       <p:sp>
         <p:nvSpPr>
-          <p:cNvPr id="20" name="Right Arrow 19"/>
-          <p:cNvSpPr/>
-          <p:nvPr/>
-        </p:nvSpPr>
-        <p:spPr>
-          <a:xfrm>
-            <a:off x="7358082" y="5267008"/>
-            <a:ext cx="142876" cy="142876"/>
-          </a:xfrm>
-          <a:prstGeom prst="rightArrow">
-            <a:avLst/>
-          </a:prstGeom>
-          <a:solidFill>
-            <a:srgbClr val="EE930C"/>
-          </a:solidFill>
-          <a:ln>
-            <a:noFill/>
-          </a:ln>
-        </p:spPr>
-        <p:style>
-          <a:lnRef idx="2">
-            <a:schemeClr val="accent1">
-              <a:shade val="50000"/>
-            </a:schemeClr>
-          </a:lnRef>
-          <a:fillRef idx="1">
-            <a:schemeClr val="accent1"/>
-          </a:fillRef>
-          <a:effectRef idx="0">
-            <a:schemeClr val="accent1"/>
-          </a:effectRef>
-          <a:fontRef idx="minor">
-            <a:schemeClr val="lt1"/>
-          </a:fontRef>
-        </p:style>
-        <p:txBody>
-          <a:bodyPr rtlCol="0" anchor="ctr"/>
-          <a:lstStyle/>
-          <a:p>
-            <a:pPr algn="ctr"/>
-            <a:endParaRPr lang="en-GB"/>
-          </a:p>
-        </p:txBody>
-      </p:sp>
-      <p:sp>
-        <p:nvSpPr>
           <p:cNvPr id="23" name="Rectangle 22"/>
           <p:cNvSpPr/>
           <p:nvPr/>
@@ -10574,7 +14113,7 @@
                   <a:srgbClr val="EE930C"/>
                 </a:solidFill>
               </a:rPr>
-              <a:t>Trending/Blog / Videos</a:t>
+              <a:t>Sport Update</a:t>
             </a:r>
           </a:p>
         </p:txBody>
@@ -10630,20 +14169,12 @@
           <a:p>
             <a:pPr algn="ctr"/>
             <a:r>
-              <a:rPr lang="en-GB" dirty="0" err="1" smtClean="0">
-                <a:solidFill>
-                  <a:srgbClr val="EE930C"/>
-                </a:solidFill>
-              </a:rPr>
-              <a:t>Youtube</a:t>
-            </a:r>
-            <a:r>
               <a:rPr lang="en-GB" dirty="0" smtClean="0">
                 <a:solidFill>
                   <a:srgbClr val="EE930C"/>
                 </a:solidFill>
               </a:rPr>
-              <a:t> Top Videos</a:t>
+              <a:t>Live Score</a:t>
             </a:r>
             <a:endParaRPr lang="en-GB" dirty="0">
               <a:solidFill>
@@ -10704,12 +14235,12 @@
           <a:p>
             <a:pPr algn="ctr"/>
             <a:r>
-              <a:rPr lang="en-GB" dirty="0" err="1" smtClean="0">
+              <a:rPr lang="en-GB" dirty="0" smtClean="0">
                 <a:solidFill>
                   <a:srgbClr val="EE930C"/>
                 </a:solidFill>
               </a:rPr>
-              <a:t>LIBlog</a:t>
+              <a:t>Betting predicts</a:t>
             </a:r>
             <a:endParaRPr lang="en-GB" dirty="0">
               <a:solidFill>
@@ -10719,480 +14250,10 @@
           </a:p>
         </p:txBody>
       </p:sp>
-      <p:sp>
-        <p:nvSpPr>
-          <p:cNvPr id="28" name="Rectangle 27"/>
-          <p:cNvSpPr/>
-          <p:nvPr/>
-        </p:nvSpPr>
-        <p:spPr>
-          <a:xfrm>
-            <a:off x="4499992" y="3343882"/>
-            <a:ext cx="3456384" cy="445158"/>
-          </a:xfrm>
-          <a:prstGeom prst="rect">
-            <a:avLst/>
-          </a:prstGeom>
-          <a:solidFill>
-            <a:schemeClr val="bg1"/>
-          </a:solidFill>
-          <a:ln>
-            <a:noFill/>
-          </a:ln>
-          <a:effectLst>
-            <a:glow rad="63500">
-              <a:schemeClr val="accent1">
-                <a:satMod val="175000"/>
-                <a:alpha val="40000"/>
-              </a:schemeClr>
-            </a:glow>
-          </a:effectLst>
-        </p:spPr>
-        <p:style>
-          <a:lnRef idx="2">
-            <a:schemeClr val="accent1">
-              <a:shade val="50000"/>
-            </a:schemeClr>
-          </a:lnRef>
-          <a:fillRef idx="1">
-            <a:schemeClr val="accent1"/>
-          </a:fillRef>
-          <a:effectRef idx="0">
-            <a:schemeClr val="accent1"/>
-          </a:effectRef>
-          <a:fontRef idx="minor">
-            <a:schemeClr val="lt1"/>
-          </a:fontRef>
-        </p:style>
-        <p:txBody>
-          <a:bodyPr rtlCol="0" anchor="ctr"/>
-          <a:lstStyle/>
-          <a:p>
-            <a:pPr algn="ctr"/>
-            <a:r>
-              <a:rPr lang="en-GB" dirty="0" smtClean="0">
-                <a:solidFill>
-                  <a:srgbClr val="EE930C"/>
-                </a:solidFill>
-              </a:rPr>
-              <a:t>Headline News</a:t>
-            </a:r>
-            <a:endParaRPr lang="en-GB" dirty="0">
-              <a:solidFill>
-                <a:srgbClr val="EE930C"/>
-              </a:solidFill>
-            </a:endParaRPr>
-          </a:p>
-        </p:txBody>
-      </p:sp>
-      <p:sp>
-        <p:nvSpPr>
-          <p:cNvPr id="29" name="Rectangle 28"/>
-          <p:cNvSpPr/>
-          <p:nvPr/>
-        </p:nvSpPr>
-        <p:spPr>
-          <a:xfrm>
-            <a:off x="4499992" y="3775930"/>
-            <a:ext cx="3456384" cy="445158"/>
-          </a:xfrm>
-          <a:prstGeom prst="rect">
-            <a:avLst/>
-          </a:prstGeom>
-          <a:solidFill>
-            <a:schemeClr val="bg1"/>
-          </a:solidFill>
-          <a:ln>
-            <a:noFill/>
-          </a:ln>
-          <a:effectLst>
-            <a:glow rad="63500">
-              <a:schemeClr val="accent1">
-                <a:satMod val="175000"/>
-                <a:alpha val="40000"/>
-              </a:schemeClr>
-            </a:glow>
-          </a:effectLst>
-        </p:spPr>
-        <p:style>
-          <a:lnRef idx="2">
-            <a:schemeClr val="accent1">
-              <a:shade val="50000"/>
-            </a:schemeClr>
-          </a:lnRef>
-          <a:fillRef idx="1">
-            <a:schemeClr val="accent1"/>
-          </a:fillRef>
-          <a:effectRef idx="0">
-            <a:schemeClr val="accent1"/>
-          </a:effectRef>
-          <a:fontRef idx="minor">
-            <a:schemeClr val="lt1"/>
-          </a:fontRef>
-        </p:style>
-        <p:txBody>
-          <a:bodyPr rtlCol="0" anchor="ctr"/>
-          <a:lstStyle/>
-          <a:p>
-            <a:pPr algn="ctr"/>
-            <a:r>
-              <a:rPr lang="en-GB" dirty="0" smtClean="0">
-                <a:solidFill>
-                  <a:srgbClr val="EE930C"/>
-                </a:solidFill>
-              </a:rPr>
-              <a:t>Comedy</a:t>
-            </a:r>
-            <a:endParaRPr lang="en-GB" dirty="0">
-              <a:solidFill>
-                <a:srgbClr val="EE930C"/>
-              </a:solidFill>
-            </a:endParaRPr>
-          </a:p>
-        </p:txBody>
-      </p:sp>
-      <p:sp>
-        <p:nvSpPr>
-          <p:cNvPr id="30" name="Rectangle 29"/>
-          <p:cNvSpPr/>
-          <p:nvPr/>
-        </p:nvSpPr>
-        <p:spPr>
-          <a:xfrm>
-            <a:off x="4499992" y="4207978"/>
-            <a:ext cx="3456384" cy="445158"/>
-          </a:xfrm>
-          <a:prstGeom prst="rect">
-            <a:avLst/>
-          </a:prstGeom>
-          <a:solidFill>
-            <a:schemeClr val="bg1"/>
-          </a:solidFill>
-          <a:ln>
-            <a:noFill/>
-          </a:ln>
-          <a:effectLst>
-            <a:glow rad="63500">
-              <a:schemeClr val="accent1">
-                <a:satMod val="175000"/>
-                <a:alpha val="40000"/>
-              </a:schemeClr>
-            </a:glow>
-          </a:effectLst>
-        </p:spPr>
-        <p:style>
-          <a:lnRef idx="2">
-            <a:schemeClr val="accent1">
-              <a:shade val="50000"/>
-            </a:schemeClr>
-          </a:lnRef>
-          <a:fillRef idx="1">
-            <a:schemeClr val="accent1"/>
-          </a:fillRef>
-          <a:effectRef idx="0">
-            <a:schemeClr val="accent1"/>
-          </a:effectRef>
-          <a:fontRef idx="minor">
-            <a:schemeClr val="lt1"/>
-          </a:fontRef>
-        </p:style>
-        <p:txBody>
-          <a:bodyPr rtlCol="0" anchor="ctr"/>
-          <a:lstStyle/>
-          <a:p>
-            <a:pPr algn="ctr"/>
-            <a:r>
-              <a:rPr lang="en-GB" dirty="0" err="1" smtClean="0">
-                <a:solidFill>
-                  <a:srgbClr val="EE930C"/>
-                </a:solidFill>
-              </a:rPr>
-              <a:t>Ebooks</a:t>
-            </a:r>
-            <a:endParaRPr lang="en-GB" dirty="0">
-              <a:solidFill>
-                <a:srgbClr val="EE930C"/>
-              </a:solidFill>
-            </a:endParaRPr>
-          </a:p>
-        </p:txBody>
-      </p:sp>
-      <p:sp>
-        <p:nvSpPr>
-          <p:cNvPr id="31" name="Rectangle 30"/>
-          <p:cNvSpPr/>
-          <p:nvPr/>
-        </p:nvSpPr>
-        <p:spPr>
-          <a:xfrm>
-            <a:off x="4499992" y="4640026"/>
-            <a:ext cx="3456384" cy="445158"/>
-          </a:xfrm>
-          <a:prstGeom prst="rect">
-            <a:avLst/>
-          </a:prstGeom>
-          <a:solidFill>
-            <a:schemeClr val="bg1"/>
-          </a:solidFill>
-          <a:ln>
-            <a:noFill/>
-          </a:ln>
-          <a:effectLst>
-            <a:glow rad="63500">
-              <a:schemeClr val="accent1">
-                <a:satMod val="175000"/>
-                <a:alpha val="40000"/>
-              </a:schemeClr>
-            </a:glow>
-          </a:effectLst>
-        </p:spPr>
-        <p:style>
-          <a:lnRef idx="2">
-            <a:schemeClr val="accent1">
-              <a:shade val="50000"/>
-            </a:schemeClr>
-          </a:lnRef>
-          <a:fillRef idx="1">
-            <a:schemeClr val="accent1"/>
-          </a:fillRef>
-          <a:effectRef idx="0">
-            <a:schemeClr val="accent1"/>
-          </a:effectRef>
-          <a:fontRef idx="minor">
-            <a:schemeClr val="lt1"/>
-          </a:fontRef>
-        </p:style>
-        <p:txBody>
-          <a:bodyPr rtlCol="0" anchor="ctr"/>
-          <a:lstStyle/>
-          <a:p>
-            <a:pPr algn="ctr"/>
-            <a:r>
-              <a:rPr lang="en-GB" dirty="0" smtClean="0">
-                <a:solidFill>
-                  <a:srgbClr val="EE930C"/>
-                </a:solidFill>
-              </a:rPr>
-              <a:t>Hollywood/</a:t>
-            </a:r>
-            <a:r>
-              <a:rPr lang="en-GB" dirty="0" err="1" smtClean="0">
-                <a:solidFill>
-                  <a:srgbClr val="EE930C"/>
-                </a:solidFill>
-              </a:rPr>
-              <a:t>Nollywood</a:t>
-            </a:r>
-            <a:endParaRPr lang="en-GB" dirty="0">
-              <a:solidFill>
-                <a:srgbClr val="EE930C"/>
-              </a:solidFill>
-            </a:endParaRPr>
-          </a:p>
-        </p:txBody>
-      </p:sp>
-      <p:sp>
-        <p:nvSpPr>
-          <p:cNvPr id="32" name="Rectangle 31"/>
-          <p:cNvSpPr/>
-          <p:nvPr/>
-        </p:nvSpPr>
-        <p:spPr>
-          <a:xfrm>
-            <a:off x="4499992" y="5072074"/>
-            <a:ext cx="3456384" cy="445158"/>
-          </a:xfrm>
-          <a:prstGeom prst="rect">
-            <a:avLst/>
-          </a:prstGeom>
-          <a:solidFill>
-            <a:schemeClr val="bg1"/>
-          </a:solidFill>
-          <a:ln>
-            <a:noFill/>
-          </a:ln>
-          <a:effectLst>
-            <a:glow rad="63500">
-              <a:schemeClr val="accent1">
-                <a:satMod val="175000"/>
-                <a:alpha val="40000"/>
-              </a:schemeClr>
-            </a:glow>
-          </a:effectLst>
-        </p:spPr>
-        <p:style>
-          <a:lnRef idx="2">
-            <a:schemeClr val="accent1">
-              <a:shade val="50000"/>
-            </a:schemeClr>
-          </a:lnRef>
-          <a:fillRef idx="1">
-            <a:schemeClr val="accent1"/>
-          </a:fillRef>
-          <a:effectRef idx="0">
-            <a:schemeClr val="accent1"/>
-          </a:effectRef>
-          <a:fontRef idx="minor">
-            <a:schemeClr val="lt1"/>
-          </a:fontRef>
-        </p:style>
-        <p:txBody>
-          <a:bodyPr rtlCol="0" anchor="ctr"/>
-          <a:lstStyle/>
-          <a:p>
-            <a:pPr algn="ctr"/>
-            <a:r>
-              <a:rPr lang="en-GB" dirty="0" smtClean="0">
-                <a:solidFill>
-                  <a:srgbClr val="EE930C"/>
-                </a:solidFill>
-              </a:rPr>
-              <a:t>Music</a:t>
-            </a:r>
-            <a:endParaRPr lang="en-GB" dirty="0">
-              <a:solidFill>
-                <a:srgbClr val="EE930C"/>
-              </a:solidFill>
-            </a:endParaRPr>
-          </a:p>
-        </p:txBody>
-      </p:sp>
-      <p:sp>
-        <p:nvSpPr>
-          <p:cNvPr id="17" name="Rectangle 16"/>
-          <p:cNvSpPr/>
-          <p:nvPr/>
-        </p:nvSpPr>
-        <p:spPr>
-          <a:xfrm>
-            <a:off x="4499992" y="5504122"/>
-            <a:ext cx="3456384" cy="445158"/>
-          </a:xfrm>
-          <a:prstGeom prst="rect">
-            <a:avLst/>
-          </a:prstGeom>
-          <a:solidFill>
-            <a:schemeClr val="bg1"/>
-          </a:solidFill>
-          <a:ln>
-            <a:noFill/>
-          </a:ln>
-          <a:effectLst>
-            <a:glow rad="63500">
-              <a:schemeClr val="accent1">
-                <a:satMod val="175000"/>
-                <a:alpha val="40000"/>
-              </a:schemeClr>
-            </a:glow>
-          </a:effectLst>
-        </p:spPr>
-        <p:style>
-          <a:lnRef idx="2">
-            <a:schemeClr val="accent1">
-              <a:shade val="50000"/>
-            </a:schemeClr>
-          </a:lnRef>
-          <a:fillRef idx="1">
-            <a:schemeClr val="accent1"/>
-          </a:fillRef>
-          <a:effectRef idx="0">
-            <a:schemeClr val="accent1"/>
-          </a:effectRef>
-          <a:fontRef idx="minor">
-            <a:schemeClr val="lt1"/>
-          </a:fontRef>
-        </p:style>
-        <p:txBody>
-          <a:bodyPr rtlCol="0" anchor="ctr"/>
-          <a:lstStyle/>
-          <a:p>
-            <a:pPr algn="ctr"/>
-            <a:r>
-              <a:rPr lang="en-GB" dirty="0" smtClean="0">
-                <a:solidFill>
-                  <a:srgbClr val="EE930C"/>
-                </a:solidFill>
-              </a:rPr>
-              <a:t>Games</a:t>
-            </a:r>
-            <a:endParaRPr lang="en-GB" dirty="0">
-              <a:solidFill>
-                <a:srgbClr val="EE930C"/>
-              </a:solidFill>
-            </a:endParaRPr>
-          </a:p>
-        </p:txBody>
-      </p:sp>
-      <p:sp>
-        <p:nvSpPr>
-          <p:cNvPr id="18" name="Rectangle 17"/>
-          <p:cNvSpPr/>
-          <p:nvPr/>
-        </p:nvSpPr>
-        <p:spPr>
-          <a:xfrm>
-            <a:off x="4499992" y="5949280"/>
-            <a:ext cx="3456384" cy="445158"/>
-          </a:xfrm>
-          <a:prstGeom prst="rect">
-            <a:avLst/>
-          </a:prstGeom>
-          <a:solidFill>
-            <a:schemeClr val="bg1"/>
-          </a:solidFill>
-          <a:ln>
-            <a:noFill/>
-          </a:ln>
-          <a:effectLst>
-            <a:glow rad="63500">
-              <a:schemeClr val="accent1">
-                <a:satMod val="175000"/>
-                <a:alpha val="40000"/>
-              </a:schemeClr>
-            </a:glow>
-          </a:effectLst>
-        </p:spPr>
-        <p:style>
-          <a:lnRef idx="2">
-            <a:schemeClr val="accent1">
-              <a:shade val="50000"/>
-            </a:schemeClr>
-          </a:lnRef>
-          <a:fillRef idx="1">
-            <a:schemeClr val="accent1"/>
-          </a:fillRef>
-          <a:effectRef idx="0">
-            <a:schemeClr val="accent1"/>
-          </a:effectRef>
-          <a:fontRef idx="minor">
-            <a:schemeClr val="lt1"/>
-          </a:fontRef>
-        </p:style>
-        <p:txBody>
-          <a:bodyPr rtlCol="0" anchor="ctr"/>
-          <a:lstStyle/>
-          <a:p>
-            <a:pPr algn="ctr"/>
-            <a:r>
-              <a:rPr lang="en-GB" dirty="0" smtClean="0">
-                <a:solidFill>
-                  <a:srgbClr val="EE930C"/>
-                </a:solidFill>
-              </a:rPr>
-              <a:t>Job Update</a:t>
-            </a:r>
-            <a:endParaRPr lang="en-GB" dirty="0">
-              <a:solidFill>
-                <a:srgbClr val="EE930C"/>
-              </a:solidFill>
-            </a:endParaRPr>
-          </a:p>
-        </p:txBody>
-      </p:sp>
     </p:spTree>
     <p:extLst>
       <p:ext uri="{BB962C8B-B14F-4D97-AF65-F5344CB8AC3E}">
-        <p14:creationId xmlns:p14="http://schemas.microsoft.com/office/powerpoint/2010/main" val="665087177"/>
+        <p14:creationId xmlns:p14="http://schemas.microsoft.com/office/powerpoint/2010/main" val="2206687156"/>
       </p:ext>
     </p:extLst>
   </p:cSld>

--- a/designs_mockups/Boonbuy Network app.pptx
+++ b/designs_mockups/Boonbuy Network app.pptx
@@ -5,7 +5,7 @@
     <p:sldMasterId id="2147483648" r:id="rId1"/>
   </p:sldMasterIdLst>
   <p:notesMasterIdLst>
-    <p:notesMasterId r:id="rId15"/>
+    <p:notesMasterId r:id="rId28"/>
   </p:notesMasterIdLst>
   <p:sldIdLst>
     <p:sldId id="256" r:id="rId2"/>
@@ -21,6 +21,19 @@
     <p:sldId id="266" r:id="rId12"/>
     <p:sldId id="269" r:id="rId13"/>
     <p:sldId id="267" r:id="rId14"/>
+    <p:sldId id="270" r:id="rId15"/>
+    <p:sldId id="271" r:id="rId16"/>
+    <p:sldId id="272" r:id="rId17"/>
+    <p:sldId id="273" r:id="rId18"/>
+    <p:sldId id="275" r:id="rId19"/>
+    <p:sldId id="274" r:id="rId20"/>
+    <p:sldId id="276" r:id="rId21"/>
+    <p:sldId id="277" r:id="rId22"/>
+    <p:sldId id="278" r:id="rId23"/>
+    <p:sldId id="279" r:id="rId24"/>
+    <p:sldId id="280" r:id="rId25"/>
+    <p:sldId id="281" r:id="rId26"/>
+    <p:sldId id="282" r:id="rId27"/>
   </p:sldIdLst>
   <p:sldSz cx="9144000" cy="6858000" type="screen4x3"/>
   <p:notesSz cx="6858000" cy="9144000"/>
@@ -204,7 +217,8 @@
           <a:p>
             <a:fld id="{23B36396-AD55-436C-ADE6-57701CC1ADAD}" type="datetimeFigureOut">
               <a:rPr lang="en-US" smtClean="0"/>
-              <a:t>10/30/2016</a:t>
+              <a:pPr/>
+              <a:t>11/5/16</a:t>
             </a:fld>
             <a:endParaRPr lang="en-GB"/>
           </a:p>
@@ -365,6 +379,7 @@
           <a:p>
             <a:fld id="{7F2A3D12-3E91-4B86-B808-ADA454CE9CEF}" type="slidenum">
               <a:rPr lang="en-GB" smtClean="0"/>
+              <a:pPr/>
               <a:t>‹#›</a:t>
             </a:fld>
             <a:endParaRPr lang="en-GB"/>
@@ -555,6 +570,7 @@
           <a:p>
             <a:fld id="{7F2A3D12-3E91-4B86-B808-ADA454CE9CEF}" type="slidenum">
               <a:rPr lang="en-GB" smtClean="0"/>
+              <a:pPr/>
               <a:t>2</a:t>
             </a:fld>
             <a:endParaRPr lang="en-GB"/>
@@ -567,6 +583,661 @@
         <p14:creationId xmlns:p14="http://schemas.microsoft.com/office/powerpoint/2010/main" val="2144884068"/>
       </p:ext>
     </p:extLst>
+  </p:cSld>
+  <p:clrMapOvr>
+    <a:masterClrMapping/>
+  </p:clrMapOvr>
+</p:notes>
+</file>
+
+<file path=ppt/notesSlides/notesSlide10.xml><?xml version="1.0" encoding="utf-8"?>
+<p:notes xmlns:a="http://schemas.openxmlformats.org/drawingml/2006/main" xmlns:r="http://schemas.openxmlformats.org/officeDocument/2006/relationships" xmlns:p="http://schemas.openxmlformats.org/presentationml/2006/main">
+  <p:cSld>
+    <p:spTree>
+      <p:nvGrpSpPr>
+        <p:cNvPr id="1" name=""/>
+        <p:cNvGrpSpPr/>
+        <p:nvPr/>
+      </p:nvGrpSpPr>
+      <p:grpSpPr>
+        <a:xfrm>
+          <a:off x="0" y="0"/>
+          <a:ext cx="0" cy="0"/>
+          <a:chOff x="0" y="0"/>
+          <a:chExt cx="0" cy="0"/>
+        </a:xfrm>
+      </p:grpSpPr>
+      <p:sp>
+        <p:nvSpPr>
+          <p:cNvPr id="2" name="Slide Image Placeholder 1"/>
+          <p:cNvSpPr>
+            <a:spLocks noGrp="1" noRot="1" noChangeAspect="1"/>
+          </p:cNvSpPr>
+          <p:nvPr>
+            <p:ph type="sldImg"/>
+          </p:nvPr>
+        </p:nvSpPr>
+        <p:spPr/>
+      </p:sp>
+      <p:sp>
+        <p:nvSpPr>
+          <p:cNvPr id="3" name="Notes Placeholder 2"/>
+          <p:cNvSpPr>
+            <a:spLocks noGrp="1"/>
+          </p:cNvSpPr>
+          <p:nvPr>
+            <p:ph type="body" idx="1"/>
+          </p:nvPr>
+        </p:nvSpPr>
+        <p:spPr/>
+        <p:txBody>
+          <a:bodyPr>
+            <a:normAutofit/>
+          </a:bodyPr>
+          <a:lstStyle/>
+          <a:p>
+            <a:endParaRPr lang="en-GB" dirty="0"/>
+          </a:p>
+        </p:txBody>
+      </p:sp>
+      <p:sp>
+        <p:nvSpPr>
+          <p:cNvPr id="4" name="Slide Number Placeholder 3"/>
+          <p:cNvSpPr>
+            <a:spLocks noGrp="1"/>
+          </p:cNvSpPr>
+          <p:nvPr>
+            <p:ph type="sldNum" sz="quarter" idx="10"/>
+          </p:nvPr>
+        </p:nvSpPr>
+        <p:spPr/>
+        <p:txBody>
+          <a:bodyPr/>
+          <a:lstStyle/>
+          <a:p>
+            <a:fld id="{7F2A3D12-3E91-4B86-B808-ADA454CE9CEF}" type="slidenum">
+              <a:rPr lang="en-GB" smtClean="0"/>
+              <a:pPr/>
+              <a:t>21</a:t>
+            </a:fld>
+            <a:endParaRPr lang="en-GB"/>
+          </a:p>
+        </p:txBody>
+      </p:sp>
+    </p:spTree>
+  </p:cSld>
+  <p:clrMapOvr>
+    <a:masterClrMapping/>
+  </p:clrMapOvr>
+</p:notes>
+</file>
+
+<file path=ppt/notesSlides/notesSlide11.xml><?xml version="1.0" encoding="utf-8"?>
+<p:notes xmlns:a="http://schemas.openxmlformats.org/drawingml/2006/main" xmlns:r="http://schemas.openxmlformats.org/officeDocument/2006/relationships" xmlns:p="http://schemas.openxmlformats.org/presentationml/2006/main">
+  <p:cSld>
+    <p:spTree>
+      <p:nvGrpSpPr>
+        <p:cNvPr id="1" name=""/>
+        <p:cNvGrpSpPr/>
+        <p:nvPr/>
+      </p:nvGrpSpPr>
+      <p:grpSpPr>
+        <a:xfrm>
+          <a:off x="0" y="0"/>
+          <a:ext cx="0" cy="0"/>
+          <a:chOff x="0" y="0"/>
+          <a:chExt cx="0" cy="0"/>
+        </a:xfrm>
+      </p:grpSpPr>
+      <p:sp>
+        <p:nvSpPr>
+          <p:cNvPr id="2" name="Slide Image Placeholder 1"/>
+          <p:cNvSpPr>
+            <a:spLocks noGrp="1" noRot="1" noChangeAspect="1"/>
+          </p:cNvSpPr>
+          <p:nvPr>
+            <p:ph type="sldImg"/>
+          </p:nvPr>
+        </p:nvSpPr>
+        <p:spPr/>
+      </p:sp>
+      <p:sp>
+        <p:nvSpPr>
+          <p:cNvPr id="3" name="Notes Placeholder 2"/>
+          <p:cNvSpPr>
+            <a:spLocks noGrp="1"/>
+          </p:cNvSpPr>
+          <p:nvPr>
+            <p:ph type="body" idx="1"/>
+          </p:nvPr>
+        </p:nvSpPr>
+        <p:spPr/>
+        <p:txBody>
+          <a:bodyPr>
+            <a:normAutofit/>
+          </a:bodyPr>
+          <a:lstStyle/>
+          <a:p>
+            <a:r>
+              <a:rPr lang="en-GB" dirty="0" smtClean="0"/>
+              <a:t>When user click should move to the next page</a:t>
+            </a:r>
+            <a:endParaRPr lang="en-GB" dirty="0"/>
+          </a:p>
+        </p:txBody>
+      </p:sp>
+      <p:sp>
+        <p:nvSpPr>
+          <p:cNvPr id="4" name="Slide Number Placeholder 3"/>
+          <p:cNvSpPr>
+            <a:spLocks noGrp="1"/>
+          </p:cNvSpPr>
+          <p:nvPr>
+            <p:ph type="sldNum" sz="quarter" idx="10"/>
+          </p:nvPr>
+        </p:nvSpPr>
+        <p:spPr/>
+        <p:txBody>
+          <a:bodyPr/>
+          <a:lstStyle/>
+          <a:p>
+            <a:fld id="{7F2A3D12-3E91-4B86-B808-ADA454CE9CEF}" type="slidenum">
+              <a:rPr lang="en-GB" smtClean="0"/>
+              <a:pPr/>
+              <a:t>22</a:t>
+            </a:fld>
+            <a:endParaRPr lang="en-GB"/>
+          </a:p>
+        </p:txBody>
+      </p:sp>
+    </p:spTree>
+  </p:cSld>
+  <p:clrMapOvr>
+    <a:masterClrMapping/>
+  </p:clrMapOvr>
+</p:notes>
+</file>
+
+<file path=ppt/notesSlides/notesSlide12.xml><?xml version="1.0" encoding="utf-8"?>
+<p:notes xmlns:a="http://schemas.openxmlformats.org/drawingml/2006/main" xmlns:r="http://schemas.openxmlformats.org/officeDocument/2006/relationships" xmlns:p="http://schemas.openxmlformats.org/presentationml/2006/main">
+  <p:cSld>
+    <p:spTree>
+      <p:nvGrpSpPr>
+        <p:cNvPr id="1" name=""/>
+        <p:cNvGrpSpPr/>
+        <p:nvPr/>
+      </p:nvGrpSpPr>
+      <p:grpSpPr>
+        <a:xfrm>
+          <a:off x="0" y="0"/>
+          <a:ext cx="0" cy="0"/>
+          <a:chOff x="0" y="0"/>
+          <a:chExt cx="0" cy="0"/>
+        </a:xfrm>
+      </p:grpSpPr>
+      <p:sp>
+        <p:nvSpPr>
+          <p:cNvPr id="2" name="Slide Image Placeholder 1"/>
+          <p:cNvSpPr>
+            <a:spLocks noGrp="1" noRot="1" noChangeAspect="1"/>
+          </p:cNvSpPr>
+          <p:nvPr>
+            <p:ph type="sldImg"/>
+          </p:nvPr>
+        </p:nvSpPr>
+        <p:spPr/>
+      </p:sp>
+      <p:sp>
+        <p:nvSpPr>
+          <p:cNvPr id="3" name="Notes Placeholder 2"/>
+          <p:cNvSpPr>
+            <a:spLocks noGrp="1"/>
+          </p:cNvSpPr>
+          <p:nvPr>
+            <p:ph type="body" idx="1"/>
+          </p:nvPr>
+        </p:nvSpPr>
+        <p:spPr/>
+        <p:txBody>
+          <a:bodyPr>
+            <a:normAutofit/>
+          </a:bodyPr>
+          <a:lstStyle/>
+          <a:p>
+            <a:r>
+              <a:rPr lang="en-GB" dirty="0" smtClean="0"/>
+              <a:t>This apply to all Network</a:t>
+            </a:r>
+            <a:endParaRPr lang="en-GB" dirty="0"/>
+          </a:p>
+        </p:txBody>
+      </p:sp>
+      <p:sp>
+        <p:nvSpPr>
+          <p:cNvPr id="4" name="Slide Number Placeholder 3"/>
+          <p:cNvSpPr>
+            <a:spLocks noGrp="1"/>
+          </p:cNvSpPr>
+          <p:nvPr>
+            <p:ph type="sldNum" sz="quarter" idx="10"/>
+          </p:nvPr>
+        </p:nvSpPr>
+        <p:spPr/>
+        <p:txBody>
+          <a:bodyPr/>
+          <a:lstStyle/>
+          <a:p>
+            <a:fld id="{7F2A3D12-3E91-4B86-B808-ADA454CE9CEF}" type="slidenum">
+              <a:rPr lang="en-GB" smtClean="0"/>
+              <a:pPr/>
+              <a:t>23</a:t>
+            </a:fld>
+            <a:endParaRPr lang="en-GB"/>
+          </a:p>
+        </p:txBody>
+      </p:sp>
+    </p:spTree>
+  </p:cSld>
+  <p:clrMapOvr>
+    <a:masterClrMapping/>
+  </p:clrMapOvr>
+</p:notes>
+</file>
+
+<file path=ppt/notesSlides/notesSlide13.xml><?xml version="1.0" encoding="utf-8"?>
+<p:notes xmlns:a="http://schemas.openxmlformats.org/drawingml/2006/main" xmlns:r="http://schemas.openxmlformats.org/officeDocument/2006/relationships" xmlns:p="http://schemas.openxmlformats.org/presentationml/2006/main">
+  <p:cSld>
+    <p:spTree>
+      <p:nvGrpSpPr>
+        <p:cNvPr id="1" name=""/>
+        <p:cNvGrpSpPr/>
+        <p:nvPr/>
+      </p:nvGrpSpPr>
+      <p:grpSpPr>
+        <a:xfrm>
+          <a:off x="0" y="0"/>
+          <a:ext cx="0" cy="0"/>
+          <a:chOff x="0" y="0"/>
+          <a:chExt cx="0" cy="0"/>
+        </a:xfrm>
+      </p:grpSpPr>
+      <p:sp>
+        <p:nvSpPr>
+          <p:cNvPr id="2" name="Slide Image Placeholder 1"/>
+          <p:cNvSpPr>
+            <a:spLocks noGrp="1" noRot="1" noChangeAspect="1"/>
+          </p:cNvSpPr>
+          <p:nvPr>
+            <p:ph type="sldImg"/>
+          </p:nvPr>
+        </p:nvSpPr>
+        <p:spPr/>
+      </p:sp>
+      <p:sp>
+        <p:nvSpPr>
+          <p:cNvPr id="3" name="Notes Placeholder 2"/>
+          <p:cNvSpPr>
+            <a:spLocks noGrp="1"/>
+          </p:cNvSpPr>
+          <p:nvPr>
+            <p:ph type="body" idx="1"/>
+          </p:nvPr>
+        </p:nvSpPr>
+        <p:spPr/>
+        <p:txBody>
+          <a:bodyPr>
+            <a:normAutofit/>
+          </a:bodyPr>
+          <a:lstStyle/>
+          <a:p>
+            <a:r>
+              <a:rPr lang="en-GB" dirty="0" smtClean="0"/>
+              <a:t>Using a drop down wont be a bad idea</a:t>
+            </a:r>
+          </a:p>
+          <a:p>
+            <a:r>
+              <a:rPr lang="en-GB" dirty="0" smtClean="0"/>
+              <a:t>DSTV Smart card Number</a:t>
+            </a:r>
+          </a:p>
+          <a:p>
+            <a:endParaRPr lang="en-GB" dirty="0" smtClean="0"/>
+          </a:p>
+          <a:p>
+            <a:endParaRPr lang="en-GB" dirty="0" smtClean="0"/>
+          </a:p>
+          <a:p>
+            <a:endParaRPr lang="en-GB" dirty="0" smtClean="0"/>
+          </a:p>
+          <a:p>
+            <a:r>
+              <a:rPr lang="en-GB" dirty="0" err="1" smtClean="0"/>
+              <a:t>Gotv</a:t>
+            </a:r>
+            <a:r>
+              <a:rPr lang="en-GB" dirty="0" smtClean="0"/>
+              <a:t> details   &gt;Plan</a:t>
+            </a:r>
+            <a:r>
+              <a:rPr lang="en-GB" baseline="0" dirty="0" smtClean="0"/>
+              <a:t> &gt; Amount  &gt;  Decoder Number (ICU)  &gt; Send</a:t>
+            </a:r>
+          </a:p>
+          <a:p>
+            <a:endParaRPr lang="en-GB" baseline="0" dirty="0" smtClean="0"/>
+          </a:p>
+          <a:p>
+            <a:pPr marL="0" marR="0" indent="0" algn="l" defTabSz="914400" rtl="0" eaLnBrk="1" fontAlgn="auto" latinLnBrk="0" hangingPunct="1">
+              <a:lnSpc>
+                <a:spcPct val="100000"/>
+              </a:lnSpc>
+              <a:spcBef>
+                <a:spcPts val="0"/>
+              </a:spcBef>
+              <a:spcAft>
+                <a:spcPts val="0"/>
+              </a:spcAft>
+              <a:buClrTx/>
+              <a:buSzTx/>
+              <a:buFontTx/>
+              <a:buNone/>
+              <a:tabLst/>
+              <a:defRPr/>
+            </a:pPr>
+            <a:r>
+              <a:rPr lang="en-US" sz="1200" kern="1200" dirty="0" smtClean="0">
+                <a:solidFill>
+                  <a:schemeClr val="tx1"/>
+                </a:solidFill>
+                <a:effectLst/>
+                <a:latin typeface="+mn-lt"/>
+                <a:ea typeface="+mn-ea"/>
+                <a:cs typeface="+mn-cs"/>
+              </a:rPr>
+              <a:t>Start Times    </a:t>
+            </a:r>
+            <a:r>
+              <a:rPr lang="en-GB" dirty="0" smtClean="0"/>
+              <a:t>&gt;Plan</a:t>
+            </a:r>
+            <a:r>
+              <a:rPr lang="en-GB" baseline="0" dirty="0" smtClean="0"/>
+              <a:t> &gt; Amount  &gt;  </a:t>
+            </a:r>
+            <a:r>
+              <a:rPr lang="en-GB" dirty="0" smtClean="0"/>
+              <a:t>Smart card Number </a:t>
+            </a:r>
+            <a:r>
+              <a:rPr lang="en-GB" baseline="0" dirty="0" smtClean="0"/>
+              <a:t>  &gt; Send</a:t>
+            </a:r>
+            <a:endParaRPr lang="en-GB" dirty="0" smtClean="0"/>
+          </a:p>
+          <a:p>
+            <a:endParaRPr lang="en-GB" dirty="0"/>
+          </a:p>
+        </p:txBody>
+      </p:sp>
+      <p:sp>
+        <p:nvSpPr>
+          <p:cNvPr id="4" name="Slide Number Placeholder 3"/>
+          <p:cNvSpPr>
+            <a:spLocks noGrp="1"/>
+          </p:cNvSpPr>
+          <p:nvPr>
+            <p:ph type="sldNum" sz="quarter" idx="10"/>
+          </p:nvPr>
+        </p:nvSpPr>
+        <p:spPr/>
+        <p:txBody>
+          <a:bodyPr/>
+          <a:lstStyle/>
+          <a:p>
+            <a:fld id="{7F2A3D12-3E91-4B86-B808-ADA454CE9CEF}" type="slidenum">
+              <a:rPr lang="en-GB" smtClean="0"/>
+              <a:pPr/>
+              <a:t>24</a:t>
+            </a:fld>
+            <a:endParaRPr lang="en-GB"/>
+          </a:p>
+        </p:txBody>
+      </p:sp>
+    </p:spTree>
+  </p:cSld>
+  <p:clrMapOvr>
+    <a:masterClrMapping/>
+  </p:clrMapOvr>
+</p:notes>
+</file>
+
+<file path=ppt/notesSlides/notesSlide14.xml><?xml version="1.0" encoding="utf-8"?>
+<p:notes xmlns:a="http://schemas.openxmlformats.org/drawingml/2006/main" xmlns:r="http://schemas.openxmlformats.org/officeDocument/2006/relationships" xmlns:p="http://schemas.openxmlformats.org/presentationml/2006/main">
+  <p:cSld>
+    <p:spTree>
+      <p:nvGrpSpPr>
+        <p:cNvPr id="1" name=""/>
+        <p:cNvGrpSpPr/>
+        <p:nvPr/>
+      </p:nvGrpSpPr>
+      <p:grpSpPr>
+        <a:xfrm>
+          <a:off x="0" y="0"/>
+          <a:ext cx="0" cy="0"/>
+          <a:chOff x="0" y="0"/>
+          <a:chExt cx="0" cy="0"/>
+        </a:xfrm>
+      </p:grpSpPr>
+      <p:sp>
+        <p:nvSpPr>
+          <p:cNvPr id="2" name="Slide Image Placeholder 1"/>
+          <p:cNvSpPr>
+            <a:spLocks noGrp="1" noRot="1" noChangeAspect="1"/>
+          </p:cNvSpPr>
+          <p:nvPr>
+            <p:ph type="sldImg"/>
+          </p:nvPr>
+        </p:nvSpPr>
+        <p:spPr/>
+      </p:sp>
+      <p:sp>
+        <p:nvSpPr>
+          <p:cNvPr id="3" name="Notes Placeholder 2"/>
+          <p:cNvSpPr>
+            <a:spLocks noGrp="1"/>
+          </p:cNvSpPr>
+          <p:nvPr>
+            <p:ph type="body" idx="1"/>
+          </p:nvPr>
+        </p:nvSpPr>
+        <p:spPr/>
+        <p:txBody>
+          <a:bodyPr>
+            <a:normAutofit/>
+          </a:bodyPr>
+          <a:lstStyle/>
+          <a:p>
+            <a:r>
+              <a:rPr lang="en-GB" dirty="0" smtClean="0"/>
+              <a:t>Using a drop down wont be a bad idea</a:t>
+            </a:r>
+          </a:p>
+          <a:p>
+            <a:r>
+              <a:rPr lang="en-GB" dirty="0" smtClean="0"/>
+              <a:t>DSTV Smart card Number</a:t>
+            </a:r>
+          </a:p>
+          <a:p>
+            <a:endParaRPr lang="en-GB" dirty="0" smtClean="0"/>
+          </a:p>
+          <a:p>
+            <a:endParaRPr lang="en-GB" dirty="0" smtClean="0"/>
+          </a:p>
+          <a:p>
+            <a:endParaRPr lang="en-GB" dirty="0" smtClean="0"/>
+          </a:p>
+          <a:p>
+            <a:r>
+              <a:rPr lang="en-GB" dirty="0" err="1" smtClean="0"/>
+              <a:t>Gotv</a:t>
+            </a:r>
+            <a:r>
+              <a:rPr lang="en-GB" dirty="0" smtClean="0"/>
+              <a:t> details   &gt;Plan</a:t>
+            </a:r>
+            <a:r>
+              <a:rPr lang="en-GB" baseline="0" dirty="0" smtClean="0"/>
+              <a:t> &gt; Amount  &gt;  Decoder Number (ICU)  &gt; Send</a:t>
+            </a:r>
+            <a:endParaRPr lang="en-GB" dirty="0"/>
+          </a:p>
+        </p:txBody>
+      </p:sp>
+      <p:sp>
+        <p:nvSpPr>
+          <p:cNvPr id="4" name="Slide Number Placeholder 3"/>
+          <p:cNvSpPr>
+            <a:spLocks noGrp="1"/>
+          </p:cNvSpPr>
+          <p:nvPr>
+            <p:ph type="sldNum" sz="quarter" idx="10"/>
+          </p:nvPr>
+        </p:nvSpPr>
+        <p:spPr/>
+        <p:txBody>
+          <a:bodyPr/>
+          <a:lstStyle/>
+          <a:p>
+            <a:fld id="{7F2A3D12-3E91-4B86-B808-ADA454CE9CEF}" type="slidenum">
+              <a:rPr lang="en-GB" smtClean="0"/>
+              <a:pPr/>
+              <a:t>25</a:t>
+            </a:fld>
+            <a:endParaRPr lang="en-GB"/>
+          </a:p>
+        </p:txBody>
+      </p:sp>
+    </p:spTree>
+  </p:cSld>
+  <p:clrMapOvr>
+    <a:masterClrMapping/>
+  </p:clrMapOvr>
+</p:notes>
+</file>
+
+<file path=ppt/notesSlides/notesSlide15.xml><?xml version="1.0" encoding="utf-8"?>
+<p:notes xmlns:a="http://schemas.openxmlformats.org/drawingml/2006/main" xmlns:r="http://schemas.openxmlformats.org/officeDocument/2006/relationships" xmlns:p="http://schemas.openxmlformats.org/presentationml/2006/main">
+  <p:cSld>
+    <p:spTree>
+      <p:nvGrpSpPr>
+        <p:cNvPr id="1" name=""/>
+        <p:cNvGrpSpPr/>
+        <p:nvPr/>
+      </p:nvGrpSpPr>
+      <p:grpSpPr>
+        <a:xfrm>
+          <a:off x="0" y="0"/>
+          <a:ext cx="0" cy="0"/>
+          <a:chOff x="0" y="0"/>
+          <a:chExt cx="0" cy="0"/>
+        </a:xfrm>
+      </p:grpSpPr>
+      <p:sp>
+        <p:nvSpPr>
+          <p:cNvPr id="2" name="Slide Image Placeholder 1"/>
+          <p:cNvSpPr>
+            <a:spLocks noGrp="1" noRot="1" noChangeAspect="1"/>
+          </p:cNvSpPr>
+          <p:nvPr>
+            <p:ph type="sldImg"/>
+          </p:nvPr>
+        </p:nvSpPr>
+        <p:spPr/>
+      </p:sp>
+      <p:sp>
+        <p:nvSpPr>
+          <p:cNvPr id="3" name="Notes Placeholder 2"/>
+          <p:cNvSpPr>
+            <a:spLocks noGrp="1"/>
+          </p:cNvSpPr>
+          <p:nvPr>
+            <p:ph type="body" idx="1"/>
+          </p:nvPr>
+        </p:nvSpPr>
+        <p:spPr/>
+        <p:txBody>
+          <a:bodyPr>
+            <a:normAutofit/>
+          </a:bodyPr>
+          <a:lstStyle/>
+          <a:p>
+            <a:r>
+              <a:rPr lang="en-GB" dirty="0" smtClean="0"/>
+              <a:t>All so </a:t>
+            </a:r>
+            <a:r>
+              <a:rPr lang="en-GB" dirty="0" err="1" smtClean="0"/>
+              <a:t>allpy</a:t>
+            </a:r>
+            <a:r>
+              <a:rPr lang="en-GB" smtClean="0"/>
+              <a:t> to all</a:t>
+            </a:r>
+            <a:endParaRPr lang="en-GB" dirty="0" smtClean="0"/>
+          </a:p>
+          <a:p>
+            <a:endParaRPr lang="en-GB" dirty="0" smtClean="0"/>
+          </a:p>
+          <a:p>
+            <a:endParaRPr lang="en-GB" dirty="0" smtClean="0"/>
+          </a:p>
+          <a:p>
+            <a:endParaRPr lang="en-GB" dirty="0" smtClean="0"/>
+          </a:p>
+          <a:p>
+            <a:r>
+              <a:rPr lang="en-GB" dirty="0" err="1" smtClean="0"/>
+              <a:t>Gotv</a:t>
+            </a:r>
+            <a:r>
+              <a:rPr lang="en-GB" dirty="0" smtClean="0"/>
+              <a:t> details   &gt;Plan</a:t>
+            </a:r>
+            <a:r>
+              <a:rPr lang="en-GB" baseline="0" dirty="0" smtClean="0"/>
+              <a:t> &gt; Amount  &gt;  Decoder Number (ICU)  &gt; Send</a:t>
+            </a:r>
+            <a:endParaRPr lang="en-GB" dirty="0"/>
+          </a:p>
+        </p:txBody>
+      </p:sp>
+      <p:sp>
+        <p:nvSpPr>
+          <p:cNvPr id="4" name="Slide Number Placeholder 3"/>
+          <p:cNvSpPr>
+            <a:spLocks noGrp="1"/>
+          </p:cNvSpPr>
+          <p:nvPr>
+            <p:ph type="sldNum" sz="quarter" idx="10"/>
+          </p:nvPr>
+        </p:nvSpPr>
+        <p:spPr/>
+        <p:txBody>
+          <a:bodyPr/>
+          <a:lstStyle/>
+          <a:p>
+            <a:fld id="{7F2A3D12-3E91-4B86-B808-ADA454CE9CEF}" type="slidenum">
+              <a:rPr lang="en-GB" smtClean="0"/>
+              <a:pPr/>
+              <a:t>26</a:t>
+            </a:fld>
+            <a:endParaRPr lang="en-GB"/>
+          </a:p>
+        </p:txBody>
+      </p:sp>
+    </p:spTree>
   </p:cSld>
   <p:clrMapOvr>
     <a:masterClrMapping/>
@@ -639,6 +1310,7 @@
           <a:p>
             <a:fld id="{7F2A3D12-3E91-4B86-B808-ADA454CE9CEF}" type="slidenum">
               <a:rPr lang="en-GB" smtClean="0"/>
+              <a:pPr/>
               <a:t>3</a:t>
             </a:fld>
             <a:endParaRPr lang="en-GB"/>
@@ -731,6 +1403,7 @@
           <a:p>
             <a:fld id="{7F2A3D12-3E91-4B86-B808-ADA454CE9CEF}" type="slidenum">
               <a:rPr lang="en-GB" smtClean="0"/>
+              <a:pPr/>
               <a:t>4</a:t>
             </a:fld>
             <a:endParaRPr lang="en-GB"/>
@@ -993,6 +1666,7 @@
           <a:p>
             <a:fld id="{7F2A3D12-3E91-4B86-B808-ADA454CE9CEF}" type="slidenum">
               <a:rPr lang="en-GB" smtClean="0"/>
+              <a:pPr/>
               <a:t>5</a:t>
             </a:fld>
             <a:endParaRPr lang="en-GB"/>
@@ -1250,6 +1924,7 @@
           <a:p>
             <a:fld id="{7F2A3D12-3E91-4B86-B808-ADA454CE9CEF}" type="slidenum">
               <a:rPr lang="en-GB" smtClean="0"/>
+              <a:pPr/>
               <a:t>11</a:t>
             </a:fld>
             <a:endParaRPr lang="en-GB"/>
@@ -1338,6 +2013,7 @@
           <a:p>
             <a:fld id="{7F2A3D12-3E91-4B86-B808-ADA454CE9CEF}" type="slidenum">
               <a:rPr lang="en-GB" smtClean="0"/>
+              <a:pPr/>
               <a:t>12</a:t>
             </a:fld>
             <a:endParaRPr lang="en-GB"/>
@@ -1526,7 +2202,191 @@
           <a:p>
             <a:fld id="{7F2A3D12-3E91-4B86-B808-ADA454CE9CEF}" type="slidenum">
               <a:rPr lang="en-GB" smtClean="0"/>
+              <a:pPr/>
               <a:t>13</a:t>
+            </a:fld>
+            <a:endParaRPr lang="en-GB"/>
+          </a:p>
+        </p:txBody>
+      </p:sp>
+    </p:spTree>
+  </p:cSld>
+  <p:clrMapOvr>
+    <a:masterClrMapping/>
+  </p:clrMapOvr>
+</p:notes>
+</file>
+
+<file path=ppt/notesSlides/notesSlide8.xml><?xml version="1.0" encoding="utf-8"?>
+<p:notes xmlns:a="http://schemas.openxmlformats.org/drawingml/2006/main" xmlns:r="http://schemas.openxmlformats.org/officeDocument/2006/relationships" xmlns:p="http://schemas.openxmlformats.org/presentationml/2006/main">
+  <p:cSld>
+    <p:spTree>
+      <p:nvGrpSpPr>
+        <p:cNvPr id="1" name=""/>
+        <p:cNvGrpSpPr/>
+        <p:nvPr/>
+      </p:nvGrpSpPr>
+      <p:grpSpPr>
+        <a:xfrm>
+          <a:off x="0" y="0"/>
+          <a:ext cx="0" cy="0"/>
+          <a:chOff x="0" y="0"/>
+          <a:chExt cx="0" cy="0"/>
+        </a:xfrm>
+      </p:grpSpPr>
+      <p:sp>
+        <p:nvSpPr>
+          <p:cNvPr id="2" name="Slide Image Placeholder 1"/>
+          <p:cNvSpPr>
+            <a:spLocks noGrp="1" noRot="1" noChangeAspect="1"/>
+          </p:cNvSpPr>
+          <p:nvPr>
+            <p:ph type="sldImg"/>
+          </p:nvPr>
+        </p:nvSpPr>
+        <p:spPr/>
+      </p:sp>
+      <p:sp>
+        <p:nvSpPr>
+          <p:cNvPr id="3" name="Notes Placeholder 2"/>
+          <p:cNvSpPr>
+            <a:spLocks noGrp="1"/>
+          </p:cNvSpPr>
+          <p:nvPr>
+            <p:ph type="body" idx="1"/>
+          </p:nvPr>
+        </p:nvSpPr>
+        <p:spPr/>
+        <p:txBody>
+          <a:bodyPr>
+            <a:normAutofit lnSpcReduction="10000"/>
+          </a:bodyPr>
+          <a:lstStyle/>
+          <a:p>
+            <a:r>
+              <a:rPr lang="en-GB" baseline="0" dirty="0" smtClean="0"/>
+              <a:t>When user click on withdraw should take them to the next page (slide)</a:t>
+            </a:r>
+          </a:p>
+        </p:txBody>
+      </p:sp>
+      <p:sp>
+        <p:nvSpPr>
+          <p:cNvPr id="4" name="Slide Number Placeholder 3"/>
+          <p:cNvSpPr>
+            <a:spLocks noGrp="1"/>
+          </p:cNvSpPr>
+          <p:nvPr>
+            <p:ph type="sldNum" sz="quarter" idx="10"/>
+          </p:nvPr>
+        </p:nvSpPr>
+        <p:spPr/>
+        <p:txBody>
+          <a:bodyPr/>
+          <a:lstStyle/>
+          <a:p>
+            <a:fld id="{7F2A3D12-3E91-4B86-B808-ADA454CE9CEF}" type="slidenum">
+              <a:rPr lang="en-GB" smtClean="0"/>
+              <a:pPr/>
+              <a:t>15</a:t>
+            </a:fld>
+            <a:endParaRPr lang="en-GB"/>
+          </a:p>
+        </p:txBody>
+      </p:sp>
+    </p:spTree>
+  </p:cSld>
+  <p:clrMapOvr>
+    <a:masterClrMapping/>
+  </p:clrMapOvr>
+</p:notes>
+</file>
+
+<file path=ppt/notesSlides/notesSlide9.xml><?xml version="1.0" encoding="utf-8"?>
+<p:notes xmlns:a="http://schemas.openxmlformats.org/drawingml/2006/main" xmlns:r="http://schemas.openxmlformats.org/officeDocument/2006/relationships" xmlns:p="http://schemas.openxmlformats.org/presentationml/2006/main">
+  <p:cSld>
+    <p:spTree>
+      <p:nvGrpSpPr>
+        <p:cNvPr id="1" name=""/>
+        <p:cNvGrpSpPr/>
+        <p:nvPr/>
+      </p:nvGrpSpPr>
+      <p:grpSpPr>
+        <a:xfrm>
+          <a:off x="0" y="0"/>
+          <a:ext cx="0" cy="0"/>
+          <a:chOff x="0" y="0"/>
+          <a:chExt cx="0" cy="0"/>
+        </a:xfrm>
+      </p:grpSpPr>
+      <p:sp>
+        <p:nvSpPr>
+          <p:cNvPr id="2" name="Slide Image Placeholder 1"/>
+          <p:cNvSpPr>
+            <a:spLocks noGrp="1" noRot="1" noChangeAspect="1"/>
+          </p:cNvSpPr>
+          <p:nvPr>
+            <p:ph type="sldImg"/>
+          </p:nvPr>
+        </p:nvSpPr>
+        <p:spPr/>
+      </p:sp>
+      <p:sp>
+        <p:nvSpPr>
+          <p:cNvPr id="3" name="Notes Placeholder 2"/>
+          <p:cNvSpPr>
+            <a:spLocks noGrp="1"/>
+          </p:cNvSpPr>
+          <p:nvPr>
+            <p:ph type="body" idx="1"/>
+          </p:nvPr>
+        </p:nvSpPr>
+        <p:spPr/>
+        <p:txBody>
+          <a:bodyPr>
+            <a:normAutofit/>
+          </a:bodyPr>
+          <a:lstStyle/>
+          <a:p>
+            <a:r>
+              <a:rPr lang="en-GB" dirty="0" smtClean="0"/>
+              <a:t>When the user send all the following information should be sent to the </a:t>
+            </a:r>
+            <a:r>
+              <a:rPr lang="en-GB" dirty="0" err="1" smtClean="0"/>
+              <a:t>admin’s</a:t>
+            </a:r>
+            <a:r>
+              <a:rPr lang="en-GB" dirty="0" smtClean="0"/>
+              <a:t> </a:t>
+            </a:r>
+            <a:r>
+              <a:rPr lang="en-GB" dirty="0" err="1" smtClean="0"/>
+              <a:t>email:payment@boonbuy.net</a:t>
+            </a:r>
+            <a:endParaRPr lang="en-GB" dirty="0"/>
+          </a:p>
+        </p:txBody>
+      </p:sp>
+      <p:sp>
+        <p:nvSpPr>
+          <p:cNvPr id="4" name="Slide Number Placeholder 3"/>
+          <p:cNvSpPr>
+            <a:spLocks noGrp="1"/>
+          </p:cNvSpPr>
+          <p:nvPr>
+            <p:ph type="sldNum" sz="quarter" idx="10"/>
+          </p:nvPr>
+        </p:nvSpPr>
+        <p:spPr/>
+        <p:txBody>
+          <a:bodyPr/>
+          <a:lstStyle/>
+          <a:p>
+            <a:fld id="{7F2A3D12-3E91-4B86-B808-ADA454CE9CEF}" type="slidenum">
+              <a:rPr lang="en-GB" smtClean="0"/>
+              <a:pPr/>
+              <a:t>20</a:t>
             </a:fld>
             <a:endParaRPr lang="en-GB"/>
           </a:p>
@@ -1721,7 +2581,8 @@
           <a:p>
             <a:fld id="{279D69B7-9B33-40AD-9594-8A3ECAE499F6}" type="datetimeFigureOut">
               <a:rPr lang="en-US" smtClean="0"/>
-              <a:t>10/30/2016</a:t>
+              <a:pPr/>
+              <a:t>11/5/16</a:t>
             </a:fld>
             <a:endParaRPr lang="en-GB"/>
           </a:p>
@@ -1763,6 +2624,7 @@
           <a:p>
             <a:fld id="{19ED9A74-2C8C-4892-A83B-63D6F7722366}" type="slidenum">
               <a:rPr lang="en-GB" smtClean="0"/>
+              <a:pPr/>
               <a:t>‹#›</a:t>
             </a:fld>
             <a:endParaRPr lang="en-GB"/>
@@ -1886,7 +2748,8 @@
           <a:p>
             <a:fld id="{279D69B7-9B33-40AD-9594-8A3ECAE499F6}" type="datetimeFigureOut">
               <a:rPr lang="en-US" smtClean="0"/>
-              <a:t>10/30/2016</a:t>
+              <a:pPr/>
+              <a:t>11/5/16</a:t>
             </a:fld>
             <a:endParaRPr lang="en-GB"/>
           </a:p>
@@ -1928,6 +2791,7 @@
           <a:p>
             <a:fld id="{19ED9A74-2C8C-4892-A83B-63D6F7722366}" type="slidenum">
               <a:rPr lang="en-GB" smtClean="0"/>
+              <a:pPr/>
               <a:t>‹#›</a:t>
             </a:fld>
             <a:endParaRPr lang="en-GB"/>
@@ -2061,7 +2925,8 @@
           <a:p>
             <a:fld id="{279D69B7-9B33-40AD-9594-8A3ECAE499F6}" type="datetimeFigureOut">
               <a:rPr lang="en-US" smtClean="0"/>
-              <a:t>10/30/2016</a:t>
+              <a:pPr/>
+              <a:t>11/5/16</a:t>
             </a:fld>
             <a:endParaRPr lang="en-GB"/>
           </a:p>
@@ -2103,6 +2968,7 @@
           <a:p>
             <a:fld id="{19ED9A74-2C8C-4892-A83B-63D6F7722366}" type="slidenum">
               <a:rPr lang="en-GB" smtClean="0"/>
+              <a:pPr/>
               <a:t>‹#›</a:t>
             </a:fld>
             <a:endParaRPr lang="en-GB"/>
@@ -2226,7 +3092,8 @@
           <a:p>
             <a:fld id="{279D69B7-9B33-40AD-9594-8A3ECAE499F6}" type="datetimeFigureOut">
               <a:rPr lang="en-US" smtClean="0"/>
-              <a:t>10/30/2016</a:t>
+              <a:pPr/>
+              <a:t>11/5/16</a:t>
             </a:fld>
             <a:endParaRPr lang="en-GB"/>
           </a:p>
@@ -2268,6 +3135,7 @@
           <a:p>
             <a:fld id="{19ED9A74-2C8C-4892-A83B-63D6F7722366}" type="slidenum">
               <a:rPr lang="en-GB" smtClean="0"/>
+              <a:pPr/>
               <a:t>‹#›</a:t>
             </a:fld>
             <a:endParaRPr lang="en-GB"/>
@@ -2467,7 +3335,8 @@
           <a:p>
             <a:fld id="{279D69B7-9B33-40AD-9594-8A3ECAE499F6}" type="datetimeFigureOut">
               <a:rPr lang="en-US" smtClean="0"/>
-              <a:t>10/30/2016</a:t>
+              <a:pPr/>
+              <a:t>11/5/16</a:t>
             </a:fld>
             <a:endParaRPr lang="en-GB"/>
           </a:p>
@@ -2509,6 +3378,7 @@
           <a:p>
             <a:fld id="{19ED9A74-2C8C-4892-A83B-63D6F7722366}" type="slidenum">
               <a:rPr lang="en-GB" smtClean="0"/>
+              <a:pPr/>
               <a:t>‹#›</a:t>
             </a:fld>
             <a:endParaRPr lang="en-GB"/>
@@ -2750,7 +3620,8 @@
           <a:p>
             <a:fld id="{279D69B7-9B33-40AD-9594-8A3ECAE499F6}" type="datetimeFigureOut">
               <a:rPr lang="en-US" smtClean="0"/>
-              <a:t>10/30/2016</a:t>
+              <a:pPr/>
+              <a:t>11/5/16</a:t>
             </a:fld>
             <a:endParaRPr lang="en-GB"/>
           </a:p>
@@ -2792,6 +3663,7 @@
           <a:p>
             <a:fld id="{19ED9A74-2C8C-4892-A83B-63D6F7722366}" type="slidenum">
               <a:rPr lang="en-GB" smtClean="0"/>
+              <a:pPr/>
               <a:t>‹#›</a:t>
             </a:fld>
             <a:endParaRPr lang="en-GB"/>
@@ -3167,7 +4039,8 @@
           <a:p>
             <a:fld id="{279D69B7-9B33-40AD-9594-8A3ECAE499F6}" type="datetimeFigureOut">
               <a:rPr lang="en-US" smtClean="0"/>
-              <a:t>10/30/2016</a:t>
+              <a:pPr/>
+              <a:t>11/5/16</a:t>
             </a:fld>
             <a:endParaRPr lang="en-GB"/>
           </a:p>
@@ -3209,6 +4082,7 @@
           <a:p>
             <a:fld id="{19ED9A74-2C8C-4892-A83B-63D6F7722366}" type="slidenum">
               <a:rPr lang="en-GB" smtClean="0"/>
+              <a:pPr/>
               <a:t>‹#›</a:t>
             </a:fld>
             <a:endParaRPr lang="en-GB"/>
@@ -3280,7 +4154,8 @@
           <a:p>
             <a:fld id="{279D69B7-9B33-40AD-9594-8A3ECAE499F6}" type="datetimeFigureOut">
               <a:rPr lang="en-US" smtClean="0"/>
-              <a:t>10/30/2016</a:t>
+              <a:pPr/>
+              <a:t>11/5/16</a:t>
             </a:fld>
             <a:endParaRPr lang="en-GB"/>
           </a:p>
@@ -3322,6 +4197,7 @@
           <a:p>
             <a:fld id="{19ED9A74-2C8C-4892-A83B-63D6F7722366}" type="slidenum">
               <a:rPr lang="en-GB" smtClean="0"/>
+              <a:pPr/>
               <a:t>‹#›</a:t>
             </a:fld>
             <a:endParaRPr lang="en-GB"/>
@@ -3370,7 +4246,8 @@
           <a:p>
             <a:fld id="{279D69B7-9B33-40AD-9594-8A3ECAE499F6}" type="datetimeFigureOut">
               <a:rPr lang="en-US" smtClean="0"/>
-              <a:t>10/30/2016</a:t>
+              <a:pPr/>
+              <a:t>11/5/16</a:t>
             </a:fld>
             <a:endParaRPr lang="en-GB"/>
           </a:p>
@@ -3412,6 +4289,7 @@
           <a:p>
             <a:fld id="{19ED9A74-2C8C-4892-A83B-63D6F7722366}" type="slidenum">
               <a:rPr lang="en-GB" smtClean="0"/>
+              <a:pPr/>
               <a:t>‹#›</a:t>
             </a:fld>
             <a:endParaRPr lang="en-GB"/>
@@ -3642,7 +4520,8 @@
           <a:p>
             <a:fld id="{279D69B7-9B33-40AD-9594-8A3ECAE499F6}" type="datetimeFigureOut">
               <a:rPr lang="en-US" smtClean="0"/>
-              <a:t>10/30/2016</a:t>
+              <a:pPr/>
+              <a:t>11/5/16</a:t>
             </a:fld>
             <a:endParaRPr lang="en-GB"/>
           </a:p>
@@ -3684,6 +4563,7 @@
           <a:p>
             <a:fld id="{19ED9A74-2C8C-4892-A83B-63D6F7722366}" type="slidenum">
               <a:rPr lang="en-GB" smtClean="0"/>
+              <a:pPr/>
               <a:t>‹#›</a:t>
             </a:fld>
             <a:endParaRPr lang="en-GB"/>
@@ -3890,7 +4770,8 @@
           <a:p>
             <a:fld id="{279D69B7-9B33-40AD-9594-8A3ECAE499F6}" type="datetimeFigureOut">
               <a:rPr lang="en-US" smtClean="0"/>
-              <a:t>10/30/2016</a:t>
+              <a:pPr/>
+              <a:t>11/5/16</a:t>
             </a:fld>
             <a:endParaRPr lang="en-GB"/>
           </a:p>
@@ -3932,6 +4813,7 @@
           <a:p>
             <a:fld id="{19ED9A74-2C8C-4892-A83B-63D6F7722366}" type="slidenum">
               <a:rPr lang="en-GB" smtClean="0"/>
+              <a:pPr/>
               <a:t>‹#›</a:t>
             </a:fld>
             <a:endParaRPr lang="en-GB"/>
@@ -4098,7 +4980,8 @@
           <a:p>
             <a:fld id="{279D69B7-9B33-40AD-9594-8A3ECAE499F6}" type="datetimeFigureOut">
               <a:rPr lang="en-US" smtClean="0"/>
-              <a:t>10/30/2016</a:t>
+              <a:pPr/>
+              <a:t>11/5/16</a:t>
             </a:fld>
             <a:endParaRPr lang="en-GB"/>
           </a:p>
@@ -4176,6 +5059,7 @@
           <a:p>
             <a:fld id="{19ED9A74-2C8C-4892-A83B-63D6F7722366}" type="slidenum">
               <a:rPr lang="en-GB" smtClean="0"/>
+              <a:pPr/>
               <a:t>‹#›</a:t>
             </a:fld>
             <a:endParaRPr lang="en-GB"/>
@@ -7783,6 +8667,3611 @@
 </p:sld>
 </file>
 
+<file path=ppt/slides/slide14.xml><?xml version="1.0" encoding="utf-8"?>
+<p:sld xmlns:a="http://schemas.openxmlformats.org/drawingml/2006/main" xmlns:r="http://schemas.openxmlformats.org/officeDocument/2006/relationships" xmlns:p="http://schemas.openxmlformats.org/presentationml/2006/main">
+  <p:cSld>
+    <p:spTree>
+      <p:nvGrpSpPr>
+        <p:cNvPr id="1" name=""/>
+        <p:cNvGrpSpPr/>
+        <p:nvPr/>
+      </p:nvGrpSpPr>
+      <p:grpSpPr>
+        <a:xfrm>
+          <a:off x="0" y="0"/>
+          <a:ext cx="0" cy="0"/>
+          <a:chOff x="0" y="0"/>
+          <a:chExt cx="0" cy="0"/>
+        </a:xfrm>
+      </p:grpSpPr>
+      <p:sp>
+        <p:nvSpPr>
+          <p:cNvPr id="2" name="Title 1"/>
+          <p:cNvSpPr>
+            <a:spLocks noGrp="1"/>
+          </p:cNvSpPr>
+          <p:nvPr>
+            <p:ph type="title"/>
+          </p:nvPr>
+        </p:nvSpPr>
+        <p:spPr>
+          <a:xfrm>
+            <a:off x="467544" y="2276872"/>
+            <a:ext cx="8229600" cy="1143000"/>
+          </a:xfrm>
+        </p:spPr>
+        <p:txBody>
+          <a:bodyPr/>
+          <a:lstStyle/>
+          <a:p>
+            <a:r>
+              <a:rPr lang="en-US" dirty="0" smtClean="0"/>
+              <a:t>Update 10/29/16</a:t>
+            </a:r>
+            <a:endParaRPr lang="en-US" dirty="0"/>
+          </a:p>
+        </p:txBody>
+      </p:sp>
+    </p:spTree>
+    <p:extLst>
+      <p:ext uri="{BB962C8B-B14F-4D97-AF65-F5344CB8AC3E}">
+        <p14:creationId xmlns:p14="http://schemas.microsoft.com/office/powerpoint/2010/main" val="2823162163"/>
+      </p:ext>
+    </p:extLst>
+  </p:cSld>
+  <p:clrMapOvr>
+    <a:masterClrMapping/>
+  </p:clrMapOvr>
+</p:sld>
+</file>
+
+<file path=ppt/slides/slide15.xml><?xml version="1.0" encoding="utf-8"?>
+<p:sld xmlns:a="http://schemas.openxmlformats.org/drawingml/2006/main" xmlns:r="http://schemas.openxmlformats.org/officeDocument/2006/relationships" xmlns:p="http://schemas.openxmlformats.org/presentationml/2006/main">
+  <p:cSld>
+    <p:spTree>
+      <p:nvGrpSpPr>
+        <p:cNvPr id="1" name=""/>
+        <p:cNvGrpSpPr/>
+        <p:nvPr/>
+      </p:nvGrpSpPr>
+      <p:grpSpPr>
+        <a:xfrm>
+          <a:off x="0" y="0"/>
+          <a:ext cx="0" cy="0"/>
+          <a:chOff x="0" y="0"/>
+          <a:chExt cx="0" cy="0"/>
+        </a:xfrm>
+      </p:grpSpPr>
+      <p:sp>
+        <p:nvSpPr>
+          <p:cNvPr id="4" name="Rectangle 3"/>
+          <p:cNvSpPr/>
+          <p:nvPr/>
+        </p:nvSpPr>
+        <p:spPr>
+          <a:xfrm>
+            <a:off x="571472" y="1071546"/>
+            <a:ext cx="3357586" cy="5214974"/>
+          </a:xfrm>
+          <a:prstGeom prst="rect">
+            <a:avLst/>
+          </a:prstGeom>
+          <a:solidFill>
+            <a:srgbClr val="EE930C"/>
+          </a:solidFill>
+          <a:ln>
+            <a:noFill/>
+          </a:ln>
+        </p:spPr>
+        <p:style>
+          <a:lnRef idx="2">
+            <a:schemeClr val="accent1">
+              <a:shade val="50000"/>
+            </a:schemeClr>
+          </a:lnRef>
+          <a:fillRef idx="1">
+            <a:schemeClr val="accent1"/>
+          </a:fillRef>
+          <a:effectRef idx="0">
+            <a:schemeClr val="accent1"/>
+          </a:effectRef>
+          <a:fontRef idx="minor">
+            <a:schemeClr val="lt1"/>
+          </a:fontRef>
+        </p:style>
+        <p:txBody>
+          <a:bodyPr rtlCol="0" anchor="ctr"/>
+          <a:lstStyle/>
+          <a:p>
+            <a:pPr algn="ctr"/>
+            <a:endParaRPr lang="en-GB"/>
+          </a:p>
+        </p:txBody>
+      </p:sp>
+      <p:sp>
+        <p:nvSpPr>
+          <p:cNvPr id="6" name="Rectangle 5"/>
+          <p:cNvSpPr/>
+          <p:nvPr/>
+        </p:nvSpPr>
+        <p:spPr>
+          <a:xfrm>
+            <a:off x="1142976" y="3286124"/>
+            <a:ext cx="2214578" cy="571504"/>
+          </a:xfrm>
+          <a:prstGeom prst="rect">
+            <a:avLst/>
+          </a:prstGeom>
+          <a:solidFill>
+            <a:schemeClr val="bg1"/>
+          </a:solidFill>
+          <a:ln>
+            <a:noFill/>
+          </a:ln>
+        </p:spPr>
+        <p:style>
+          <a:lnRef idx="2">
+            <a:schemeClr val="accent1">
+              <a:shade val="50000"/>
+            </a:schemeClr>
+          </a:lnRef>
+          <a:fillRef idx="1">
+            <a:schemeClr val="accent1"/>
+          </a:fillRef>
+          <a:effectRef idx="0">
+            <a:schemeClr val="accent1"/>
+          </a:effectRef>
+          <a:fontRef idx="minor">
+            <a:schemeClr val="lt1"/>
+          </a:fontRef>
+        </p:style>
+        <p:txBody>
+          <a:bodyPr rtlCol="0" anchor="ctr"/>
+          <a:lstStyle/>
+          <a:p>
+            <a:pPr algn="ctr"/>
+            <a:r>
+              <a:rPr lang="en-GB" dirty="0" smtClean="0">
+                <a:solidFill>
+                  <a:srgbClr val="EE930C"/>
+                </a:solidFill>
+              </a:rPr>
+              <a:t>Dashboard</a:t>
+            </a:r>
+            <a:endParaRPr lang="en-GB" dirty="0">
+              <a:solidFill>
+                <a:srgbClr val="EE930C"/>
+              </a:solidFill>
+            </a:endParaRPr>
+          </a:p>
+        </p:txBody>
+      </p:sp>
+      <p:sp>
+        <p:nvSpPr>
+          <p:cNvPr id="8" name="Rectangle 7"/>
+          <p:cNvSpPr/>
+          <p:nvPr/>
+        </p:nvSpPr>
+        <p:spPr>
+          <a:xfrm>
+            <a:off x="4572000" y="1000108"/>
+            <a:ext cx="3357586" cy="5669252"/>
+          </a:xfrm>
+          <a:prstGeom prst="rect">
+            <a:avLst/>
+          </a:prstGeom>
+          <a:solidFill>
+            <a:srgbClr val="EE930C"/>
+          </a:solidFill>
+          <a:ln>
+            <a:noFill/>
+          </a:ln>
+        </p:spPr>
+        <p:style>
+          <a:lnRef idx="2">
+            <a:schemeClr val="accent1">
+              <a:shade val="50000"/>
+            </a:schemeClr>
+          </a:lnRef>
+          <a:fillRef idx="1">
+            <a:schemeClr val="accent1"/>
+          </a:fillRef>
+          <a:effectRef idx="0">
+            <a:schemeClr val="accent1"/>
+          </a:effectRef>
+          <a:fontRef idx="minor">
+            <a:schemeClr val="lt1"/>
+          </a:fontRef>
+        </p:style>
+        <p:txBody>
+          <a:bodyPr rtlCol="0" anchor="ctr"/>
+          <a:lstStyle/>
+          <a:p>
+            <a:pPr algn="ctr"/>
+            <a:endParaRPr lang="en-GB"/>
+          </a:p>
+        </p:txBody>
+      </p:sp>
+      <p:sp>
+        <p:nvSpPr>
+          <p:cNvPr id="12" name="TextBox 11"/>
+          <p:cNvSpPr txBox="1"/>
+          <p:nvPr/>
+        </p:nvSpPr>
+        <p:spPr>
+          <a:xfrm>
+            <a:off x="5929322" y="1071546"/>
+            <a:ext cx="642942" cy="369332"/>
+          </a:xfrm>
+          <a:prstGeom prst="rect">
+            <a:avLst/>
+          </a:prstGeom>
+          <a:noFill/>
+        </p:spPr>
+        <p:txBody>
+          <a:bodyPr wrap="square" rtlCol="0">
+            <a:spAutoFit/>
+          </a:bodyPr>
+          <a:lstStyle/>
+          <a:p>
+            <a:r>
+              <a:rPr lang="en-GB" dirty="0" smtClean="0">
+                <a:solidFill>
+                  <a:schemeClr val="bg1"/>
+                </a:solidFill>
+              </a:rPr>
+              <a:t>BBN</a:t>
+            </a:r>
+            <a:endParaRPr lang="en-GB" dirty="0">
+              <a:solidFill>
+                <a:schemeClr val="bg1"/>
+              </a:solidFill>
+            </a:endParaRPr>
+          </a:p>
+        </p:txBody>
+      </p:sp>
+      <p:sp>
+        <p:nvSpPr>
+          <p:cNvPr id="14" name="Rectangle 13"/>
+          <p:cNvSpPr/>
+          <p:nvPr/>
+        </p:nvSpPr>
+        <p:spPr>
+          <a:xfrm>
+            <a:off x="4714876" y="1142984"/>
+            <a:ext cx="357190" cy="71438"/>
+          </a:xfrm>
+          <a:prstGeom prst="rect">
+            <a:avLst/>
+          </a:prstGeom>
+          <a:solidFill>
+            <a:schemeClr val="bg1"/>
+          </a:solidFill>
+          <a:ln>
+            <a:noFill/>
+          </a:ln>
+        </p:spPr>
+        <p:style>
+          <a:lnRef idx="2">
+            <a:schemeClr val="accent1">
+              <a:shade val="50000"/>
+            </a:schemeClr>
+          </a:lnRef>
+          <a:fillRef idx="1">
+            <a:schemeClr val="accent1"/>
+          </a:fillRef>
+          <a:effectRef idx="0">
+            <a:schemeClr val="accent1"/>
+          </a:effectRef>
+          <a:fontRef idx="minor">
+            <a:schemeClr val="lt1"/>
+          </a:fontRef>
+        </p:style>
+        <p:txBody>
+          <a:bodyPr rtlCol="0" anchor="ctr"/>
+          <a:lstStyle/>
+          <a:p>
+            <a:pPr algn="ctr"/>
+            <a:endParaRPr lang="en-GB"/>
+          </a:p>
+        </p:txBody>
+      </p:sp>
+      <p:sp>
+        <p:nvSpPr>
+          <p:cNvPr id="15" name="Rectangle 14"/>
+          <p:cNvSpPr/>
+          <p:nvPr/>
+        </p:nvSpPr>
+        <p:spPr>
+          <a:xfrm>
+            <a:off x="4714876" y="1285860"/>
+            <a:ext cx="357190" cy="71438"/>
+          </a:xfrm>
+          <a:prstGeom prst="rect">
+            <a:avLst/>
+          </a:prstGeom>
+          <a:solidFill>
+            <a:schemeClr val="bg1"/>
+          </a:solidFill>
+          <a:ln>
+            <a:noFill/>
+          </a:ln>
+        </p:spPr>
+        <p:style>
+          <a:lnRef idx="2">
+            <a:schemeClr val="accent1">
+              <a:shade val="50000"/>
+            </a:schemeClr>
+          </a:lnRef>
+          <a:fillRef idx="1">
+            <a:schemeClr val="accent1"/>
+          </a:fillRef>
+          <a:effectRef idx="0">
+            <a:schemeClr val="accent1"/>
+          </a:effectRef>
+          <a:fontRef idx="minor">
+            <a:schemeClr val="lt1"/>
+          </a:fontRef>
+        </p:style>
+        <p:txBody>
+          <a:bodyPr rtlCol="0" anchor="ctr"/>
+          <a:lstStyle/>
+          <a:p>
+            <a:pPr algn="ctr"/>
+            <a:endParaRPr lang="en-GB"/>
+          </a:p>
+        </p:txBody>
+      </p:sp>
+      <p:sp>
+        <p:nvSpPr>
+          <p:cNvPr id="16" name="Rectangle 15"/>
+          <p:cNvSpPr/>
+          <p:nvPr/>
+        </p:nvSpPr>
+        <p:spPr>
+          <a:xfrm>
+            <a:off x="4714876" y="1428736"/>
+            <a:ext cx="357190" cy="71438"/>
+          </a:xfrm>
+          <a:prstGeom prst="rect">
+            <a:avLst/>
+          </a:prstGeom>
+          <a:solidFill>
+            <a:schemeClr val="bg1"/>
+          </a:solidFill>
+          <a:ln>
+            <a:noFill/>
+          </a:ln>
+        </p:spPr>
+        <p:style>
+          <a:lnRef idx="2">
+            <a:schemeClr val="accent1">
+              <a:shade val="50000"/>
+            </a:schemeClr>
+          </a:lnRef>
+          <a:fillRef idx="1">
+            <a:schemeClr val="accent1"/>
+          </a:fillRef>
+          <a:effectRef idx="0">
+            <a:schemeClr val="accent1"/>
+          </a:effectRef>
+          <a:fontRef idx="minor">
+            <a:schemeClr val="lt1"/>
+          </a:fontRef>
+        </p:style>
+        <p:txBody>
+          <a:bodyPr rtlCol="0" anchor="ctr"/>
+          <a:lstStyle/>
+          <a:p>
+            <a:pPr algn="ctr"/>
+            <a:endParaRPr lang="en-GB"/>
+          </a:p>
+        </p:txBody>
+      </p:sp>
+      <p:sp>
+        <p:nvSpPr>
+          <p:cNvPr id="23" name="Rectangle 22"/>
+          <p:cNvSpPr/>
+          <p:nvPr/>
+        </p:nvSpPr>
+        <p:spPr>
+          <a:xfrm>
+            <a:off x="4572000" y="1928802"/>
+            <a:ext cx="3357586" cy="4286256"/>
+          </a:xfrm>
+          <a:prstGeom prst="rect">
+            <a:avLst/>
+          </a:prstGeom>
+          <a:solidFill>
+            <a:schemeClr val="bg1"/>
+          </a:solidFill>
+          <a:ln>
+            <a:noFill/>
+          </a:ln>
+          <a:effectLst>
+            <a:outerShdw blurRad="63500" sx="102000" sy="102000" algn="ctr" rotWithShape="0">
+              <a:prstClr val="black">
+                <a:alpha val="40000"/>
+              </a:prstClr>
+            </a:outerShdw>
+          </a:effectLst>
+        </p:spPr>
+        <p:style>
+          <a:lnRef idx="2">
+            <a:schemeClr val="accent1">
+              <a:shade val="50000"/>
+            </a:schemeClr>
+          </a:lnRef>
+          <a:fillRef idx="1">
+            <a:schemeClr val="accent1"/>
+          </a:fillRef>
+          <a:effectRef idx="0">
+            <a:schemeClr val="accent1"/>
+          </a:effectRef>
+          <a:fontRef idx="minor">
+            <a:schemeClr val="lt1"/>
+          </a:fontRef>
+        </p:style>
+        <p:txBody>
+          <a:bodyPr rtlCol="0" anchor="ctr"/>
+          <a:lstStyle/>
+          <a:p>
+            <a:pPr algn="ctr"/>
+            <a:endParaRPr lang="en-GB"/>
+          </a:p>
+        </p:txBody>
+      </p:sp>
+      <p:sp>
+        <p:nvSpPr>
+          <p:cNvPr id="30" name="Rectangle 29"/>
+          <p:cNvSpPr/>
+          <p:nvPr/>
+        </p:nvSpPr>
+        <p:spPr>
+          <a:xfrm>
+            <a:off x="5429256" y="1571612"/>
+            <a:ext cx="1785950" cy="285752"/>
+          </a:xfrm>
+          <a:prstGeom prst="rect">
+            <a:avLst/>
+          </a:prstGeom>
+          <a:solidFill>
+            <a:srgbClr val="EE930C"/>
+          </a:solidFill>
+          <a:ln>
+            <a:noFill/>
+          </a:ln>
+        </p:spPr>
+        <p:style>
+          <a:lnRef idx="2">
+            <a:schemeClr val="accent1">
+              <a:shade val="50000"/>
+            </a:schemeClr>
+          </a:lnRef>
+          <a:fillRef idx="1">
+            <a:schemeClr val="accent1"/>
+          </a:fillRef>
+          <a:effectRef idx="0">
+            <a:schemeClr val="accent1"/>
+          </a:effectRef>
+          <a:fontRef idx="minor">
+            <a:schemeClr val="lt1"/>
+          </a:fontRef>
+        </p:style>
+        <p:txBody>
+          <a:bodyPr rtlCol="0" anchor="ctr"/>
+          <a:lstStyle/>
+          <a:p>
+            <a:pPr algn="ctr"/>
+            <a:r>
+              <a:rPr lang="en-GB" dirty="0" smtClean="0"/>
+              <a:t>My Investment</a:t>
+            </a:r>
+            <a:endParaRPr lang="en-GB" dirty="0"/>
+          </a:p>
+        </p:txBody>
+      </p:sp>
+      <p:sp>
+        <p:nvSpPr>
+          <p:cNvPr id="32" name="Rectangle 31"/>
+          <p:cNvSpPr/>
+          <p:nvPr/>
+        </p:nvSpPr>
+        <p:spPr>
+          <a:xfrm>
+            <a:off x="4572000" y="4450792"/>
+            <a:ext cx="1714512" cy="571504"/>
+          </a:xfrm>
+          <a:prstGeom prst="rect">
+            <a:avLst/>
+          </a:prstGeom>
+          <a:solidFill>
+            <a:schemeClr val="bg1"/>
+          </a:solidFill>
+        </p:spPr>
+        <p:style>
+          <a:lnRef idx="2">
+            <a:schemeClr val="accent1">
+              <a:shade val="50000"/>
+            </a:schemeClr>
+          </a:lnRef>
+          <a:fillRef idx="1">
+            <a:schemeClr val="accent1"/>
+          </a:fillRef>
+          <a:effectRef idx="0">
+            <a:schemeClr val="accent1"/>
+          </a:effectRef>
+          <a:fontRef idx="minor">
+            <a:schemeClr val="lt1"/>
+          </a:fontRef>
+        </p:style>
+        <p:txBody>
+          <a:bodyPr rtlCol="0" anchor="ctr"/>
+          <a:lstStyle/>
+          <a:p>
+            <a:pPr algn="ctr"/>
+            <a:r>
+              <a:rPr lang="en-GB" dirty="0" smtClean="0">
+                <a:solidFill>
+                  <a:schemeClr val="tx1"/>
+                </a:solidFill>
+              </a:rPr>
+              <a:t>My balance</a:t>
+            </a:r>
+            <a:endParaRPr lang="en-GB" dirty="0">
+              <a:solidFill>
+                <a:schemeClr val="tx1"/>
+              </a:solidFill>
+            </a:endParaRPr>
+          </a:p>
+        </p:txBody>
+      </p:sp>
+      <p:sp>
+        <p:nvSpPr>
+          <p:cNvPr id="33" name="Rectangle 32"/>
+          <p:cNvSpPr/>
+          <p:nvPr/>
+        </p:nvSpPr>
+        <p:spPr>
+          <a:xfrm>
+            <a:off x="4572000" y="3879288"/>
+            <a:ext cx="1714512" cy="571504"/>
+          </a:xfrm>
+          <a:prstGeom prst="rect">
+            <a:avLst/>
+          </a:prstGeom>
+          <a:solidFill>
+            <a:schemeClr val="bg1"/>
+          </a:solidFill>
+        </p:spPr>
+        <p:style>
+          <a:lnRef idx="2">
+            <a:schemeClr val="accent1">
+              <a:shade val="50000"/>
+            </a:schemeClr>
+          </a:lnRef>
+          <a:fillRef idx="1">
+            <a:schemeClr val="accent1"/>
+          </a:fillRef>
+          <a:effectRef idx="0">
+            <a:schemeClr val="accent1"/>
+          </a:effectRef>
+          <a:fontRef idx="minor">
+            <a:schemeClr val="lt1"/>
+          </a:fontRef>
+        </p:style>
+        <p:txBody>
+          <a:bodyPr rtlCol="0" anchor="ctr"/>
+          <a:lstStyle/>
+          <a:p>
+            <a:pPr algn="ctr"/>
+            <a:r>
+              <a:rPr lang="en-GB" dirty="0" smtClean="0">
+                <a:solidFill>
+                  <a:schemeClr val="tx1"/>
+                </a:solidFill>
+              </a:rPr>
+              <a:t>Deposits</a:t>
+            </a:r>
+            <a:endParaRPr lang="en-GB" dirty="0">
+              <a:solidFill>
+                <a:schemeClr val="tx1"/>
+              </a:solidFill>
+            </a:endParaRPr>
+          </a:p>
+        </p:txBody>
+      </p:sp>
+      <p:sp>
+        <p:nvSpPr>
+          <p:cNvPr id="34" name="Rectangle 33"/>
+          <p:cNvSpPr/>
+          <p:nvPr/>
+        </p:nvSpPr>
+        <p:spPr>
+          <a:xfrm>
+            <a:off x="6215074" y="3879288"/>
+            <a:ext cx="1714512" cy="571504"/>
+          </a:xfrm>
+          <a:prstGeom prst="rect">
+            <a:avLst/>
+          </a:prstGeom>
+          <a:solidFill>
+            <a:schemeClr val="bg1"/>
+          </a:solidFill>
+        </p:spPr>
+        <p:style>
+          <a:lnRef idx="2">
+            <a:schemeClr val="accent1">
+              <a:shade val="50000"/>
+            </a:schemeClr>
+          </a:lnRef>
+          <a:fillRef idx="1">
+            <a:schemeClr val="accent1"/>
+          </a:fillRef>
+          <a:effectRef idx="0">
+            <a:schemeClr val="accent1"/>
+          </a:effectRef>
+          <a:fontRef idx="minor">
+            <a:schemeClr val="lt1"/>
+          </a:fontRef>
+        </p:style>
+        <p:txBody>
+          <a:bodyPr rtlCol="0" anchor="ctr"/>
+          <a:lstStyle/>
+          <a:p>
+            <a:pPr algn="ctr"/>
+            <a:r>
+              <a:rPr lang="en-GB" dirty="0" smtClean="0">
+                <a:solidFill>
+                  <a:schemeClr val="tx1"/>
+                </a:solidFill>
+              </a:rPr>
+              <a:t>Withdraw</a:t>
+            </a:r>
+            <a:endParaRPr lang="en-GB" dirty="0">
+              <a:solidFill>
+                <a:schemeClr val="tx1"/>
+              </a:solidFill>
+            </a:endParaRPr>
+          </a:p>
+        </p:txBody>
+      </p:sp>
+      <p:sp>
+        <p:nvSpPr>
+          <p:cNvPr id="35" name="Rectangle 34"/>
+          <p:cNvSpPr/>
+          <p:nvPr/>
+        </p:nvSpPr>
+        <p:spPr>
+          <a:xfrm>
+            <a:off x="5286380" y="2210564"/>
+            <a:ext cx="1785950" cy="570364"/>
+          </a:xfrm>
+          <a:prstGeom prst="rect">
+            <a:avLst/>
+          </a:prstGeom>
+          <a:solidFill>
+            <a:schemeClr val="bg1"/>
+          </a:solidFill>
+        </p:spPr>
+        <p:style>
+          <a:lnRef idx="2">
+            <a:schemeClr val="accent1">
+              <a:shade val="50000"/>
+            </a:schemeClr>
+          </a:lnRef>
+          <a:fillRef idx="1">
+            <a:schemeClr val="accent1"/>
+          </a:fillRef>
+          <a:effectRef idx="0">
+            <a:schemeClr val="accent1"/>
+          </a:effectRef>
+          <a:fontRef idx="minor">
+            <a:schemeClr val="lt1"/>
+          </a:fontRef>
+        </p:style>
+        <p:txBody>
+          <a:bodyPr rtlCol="0" anchor="ctr"/>
+          <a:lstStyle/>
+          <a:p>
+            <a:pPr algn="ctr"/>
+            <a:r>
+              <a:rPr lang="en-GB" dirty="0" smtClean="0">
+                <a:solidFill>
+                  <a:schemeClr val="tx1"/>
+                </a:solidFill>
+              </a:rPr>
+              <a:t>BNN 59,800</a:t>
+            </a:r>
+            <a:endParaRPr lang="en-GB" dirty="0">
+              <a:solidFill>
+                <a:schemeClr val="tx1"/>
+              </a:solidFill>
+            </a:endParaRPr>
+          </a:p>
+        </p:txBody>
+      </p:sp>
+      <p:sp>
+        <p:nvSpPr>
+          <p:cNvPr id="36" name="Rectangle 35"/>
+          <p:cNvSpPr/>
+          <p:nvPr/>
+        </p:nvSpPr>
+        <p:spPr>
+          <a:xfrm>
+            <a:off x="4572000" y="5022296"/>
+            <a:ext cx="1643074" cy="571504"/>
+          </a:xfrm>
+          <a:prstGeom prst="rect">
+            <a:avLst/>
+          </a:prstGeom>
+          <a:solidFill>
+            <a:schemeClr val="bg1"/>
+          </a:solidFill>
+        </p:spPr>
+        <p:style>
+          <a:lnRef idx="2">
+            <a:schemeClr val="accent1">
+              <a:shade val="50000"/>
+            </a:schemeClr>
+          </a:lnRef>
+          <a:fillRef idx="1">
+            <a:schemeClr val="accent1"/>
+          </a:fillRef>
+          <a:effectRef idx="0">
+            <a:schemeClr val="accent1"/>
+          </a:effectRef>
+          <a:fontRef idx="minor">
+            <a:schemeClr val="lt1"/>
+          </a:fontRef>
+        </p:style>
+        <p:txBody>
+          <a:bodyPr rtlCol="0" anchor="ctr"/>
+          <a:lstStyle/>
+          <a:p>
+            <a:r>
+              <a:rPr lang="en-GB" dirty="0" smtClean="0">
+                <a:solidFill>
+                  <a:schemeClr val="tx1"/>
+                </a:solidFill>
+              </a:rPr>
+              <a:t>All transactions</a:t>
+            </a:r>
+          </a:p>
+        </p:txBody>
+      </p:sp>
+      <p:sp>
+        <p:nvSpPr>
+          <p:cNvPr id="37" name="Rectangle 36"/>
+          <p:cNvSpPr/>
+          <p:nvPr/>
+        </p:nvSpPr>
+        <p:spPr>
+          <a:xfrm>
+            <a:off x="6215074" y="4450792"/>
+            <a:ext cx="1714512" cy="571504"/>
+          </a:xfrm>
+          <a:prstGeom prst="rect">
+            <a:avLst/>
+          </a:prstGeom>
+          <a:solidFill>
+            <a:schemeClr val="bg1"/>
+          </a:solidFill>
+        </p:spPr>
+        <p:style>
+          <a:lnRef idx="2">
+            <a:schemeClr val="accent1">
+              <a:shade val="50000"/>
+            </a:schemeClr>
+          </a:lnRef>
+          <a:fillRef idx="1">
+            <a:schemeClr val="accent1"/>
+          </a:fillRef>
+          <a:effectRef idx="0">
+            <a:schemeClr val="accent1"/>
+          </a:effectRef>
+          <a:fontRef idx="minor">
+            <a:schemeClr val="lt1"/>
+          </a:fontRef>
+        </p:style>
+        <p:txBody>
+          <a:bodyPr rtlCol="0" anchor="ctr"/>
+          <a:lstStyle/>
+          <a:p>
+            <a:pPr algn="ctr"/>
+            <a:r>
+              <a:rPr lang="en-GB" dirty="0" smtClean="0">
+                <a:solidFill>
+                  <a:schemeClr val="tx1"/>
+                </a:solidFill>
+              </a:rPr>
+              <a:t>Reinvest</a:t>
+            </a:r>
+            <a:endParaRPr lang="en-GB" dirty="0">
+              <a:solidFill>
+                <a:schemeClr val="tx1"/>
+              </a:solidFill>
+            </a:endParaRPr>
+          </a:p>
+        </p:txBody>
+      </p:sp>
+      <p:sp>
+        <p:nvSpPr>
+          <p:cNvPr id="38" name="Rectangle 37"/>
+          <p:cNvSpPr/>
+          <p:nvPr/>
+        </p:nvSpPr>
+        <p:spPr>
+          <a:xfrm>
+            <a:off x="6215074" y="5022296"/>
+            <a:ext cx="1714512" cy="571504"/>
+          </a:xfrm>
+          <a:prstGeom prst="rect">
+            <a:avLst/>
+          </a:prstGeom>
+          <a:solidFill>
+            <a:schemeClr val="bg1"/>
+          </a:solidFill>
+        </p:spPr>
+        <p:style>
+          <a:lnRef idx="2">
+            <a:schemeClr val="accent1">
+              <a:shade val="50000"/>
+            </a:schemeClr>
+          </a:lnRef>
+          <a:fillRef idx="1">
+            <a:schemeClr val="accent1"/>
+          </a:fillRef>
+          <a:effectRef idx="0">
+            <a:schemeClr val="accent1"/>
+          </a:effectRef>
+          <a:fontRef idx="minor">
+            <a:schemeClr val="lt1"/>
+          </a:fontRef>
+        </p:style>
+        <p:txBody>
+          <a:bodyPr rtlCol="0" anchor="ctr"/>
+          <a:lstStyle/>
+          <a:p>
+            <a:pPr algn="ctr"/>
+            <a:r>
+              <a:rPr lang="en-GB" dirty="0" smtClean="0">
+                <a:solidFill>
+                  <a:schemeClr val="tx1"/>
+                </a:solidFill>
+              </a:rPr>
+              <a:t>My referral link</a:t>
+            </a:r>
+            <a:endParaRPr lang="en-GB" dirty="0">
+              <a:solidFill>
+                <a:schemeClr val="tx1"/>
+              </a:solidFill>
+            </a:endParaRPr>
+          </a:p>
+        </p:txBody>
+      </p:sp>
+      <p:sp>
+        <p:nvSpPr>
+          <p:cNvPr id="39" name="Rectangle 38"/>
+          <p:cNvSpPr/>
+          <p:nvPr/>
+        </p:nvSpPr>
+        <p:spPr>
+          <a:xfrm>
+            <a:off x="4572000" y="5593800"/>
+            <a:ext cx="1643074" cy="571504"/>
+          </a:xfrm>
+          <a:prstGeom prst="rect">
+            <a:avLst/>
+          </a:prstGeom>
+          <a:solidFill>
+            <a:schemeClr val="bg1"/>
+          </a:solidFill>
+        </p:spPr>
+        <p:style>
+          <a:lnRef idx="2">
+            <a:schemeClr val="accent1">
+              <a:shade val="50000"/>
+            </a:schemeClr>
+          </a:lnRef>
+          <a:fillRef idx="1">
+            <a:schemeClr val="accent1"/>
+          </a:fillRef>
+          <a:effectRef idx="0">
+            <a:schemeClr val="accent1"/>
+          </a:effectRef>
+          <a:fontRef idx="minor">
+            <a:schemeClr val="lt1"/>
+          </a:fontRef>
+        </p:style>
+        <p:txBody>
+          <a:bodyPr rtlCol="0" anchor="ctr"/>
+          <a:lstStyle/>
+          <a:p>
+            <a:pPr algn="ctr"/>
+            <a:r>
+              <a:rPr lang="en-GB" dirty="0">
+                <a:solidFill>
+                  <a:schemeClr val="tx1"/>
+                </a:solidFill>
+              </a:rPr>
+              <a:t>Add bank</a:t>
+            </a:r>
+          </a:p>
+        </p:txBody>
+      </p:sp>
+      <p:sp>
+        <p:nvSpPr>
+          <p:cNvPr id="40" name="Rectangle 39"/>
+          <p:cNvSpPr/>
+          <p:nvPr/>
+        </p:nvSpPr>
+        <p:spPr>
+          <a:xfrm>
+            <a:off x="6215074" y="5593800"/>
+            <a:ext cx="1714512" cy="571504"/>
+          </a:xfrm>
+          <a:prstGeom prst="rect">
+            <a:avLst/>
+          </a:prstGeom>
+          <a:solidFill>
+            <a:schemeClr val="bg1"/>
+          </a:solidFill>
+        </p:spPr>
+        <p:style>
+          <a:lnRef idx="2">
+            <a:schemeClr val="accent1">
+              <a:shade val="50000"/>
+            </a:schemeClr>
+          </a:lnRef>
+          <a:fillRef idx="1">
+            <a:schemeClr val="accent1"/>
+          </a:fillRef>
+          <a:effectRef idx="0">
+            <a:schemeClr val="accent1"/>
+          </a:effectRef>
+          <a:fontRef idx="minor">
+            <a:schemeClr val="lt1"/>
+          </a:fontRef>
+        </p:style>
+        <p:txBody>
+          <a:bodyPr rtlCol="0" anchor="ctr"/>
+          <a:lstStyle/>
+          <a:p>
+            <a:pPr algn="ctr"/>
+            <a:endParaRPr lang="en-GB" dirty="0">
+              <a:solidFill>
+                <a:schemeClr val="tx1"/>
+              </a:solidFill>
+            </a:endParaRPr>
+          </a:p>
+        </p:txBody>
+      </p:sp>
+      <p:sp>
+        <p:nvSpPr>
+          <p:cNvPr id="41" name="Rectangle 40"/>
+          <p:cNvSpPr/>
+          <p:nvPr/>
+        </p:nvSpPr>
+        <p:spPr>
+          <a:xfrm>
+            <a:off x="4572000" y="6165304"/>
+            <a:ext cx="3357586" cy="714356"/>
+          </a:xfrm>
+          <a:prstGeom prst="rect">
+            <a:avLst/>
+          </a:prstGeom>
+          <a:solidFill>
+            <a:srgbClr val="EE930C"/>
+          </a:solidFill>
+        </p:spPr>
+        <p:style>
+          <a:lnRef idx="2">
+            <a:schemeClr val="accent1">
+              <a:shade val="50000"/>
+            </a:schemeClr>
+          </a:lnRef>
+          <a:fillRef idx="1">
+            <a:schemeClr val="accent1"/>
+          </a:fillRef>
+          <a:effectRef idx="0">
+            <a:schemeClr val="accent1"/>
+          </a:effectRef>
+          <a:fontRef idx="minor">
+            <a:schemeClr val="lt1"/>
+          </a:fontRef>
+        </p:style>
+        <p:txBody>
+          <a:bodyPr rtlCol="0" anchor="ctr"/>
+          <a:lstStyle/>
+          <a:p>
+            <a:pPr algn="ctr"/>
+            <a:r>
+              <a:rPr lang="en-GB" dirty="0">
+                <a:solidFill>
+                  <a:schemeClr val="bg1"/>
+                </a:solidFill>
+              </a:rPr>
+              <a:t>C</a:t>
+            </a:r>
+            <a:r>
+              <a:rPr lang="en-GB" dirty="0" smtClean="0">
+                <a:solidFill>
+                  <a:schemeClr val="bg1"/>
+                </a:solidFill>
+              </a:rPr>
+              <a:t>ustomise </a:t>
+            </a:r>
+            <a:r>
+              <a:rPr lang="en-GB" dirty="0">
+                <a:solidFill>
+                  <a:schemeClr val="bg1"/>
+                </a:solidFill>
+              </a:rPr>
+              <a:t>ads</a:t>
+            </a:r>
+          </a:p>
+        </p:txBody>
+      </p:sp>
+      <p:sp>
+        <p:nvSpPr>
+          <p:cNvPr id="2" name="Rectangle 1"/>
+          <p:cNvSpPr/>
+          <p:nvPr/>
+        </p:nvSpPr>
+        <p:spPr>
+          <a:xfrm>
+            <a:off x="5148064" y="2946792"/>
+            <a:ext cx="2067142" cy="178595"/>
+          </a:xfrm>
+          <a:prstGeom prst="rect">
+            <a:avLst/>
+          </a:prstGeom>
+          <a:solidFill>
+            <a:schemeClr val="bg1"/>
+          </a:solidFill>
+          <a:ln>
+            <a:solidFill>
+              <a:schemeClr val="bg1"/>
+            </a:solidFill>
+          </a:ln>
+        </p:spPr>
+        <p:style>
+          <a:lnRef idx="2">
+            <a:schemeClr val="accent1">
+              <a:shade val="50000"/>
+            </a:schemeClr>
+          </a:lnRef>
+          <a:fillRef idx="1">
+            <a:schemeClr val="accent1"/>
+          </a:fillRef>
+          <a:effectRef idx="0">
+            <a:schemeClr val="accent1"/>
+          </a:effectRef>
+          <a:fontRef idx="minor">
+            <a:schemeClr val="lt1"/>
+          </a:fontRef>
+        </p:style>
+        <p:txBody>
+          <a:bodyPr rtlCol="0" anchor="ctr"/>
+          <a:lstStyle/>
+          <a:p>
+            <a:pPr algn="ctr"/>
+            <a:r>
+              <a:rPr lang="en-US" dirty="0" smtClean="0">
+                <a:solidFill>
+                  <a:schemeClr val="tx1"/>
+                </a:solidFill>
+              </a:rPr>
+              <a:t>BTC   0.190000</a:t>
+            </a:r>
+            <a:endParaRPr lang="en-US" dirty="0">
+              <a:solidFill>
+                <a:schemeClr val="tx1"/>
+              </a:solidFill>
+            </a:endParaRPr>
+          </a:p>
+        </p:txBody>
+      </p:sp>
+      <p:sp>
+        <p:nvSpPr>
+          <p:cNvPr id="22" name="Rectangle 21"/>
+          <p:cNvSpPr/>
+          <p:nvPr/>
+        </p:nvSpPr>
+        <p:spPr>
+          <a:xfrm>
+            <a:off x="4572000" y="3361552"/>
+            <a:ext cx="1714512" cy="571504"/>
+          </a:xfrm>
+          <a:prstGeom prst="rect">
+            <a:avLst/>
+          </a:prstGeom>
+          <a:solidFill>
+            <a:srgbClr val="00B050"/>
+          </a:solidFill>
+        </p:spPr>
+        <p:style>
+          <a:lnRef idx="2">
+            <a:schemeClr val="accent1">
+              <a:shade val="50000"/>
+            </a:schemeClr>
+          </a:lnRef>
+          <a:fillRef idx="1">
+            <a:schemeClr val="accent1"/>
+          </a:fillRef>
+          <a:effectRef idx="0">
+            <a:schemeClr val="accent1"/>
+          </a:effectRef>
+          <a:fontRef idx="minor">
+            <a:schemeClr val="lt1"/>
+          </a:fontRef>
+        </p:style>
+        <p:txBody>
+          <a:bodyPr rtlCol="0" anchor="ctr"/>
+          <a:lstStyle/>
+          <a:p>
+            <a:pPr algn="ctr"/>
+            <a:r>
+              <a:rPr lang="en-GB" dirty="0" smtClean="0">
+                <a:solidFill>
+                  <a:schemeClr val="tx1"/>
+                </a:solidFill>
+              </a:rPr>
+              <a:t>Buy</a:t>
+            </a:r>
+            <a:endParaRPr lang="en-GB" dirty="0">
+              <a:solidFill>
+                <a:schemeClr val="tx1"/>
+              </a:solidFill>
+            </a:endParaRPr>
+          </a:p>
+        </p:txBody>
+      </p:sp>
+      <p:sp>
+        <p:nvSpPr>
+          <p:cNvPr id="24" name="Rectangle 23"/>
+          <p:cNvSpPr/>
+          <p:nvPr/>
+        </p:nvSpPr>
+        <p:spPr>
+          <a:xfrm>
+            <a:off x="6215074" y="3361552"/>
+            <a:ext cx="1714512" cy="571504"/>
+          </a:xfrm>
+          <a:prstGeom prst="rect">
+            <a:avLst/>
+          </a:prstGeom>
+          <a:solidFill>
+            <a:srgbClr val="FF0000"/>
+          </a:solidFill>
+        </p:spPr>
+        <p:style>
+          <a:lnRef idx="2">
+            <a:schemeClr val="accent1">
+              <a:shade val="50000"/>
+            </a:schemeClr>
+          </a:lnRef>
+          <a:fillRef idx="1">
+            <a:schemeClr val="accent1"/>
+          </a:fillRef>
+          <a:effectRef idx="0">
+            <a:schemeClr val="accent1"/>
+          </a:effectRef>
+          <a:fontRef idx="minor">
+            <a:schemeClr val="lt1"/>
+          </a:fontRef>
+        </p:style>
+        <p:txBody>
+          <a:bodyPr rtlCol="0" anchor="ctr"/>
+          <a:lstStyle/>
+          <a:p>
+            <a:pPr algn="ctr"/>
+            <a:r>
+              <a:rPr lang="en-GB" dirty="0" smtClean="0">
+                <a:solidFill>
+                  <a:schemeClr val="tx1"/>
+                </a:solidFill>
+              </a:rPr>
+              <a:t>Sell</a:t>
+            </a:r>
+            <a:endParaRPr lang="en-GB" dirty="0">
+              <a:solidFill>
+                <a:schemeClr val="tx1"/>
+              </a:solidFill>
+            </a:endParaRPr>
+          </a:p>
+        </p:txBody>
+      </p:sp>
+    </p:spTree>
+    <p:extLst>
+      <p:ext uri="{BB962C8B-B14F-4D97-AF65-F5344CB8AC3E}">
+        <p14:creationId xmlns:p14="http://schemas.microsoft.com/office/powerpoint/2010/main" val="3440631619"/>
+      </p:ext>
+    </p:extLst>
+  </p:cSld>
+  <p:clrMapOvr>
+    <a:masterClrMapping/>
+  </p:clrMapOvr>
+</p:sld>
+</file>
+
+<file path=ppt/slides/slide16.xml><?xml version="1.0" encoding="utf-8"?>
+<p:sld xmlns:a="http://schemas.openxmlformats.org/drawingml/2006/main" xmlns:r="http://schemas.openxmlformats.org/officeDocument/2006/relationships" xmlns:p="http://schemas.openxmlformats.org/presentationml/2006/main">
+  <p:cSld>
+    <p:spTree>
+      <p:nvGrpSpPr>
+        <p:cNvPr id="1" name=""/>
+        <p:cNvGrpSpPr/>
+        <p:nvPr/>
+      </p:nvGrpSpPr>
+      <p:grpSpPr>
+        <a:xfrm>
+          <a:off x="0" y="0"/>
+          <a:ext cx="0" cy="0"/>
+          <a:chOff x="0" y="0"/>
+          <a:chExt cx="0" cy="0"/>
+        </a:xfrm>
+      </p:grpSpPr>
+      <p:sp>
+        <p:nvSpPr>
+          <p:cNvPr id="10" name="Rectangle 9"/>
+          <p:cNvSpPr/>
+          <p:nvPr/>
+        </p:nvSpPr>
+        <p:spPr>
+          <a:xfrm>
+            <a:off x="4500562" y="1124744"/>
+            <a:ext cx="3455814" cy="5219534"/>
+          </a:xfrm>
+          <a:prstGeom prst="rect">
+            <a:avLst/>
+          </a:prstGeom>
+          <a:solidFill>
+            <a:srgbClr val="EE930C"/>
+          </a:solidFill>
+          <a:ln>
+            <a:noFill/>
+          </a:ln>
+        </p:spPr>
+        <p:style>
+          <a:lnRef idx="2">
+            <a:schemeClr val="accent1">
+              <a:shade val="50000"/>
+            </a:schemeClr>
+          </a:lnRef>
+          <a:fillRef idx="1">
+            <a:schemeClr val="accent1"/>
+          </a:fillRef>
+          <a:effectRef idx="0">
+            <a:schemeClr val="accent1"/>
+          </a:effectRef>
+          <a:fontRef idx="minor">
+            <a:schemeClr val="lt1"/>
+          </a:fontRef>
+        </p:style>
+        <p:txBody>
+          <a:bodyPr rtlCol="0" anchor="ctr"/>
+          <a:lstStyle/>
+          <a:p>
+            <a:pPr algn="ctr"/>
+            <a:endParaRPr lang="en-GB" dirty="0"/>
+          </a:p>
+        </p:txBody>
+      </p:sp>
+      <p:sp>
+        <p:nvSpPr>
+          <p:cNvPr id="11" name="Rectangle 10"/>
+          <p:cNvSpPr/>
+          <p:nvPr/>
+        </p:nvSpPr>
+        <p:spPr>
+          <a:xfrm>
+            <a:off x="4499992" y="1915122"/>
+            <a:ext cx="3456384" cy="793798"/>
+          </a:xfrm>
+          <a:prstGeom prst="rect">
+            <a:avLst/>
+          </a:prstGeom>
+          <a:solidFill>
+            <a:schemeClr val="bg1"/>
+          </a:solidFill>
+          <a:ln>
+            <a:noFill/>
+          </a:ln>
+          <a:effectLst>
+            <a:glow rad="63500">
+              <a:schemeClr val="accent1">
+                <a:satMod val="175000"/>
+                <a:alpha val="40000"/>
+              </a:schemeClr>
+            </a:glow>
+          </a:effectLst>
+        </p:spPr>
+        <p:style>
+          <a:lnRef idx="2">
+            <a:schemeClr val="accent1">
+              <a:shade val="50000"/>
+            </a:schemeClr>
+          </a:lnRef>
+          <a:fillRef idx="1">
+            <a:schemeClr val="accent1"/>
+          </a:fillRef>
+          <a:effectRef idx="0">
+            <a:schemeClr val="accent1"/>
+          </a:effectRef>
+          <a:fontRef idx="minor">
+            <a:schemeClr val="lt1"/>
+          </a:fontRef>
+        </p:style>
+        <p:txBody>
+          <a:bodyPr rtlCol="0" anchor="ctr"/>
+          <a:lstStyle/>
+          <a:p>
+            <a:pPr algn="ctr"/>
+            <a:r>
+              <a:rPr lang="en-GB" dirty="0" smtClean="0">
+                <a:solidFill>
+                  <a:schemeClr val="bg1">
+                    <a:lumMod val="85000"/>
+                  </a:schemeClr>
+                </a:solidFill>
+              </a:rPr>
+              <a:t>Amount</a:t>
+            </a:r>
+            <a:endParaRPr lang="en-GB" dirty="0">
+              <a:solidFill>
+                <a:schemeClr val="bg1">
+                  <a:lumMod val="85000"/>
+                </a:schemeClr>
+              </a:solidFill>
+            </a:endParaRPr>
+          </a:p>
+        </p:txBody>
+      </p:sp>
+      <p:sp>
+        <p:nvSpPr>
+          <p:cNvPr id="15" name="Rectangle 14"/>
+          <p:cNvSpPr/>
+          <p:nvPr/>
+        </p:nvSpPr>
+        <p:spPr>
+          <a:xfrm>
+            <a:off x="5072066" y="1343618"/>
+            <a:ext cx="2214578" cy="571504"/>
+          </a:xfrm>
+          <a:prstGeom prst="rect">
+            <a:avLst/>
+          </a:prstGeom>
+          <a:solidFill>
+            <a:srgbClr val="EE930C"/>
+          </a:solidFill>
+          <a:ln>
+            <a:noFill/>
+          </a:ln>
+        </p:spPr>
+        <p:style>
+          <a:lnRef idx="2">
+            <a:schemeClr val="accent1">
+              <a:shade val="50000"/>
+            </a:schemeClr>
+          </a:lnRef>
+          <a:fillRef idx="1">
+            <a:schemeClr val="accent1"/>
+          </a:fillRef>
+          <a:effectRef idx="0">
+            <a:schemeClr val="accent1"/>
+          </a:effectRef>
+          <a:fontRef idx="minor">
+            <a:schemeClr val="lt1"/>
+          </a:fontRef>
+        </p:style>
+        <p:txBody>
+          <a:bodyPr rtlCol="0" anchor="ctr"/>
+          <a:lstStyle/>
+          <a:p>
+            <a:pPr algn="ctr"/>
+            <a:r>
+              <a:rPr lang="en-GB" dirty="0">
+                <a:solidFill>
+                  <a:schemeClr val="bg1"/>
+                </a:solidFill>
+              </a:rPr>
+              <a:t>Withdraw</a:t>
+            </a:r>
+          </a:p>
+        </p:txBody>
+      </p:sp>
+      <p:sp>
+        <p:nvSpPr>
+          <p:cNvPr id="16" name="Rectangle 15"/>
+          <p:cNvSpPr/>
+          <p:nvPr/>
+        </p:nvSpPr>
+        <p:spPr>
+          <a:xfrm>
+            <a:off x="4499992" y="2767818"/>
+            <a:ext cx="3456384" cy="445158"/>
+          </a:xfrm>
+          <a:prstGeom prst="rect">
+            <a:avLst/>
+          </a:prstGeom>
+          <a:solidFill>
+            <a:schemeClr val="bg1"/>
+          </a:solidFill>
+          <a:ln>
+            <a:noFill/>
+          </a:ln>
+          <a:effectLst>
+            <a:glow rad="63500">
+              <a:schemeClr val="accent1">
+                <a:satMod val="175000"/>
+                <a:alpha val="40000"/>
+              </a:schemeClr>
+            </a:glow>
+          </a:effectLst>
+        </p:spPr>
+        <p:style>
+          <a:lnRef idx="2">
+            <a:schemeClr val="accent1">
+              <a:shade val="50000"/>
+            </a:schemeClr>
+          </a:lnRef>
+          <a:fillRef idx="1">
+            <a:schemeClr val="accent1"/>
+          </a:fillRef>
+          <a:effectRef idx="0">
+            <a:schemeClr val="accent1"/>
+          </a:effectRef>
+          <a:fontRef idx="minor">
+            <a:schemeClr val="lt1"/>
+          </a:fontRef>
+        </p:style>
+        <p:txBody>
+          <a:bodyPr rtlCol="0" anchor="ctr"/>
+          <a:lstStyle/>
+          <a:p>
+            <a:pPr algn="ctr"/>
+            <a:r>
+              <a:rPr lang="en-GB" dirty="0" err="1" smtClean="0">
+                <a:solidFill>
+                  <a:srgbClr val="EE930C"/>
+                </a:solidFill>
+              </a:rPr>
+              <a:t>Bitcoin</a:t>
+            </a:r>
+            <a:endParaRPr lang="en-GB" dirty="0">
+              <a:solidFill>
+                <a:srgbClr val="EE930C"/>
+              </a:solidFill>
+            </a:endParaRPr>
+          </a:p>
+        </p:txBody>
+      </p:sp>
+      <p:sp>
+        <p:nvSpPr>
+          <p:cNvPr id="20" name="Right Arrow 19"/>
+          <p:cNvSpPr/>
+          <p:nvPr/>
+        </p:nvSpPr>
+        <p:spPr>
+          <a:xfrm>
+            <a:off x="7358082" y="5987088"/>
+            <a:ext cx="142876" cy="142876"/>
+          </a:xfrm>
+          <a:prstGeom prst="rightArrow">
+            <a:avLst/>
+          </a:prstGeom>
+          <a:solidFill>
+            <a:srgbClr val="EE930C"/>
+          </a:solidFill>
+          <a:ln>
+            <a:noFill/>
+          </a:ln>
+        </p:spPr>
+        <p:style>
+          <a:lnRef idx="2">
+            <a:schemeClr val="accent1">
+              <a:shade val="50000"/>
+            </a:schemeClr>
+          </a:lnRef>
+          <a:fillRef idx="1">
+            <a:schemeClr val="accent1"/>
+          </a:fillRef>
+          <a:effectRef idx="0">
+            <a:schemeClr val="accent1"/>
+          </a:effectRef>
+          <a:fontRef idx="minor">
+            <a:schemeClr val="lt1"/>
+          </a:fontRef>
+        </p:style>
+        <p:txBody>
+          <a:bodyPr rtlCol="0" anchor="ctr"/>
+          <a:lstStyle/>
+          <a:p>
+            <a:pPr algn="ctr"/>
+            <a:endParaRPr lang="en-GB"/>
+          </a:p>
+        </p:txBody>
+      </p:sp>
+      <p:sp>
+        <p:nvSpPr>
+          <p:cNvPr id="23" name="Rectangle 22"/>
+          <p:cNvSpPr/>
+          <p:nvPr/>
+        </p:nvSpPr>
+        <p:spPr>
+          <a:xfrm>
+            <a:off x="571472" y="1124744"/>
+            <a:ext cx="3357586" cy="5214974"/>
+          </a:xfrm>
+          <a:prstGeom prst="rect">
+            <a:avLst/>
+          </a:prstGeom>
+          <a:solidFill>
+            <a:srgbClr val="EE930C"/>
+          </a:solidFill>
+          <a:ln>
+            <a:noFill/>
+          </a:ln>
+        </p:spPr>
+        <p:style>
+          <a:lnRef idx="2">
+            <a:schemeClr val="accent1">
+              <a:shade val="50000"/>
+            </a:schemeClr>
+          </a:lnRef>
+          <a:fillRef idx="1">
+            <a:schemeClr val="accent1"/>
+          </a:fillRef>
+          <a:effectRef idx="0">
+            <a:schemeClr val="accent1"/>
+          </a:effectRef>
+          <a:fontRef idx="minor">
+            <a:schemeClr val="lt1"/>
+          </a:fontRef>
+        </p:style>
+        <p:txBody>
+          <a:bodyPr rtlCol="0" anchor="ctr"/>
+          <a:lstStyle/>
+          <a:p>
+            <a:pPr algn="ctr"/>
+            <a:endParaRPr lang="en-GB"/>
+          </a:p>
+        </p:txBody>
+      </p:sp>
+      <p:sp>
+        <p:nvSpPr>
+          <p:cNvPr id="24" name="Rectangle 23"/>
+          <p:cNvSpPr/>
+          <p:nvPr/>
+        </p:nvSpPr>
+        <p:spPr>
+          <a:xfrm>
+            <a:off x="1142976" y="3339322"/>
+            <a:ext cx="2214578" cy="571504"/>
+          </a:xfrm>
+          <a:prstGeom prst="rect">
+            <a:avLst/>
+          </a:prstGeom>
+          <a:solidFill>
+            <a:schemeClr val="bg1"/>
+          </a:solidFill>
+          <a:ln>
+            <a:noFill/>
+          </a:ln>
+        </p:spPr>
+        <p:style>
+          <a:lnRef idx="2">
+            <a:schemeClr val="accent1">
+              <a:shade val="50000"/>
+            </a:schemeClr>
+          </a:lnRef>
+          <a:fillRef idx="1">
+            <a:schemeClr val="accent1"/>
+          </a:fillRef>
+          <a:effectRef idx="0">
+            <a:schemeClr val="accent1"/>
+          </a:effectRef>
+          <a:fontRef idx="minor">
+            <a:schemeClr val="lt1"/>
+          </a:fontRef>
+        </p:style>
+        <p:txBody>
+          <a:bodyPr rtlCol="0" anchor="ctr"/>
+          <a:lstStyle/>
+          <a:p>
+            <a:pPr algn="ctr"/>
+            <a:r>
+              <a:rPr lang="en-GB" dirty="0" smtClean="0">
+                <a:solidFill>
+                  <a:srgbClr val="EE930C"/>
+                </a:solidFill>
+              </a:rPr>
+              <a:t>Withdraw</a:t>
+            </a:r>
+            <a:endParaRPr lang="en-GB" dirty="0">
+              <a:solidFill>
+                <a:srgbClr val="EE930C"/>
+              </a:solidFill>
+            </a:endParaRPr>
+          </a:p>
+        </p:txBody>
+      </p:sp>
+      <p:sp>
+        <p:nvSpPr>
+          <p:cNvPr id="26" name="Rectangle 25"/>
+          <p:cNvSpPr/>
+          <p:nvPr/>
+        </p:nvSpPr>
+        <p:spPr>
+          <a:xfrm>
+            <a:off x="4499992" y="3212976"/>
+            <a:ext cx="3456384" cy="445158"/>
+          </a:xfrm>
+          <a:prstGeom prst="rect">
+            <a:avLst/>
+          </a:prstGeom>
+          <a:solidFill>
+            <a:schemeClr val="bg1"/>
+          </a:solidFill>
+          <a:ln>
+            <a:noFill/>
+          </a:ln>
+          <a:effectLst>
+            <a:glow rad="63500">
+              <a:schemeClr val="accent1">
+                <a:satMod val="175000"/>
+                <a:alpha val="40000"/>
+              </a:schemeClr>
+            </a:glow>
+          </a:effectLst>
+        </p:spPr>
+        <p:style>
+          <a:lnRef idx="2">
+            <a:schemeClr val="accent1">
+              <a:shade val="50000"/>
+            </a:schemeClr>
+          </a:lnRef>
+          <a:fillRef idx="1">
+            <a:schemeClr val="accent1"/>
+          </a:fillRef>
+          <a:effectRef idx="0">
+            <a:schemeClr val="accent1"/>
+          </a:effectRef>
+          <a:fontRef idx="minor">
+            <a:schemeClr val="lt1"/>
+          </a:fontRef>
+        </p:style>
+        <p:txBody>
+          <a:bodyPr rtlCol="0" anchor="ctr"/>
+          <a:lstStyle/>
+          <a:p>
+            <a:pPr algn="ctr"/>
+            <a:r>
+              <a:rPr lang="en-GB" dirty="0" smtClean="0">
+                <a:solidFill>
+                  <a:srgbClr val="EE930C"/>
+                </a:solidFill>
+              </a:rPr>
+              <a:t>Transfer </a:t>
+            </a:r>
+            <a:endParaRPr lang="en-GB" dirty="0">
+              <a:solidFill>
+                <a:srgbClr val="EE930C"/>
+              </a:solidFill>
+            </a:endParaRPr>
+          </a:p>
+        </p:txBody>
+      </p:sp>
+      <p:sp>
+        <p:nvSpPr>
+          <p:cNvPr id="27" name="Rectangle 26"/>
+          <p:cNvSpPr/>
+          <p:nvPr/>
+        </p:nvSpPr>
+        <p:spPr>
+          <a:xfrm>
+            <a:off x="4499992" y="3645024"/>
+            <a:ext cx="3456384" cy="445158"/>
+          </a:xfrm>
+          <a:prstGeom prst="rect">
+            <a:avLst/>
+          </a:prstGeom>
+          <a:solidFill>
+            <a:schemeClr val="bg1"/>
+          </a:solidFill>
+          <a:ln>
+            <a:noFill/>
+          </a:ln>
+          <a:effectLst>
+            <a:glow rad="63500">
+              <a:schemeClr val="accent1">
+                <a:satMod val="175000"/>
+                <a:alpha val="40000"/>
+              </a:schemeClr>
+            </a:glow>
+          </a:effectLst>
+        </p:spPr>
+        <p:style>
+          <a:lnRef idx="2">
+            <a:schemeClr val="accent1">
+              <a:shade val="50000"/>
+            </a:schemeClr>
+          </a:lnRef>
+          <a:fillRef idx="1">
+            <a:schemeClr val="accent1"/>
+          </a:fillRef>
+          <a:effectRef idx="0">
+            <a:schemeClr val="accent1"/>
+          </a:effectRef>
+          <a:fontRef idx="minor">
+            <a:schemeClr val="lt1"/>
+          </a:fontRef>
+        </p:style>
+        <p:txBody>
+          <a:bodyPr rtlCol="0" anchor="ctr"/>
+          <a:lstStyle/>
+          <a:p>
+            <a:pPr algn="ctr"/>
+            <a:r>
+              <a:rPr lang="en-GB" dirty="0" smtClean="0">
+                <a:solidFill>
+                  <a:srgbClr val="EE930C"/>
+                </a:solidFill>
+              </a:rPr>
+              <a:t>Recharge</a:t>
+            </a:r>
+            <a:endParaRPr lang="en-GB" dirty="0">
+              <a:solidFill>
+                <a:srgbClr val="EE930C"/>
+              </a:solidFill>
+            </a:endParaRPr>
+          </a:p>
+        </p:txBody>
+      </p:sp>
+      <p:sp>
+        <p:nvSpPr>
+          <p:cNvPr id="28" name="Rectangle 27"/>
+          <p:cNvSpPr/>
+          <p:nvPr/>
+        </p:nvSpPr>
+        <p:spPr>
+          <a:xfrm>
+            <a:off x="4499992" y="4063962"/>
+            <a:ext cx="3456384" cy="445158"/>
+          </a:xfrm>
+          <a:prstGeom prst="rect">
+            <a:avLst/>
+          </a:prstGeom>
+          <a:solidFill>
+            <a:schemeClr val="bg1"/>
+          </a:solidFill>
+          <a:ln>
+            <a:noFill/>
+          </a:ln>
+          <a:effectLst>
+            <a:glow rad="63500">
+              <a:schemeClr val="accent1">
+                <a:satMod val="175000"/>
+                <a:alpha val="40000"/>
+              </a:schemeClr>
+            </a:glow>
+          </a:effectLst>
+        </p:spPr>
+        <p:style>
+          <a:lnRef idx="2">
+            <a:schemeClr val="accent1">
+              <a:shade val="50000"/>
+            </a:schemeClr>
+          </a:lnRef>
+          <a:fillRef idx="1">
+            <a:schemeClr val="accent1"/>
+          </a:fillRef>
+          <a:effectRef idx="0">
+            <a:schemeClr val="accent1"/>
+          </a:effectRef>
+          <a:fontRef idx="minor">
+            <a:schemeClr val="lt1"/>
+          </a:fontRef>
+        </p:style>
+        <p:txBody>
+          <a:bodyPr rtlCol="0" anchor="ctr"/>
+          <a:lstStyle/>
+          <a:p>
+            <a:pPr algn="ctr"/>
+            <a:r>
+              <a:rPr lang="en-GB" dirty="0" smtClean="0">
+                <a:solidFill>
+                  <a:srgbClr val="EE930C"/>
+                </a:solidFill>
+              </a:rPr>
+              <a:t>DSTV</a:t>
+            </a:r>
+            <a:endParaRPr lang="en-GB" dirty="0">
+              <a:solidFill>
+                <a:srgbClr val="EE930C"/>
+              </a:solidFill>
+            </a:endParaRPr>
+          </a:p>
+        </p:txBody>
+      </p:sp>
+      <p:sp>
+        <p:nvSpPr>
+          <p:cNvPr id="29" name="Rectangle 28"/>
+          <p:cNvSpPr/>
+          <p:nvPr/>
+        </p:nvSpPr>
+        <p:spPr>
+          <a:xfrm>
+            <a:off x="4499992" y="4496010"/>
+            <a:ext cx="3456384" cy="445158"/>
+          </a:xfrm>
+          <a:prstGeom prst="rect">
+            <a:avLst/>
+          </a:prstGeom>
+          <a:solidFill>
+            <a:schemeClr val="bg1"/>
+          </a:solidFill>
+          <a:ln>
+            <a:noFill/>
+          </a:ln>
+          <a:effectLst>
+            <a:glow rad="63500">
+              <a:schemeClr val="accent1">
+                <a:satMod val="175000"/>
+                <a:alpha val="40000"/>
+              </a:schemeClr>
+            </a:glow>
+          </a:effectLst>
+        </p:spPr>
+        <p:style>
+          <a:lnRef idx="2">
+            <a:schemeClr val="accent1">
+              <a:shade val="50000"/>
+            </a:schemeClr>
+          </a:lnRef>
+          <a:fillRef idx="1">
+            <a:schemeClr val="accent1"/>
+          </a:fillRef>
+          <a:effectRef idx="0">
+            <a:schemeClr val="accent1"/>
+          </a:effectRef>
+          <a:fontRef idx="minor">
+            <a:schemeClr val="lt1"/>
+          </a:fontRef>
+        </p:style>
+        <p:txBody>
+          <a:bodyPr rtlCol="0" anchor="ctr"/>
+          <a:lstStyle/>
+          <a:p>
+            <a:pPr algn="ctr"/>
+            <a:r>
+              <a:rPr lang="en-GB" dirty="0" smtClean="0">
+                <a:solidFill>
+                  <a:srgbClr val="EE930C"/>
+                </a:solidFill>
+              </a:rPr>
+              <a:t>Internet Subscription</a:t>
+            </a:r>
+            <a:endParaRPr lang="en-GB" dirty="0">
+              <a:solidFill>
+                <a:srgbClr val="EE930C"/>
+              </a:solidFill>
+            </a:endParaRPr>
+          </a:p>
+        </p:txBody>
+      </p:sp>
+      <p:sp>
+        <p:nvSpPr>
+          <p:cNvPr id="30" name="Rectangle 29"/>
+          <p:cNvSpPr/>
+          <p:nvPr/>
+        </p:nvSpPr>
+        <p:spPr>
+          <a:xfrm>
+            <a:off x="4499992" y="4928058"/>
+            <a:ext cx="3456384" cy="445158"/>
+          </a:xfrm>
+          <a:prstGeom prst="rect">
+            <a:avLst/>
+          </a:prstGeom>
+          <a:solidFill>
+            <a:schemeClr val="bg1"/>
+          </a:solidFill>
+          <a:ln>
+            <a:noFill/>
+          </a:ln>
+          <a:effectLst>
+            <a:glow rad="63500">
+              <a:schemeClr val="accent1">
+                <a:satMod val="175000"/>
+                <a:alpha val="40000"/>
+              </a:schemeClr>
+            </a:glow>
+          </a:effectLst>
+        </p:spPr>
+        <p:style>
+          <a:lnRef idx="2">
+            <a:schemeClr val="accent1">
+              <a:shade val="50000"/>
+            </a:schemeClr>
+          </a:lnRef>
+          <a:fillRef idx="1">
+            <a:schemeClr val="accent1"/>
+          </a:fillRef>
+          <a:effectRef idx="0">
+            <a:schemeClr val="accent1"/>
+          </a:effectRef>
+          <a:fontRef idx="minor">
+            <a:schemeClr val="lt1"/>
+          </a:fontRef>
+        </p:style>
+        <p:txBody>
+          <a:bodyPr rtlCol="0" anchor="ctr"/>
+          <a:lstStyle/>
+          <a:p>
+            <a:pPr algn="ctr"/>
+            <a:r>
+              <a:rPr lang="en-GB" dirty="0" smtClean="0">
+                <a:solidFill>
+                  <a:srgbClr val="EE930C"/>
+                </a:solidFill>
+              </a:rPr>
+              <a:t>Shopping</a:t>
+            </a:r>
+            <a:endParaRPr lang="en-GB" dirty="0">
+              <a:solidFill>
+                <a:srgbClr val="EE930C"/>
+              </a:solidFill>
+            </a:endParaRPr>
+          </a:p>
+        </p:txBody>
+      </p:sp>
+      <p:sp>
+        <p:nvSpPr>
+          <p:cNvPr id="31" name="Rectangle 30"/>
+          <p:cNvSpPr/>
+          <p:nvPr/>
+        </p:nvSpPr>
+        <p:spPr>
+          <a:xfrm>
+            <a:off x="4499992" y="5360106"/>
+            <a:ext cx="3456384" cy="445158"/>
+          </a:xfrm>
+          <a:prstGeom prst="rect">
+            <a:avLst/>
+          </a:prstGeom>
+          <a:solidFill>
+            <a:schemeClr val="bg1"/>
+          </a:solidFill>
+          <a:ln>
+            <a:noFill/>
+          </a:ln>
+          <a:effectLst>
+            <a:glow rad="63500">
+              <a:schemeClr val="accent1">
+                <a:satMod val="175000"/>
+                <a:alpha val="40000"/>
+              </a:schemeClr>
+            </a:glow>
+          </a:effectLst>
+        </p:spPr>
+        <p:style>
+          <a:lnRef idx="2">
+            <a:schemeClr val="accent1">
+              <a:shade val="50000"/>
+            </a:schemeClr>
+          </a:lnRef>
+          <a:fillRef idx="1">
+            <a:schemeClr val="accent1"/>
+          </a:fillRef>
+          <a:effectRef idx="0">
+            <a:schemeClr val="accent1"/>
+          </a:effectRef>
+          <a:fontRef idx="minor">
+            <a:schemeClr val="lt1"/>
+          </a:fontRef>
+        </p:style>
+        <p:txBody>
+          <a:bodyPr rtlCol="0" anchor="ctr"/>
+          <a:lstStyle/>
+          <a:p>
+            <a:pPr algn="ctr"/>
+            <a:r>
+              <a:rPr lang="en-GB" dirty="0" smtClean="0">
+                <a:solidFill>
+                  <a:srgbClr val="EE930C"/>
+                </a:solidFill>
+              </a:rPr>
+              <a:t>Movie Ticket</a:t>
+            </a:r>
+            <a:endParaRPr lang="en-GB" dirty="0">
+              <a:solidFill>
+                <a:srgbClr val="EE930C"/>
+              </a:solidFill>
+            </a:endParaRPr>
+          </a:p>
+        </p:txBody>
+      </p:sp>
+      <p:sp>
+        <p:nvSpPr>
+          <p:cNvPr id="32" name="Rectangle 31"/>
+          <p:cNvSpPr/>
+          <p:nvPr/>
+        </p:nvSpPr>
+        <p:spPr>
+          <a:xfrm>
+            <a:off x="4499992" y="5792154"/>
+            <a:ext cx="3456384" cy="445158"/>
+          </a:xfrm>
+          <a:prstGeom prst="rect">
+            <a:avLst/>
+          </a:prstGeom>
+          <a:solidFill>
+            <a:schemeClr val="bg1"/>
+          </a:solidFill>
+          <a:ln>
+            <a:noFill/>
+          </a:ln>
+          <a:effectLst>
+            <a:glow rad="63500">
+              <a:schemeClr val="accent1">
+                <a:satMod val="175000"/>
+                <a:alpha val="40000"/>
+              </a:schemeClr>
+            </a:glow>
+          </a:effectLst>
+        </p:spPr>
+        <p:style>
+          <a:lnRef idx="2">
+            <a:schemeClr val="accent1">
+              <a:shade val="50000"/>
+            </a:schemeClr>
+          </a:lnRef>
+          <a:fillRef idx="1">
+            <a:schemeClr val="accent1"/>
+          </a:fillRef>
+          <a:effectRef idx="0">
+            <a:schemeClr val="accent1"/>
+          </a:effectRef>
+          <a:fontRef idx="minor">
+            <a:schemeClr val="lt1"/>
+          </a:fontRef>
+        </p:style>
+        <p:txBody>
+          <a:bodyPr rtlCol="0" anchor="ctr"/>
+          <a:lstStyle/>
+          <a:p>
+            <a:pPr algn="ctr"/>
+            <a:r>
+              <a:rPr lang="en-GB" dirty="0" smtClean="0">
+                <a:solidFill>
+                  <a:srgbClr val="EE930C"/>
+                </a:solidFill>
+              </a:rPr>
+              <a:t>Event Ticket</a:t>
+            </a:r>
+            <a:endParaRPr lang="en-GB" dirty="0">
+              <a:solidFill>
+                <a:srgbClr val="EE930C"/>
+              </a:solidFill>
+            </a:endParaRPr>
+          </a:p>
+        </p:txBody>
+      </p:sp>
+    </p:spTree>
+    <p:extLst>
+      <p:ext uri="{BB962C8B-B14F-4D97-AF65-F5344CB8AC3E}">
+        <p14:creationId xmlns:p14="http://schemas.microsoft.com/office/powerpoint/2010/main" val="1073577902"/>
+      </p:ext>
+    </p:extLst>
+  </p:cSld>
+  <p:clrMapOvr>
+    <a:masterClrMapping/>
+  </p:clrMapOvr>
+</p:sld>
+</file>
+
+<file path=ppt/slides/slide17.xml><?xml version="1.0" encoding="utf-8"?>
+<p:sld xmlns:a="http://schemas.openxmlformats.org/drawingml/2006/main" xmlns:r="http://schemas.openxmlformats.org/officeDocument/2006/relationships" xmlns:p="http://schemas.openxmlformats.org/presentationml/2006/main">
+  <p:cSld>
+    <p:spTree>
+      <p:nvGrpSpPr>
+        <p:cNvPr id="1" name=""/>
+        <p:cNvGrpSpPr/>
+        <p:nvPr/>
+      </p:nvGrpSpPr>
+      <p:grpSpPr>
+        <a:xfrm>
+          <a:off x="0" y="0"/>
+          <a:ext cx="0" cy="0"/>
+          <a:chOff x="0" y="0"/>
+          <a:chExt cx="0" cy="0"/>
+        </a:xfrm>
+      </p:grpSpPr>
+      <p:sp>
+        <p:nvSpPr>
+          <p:cNvPr id="10" name="Rectangle 9"/>
+          <p:cNvSpPr/>
+          <p:nvPr/>
+        </p:nvSpPr>
+        <p:spPr>
+          <a:xfrm>
+            <a:off x="4500562" y="1124744"/>
+            <a:ext cx="3455814" cy="5219534"/>
+          </a:xfrm>
+          <a:prstGeom prst="rect">
+            <a:avLst/>
+          </a:prstGeom>
+          <a:solidFill>
+            <a:srgbClr val="EE930C"/>
+          </a:solidFill>
+          <a:ln>
+            <a:noFill/>
+          </a:ln>
+        </p:spPr>
+        <p:style>
+          <a:lnRef idx="2">
+            <a:schemeClr val="accent1">
+              <a:shade val="50000"/>
+            </a:schemeClr>
+          </a:lnRef>
+          <a:fillRef idx="1">
+            <a:schemeClr val="accent1"/>
+          </a:fillRef>
+          <a:effectRef idx="0">
+            <a:schemeClr val="accent1"/>
+          </a:effectRef>
+          <a:fontRef idx="minor">
+            <a:schemeClr val="lt1"/>
+          </a:fontRef>
+        </p:style>
+        <p:txBody>
+          <a:bodyPr rtlCol="0" anchor="ctr"/>
+          <a:lstStyle/>
+          <a:p>
+            <a:pPr algn="ctr"/>
+            <a:endParaRPr lang="en-GB" dirty="0"/>
+          </a:p>
+        </p:txBody>
+      </p:sp>
+      <p:sp>
+        <p:nvSpPr>
+          <p:cNvPr id="11" name="Rectangle 10"/>
+          <p:cNvSpPr/>
+          <p:nvPr/>
+        </p:nvSpPr>
+        <p:spPr>
+          <a:xfrm>
+            <a:off x="4499992" y="3356992"/>
+            <a:ext cx="3456384" cy="793798"/>
+          </a:xfrm>
+          <a:prstGeom prst="rect">
+            <a:avLst/>
+          </a:prstGeom>
+          <a:solidFill>
+            <a:schemeClr val="bg1"/>
+          </a:solidFill>
+          <a:ln>
+            <a:noFill/>
+          </a:ln>
+          <a:effectLst>
+            <a:glow rad="63500">
+              <a:schemeClr val="accent1">
+                <a:satMod val="175000"/>
+                <a:alpha val="40000"/>
+              </a:schemeClr>
+            </a:glow>
+          </a:effectLst>
+        </p:spPr>
+        <p:style>
+          <a:lnRef idx="2">
+            <a:schemeClr val="accent1">
+              <a:shade val="50000"/>
+            </a:schemeClr>
+          </a:lnRef>
+          <a:fillRef idx="1">
+            <a:schemeClr val="accent1"/>
+          </a:fillRef>
+          <a:effectRef idx="0">
+            <a:schemeClr val="accent1"/>
+          </a:effectRef>
+          <a:fontRef idx="minor">
+            <a:schemeClr val="lt1"/>
+          </a:fontRef>
+        </p:style>
+        <p:txBody>
+          <a:bodyPr rtlCol="0" anchor="ctr"/>
+          <a:lstStyle/>
+          <a:p>
+            <a:pPr algn="ctr"/>
+            <a:r>
+              <a:rPr lang="en-GB" dirty="0" smtClean="0">
+                <a:solidFill>
+                  <a:schemeClr val="bg1">
+                    <a:lumMod val="85000"/>
+                  </a:schemeClr>
+                </a:solidFill>
+              </a:rPr>
+              <a:t>Amount</a:t>
+            </a:r>
+            <a:endParaRPr lang="en-GB" dirty="0">
+              <a:solidFill>
+                <a:schemeClr val="bg1">
+                  <a:lumMod val="85000"/>
+                </a:schemeClr>
+              </a:solidFill>
+            </a:endParaRPr>
+          </a:p>
+        </p:txBody>
+      </p:sp>
+      <p:sp>
+        <p:nvSpPr>
+          <p:cNvPr id="15" name="Rectangle 14"/>
+          <p:cNvSpPr/>
+          <p:nvPr/>
+        </p:nvSpPr>
+        <p:spPr>
+          <a:xfrm>
+            <a:off x="5072066" y="1343618"/>
+            <a:ext cx="2214578" cy="571504"/>
+          </a:xfrm>
+          <a:prstGeom prst="rect">
+            <a:avLst/>
+          </a:prstGeom>
+          <a:solidFill>
+            <a:srgbClr val="EE930C"/>
+          </a:solidFill>
+          <a:ln>
+            <a:noFill/>
+          </a:ln>
+        </p:spPr>
+        <p:style>
+          <a:lnRef idx="2">
+            <a:schemeClr val="accent1">
+              <a:shade val="50000"/>
+            </a:schemeClr>
+          </a:lnRef>
+          <a:fillRef idx="1">
+            <a:schemeClr val="accent1"/>
+          </a:fillRef>
+          <a:effectRef idx="0">
+            <a:schemeClr val="accent1"/>
+          </a:effectRef>
+          <a:fontRef idx="minor">
+            <a:schemeClr val="lt1"/>
+          </a:fontRef>
+        </p:style>
+        <p:txBody>
+          <a:bodyPr rtlCol="0" anchor="ctr"/>
+          <a:lstStyle/>
+          <a:p>
+            <a:pPr algn="ctr"/>
+            <a:r>
+              <a:rPr lang="en-GB" dirty="0">
+                <a:solidFill>
+                  <a:schemeClr val="bg1"/>
+                </a:solidFill>
+              </a:rPr>
+              <a:t>Withdraw</a:t>
+            </a:r>
+          </a:p>
+        </p:txBody>
+      </p:sp>
+      <p:sp>
+        <p:nvSpPr>
+          <p:cNvPr id="16" name="Rectangle 15"/>
+          <p:cNvSpPr/>
+          <p:nvPr/>
+        </p:nvSpPr>
+        <p:spPr>
+          <a:xfrm>
+            <a:off x="4499992" y="4640026"/>
+            <a:ext cx="3456384" cy="445158"/>
+          </a:xfrm>
+          <a:prstGeom prst="rect">
+            <a:avLst/>
+          </a:prstGeom>
+          <a:solidFill>
+            <a:srgbClr val="00B050"/>
+          </a:solidFill>
+          <a:ln>
+            <a:noFill/>
+          </a:ln>
+          <a:effectLst>
+            <a:glow rad="63500">
+              <a:schemeClr val="accent1">
+                <a:satMod val="175000"/>
+                <a:alpha val="40000"/>
+              </a:schemeClr>
+            </a:glow>
+          </a:effectLst>
+        </p:spPr>
+        <p:style>
+          <a:lnRef idx="2">
+            <a:schemeClr val="accent1">
+              <a:shade val="50000"/>
+            </a:schemeClr>
+          </a:lnRef>
+          <a:fillRef idx="1">
+            <a:schemeClr val="accent1"/>
+          </a:fillRef>
+          <a:effectRef idx="0">
+            <a:schemeClr val="accent1"/>
+          </a:effectRef>
+          <a:fontRef idx="minor">
+            <a:schemeClr val="lt1"/>
+          </a:fontRef>
+        </p:style>
+        <p:txBody>
+          <a:bodyPr rtlCol="0" anchor="ctr"/>
+          <a:lstStyle/>
+          <a:p>
+            <a:pPr algn="ctr"/>
+            <a:r>
+              <a:rPr lang="en-GB" dirty="0" smtClean="0">
+                <a:solidFill>
+                  <a:schemeClr val="bg1"/>
+                </a:solidFill>
+              </a:rPr>
+              <a:t>Send</a:t>
+            </a:r>
+            <a:endParaRPr lang="en-GB" dirty="0">
+              <a:solidFill>
+                <a:schemeClr val="bg1"/>
+              </a:solidFill>
+            </a:endParaRPr>
+          </a:p>
+        </p:txBody>
+      </p:sp>
+      <p:sp>
+        <p:nvSpPr>
+          <p:cNvPr id="23" name="Rectangle 22"/>
+          <p:cNvSpPr/>
+          <p:nvPr/>
+        </p:nvSpPr>
+        <p:spPr>
+          <a:xfrm>
+            <a:off x="571472" y="1124744"/>
+            <a:ext cx="3357586" cy="5214974"/>
+          </a:xfrm>
+          <a:prstGeom prst="rect">
+            <a:avLst/>
+          </a:prstGeom>
+          <a:solidFill>
+            <a:srgbClr val="EE930C"/>
+          </a:solidFill>
+          <a:ln>
+            <a:noFill/>
+          </a:ln>
+        </p:spPr>
+        <p:style>
+          <a:lnRef idx="2">
+            <a:schemeClr val="accent1">
+              <a:shade val="50000"/>
+            </a:schemeClr>
+          </a:lnRef>
+          <a:fillRef idx="1">
+            <a:schemeClr val="accent1"/>
+          </a:fillRef>
+          <a:effectRef idx="0">
+            <a:schemeClr val="accent1"/>
+          </a:effectRef>
+          <a:fontRef idx="minor">
+            <a:schemeClr val="lt1"/>
+          </a:fontRef>
+        </p:style>
+        <p:txBody>
+          <a:bodyPr rtlCol="0" anchor="ctr"/>
+          <a:lstStyle/>
+          <a:p>
+            <a:pPr algn="ctr"/>
+            <a:endParaRPr lang="en-GB"/>
+          </a:p>
+        </p:txBody>
+      </p:sp>
+      <p:sp>
+        <p:nvSpPr>
+          <p:cNvPr id="24" name="Rectangle 23"/>
+          <p:cNvSpPr/>
+          <p:nvPr/>
+        </p:nvSpPr>
+        <p:spPr>
+          <a:xfrm>
+            <a:off x="1142976" y="3339322"/>
+            <a:ext cx="2214578" cy="571504"/>
+          </a:xfrm>
+          <a:prstGeom prst="rect">
+            <a:avLst/>
+          </a:prstGeom>
+          <a:solidFill>
+            <a:schemeClr val="bg1"/>
+          </a:solidFill>
+          <a:ln>
+            <a:noFill/>
+          </a:ln>
+        </p:spPr>
+        <p:style>
+          <a:lnRef idx="2">
+            <a:schemeClr val="accent1">
+              <a:shade val="50000"/>
+            </a:schemeClr>
+          </a:lnRef>
+          <a:fillRef idx="1">
+            <a:schemeClr val="accent1"/>
+          </a:fillRef>
+          <a:effectRef idx="0">
+            <a:schemeClr val="accent1"/>
+          </a:effectRef>
+          <a:fontRef idx="minor">
+            <a:schemeClr val="lt1"/>
+          </a:fontRef>
+        </p:style>
+        <p:txBody>
+          <a:bodyPr rtlCol="0" anchor="ctr"/>
+          <a:lstStyle/>
+          <a:p>
+            <a:pPr algn="ctr"/>
+            <a:r>
+              <a:rPr lang="en-GB" dirty="0" err="1">
+                <a:solidFill>
+                  <a:srgbClr val="EE930C"/>
+                </a:solidFill>
+              </a:rPr>
+              <a:t>Bitcoin</a:t>
+            </a:r>
+            <a:endParaRPr lang="en-GB" dirty="0">
+              <a:solidFill>
+                <a:srgbClr val="EE930C"/>
+              </a:solidFill>
+            </a:endParaRPr>
+          </a:p>
+        </p:txBody>
+      </p:sp>
+      <p:sp>
+        <p:nvSpPr>
+          <p:cNvPr id="17" name="Rectangle 16"/>
+          <p:cNvSpPr/>
+          <p:nvPr/>
+        </p:nvSpPr>
+        <p:spPr>
+          <a:xfrm>
+            <a:off x="5286380" y="2210564"/>
+            <a:ext cx="1785950" cy="570364"/>
+          </a:xfrm>
+          <a:prstGeom prst="rect">
+            <a:avLst/>
+          </a:prstGeom>
+          <a:solidFill>
+            <a:schemeClr val="bg1"/>
+          </a:solidFill>
+        </p:spPr>
+        <p:style>
+          <a:lnRef idx="2">
+            <a:schemeClr val="accent1">
+              <a:shade val="50000"/>
+            </a:schemeClr>
+          </a:lnRef>
+          <a:fillRef idx="1">
+            <a:schemeClr val="accent1"/>
+          </a:fillRef>
+          <a:effectRef idx="0">
+            <a:schemeClr val="accent1"/>
+          </a:effectRef>
+          <a:fontRef idx="minor">
+            <a:schemeClr val="lt1"/>
+          </a:fontRef>
+        </p:style>
+        <p:txBody>
+          <a:bodyPr rtlCol="0" anchor="ctr"/>
+          <a:lstStyle/>
+          <a:p>
+            <a:pPr algn="ctr"/>
+            <a:r>
+              <a:rPr lang="en-GB" dirty="0" smtClean="0">
+                <a:solidFill>
+                  <a:schemeClr val="tx1"/>
+                </a:solidFill>
+              </a:rPr>
+              <a:t>BBN </a:t>
+            </a:r>
+            <a:r>
+              <a:rPr lang="en-GB" dirty="0" smtClean="0">
+                <a:solidFill>
+                  <a:schemeClr val="tx1"/>
+                </a:solidFill>
+              </a:rPr>
+              <a:t>59,800</a:t>
+            </a:r>
+            <a:endParaRPr lang="en-GB" dirty="0">
+              <a:solidFill>
+                <a:schemeClr val="tx1"/>
+              </a:solidFill>
+            </a:endParaRPr>
+          </a:p>
+        </p:txBody>
+      </p:sp>
+      <p:sp>
+        <p:nvSpPr>
+          <p:cNvPr id="18" name="Rectangle 17"/>
+          <p:cNvSpPr/>
+          <p:nvPr/>
+        </p:nvSpPr>
+        <p:spPr>
+          <a:xfrm>
+            <a:off x="5148064" y="2946792"/>
+            <a:ext cx="2067142" cy="178595"/>
+          </a:xfrm>
+          <a:prstGeom prst="rect">
+            <a:avLst/>
+          </a:prstGeom>
+          <a:solidFill>
+            <a:schemeClr val="bg1"/>
+          </a:solidFill>
+          <a:ln>
+            <a:solidFill>
+              <a:schemeClr val="bg1"/>
+            </a:solidFill>
+          </a:ln>
+        </p:spPr>
+        <p:style>
+          <a:lnRef idx="2">
+            <a:schemeClr val="accent1">
+              <a:shade val="50000"/>
+            </a:schemeClr>
+          </a:lnRef>
+          <a:fillRef idx="1">
+            <a:schemeClr val="accent1"/>
+          </a:fillRef>
+          <a:effectRef idx="0">
+            <a:schemeClr val="accent1"/>
+          </a:effectRef>
+          <a:fontRef idx="minor">
+            <a:schemeClr val="lt1"/>
+          </a:fontRef>
+        </p:style>
+        <p:txBody>
+          <a:bodyPr rtlCol="0" anchor="ctr"/>
+          <a:lstStyle/>
+          <a:p>
+            <a:pPr algn="ctr"/>
+            <a:r>
+              <a:rPr lang="en-US" dirty="0" smtClean="0">
+                <a:solidFill>
+                  <a:schemeClr val="tx1"/>
+                </a:solidFill>
+              </a:rPr>
+              <a:t>BTC   0.190000</a:t>
+            </a:r>
+            <a:endParaRPr lang="en-US" dirty="0">
+              <a:solidFill>
+                <a:schemeClr val="tx1"/>
+              </a:solidFill>
+            </a:endParaRPr>
+          </a:p>
+        </p:txBody>
+      </p:sp>
+      <p:sp>
+        <p:nvSpPr>
+          <p:cNvPr id="19" name="Rectangle 18"/>
+          <p:cNvSpPr/>
+          <p:nvPr/>
+        </p:nvSpPr>
+        <p:spPr>
+          <a:xfrm>
+            <a:off x="4499992" y="4149080"/>
+            <a:ext cx="3456384" cy="445158"/>
+          </a:xfrm>
+          <a:prstGeom prst="rect">
+            <a:avLst/>
+          </a:prstGeom>
+          <a:solidFill>
+            <a:schemeClr val="bg1"/>
+          </a:solidFill>
+          <a:ln>
+            <a:noFill/>
+          </a:ln>
+          <a:effectLst>
+            <a:glow rad="63500">
+              <a:schemeClr val="accent1">
+                <a:satMod val="175000"/>
+                <a:alpha val="40000"/>
+              </a:schemeClr>
+            </a:glow>
+          </a:effectLst>
+        </p:spPr>
+        <p:style>
+          <a:lnRef idx="2">
+            <a:schemeClr val="accent1">
+              <a:shade val="50000"/>
+            </a:schemeClr>
+          </a:lnRef>
+          <a:fillRef idx="1">
+            <a:schemeClr val="accent1"/>
+          </a:fillRef>
+          <a:effectRef idx="0">
+            <a:schemeClr val="accent1"/>
+          </a:effectRef>
+          <a:fontRef idx="minor">
+            <a:schemeClr val="lt1"/>
+          </a:fontRef>
+        </p:style>
+        <p:txBody>
+          <a:bodyPr rtlCol="0" anchor="ctr"/>
+          <a:lstStyle/>
+          <a:p>
+            <a:pPr algn="ctr"/>
+            <a:r>
+              <a:rPr lang="en-GB" dirty="0" err="1" smtClean="0">
+                <a:solidFill>
+                  <a:srgbClr val="EE930C"/>
+                </a:solidFill>
+              </a:rPr>
+              <a:t>Bitcoin</a:t>
+            </a:r>
+            <a:r>
+              <a:rPr lang="en-GB" dirty="0" smtClean="0">
+                <a:solidFill>
+                  <a:srgbClr val="EE930C"/>
+                </a:solidFill>
+              </a:rPr>
+              <a:t> Address</a:t>
+            </a:r>
+            <a:endParaRPr lang="en-GB" dirty="0">
+              <a:solidFill>
+                <a:srgbClr val="EE930C"/>
+              </a:solidFill>
+            </a:endParaRPr>
+          </a:p>
+        </p:txBody>
+      </p:sp>
+    </p:spTree>
+    <p:extLst>
+      <p:ext uri="{BB962C8B-B14F-4D97-AF65-F5344CB8AC3E}">
+        <p14:creationId xmlns:p14="http://schemas.microsoft.com/office/powerpoint/2010/main" val="2818845800"/>
+      </p:ext>
+    </p:extLst>
+  </p:cSld>
+  <p:clrMapOvr>
+    <a:masterClrMapping/>
+  </p:clrMapOvr>
+</p:sld>
+</file>
+
+<file path=ppt/slides/slide18.xml><?xml version="1.0" encoding="utf-8"?>
+<p:sld xmlns:a="http://schemas.openxmlformats.org/drawingml/2006/main" xmlns:r="http://schemas.openxmlformats.org/officeDocument/2006/relationships" xmlns:p="http://schemas.openxmlformats.org/presentationml/2006/main">
+  <p:cSld>
+    <p:spTree>
+      <p:nvGrpSpPr>
+        <p:cNvPr id="1" name=""/>
+        <p:cNvGrpSpPr/>
+        <p:nvPr/>
+      </p:nvGrpSpPr>
+      <p:grpSpPr>
+        <a:xfrm>
+          <a:off x="0" y="0"/>
+          <a:ext cx="0" cy="0"/>
+          <a:chOff x="0" y="0"/>
+          <a:chExt cx="0" cy="0"/>
+        </a:xfrm>
+      </p:grpSpPr>
+      <p:sp>
+        <p:nvSpPr>
+          <p:cNvPr id="2" name="Title 1"/>
+          <p:cNvSpPr>
+            <a:spLocks noGrp="1"/>
+          </p:cNvSpPr>
+          <p:nvPr>
+            <p:ph type="title"/>
+          </p:nvPr>
+        </p:nvSpPr>
+        <p:spPr>
+          <a:xfrm>
+            <a:off x="571472" y="3000372"/>
+            <a:ext cx="8229600" cy="1143000"/>
+          </a:xfrm>
+        </p:spPr>
+        <p:txBody>
+          <a:bodyPr/>
+          <a:lstStyle/>
+          <a:p>
+            <a:r>
+              <a:rPr lang="en-GB" dirty="0" smtClean="0"/>
+              <a:t>Update 04/11/2016</a:t>
+            </a:r>
+            <a:endParaRPr lang="en-GB" dirty="0"/>
+          </a:p>
+        </p:txBody>
+      </p:sp>
+    </p:spTree>
+  </p:cSld>
+  <p:clrMapOvr>
+    <a:masterClrMapping/>
+  </p:clrMapOvr>
+</p:sld>
+</file>
+
+<file path=ppt/slides/slide19.xml><?xml version="1.0" encoding="utf-8"?>
+<p:sld xmlns:a="http://schemas.openxmlformats.org/drawingml/2006/main" xmlns:r="http://schemas.openxmlformats.org/officeDocument/2006/relationships" xmlns:p="http://schemas.openxmlformats.org/presentationml/2006/main">
+  <p:cSld>
+    <p:spTree>
+      <p:nvGrpSpPr>
+        <p:cNvPr id="1" name=""/>
+        <p:cNvGrpSpPr/>
+        <p:nvPr/>
+      </p:nvGrpSpPr>
+      <p:grpSpPr>
+        <a:xfrm>
+          <a:off x="0" y="0"/>
+          <a:ext cx="0" cy="0"/>
+          <a:chOff x="0" y="0"/>
+          <a:chExt cx="0" cy="0"/>
+        </a:xfrm>
+      </p:grpSpPr>
+      <p:sp>
+        <p:nvSpPr>
+          <p:cNvPr id="10" name="Rectangle 9"/>
+          <p:cNvSpPr/>
+          <p:nvPr/>
+        </p:nvSpPr>
+        <p:spPr>
+          <a:xfrm>
+            <a:off x="4500562" y="1124744"/>
+            <a:ext cx="3455814" cy="5219534"/>
+          </a:xfrm>
+          <a:prstGeom prst="rect">
+            <a:avLst/>
+          </a:prstGeom>
+          <a:solidFill>
+            <a:srgbClr val="EE930C"/>
+          </a:solidFill>
+          <a:ln>
+            <a:noFill/>
+          </a:ln>
+        </p:spPr>
+        <p:style>
+          <a:lnRef idx="2">
+            <a:schemeClr val="accent1">
+              <a:shade val="50000"/>
+            </a:schemeClr>
+          </a:lnRef>
+          <a:fillRef idx="1">
+            <a:schemeClr val="accent1"/>
+          </a:fillRef>
+          <a:effectRef idx="0">
+            <a:schemeClr val="accent1"/>
+          </a:effectRef>
+          <a:fontRef idx="minor">
+            <a:schemeClr val="lt1"/>
+          </a:fontRef>
+        </p:style>
+        <p:txBody>
+          <a:bodyPr rtlCol="0" anchor="ctr"/>
+          <a:lstStyle/>
+          <a:p>
+            <a:pPr algn="ctr"/>
+            <a:endParaRPr lang="en-GB" dirty="0"/>
+          </a:p>
+        </p:txBody>
+      </p:sp>
+      <p:sp>
+        <p:nvSpPr>
+          <p:cNvPr id="11" name="Rectangle 10"/>
+          <p:cNvSpPr/>
+          <p:nvPr/>
+        </p:nvSpPr>
+        <p:spPr>
+          <a:xfrm>
+            <a:off x="4499992" y="1915122"/>
+            <a:ext cx="3456384" cy="793798"/>
+          </a:xfrm>
+          <a:prstGeom prst="rect">
+            <a:avLst/>
+          </a:prstGeom>
+          <a:solidFill>
+            <a:schemeClr val="bg1"/>
+          </a:solidFill>
+          <a:ln>
+            <a:noFill/>
+          </a:ln>
+          <a:effectLst>
+            <a:glow rad="63500">
+              <a:schemeClr val="accent1">
+                <a:satMod val="175000"/>
+                <a:alpha val="40000"/>
+              </a:schemeClr>
+            </a:glow>
+          </a:effectLst>
+        </p:spPr>
+        <p:style>
+          <a:lnRef idx="2">
+            <a:schemeClr val="accent1">
+              <a:shade val="50000"/>
+            </a:schemeClr>
+          </a:lnRef>
+          <a:fillRef idx="1">
+            <a:schemeClr val="accent1"/>
+          </a:fillRef>
+          <a:effectRef idx="0">
+            <a:schemeClr val="accent1"/>
+          </a:effectRef>
+          <a:fontRef idx="minor">
+            <a:schemeClr val="lt1"/>
+          </a:fontRef>
+        </p:style>
+        <p:txBody>
+          <a:bodyPr rtlCol="0" anchor="ctr"/>
+          <a:lstStyle/>
+          <a:p>
+            <a:pPr algn="ctr"/>
+            <a:r>
+              <a:rPr lang="en-GB" dirty="0" smtClean="0">
+                <a:solidFill>
+                  <a:schemeClr val="bg1">
+                    <a:lumMod val="85000"/>
+                  </a:schemeClr>
+                </a:solidFill>
+              </a:rPr>
+              <a:t>Amount</a:t>
+            </a:r>
+            <a:endParaRPr lang="en-GB" dirty="0">
+              <a:solidFill>
+                <a:schemeClr val="bg1">
+                  <a:lumMod val="85000"/>
+                </a:schemeClr>
+              </a:solidFill>
+            </a:endParaRPr>
+          </a:p>
+        </p:txBody>
+      </p:sp>
+      <p:sp>
+        <p:nvSpPr>
+          <p:cNvPr id="15" name="Rectangle 14"/>
+          <p:cNvSpPr/>
+          <p:nvPr/>
+        </p:nvSpPr>
+        <p:spPr>
+          <a:xfrm>
+            <a:off x="5072066" y="1343618"/>
+            <a:ext cx="2214578" cy="571504"/>
+          </a:xfrm>
+          <a:prstGeom prst="rect">
+            <a:avLst/>
+          </a:prstGeom>
+          <a:solidFill>
+            <a:srgbClr val="EE930C"/>
+          </a:solidFill>
+          <a:ln>
+            <a:noFill/>
+          </a:ln>
+        </p:spPr>
+        <p:style>
+          <a:lnRef idx="2">
+            <a:schemeClr val="accent1">
+              <a:shade val="50000"/>
+            </a:schemeClr>
+          </a:lnRef>
+          <a:fillRef idx="1">
+            <a:schemeClr val="accent1"/>
+          </a:fillRef>
+          <a:effectRef idx="0">
+            <a:schemeClr val="accent1"/>
+          </a:effectRef>
+          <a:fontRef idx="minor">
+            <a:schemeClr val="lt1"/>
+          </a:fontRef>
+        </p:style>
+        <p:txBody>
+          <a:bodyPr rtlCol="0" anchor="ctr"/>
+          <a:lstStyle/>
+          <a:p>
+            <a:pPr algn="ctr"/>
+            <a:r>
+              <a:rPr lang="en-GB" dirty="0">
+                <a:solidFill>
+                  <a:schemeClr val="bg1"/>
+                </a:solidFill>
+              </a:rPr>
+              <a:t>Withdraw</a:t>
+            </a:r>
+          </a:p>
+        </p:txBody>
+      </p:sp>
+      <p:sp>
+        <p:nvSpPr>
+          <p:cNvPr id="16" name="Rectangle 15"/>
+          <p:cNvSpPr/>
+          <p:nvPr/>
+        </p:nvSpPr>
+        <p:spPr>
+          <a:xfrm>
+            <a:off x="4499992" y="2767818"/>
+            <a:ext cx="3456384" cy="445158"/>
+          </a:xfrm>
+          <a:prstGeom prst="rect">
+            <a:avLst/>
+          </a:prstGeom>
+          <a:solidFill>
+            <a:schemeClr val="bg1"/>
+          </a:solidFill>
+          <a:ln>
+            <a:noFill/>
+          </a:ln>
+          <a:effectLst>
+            <a:glow rad="63500">
+              <a:schemeClr val="accent1">
+                <a:satMod val="175000"/>
+                <a:alpha val="40000"/>
+              </a:schemeClr>
+            </a:glow>
+          </a:effectLst>
+        </p:spPr>
+        <p:style>
+          <a:lnRef idx="2">
+            <a:schemeClr val="accent1">
+              <a:shade val="50000"/>
+            </a:schemeClr>
+          </a:lnRef>
+          <a:fillRef idx="1">
+            <a:schemeClr val="accent1"/>
+          </a:fillRef>
+          <a:effectRef idx="0">
+            <a:schemeClr val="accent1"/>
+          </a:effectRef>
+          <a:fontRef idx="minor">
+            <a:schemeClr val="lt1"/>
+          </a:fontRef>
+        </p:style>
+        <p:txBody>
+          <a:bodyPr rtlCol="0" anchor="ctr"/>
+          <a:lstStyle/>
+          <a:p>
+            <a:pPr algn="ctr"/>
+            <a:r>
+              <a:rPr lang="en-GB" dirty="0" smtClean="0">
+                <a:solidFill>
+                  <a:srgbClr val="EE930C"/>
+                </a:solidFill>
+              </a:rPr>
+              <a:t>To Bank</a:t>
+            </a:r>
+            <a:endParaRPr lang="en-GB" dirty="0">
+              <a:solidFill>
+                <a:srgbClr val="EE930C"/>
+              </a:solidFill>
+            </a:endParaRPr>
+          </a:p>
+        </p:txBody>
+      </p:sp>
+      <p:sp>
+        <p:nvSpPr>
+          <p:cNvPr id="20" name="Right Arrow 19"/>
+          <p:cNvSpPr/>
+          <p:nvPr/>
+        </p:nvSpPr>
+        <p:spPr>
+          <a:xfrm>
+            <a:off x="7358082" y="5987088"/>
+            <a:ext cx="142876" cy="142876"/>
+          </a:xfrm>
+          <a:prstGeom prst="rightArrow">
+            <a:avLst/>
+          </a:prstGeom>
+          <a:solidFill>
+            <a:srgbClr val="EE930C"/>
+          </a:solidFill>
+          <a:ln>
+            <a:noFill/>
+          </a:ln>
+        </p:spPr>
+        <p:style>
+          <a:lnRef idx="2">
+            <a:schemeClr val="accent1">
+              <a:shade val="50000"/>
+            </a:schemeClr>
+          </a:lnRef>
+          <a:fillRef idx="1">
+            <a:schemeClr val="accent1"/>
+          </a:fillRef>
+          <a:effectRef idx="0">
+            <a:schemeClr val="accent1"/>
+          </a:effectRef>
+          <a:fontRef idx="minor">
+            <a:schemeClr val="lt1"/>
+          </a:fontRef>
+        </p:style>
+        <p:txBody>
+          <a:bodyPr rtlCol="0" anchor="ctr"/>
+          <a:lstStyle/>
+          <a:p>
+            <a:pPr algn="ctr"/>
+            <a:endParaRPr lang="en-GB"/>
+          </a:p>
+        </p:txBody>
+      </p:sp>
+      <p:sp>
+        <p:nvSpPr>
+          <p:cNvPr id="23" name="Rectangle 22"/>
+          <p:cNvSpPr/>
+          <p:nvPr/>
+        </p:nvSpPr>
+        <p:spPr>
+          <a:xfrm>
+            <a:off x="571472" y="1124744"/>
+            <a:ext cx="3357586" cy="5214974"/>
+          </a:xfrm>
+          <a:prstGeom prst="rect">
+            <a:avLst/>
+          </a:prstGeom>
+          <a:solidFill>
+            <a:srgbClr val="EE930C"/>
+          </a:solidFill>
+          <a:ln>
+            <a:noFill/>
+          </a:ln>
+        </p:spPr>
+        <p:style>
+          <a:lnRef idx="2">
+            <a:schemeClr val="accent1">
+              <a:shade val="50000"/>
+            </a:schemeClr>
+          </a:lnRef>
+          <a:fillRef idx="1">
+            <a:schemeClr val="accent1"/>
+          </a:fillRef>
+          <a:effectRef idx="0">
+            <a:schemeClr val="accent1"/>
+          </a:effectRef>
+          <a:fontRef idx="minor">
+            <a:schemeClr val="lt1"/>
+          </a:fontRef>
+        </p:style>
+        <p:txBody>
+          <a:bodyPr rtlCol="0" anchor="ctr"/>
+          <a:lstStyle/>
+          <a:p>
+            <a:pPr algn="ctr"/>
+            <a:endParaRPr lang="en-GB"/>
+          </a:p>
+        </p:txBody>
+      </p:sp>
+      <p:sp>
+        <p:nvSpPr>
+          <p:cNvPr id="24" name="Rectangle 23"/>
+          <p:cNvSpPr/>
+          <p:nvPr/>
+        </p:nvSpPr>
+        <p:spPr>
+          <a:xfrm>
+            <a:off x="1142976" y="3339322"/>
+            <a:ext cx="2214578" cy="571504"/>
+          </a:xfrm>
+          <a:prstGeom prst="rect">
+            <a:avLst/>
+          </a:prstGeom>
+          <a:solidFill>
+            <a:schemeClr val="bg1"/>
+          </a:solidFill>
+          <a:ln>
+            <a:noFill/>
+          </a:ln>
+        </p:spPr>
+        <p:style>
+          <a:lnRef idx="2">
+            <a:schemeClr val="accent1">
+              <a:shade val="50000"/>
+            </a:schemeClr>
+          </a:lnRef>
+          <a:fillRef idx="1">
+            <a:schemeClr val="accent1"/>
+          </a:fillRef>
+          <a:effectRef idx="0">
+            <a:schemeClr val="accent1"/>
+          </a:effectRef>
+          <a:fontRef idx="minor">
+            <a:schemeClr val="lt1"/>
+          </a:fontRef>
+        </p:style>
+        <p:txBody>
+          <a:bodyPr rtlCol="0" anchor="ctr"/>
+          <a:lstStyle/>
+          <a:p>
+            <a:pPr algn="ctr"/>
+            <a:r>
+              <a:rPr lang="en-GB" dirty="0" smtClean="0">
+                <a:solidFill>
+                  <a:srgbClr val="EE930C"/>
+                </a:solidFill>
+              </a:rPr>
+              <a:t>Withdraw</a:t>
+            </a:r>
+            <a:endParaRPr lang="en-GB" dirty="0">
+              <a:solidFill>
+                <a:srgbClr val="EE930C"/>
+              </a:solidFill>
+            </a:endParaRPr>
+          </a:p>
+        </p:txBody>
+      </p:sp>
+      <p:sp>
+        <p:nvSpPr>
+          <p:cNvPr id="26" name="Rectangle 25"/>
+          <p:cNvSpPr/>
+          <p:nvPr/>
+        </p:nvSpPr>
+        <p:spPr>
+          <a:xfrm>
+            <a:off x="4499992" y="3212976"/>
+            <a:ext cx="3456384" cy="445158"/>
+          </a:xfrm>
+          <a:prstGeom prst="rect">
+            <a:avLst/>
+          </a:prstGeom>
+          <a:solidFill>
+            <a:schemeClr val="bg1"/>
+          </a:solidFill>
+          <a:ln>
+            <a:noFill/>
+          </a:ln>
+          <a:effectLst>
+            <a:glow rad="63500">
+              <a:schemeClr val="accent1">
+                <a:satMod val="175000"/>
+                <a:alpha val="40000"/>
+              </a:schemeClr>
+            </a:glow>
+          </a:effectLst>
+        </p:spPr>
+        <p:style>
+          <a:lnRef idx="2">
+            <a:schemeClr val="accent1">
+              <a:shade val="50000"/>
+            </a:schemeClr>
+          </a:lnRef>
+          <a:fillRef idx="1">
+            <a:schemeClr val="accent1"/>
+          </a:fillRef>
+          <a:effectRef idx="0">
+            <a:schemeClr val="accent1"/>
+          </a:effectRef>
+          <a:fontRef idx="minor">
+            <a:schemeClr val="lt1"/>
+          </a:fontRef>
+        </p:style>
+        <p:txBody>
+          <a:bodyPr rtlCol="0" anchor="ctr"/>
+          <a:lstStyle/>
+          <a:p>
+            <a:pPr algn="ctr"/>
+            <a:r>
+              <a:rPr lang="en-GB" dirty="0" smtClean="0">
+                <a:solidFill>
+                  <a:srgbClr val="EE930C"/>
+                </a:solidFill>
+              </a:rPr>
+              <a:t>Transfer </a:t>
+            </a:r>
+            <a:endParaRPr lang="en-GB" dirty="0">
+              <a:solidFill>
+                <a:srgbClr val="EE930C"/>
+              </a:solidFill>
+            </a:endParaRPr>
+          </a:p>
+        </p:txBody>
+      </p:sp>
+      <p:sp>
+        <p:nvSpPr>
+          <p:cNvPr id="27" name="Rectangle 26"/>
+          <p:cNvSpPr/>
+          <p:nvPr/>
+        </p:nvSpPr>
+        <p:spPr>
+          <a:xfrm>
+            <a:off x="4499992" y="3645024"/>
+            <a:ext cx="3456384" cy="445158"/>
+          </a:xfrm>
+          <a:prstGeom prst="rect">
+            <a:avLst/>
+          </a:prstGeom>
+          <a:solidFill>
+            <a:schemeClr val="bg1"/>
+          </a:solidFill>
+          <a:ln>
+            <a:noFill/>
+          </a:ln>
+          <a:effectLst>
+            <a:glow rad="63500">
+              <a:schemeClr val="accent1">
+                <a:satMod val="175000"/>
+                <a:alpha val="40000"/>
+              </a:schemeClr>
+            </a:glow>
+          </a:effectLst>
+        </p:spPr>
+        <p:style>
+          <a:lnRef idx="2">
+            <a:schemeClr val="accent1">
+              <a:shade val="50000"/>
+            </a:schemeClr>
+          </a:lnRef>
+          <a:fillRef idx="1">
+            <a:schemeClr val="accent1"/>
+          </a:fillRef>
+          <a:effectRef idx="0">
+            <a:schemeClr val="accent1"/>
+          </a:effectRef>
+          <a:fontRef idx="minor">
+            <a:schemeClr val="lt1"/>
+          </a:fontRef>
+        </p:style>
+        <p:txBody>
+          <a:bodyPr rtlCol="0" anchor="ctr"/>
+          <a:lstStyle/>
+          <a:p>
+            <a:pPr algn="ctr"/>
+            <a:r>
+              <a:rPr lang="en-GB" dirty="0" smtClean="0">
+                <a:solidFill>
+                  <a:srgbClr val="EE930C"/>
+                </a:solidFill>
+              </a:rPr>
+              <a:t>Recharge</a:t>
+            </a:r>
+            <a:endParaRPr lang="en-GB" dirty="0">
+              <a:solidFill>
+                <a:srgbClr val="EE930C"/>
+              </a:solidFill>
+            </a:endParaRPr>
+          </a:p>
+        </p:txBody>
+      </p:sp>
+      <p:sp>
+        <p:nvSpPr>
+          <p:cNvPr id="28" name="Rectangle 27"/>
+          <p:cNvSpPr/>
+          <p:nvPr/>
+        </p:nvSpPr>
+        <p:spPr>
+          <a:xfrm>
+            <a:off x="4499992" y="4063962"/>
+            <a:ext cx="3456384" cy="445158"/>
+          </a:xfrm>
+          <a:prstGeom prst="rect">
+            <a:avLst/>
+          </a:prstGeom>
+          <a:solidFill>
+            <a:schemeClr val="bg1"/>
+          </a:solidFill>
+          <a:ln>
+            <a:noFill/>
+          </a:ln>
+          <a:effectLst>
+            <a:glow rad="63500">
+              <a:schemeClr val="accent1">
+                <a:satMod val="175000"/>
+                <a:alpha val="40000"/>
+              </a:schemeClr>
+            </a:glow>
+          </a:effectLst>
+        </p:spPr>
+        <p:style>
+          <a:lnRef idx="2">
+            <a:schemeClr val="accent1">
+              <a:shade val="50000"/>
+            </a:schemeClr>
+          </a:lnRef>
+          <a:fillRef idx="1">
+            <a:schemeClr val="accent1"/>
+          </a:fillRef>
+          <a:effectRef idx="0">
+            <a:schemeClr val="accent1"/>
+          </a:effectRef>
+          <a:fontRef idx="minor">
+            <a:schemeClr val="lt1"/>
+          </a:fontRef>
+        </p:style>
+        <p:txBody>
+          <a:bodyPr rtlCol="0" anchor="ctr"/>
+          <a:lstStyle/>
+          <a:p>
+            <a:pPr algn="ctr"/>
+            <a:r>
+              <a:rPr lang="en-GB" dirty="0" smtClean="0">
+                <a:solidFill>
+                  <a:srgbClr val="EE930C"/>
+                </a:solidFill>
+              </a:rPr>
+              <a:t>Cable TV</a:t>
+            </a:r>
+            <a:endParaRPr lang="en-GB" dirty="0">
+              <a:solidFill>
+                <a:srgbClr val="EE930C"/>
+              </a:solidFill>
+            </a:endParaRPr>
+          </a:p>
+        </p:txBody>
+      </p:sp>
+      <p:sp>
+        <p:nvSpPr>
+          <p:cNvPr id="29" name="Rectangle 28"/>
+          <p:cNvSpPr/>
+          <p:nvPr/>
+        </p:nvSpPr>
+        <p:spPr>
+          <a:xfrm>
+            <a:off x="4499992" y="4496010"/>
+            <a:ext cx="3456384" cy="445158"/>
+          </a:xfrm>
+          <a:prstGeom prst="rect">
+            <a:avLst/>
+          </a:prstGeom>
+          <a:solidFill>
+            <a:schemeClr val="bg1"/>
+          </a:solidFill>
+          <a:ln>
+            <a:noFill/>
+          </a:ln>
+          <a:effectLst>
+            <a:glow rad="63500">
+              <a:schemeClr val="accent1">
+                <a:satMod val="175000"/>
+                <a:alpha val="40000"/>
+              </a:schemeClr>
+            </a:glow>
+          </a:effectLst>
+        </p:spPr>
+        <p:style>
+          <a:lnRef idx="2">
+            <a:schemeClr val="accent1">
+              <a:shade val="50000"/>
+            </a:schemeClr>
+          </a:lnRef>
+          <a:fillRef idx="1">
+            <a:schemeClr val="accent1"/>
+          </a:fillRef>
+          <a:effectRef idx="0">
+            <a:schemeClr val="accent1"/>
+          </a:effectRef>
+          <a:fontRef idx="minor">
+            <a:schemeClr val="lt1"/>
+          </a:fontRef>
+        </p:style>
+        <p:txBody>
+          <a:bodyPr rtlCol="0" anchor="ctr"/>
+          <a:lstStyle/>
+          <a:p>
+            <a:pPr algn="ctr"/>
+            <a:r>
+              <a:rPr lang="en-GB" dirty="0" smtClean="0">
+                <a:solidFill>
+                  <a:srgbClr val="EE930C"/>
+                </a:solidFill>
+              </a:rPr>
+              <a:t>Internet Subscriptions</a:t>
+            </a:r>
+            <a:endParaRPr lang="en-GB" dirty="0">
+              <a:solidFill>
+                <a:srgbClr val="EE930C"/>
+              </a:solidFill>
+            </a:endParaRPr>
+          </a:p>
+        </p:txBody>
+      </p:sp>
+      <p:sp>
+        <p:nvSpPr>
+          <p:cNvPr id="30" name="Rectangle 29"/>
+          <p:cNvSpPr/>
+          <p:nvPr/>
+        </p:nvSpPr>
+        <p:spPr>
+          <a:xfrm>
+            <a:off x="4499992" y="4928058"/>
+            <a:ext cx="3456384" cy="445158"/>
+          </a:xfrm>
+          <a:prstGeom prst="rect">
+            <a:avLst/>
+          </a:prstGeom>
+          <a:solidFill>
+            <a:schemeClr val="bg1"/>
+          </a:solidFill>
+          <a:ln>
+            <a:noFill/>
+          </a:ln>
+          <a:effectLst>
+            <a:glow rad="63500">
+              <a:schemeClr val="accent1">
+                <a:satMod val="175000"/>
+                <a:alpha val="40000"/>
+              </a:schemeClr>
+            </a:glow>
+          </a:effectLst>
+        </p:spPr>
+        <p:style>
+          <a:lnRef idx="2">
+            <a:schemeClr val="accent1">
+              <a:shade val="50000"/>
+            </a:schemeClr>
+          </a:lnRef>
+          <a:fillRef idx="1">
+            <a:schemeClr val="accent1"/>
+          </a:fillRef>
+          <a:effectRef idx="0">
+            <a:schemeClr val="accent1"/>
+          </a:effectRef>
+          <a:fontRef idx="minor">
+            <a:schemeClr val="lt1"/>
+          </a:fontRef>
+        </p:style>
+        <p:txBody>
+          <a:bodyPr rtlCol="0" anchor="ctr"/>
+          <a:lstStyle/>
+          <a:p>
+            <a:pPr algn="ctr"/>
+            <a:r>
+              <a:rPr lang="en-US" dirty="0" err="1">
+                <a:solidFill>
+                  <a:srgbClr val="EE930C"/>
+                </a:solidFill>
+              </a:rPr>
+              <a:t>Ikeja</a:t>
+            </a:r>
+            <a:r>
+              <a:rPr lang="en-US" dirty="0">
+                <a:solidFill>
+                  <a:srgbClr val="EE930C"/>
+                </a:solidFill>
+              </a:rPr>
+              <a:t> Electric</a:t>
+            </a:r>
+            <a:endParaRPr lang="en-GB" dirty="0">
+              <a:solidFill>
+                <a:srgbClr val="EE930C"/>
+              </a:solidFill>
+            </a:endParaRPr>
+          </a:p>
+        </p:txBody>
+      </p:sp>
+      <p:sp>
+        <p:nvSpPr>
+          <p:cNvPr id="31" name="Rectangle 30"/>
+          <p:cNvSpPr/>
+          <p:nvPr/>
+        </p:nvSpPr>
+        <p:spPr>
+          <a:xfrm>
+            <a:off x="4499992" y="5360106"/>
+            <a:ext cx="3456384" cy="445158"/>
+          </a:xfrm>
+          <a:prstGeom prst="rect">
+            <a:avLst/>
+          </a:prstGeom>
+          <a:solidFill>
+            <a:schemeClr val="bg1"/>
+          </a:solidFill>
+          <a:ln>
+            <a:noFill/>
+          </a:ln>
+          <a:effectLst>
+            <a:glow rad="63500">
+              <a:schemeClr val="accent1">
+                <a:satMod val="175000"/>
+                <a:alpha val="40000"/>
+              </a:schemeClr>
+            </a:glow>
+          </a:effectLst>
+        </p:spPr>
+        <p:style>
+          <a:lnRef idx="2">
+            <a:schemeClr val="accent1">
+              <a:shade val="50000"/>
+            </a:schemeClr>
+          </a:lnRef>
+          <a:fillRef idx="1">
+            <a:schemeClr val="accent1"/>
+          </a:fillRef>
+          <a:effectRef idx="0">
+            <a:schemeClr val="accent1"/>
+          </a:effectRef>
+          <a:fontRef idx="minor">
+            <a:schemeClr val="lt1"/>
+          </a:fontRef>
+        </p:style>
+        <p:txBody>
+          <a:bodyPr rtlCol="0" anchor="ctr"/>
+          <a:lstStyle/>
+          <a:p>
+            <a:pPr algn="ctr"/>
+            <a:r>
+              <a:rPr lang="en-US" dirty="0" smtClean="0">
+                <a:solidFill>
+                  <a:srgbClr val="EE930C"/>
+                </a:solidFill>
+              </a:rPr>
+              <a:t>WAEC</a:t>
+            </a:r>
+            <a:endParaRPr lang="en-GB" dirty="0">
+              <a:solidFill>
+                <a:srgbClr val="EE930C"/>
+              </a:solidFill>
+            </a:endParaRPr>
+          </a:p>
+        </p:txBody>
+      </p:sp>
+      <p:sp>
+        <p:nvSpPr>
+          <p:cNvPr id="32" name="Rectangle 31"/>
+          <p:cNvSpPr/>
+          <p:nvPr/>
+        </p:nvSpPr>
+        <p:spPr>
+          <a:xfrm>
+            <a:off x="4499992" y="5792154"/>
+            <a:ext cx="3456384" cy="445158"/>
+          </a:xfrm>
+          <a:prstGeom prst="rect">
+            <a:avLst/>
+          </a:prstGeom>
+          <a:solidFill>
+            <a:schemeClr val="bg1"/>
+          </a:solidFill>
+          <a:ln>
+            <a:noFill/>
+          </a:ln>
+          <a:effectLst>
+            <a:glow rad="63500">
+              <a:schemeClr val="accent1">
+                <a:satMod val="175000"/>
+                <a:alpha val="40000"/>
+              </a:schemeClr>
+            </a:glow>
+          </a:effectLst>
+        </p:spPr>
+        <p:style>
+          <a:lnRef idx="2">
+            <a:schemeClr val="accent1">
+              <a:shade val="50000"/>
+            </a:schemeClr>
+          </a:lnRef>
+          <a:fillRef idx="1">
+            <a:schemeClr val="accent1"/>
+          </a:fillRef>
+          <a:effectRef idx="0">
+            <a:schemeClr val="accent1"/>
+          </a:effectRef>
+          <a:fontRef idx="minor">
+            <a:schemeClr val="lt1"/>
+          </a:fontRef>
+        </p:style>
+        <p:txBody>
+          <a:bodyPr rtlCol="0" anchor="ctr"/>
+          <a:lstStyle/>
+          <a:p>
+            <a:pPr algn="ctr"/>
+            <a:r>
+              <a:rPr lang="en-GB" dirty="0" smtClean="0">
+                <a:solidFill>
+                  <a:srgbClr val="EE930C"/>
+                </a:solidFill>
+              </a:rPr>
+              <a:t>Event Ticket</a:t>
+            </a:r>
+            <a:endParaRPr lang="en-GB" dirty="0">
+              <a:solidFill>
+                <a:srgbClr val="EE930C"/>
+              </a:solidFill>
+            </a:endParaRPr>
+          </a:p>
+        </p:txBody>
+      </p:sp>
+    </p:spTree>
+  </p:cSld>
+  <p:clrMapOvr>
+    <a:masterClrMapping/>
+  </p:clrMapOvr>
+</p:sld>
+</file>
+
 <file path=ppt/slides/slide2.xml><?xml version="1.0" encoding="utf-8"?>
 <p:sld xmlns:a="http://schemas.openxmlformats.org/drawingml/2006/main" xmlns:r="http://schemas.openxmlformats.org/officeDocument/2006/relationships" xmlns:p="http://schemas.openxmlformats.org/presentationml/2006/main">
   <p:cSld>
@@ -7976,6 +12465,4675 @@
         </p:txBody>
       </p:sp>
     </p:spTree>
+  </p:cSld>
+  <p:clrMapOvr>
+    <a:masterClrMapping/>
+  </p:clrMapOvr>
+</p:sld>
+</file>
+
+<file path=ppt/slides/slide20.xml><?xml version="1.0" encoding="utf-8"?>
+<p:sld xmlns:a="http://schemas.openxmlformats.org/drawingml/2006/main" xmlns:r="http://schemas.openxmlformats.org/officeDocument/2006/relationships" xmlns:p="http://schemas.openxmlformats.org/presentationml/2006/main">
+  <p:cSld>
+    <p:spTree>
+      <p:nvGrpSpPr>
+        <p:cNvPr id="1" name=""/>
+        <p:cNvGrpSpPr/>
+        <p:nvPr/>
+      </p:nvGrpSpPr>
+      <p:grpSpPr>
+        <a:xfrm>
+          <a:off x="0" y="0"/>
+          <a:ext cx="0" cy="0"/>
+          <a:chOff x="0" y="0"/>
+          <a:chExt cx="0" cy="0"/>
+        </a:xfrm>
+      </p:grpSpPr>
+      <p:sp>
+        <p:nvSpPr>
+          <p:cNvPr id="10" name="Rectangle 9"/>
+          <p:cNvSpPr/>
+          <p:nvPr/>
+        </p:nvSpPr>
+        <p:spPr>
+          <a:xfrm>
+            <a:off x="4500562" y="1124744"/>
+            <a:ext cx="3455814" cy="5219534"/>
+          </a:xfrm>
+          <a:prstGeom prst="rect">
+            <a:avLst/>
+          </a:prstGeom>
+          <a:solidFill>
+            <a:srgbClr val="EE930C"/>
+          </a:solidFill>
+          <a:ln>
+            <a:noFill/>
+          </a:ln>
+        </p:spPr>
+        <p:style>
+          <a:lnRef idx="2">
+            <a:schemeClr val="accent1">
+              <a:shade val="50000"/>
+            </a:schemeClr>
+          </a:lnRef>
+          <a:fillRef idx="1">
+            <a:schemeClr val="accent1"/>
+          </a:fillRef>
+          <a:effectRef idx="0">
+            <a:schemeClr val="accent1"/>
+          </a:effectRef>
+          <a:fontRef idx="minor">
+            <a:schemeClr val="lt1"/>
+          </a:fontRef>
+        </p:style>
+        <p:txBody>
+          <a:bodyPr rtlCol="0" anchor="ctr"/>
+          <a:lstStyle/>
+          <a:p>
+            <a:pPr algn="ctr"/>
+            <a:endParaRPr lang="en-GB" dirty="0"/>
+          </a:p>
+        </p:txBody>
+      </p:sp>
+      <p:sp>
+        <p:nvSpPr>
+          <p:cNvPr id="11" name="Rectangle 10"/>
+          <p:cNvSpPr/>
+          <p:nvPr/>
+        </p:nvSpPr>
+        <p:spPr>
+          <a:xfrm>
+            <a:off x="4499992" y="1915122"/>
+            <a:ext cx="3456384" cy="793798"/>
+          </a:xfrm>
+          <a:prstGeom prst="rect">
+            <a:avLst/>
+          </a:prstGeom>
+          <a:solidFill>
+            <a:schemeClr val="bg1"/>
+          </a:solidFill>
+          <a:ln>
+            <a:noFill/>
+          </a:ln>
+          <a:effectLst>
+            <a:glow rad="63500">
+              <a:schemeClr val="accent1">
+                <a:satMod val="175000"/>
+                <a:alpha val="40000"/>
+              </a:schemeClr>
+            </a:glow>
+          </a:effectLst>
+        </p:spPr>
+        <p:style>
+          <a:lnRef idx="2">
+            <a:schemeClr val="accent1">
+              <a:shade val="50000"/>
+            </a:schemeClr>
+          </a:lnRef>
+          <a:fillRef idx="1">
+            <a:schemeClr val="accent1"/>
+          </a:fillRef>
+          <a:effectRef idx="0">
+            <a:schemeClr val="accent1"/>
+          </a:effectRef>
+          <a:fontRef idx="minor">
+            <a:schemeClr val="lt1"/>
+          </a:fontRef>
+        </p:style>
+        <p:txBody>
+          <a:bodyPr rtlCol="0" anchor="ctr"/>
+          <a:lstStyle/>
+          <a:p>
+            <a:pPr algn="ctr"/>
+            <a:r>
+              <a:rPr lang="en-GB" dirty="0" err="1" smtClean="0">
+                <a:solidFill>
+                  <a:srgbClr val="EE930C"/>
+                </a:solidFill>
+              </a:rPr>
+              <a:t>BBNcoin</a:t>
+            </a:r>
+            <a:r>
+              <a:rPr lang="en-GB" dirty="0" smtClean="0">
+                <a:solidFill>
+                  <a:srgbClr val="EE930C"/>
+                </a:solidFill>
+              </a:rPr>
+              <a:t> 80,000</a:t>
+            </a:r>
+            <a:endParaRPr lang="en-GB" dirty="0">
+              <a:solidFill>
+                <a:srgbClr val="EE930C"/>
+              </a:solidFill>
+            </a:endParaRPr>
+          </a:p>
+        </p:txBody>
+      </p:sp>
+      <p:sp>
+        <p:nvSpPr>
+          <p:cNvPr id="15" name="Rectangle 14"/>
+          <p:cNvSpPr/>
+          <p:nvPr/>
+        </p:nvSpPr>
+        <p:spPr>
+          <a:xfrm>
+            <a:off x="5072066" y="1343618"/>
+            <a:ext cx="2214578" cy="571504"/>
+          </a:xfrm>
+          <a:prstGeom prst="rect">
+            <a:avLst/>
+          </a:prstGeom>
+          <a:solidFill>
+            <a:srgbClr val="EE930C"/>
+          </a:solidFill>
+          <a:ln>
+            <a:noFill/>
+          </a:ln>
+        </p:spPr>
+        <p:style>
+          <a:lnRef idx="2">
+            <a:schemeClr val="accent1">
+              <a:shade val="50000"/>
+            </a:schemeClr>
+          </a:lnRef>
+          <a:fillRef idx="1">
+            <a:schemeClr val="accent1"/>
+          </a:fillRef>
+          <a:effectRef idx="0">
+            <a:schemeClr val="accent1"/>
+          </a:effectRef>
+          <a:fontRef idx="minor">
+            <a:schemeClr val="lt1"/>
+          </a:fontRef>
+        </p:style>
+        <p:txBody>
+          <a:bodyPr rtlCol="0" anchor="ctr"/>
+          <a:lstStyle/>
+          <a:p>
+            <a:pPr algn="ctr"/>
+            <a:r>
+              <a:rPr lang="en-GB" dirty="0" smtClean="0">
+                <a:solidFill>
+                  <a:schemeClr val="bg1"/>
+                </a:solidFill>
+              </a:rPr>
+              <a:t>To my Account</a:t>
+            </a:r>
+            <a:endParaRPr lang="en-GB" dirty="0">
+              <a:solidFill>
+                <a:schemeClr val="bg1"/>
+              </a:solidFill>
+            </a:endParaRPr>
+          </a:p>
+        </p:txBody>
+      </p:sp>
+      <p:sp>
+        <p:nvSpPr>
+          <p:cNvPr id="16" name="Rectangle 15"/>
+          <p:cNvSpPr/>
+          <p:nvPr/>
+        </p:nvSpPr>
+        <p:spPr>
+          <a:xfrm>
+            <a:off x="4499992" y="2767818"/>
+            <a:ext cx="3456384" cy="445158"/>
+          </a:xfrm>
+          <a:prstGeom prst="rect">
+            <a:avLst/>
+          </a:prstGeom>
+          <a:solidFill>
+            <a:schemeClr val="bg1"/>
+          </a:solidFill>
+          <a:ln>
+            <a:noFill/>
+          </a:ln>
+          <a:effectLst>
+            <a:glow rad="63500">
+              <a:schemeClr val="accent1">
+                <a:satMod val="175000"/>
+                <a:alpha val="40000"/>
+              </a:schemeClr>
+            </a:glow>
+          </a:effectLst>
+        </p:spPr>
+        <p:style>
+          <a:lnRef idx="2">
+            <a:schemeClr val="accent1">
+              <a:shade val="50000"/>
+            </a:schemeClr>
+          </a:lnRef>
+          <a:fillRef idx="1">
+            <a:schemeClr val="accent1"/>
+          </a:fillRef>
+          <a:effectRef idx="0">
+            <a:schemeClr val="accent1"/>
+          </a:effectRef>
+          <a:fontRef idx="minor">
+            <a:schemeClr val="lt1"/>
+          </a:fontRef>
+        </p:style>
+        <p:txBody>
+          <a:bodyPr rtlCol="0" anchor="ctr"/>
+          <a:lstStyle/>
+          <a:p>
+            <a:pPr algn="ctr"/>
+            <a:r>
+              <a:rPr lang="en-GB" dirty="0" smtClean="0">
+                <a:solidFill>
+                  <a:srgbClr val="EE930C"/>
+                </a:solidFill>
+              </a:rPr>
+              <a:t>Amount</a:t>
+            </a:r>
+            <a:endParaRPr lang="en-GB" dirty="0">
+              <a:solidFill>
+                <a:srgbClr val="EE930C"/>
+              </a:solidFill>
+            </a:endParaRPr>
+          </a:p>
+        </p:txBody>
+      </p:sp>
+      <p:sp>
+        <p:nvSpPr>
+          <p:cNvPr id="23" name="Rectangle 22"/>
+          <p:cNvSpPr/>
+          <p:nvPr/>
+        </p:nvSpPr>
+        <p:spPr>
+          <a:xfrm>
+            <a:off x="571472" y="1124744"/>
+            <a:ext cx="3357586" cy="5214974"/>
+          </a:xfrm>
+          <a:prstGeom prst="rect">
+            <a:avLst/>
+          </a:prstGeom>
+          <a:solidFill>
+            <a:srgbClr val="EE930C"/>
+          </a:solidFill>
+          <a:ln>
+            <a:noFill/>
+          </a:ln>
+        </p:spPr>
+        <p:style>
+          <a:lnRef idx="2">
+            <a:schemeClr val="accent1">
+              <a:shade val="50000"/>
+            </a:schemeClr>
+          </a:lnRef>
+          <a:fillRef idx="1">
+            <a:schemeClr val="accent1"/>
+          </a:fillRef>
+          <a:effectRef idx="0">
+            <a:schemeClr val="accent1"/>
+          </a:effectRef>
+          <a:fontRef idx="minor">
+            <a:schemeClr val="lt1"/>
+          </a:fontRef>
+        </p:style>
+        <p:txBody>
+          <a:bodyPr rtlCol="0" anchor="ctr"/>
+          <a:lstStyle/>
+          <a:p>
+            <a:pPr algn="ctr"/>
+            <a:endParaRPr lang="en-GB"/>
+          </a:p>
+        </p:txBody>
+      </p:sp>
+      <p:sp>
+        <p:nvSpPr>
+          <p:cNvPr id="24" name="Rectangle 23"/>
+          <p:cNvSpPr/>
+          <p:nvPr/>
+        </p:nvSpPr>
+        <p:spPr>
+          <a:xfrm>
+            <a:off x="1142976" y="3339322"/>
+            <a:ext cx="2214578" cy="571504"/>
+          </a:xfrm>
+          <a:prstGeom prst="rect">
+            <a:avLst/>
+          </a:prstGeom>
+          <a:solidFill>
+            <a:schemeClr val="bg1"/>
+          </a:solidFill>
+          <a:ln>
+            <a:noFill/>
+          </a:ln>
+        </p:spPr>
+        <p:style>
+          <a:lnRef idx="2">
+            <a:schemeClr val="accent1">
+              <a:shade val="50000"/>
+            </a:schemeClr>
+          </a:lnRef>
+          <a:fillRef idx="1">
+            <a:schemeClr val="accent1"/>
+          </a:fillRef>
+          <a:effectRef idx="0">
+            <a:schemeClr val="accent1"/>
+          </a:effectRef>
+          <a:fontRef idx="minor">
+            <a:schemeClr val="lt1"/>
+          </a:fontRef>
+        </p:style>
+        <p:txBody>
+          <a:bodyPr rtlCol="0" anchor="ctr"/>
+          <a:lstStyle/>
+          <a:p>
+            <a:pPr algn="ctr"/>
+            <a:r>
+              <a:rPr lang="en-GB" dirty="0" smtClean="0">
+                <a:solidFill>
+                  <a:srgbClr val="EE930C"/>
+                </a:solidFill>
+              </a:rPr>
+              <a:t>To Bank</a:t>
+            </a:r>
+            <a:endParaRPr lang="en-GB" dirty="0">
+              <a:solidFill>
+                <a:srgbClr val="EE930C"/>
+              </a:solidFill>
+            </a:endParaRPr>
+          </a:p>
+        </p:txBody>
+      </p:sp>
+      <p:sp>
+        <p:nvSpPr>
+          <p:cNvPr id="26" name="Rectangle 25"/>
+          <p:cNvSpPr/>
+          <p:nvPr/>
+        </p:nvSpPr>
+        <p:spPr>
+          <a:xfrm>
+            <a:off x="4499992" y="3212976"/>
+            <a:ext cx="3456384" cy="445158"/>
+          </a:xfrm>
+          <a:prstGeom prst="rect">
+            <a:avLst/>
+          </a:prstGeom>
+          <a:solidFill>
+            <a:schemeClr val="bg1"/>
+          </a:solidFill>
+          <a:ln>
+            <a:noFill/>
+          </a:ln>
+          <a:effectLst>
+            <a:glow rad="63500">
+              <a:schemeClr val="accent1">
+                <a:satMod val="175000"/>
+                <a:alpha val="40000"/>
+              </a:schemeClr>
+            </a:glow>
+          </a:effectLst>
+        </p:spPr>
+        <p:style>
+          <a:lnRef idx="2">
+            <a:schemeClr val="accent1">
+              <a:shade val="50000"/>
+            </a:schemeClr>
+          </a:lnRef>
+          <a:fillRef idx="1">
+            <a:schemeClr val="accent1"/>
+          </a:fillRef>
+          <a:effectRef idx="0">
+            <a:schemeClr val="accent1"/>
+          </a:effectRef>
+          <a:fontRef idx="minor">
+            <a:schemeClr val="lt1"/>
+          </a:fontRef>
+        </p:style>
+        <p:txBody>
+          <a:bodyPr rtlCol="0" anchor="ctr"/>
+          <a:lstStyle/>
+          <a:p>
+            <a:pPr algn="ctr"/>
+            <a:r>
+              <a:rPr lang="en-GB" dirty="0" smtClean="0">
+                <a:solidFill>
+                  <a:srgbClr val="EE930C"/>
+                </a:solidFill>
+              </a:rPr>
+              <a:t>Bank Name</a:t>
+            </a:r>
+            <a:endParaRPr lang="en-GB" dirty="0">
+              <a:solidFill>
+                <a:srgbClr val="EE930C"/>
+              </a:solidFill>
+            </a:endParaRPr>
+          </a:p>
+        </p:txBody>
+      </p:sp>
+      <p:sp>
+        <p:nvSpPr>
+          <p:cNvPr id="17" name="Rectangle 16"/>
+          <p:cNvSpPr/>
+          <p:nvPr/>
+        </p:nvSpPr>
+        <p:spPr>
+          <a:xfrm>
+            <a:off x="4500562" y="3643314"/>
+            <a:ext cx="3456384" cy="445158"/>
+          </a:xfrm>
+          <a:prstGeom prst="rect">
+            <a:avLst/>
+          </a:prstGeom>
+          <a:solidFill>
+            <a:schemeClr val="bg1"/>
+          </a:solidFill>
+          <a:ln>
+            <a:noFill/>
+          </a:ln>
+          <a:effectLst>
+            <a:glow rad="63500">
+              <a:schemeClr val="accent1">
+                <a:satMod val="175000"/>
+                <a:alpha val="40000"/>
+              </a:schemeClr>
+            </a:glow>
+          </a:effectLst>
+        </p:spPr>
+        <p:style>
+          <a:lnRef idx="2">
+            <a:schemeClr val="accent1">
+              <a:shade val="50000"/>
+            </a:schemeClr>
+          </a:lnRef>
+          <a:fillRef idx="1">
+            <a:schemeClr val="accent1"/>
+          </a:fillRef>
+          <a:effectRef idx="0">
+            <a:schemeClr val="accent1"/>
+          </a:effectRef>
+          <a:fontRef idx="minor">
+            <a:schemeClr val="lt1"/>
+          </a:fontRef>
+        </p:style>
+        <p:txBody>
+          <a:bodyPr rtlCol="0" anchor="ctr"/>
+          <a:lstStyle/>
+          <a:p>
+            <a:pPr algn="ctr"/>
+            <a:r>
+              <a:rPr lang="en-GB" dirty="0" smtClean="0">
+                <a:solidFill>
+                  <a:schemeClr val="accent6"/>
+                </a:solidFill>
+              </a:rPr>
+              <a:t>Account Holder Name</a:t>
+            </a:r>
+            <a:endParaRPr lang="en-GB" dirty="0">
+              <a:solidFill>
+                <a:schemeClr val="accent6"/>
+              </a:solidFill>
+            </a:endParaRPr>
+          </a:p>
+        </p:txBody>
+      </p:sp>
+      <p:sp>
+        <p:nvSpPr>
+          <p:cNvPr id="18" name="Rectangle 17"/>
+          <p:cNvSpPr/>
+          <p:nvPr/>
+        </p:nvSpPr>
+        <p:spPr>
+          <a:xfrm>
+            <a:off x="4500562" y="4055412"/>
+            <a:ext cx="3456384" cy="445158"/>
+          </a:xfrm>
+          <a:prstGeom prst="rect">
+            <a:avLst/>
+          </a:prstGeom>
+          <a:solidFill>
+            <a:srgbClr val="00B050"/>
+          </a:solidFill>
+          <a:ln>
+            <a:noFill/>
+          </a:ln>
+          <a:effectLst>
+            <a:glow rad="63500">
+              <a:schemeClr val="accent1">
+                <a:satMod val="175000"/>
+                <a:alpha val="40000"/>
+              </a:schemeClr>
+            </a:glow>
+          </a:effectLst>
+        </p:spPr>
+        <p:style>
+          <a:lnRef idx="2">
+            <a:schemeClr val="accent1">
+              <a:shade val="50000"/>
+            </a:schemeClr>
+          </a:lnRef>
+          <a:fillRef idx="1">
+            <a:schemeClr val="accent1"/>
+          </a:fillRef>
+          <a:effectRef idx="0">
+            <a:schemeClr val="accent1"/>
+          </a:effectRef>
+          <a:fontRef idx="minor">
+            <a:schemeClr val="lt1"/>
+          </a:fontRef>
+        </p:style>
+        <p:txBody>
+          <a:bodyPr rtlCol="0" anchor="ctr"/>
+          <a:lstStyle/>
+          <a:p>
+            <a:pPr algn="ctr"/>
+            <a:r>
+              <a:rPr lang="en-GB" dirty="0" smtClean="0">
+                <a:solidFill>
+                  <a:schemeClr val="bg1"/>
+                </a:solidFill>
+              </a:rPr>
+              <a:t>Send</a:t>
+            </a:r>
+            <a:endParaRPr lang="en-GB" dirty="0">
+              <a:solidFill>
+                <a:schemeClr val="bg1"/>
+              </a:solidFill>
+            </a:endParaRPr>
+          </a:p>
+        </p:txBody>
+      </p:sp>
+    </p:spTree>
+  </p:cSld>
+  <p:clrMapOvr>
+    <a:masterClrMapping/>
+  </p:clrMapOvr>
+</p:sld>
+</file>
+
+<file path=ppt/slides/slide21.xml><?xml version="1.0" encoding="utf-8"?>
+<p:sld xmlns:a="http://schemas.openxmlformats.org/drawingml/2006/main" xmlns:r="http://schemas.openxmlformats.org/officeDocument/2006/relationships" xmlns:p="http://schemas.openxmlformats.org/presentationml/2006/main">
+  <p:cSld>
+    <p:spTree>
+      <p:nvGrpSpPr>
+        <p:cNvPr id="1" name=""/>
+        <p:cNvGrpSpPr/>
+        <p:nvPr/>
+      </p:nvGrpSpPr>
+      <p:grpSpPr>
+        <a:xfrm>
+          <a:off x="0" y="0"/>
+          <a:ext cx="0" cy="0"/>
+          <a:chOff x="0" y="0"/>
+          <a:chExt cx="0" cy="0"/>
+        </a:xfrm>
+      </p:grpSpPr>
+      <p:sp>
+        <p:nvSpPr>
+          <p:cNvPr id="10" name="Rectangle 9"/>
+          <p:cNvSpPr/>
+          <p:nvPr/>
+        </p:nvSpPr>
+        <p:spPr>
+          <a:xfrm>
+            <a:off x="4500562" y="1124744"/>
+            <a:ext cx="3455814" cy="5219534"/>
+          </a:xfrm>
+          <a:prstGeom prst="rect">
+            <a:avLst/>
+          </a:prstGeom>
+          <a:solidFill>
+            <a:srgbClr val="EE930C"/>
+          </a:solidFill>
+          <a:ln>
+            <a:noFill/>
+          </a:ln>
+        </p:spPr>
+        <p:style>
+          <a:lnRef idx="2">
+            <a:schemeClr val="accent1">
+              <a:shade val="50000"/>
+            </a:schemeClr>
+          </a:lnRef>
+          <a:fillRef idx="1">
+            <a:schemeClr val="accent1"/>
+          </a:fillRef>
+          <a:effectRef idx="0">
+            <a:schemeClr val="accent1"/>
+          </a:effectRef>
+          <a:fontRef idx="minor">
+            <a:schemeClr val="lt1"/>
+          </a:fontRef>
+        </p:style>
+        <p:txBody>
+          <a:bodyPr rtlCol="0" anchor="ctr"/>
+          <a:lstStyle/>
+          <a:p>
+            <a:pPr algn="ctr"/>
+            <a:endParaRPr lang="en-GB" dirty="0"/>
+          </a:p>
+        </p:txBody>
+      </p:sp>
+      <p:sp>
+        <p:nvSpPr>
+          <p:cNvPr id="11" name="Rectangle 10"/>
+          <p:cNvSpPr/>
+          <p:nvPr/>
+        </p:nvSpPr>
+        <p:spPr>
+          <a:xfrm>
+            <a:off x="4499992" y="1915122"/>
+            <a:ext cx="3456384" cy="793798"/>
+          </a:xfrm>
+          <a:prstGeom prst="rect">
+            <a:avLst/>
+          </a:prstGeom>
+          <a:solidFill>
+            <a:schemeClr val="bg1"/>
+          </a:solidFill>
+          <a:ln>
+            <a:noFill/>
+          </a:ln>
+          <a:effectLst>
+            <a:glow rad="63500">
+              <a:schemeClr val="accent1">
+                <a:satMod val="175000"/>
+                <a:alpha val="40000"/>
+              </a:schemeClr>
+            </a:glow>
+          </a:effectLst>
+        </p:spPr>
+        <p:style>
+          <a:lnRef idx="2">
+            <a:schemeClr val="accent1">
+              <a:shade val="50000"/>
+            </a:schemeClr>
+          </a:lnRef>
+          <a:fillRef idx="1">
+            <a:schemeClr val="accent1"/>
+          </a:fillRef>
+          <a:effectRef idx="0">
+            <a:schemeClr val="accent1"/>
+          </a:effectRef>
+          <a:fontRef idx="minor">
+            <a:schemeClr val="lt1"/>
+          </a:fontRef>
+        </p:style>
+        <p:txBody>
+          <a:bodyPr rtlCol="0" anchor="ctr"/>
+          <a:lstStyle/>
+          <a:p>
+            <a:pPr algn="ctr"/>
+            <a:r>
+              <a:rPr lang="en-GB" dirty="0" smtClean="0">
+                <a:solidFill>
+                  <a:srgbClr val="EE930C"/>
+                </a:solidFill>
+              </a:rPr>
+              <a:t>BBN </a:t>
+            </a:r>
+            <a:r>
+              <a:rPr lang="en-GB" dirty="0" smtClean="0">
+                <a:solidFill>
+                  <a:srgbClr val="EE930C"/>
+                </a:solidFill>
+              </a:rPr>
+              <a:t>100,000</a:t>
+            </a:r>
+            <a:endParaRPr lang="en-GB" dirty="0">
+              <a:solidFill>
+                <a:srgbClr val="EE930C"/>
+              </a:solidFill>
+            </a:endParaRPr>
+          </a:p>
+        </p:txBody>
+      </p:sp>
+      <p:sp>
+        <p:nvSpPr>
+          <p:cNvPr id="15" name="Rectangle 14"/>
+          <p:cNvSpPr/>
+          <p:nvPr/>
+        </p:nvSpPr>
+        <p:spPr>
+          <a:xfrm>
+            <a:off x="5072066" y="1343618"/>
+            <a:ext cx="2214578" cy="571504"/>
+          </a:xfrm>
+          <a:prstGeom prst="rect">
+            <a:avLst/>
+          </a:prstGeom>
+          <a:solidFill>
+            <a:srgbClr val="EE930C"/>
+          </a:solidFill>
+          <a:ln>
+            <a:noFill/>
+          </a:ln>
+        </p:spPr>
+        <p:style>
+          <a:lnRef idx="2">
+            <a:schemeClr val="accent1">
+              <a:shade val="50000"/>
+            </a:schemeClr>
+          </a:lnRef>
+          <a:fillRef idx="1">
+            <a:schemeClr val="accent1"/>
+          </a:fillRef>
+          <a:effectRef idx="0">
+            <a:schemeClr val="accent1"/>
+          </a:effectRef>
+          <a:fontRef idx="minor">
+            <a:schemeClr val="lt1"/>
+          </a:fontRef>
+        </p:style>
+        <p:txBody>
+          <a:bodyPr rtlCol="0" anchor="ctr"/>
+          <a:lstStyle/>
+          <a:p>
+            <a:pPr algn="ctr"/>
+            <a:r>
+              <a:rPr lang="en-GB" dirty="0" smtClean="0">
+                <a:solidFill>
+                  <a:schemeClr val="bg1"/>
+                </a:solidFill>
+              </a:rPr>
+              <a:t>Transfer</a:t>
+            </a:r>
+            <a:endParaRPr lang="en-GB" dirty="0">
+              <a:solidFill>
+                <a:schemeClr val="bg1"/>
+              </a:solidFill>
+            </a:endParaRPr>
+          </a:p>
+        </p:txBody>
+      </p:sp>
+      <p:sp>
+        <p:nvSpPr>
+          <p:cNvPr id="16" name="Rectangle 15"/>
+          <p:cNvSpPr/>
+          <p:nvPr/>
+        </p:nvSpPr>
+        <p:spPr>
+          <a:xfrm>
+            <a:off x="4499992" y="2767818"/>
+            <a:ext cx="3456384" cy="445158"/>
+          </a:xfrm>
+          <a:prstGeom prst="rect">
+            <a:avLst/>
+          </a:prstGeom>
+          <a:solidFill>
+            <a:schemeClr val="bg1"/>
+          </a:solidFill>
+          <a:ln>
+            <a:noFill/>
+          </a:ln>
+          <a:effectLst>
+            <a:glow rad="63500">
+              <a:schemeClr val="accent1">
+                <a:satMod val="175000"/>
+                <a:alpha val="40000"/>
+              </a:schemeClr>
+            </a:glow>
+          </a:effectLst>
+        </p:spPr>
+        <p:style>
+          <a:lnRef idx="2">
+            <a:schemeClr val="accent1">
+              <a:shade val="50000"/>
+            </a:schemeClr>
+          </a:lnRef>
+          <a:fillRef idx="1">
+            <a:schemeClr val="accent1"/>
+          </a:fillRef>
+          <a:effectRef idx="0">
+            <a:schemeClr val="accent1"/>
+          </a:effectRef>
+          <a:fontRef idx="minor">
+            <a:schemeClr val="lt1"/>
+          </a:fontRef>
+        </p:style>
+        <p:txBody>
+          <a:bodyPr rtlCol="0" anchor="ctr"/>
+          <a:lstStyle/>
+          <a:p>
+            <a:pPr algn="ctr"/>
+            <a:r>
+              <a:rPr lang="en-GB" dirty="0" smtClean="0">
+                <a:solidFill>
+                  <a:srgbClr val="EE930C"/>
+                </a:solidFill>
+              </a:rPr>
+              <a:t>Amount</a:t>
+            </a:r>
+            <a:endParaRPr lang="en-GB" dirty="0">
+              <a:solidFill>
+                <a:srgbClr val="EE930C"/>
+              </a:solidFill>
+            </a:endParaRPr>
+          </a:p>
+        </p:txBody>
+      </p:sp>
+      <p:sp>
+        <p:nvSpPr>
+          <p:cNvPr id="23" name="Rectangle 22"/>
+          <p:cNvSpPr/>
+          <p:nvPr/>
+        </p:nvSpPr>
+        <p:spPr>
+          <a:xfrm>
+            <a:off x="571472" y="1124744"/>
+            <a:ext cx="3357586" cy="5214974"/>
+          </a:xfrm>
+          <a:prstGeom prst="rect">
+            <a:avLst/>
+          </a:prstGeom>
+          <a:solidFill>
+            <a:srgbClr val="EE930C"/>
+          </a:solidFill>
+          <a:ln>
+            <a:noFill/>
+          </a:ln>
+        </p:spPr>
+        <p:style>
+          <a:lnRef idx="2">
+            <a:schemeClr val="accent1">
+              <a:shade val="50000"/>
+            </a:schemeClr>
+          </a:lnRef>
+          <a:fillRef idx="1">
+            <a:schemeClr val="accent1"/>
+          </a:fillRef>
+          <a:effectRef idx="0">
+            <a:schemeClr val="accent1"/>
+          </a:effectRef>
+          <a:fontRef idx="minor">
+            <a:schemeClr val="lt1"/>
+          </a:fontRef>
+        </p:style>
+        <p:txBody>
+          <a:bodyPr rtlCol="0" anchor="ctr"/>
+          <a:lstStyle/>
+          <a:p>
+            <a:pPr algn="ctr"/>
+            <a:endParaRPr lang="en-GB"/>
+          </a:p>
+        </p:txBody>
+      </p:sp>
+      <p:sp>
+        <p:nvSpPr>
+          <p:cNvPr id="24" name="Rectangle 23"/>
+          <p:cNvSpPr/>
+          <p:nvPr/>
+        </p:nvSpPr>
+        <p:spPr>
+          <a:xfrm>
+            <a:off x="1142976" y="3339322"/>
+            <a:ext cx="2214578" cy="571504"/>
+          </a:xfrm>
+          <a:prstGeom prst="rect">
+            <a:avLst/>
+          </a:prstGeom>
+          <a:solidFill>
+            <a:schemeClr val="bg1"/>
+          </a:solidFill>
+          <a:ln>
+            <a:noFill/>
+          </a:ln>
+        </p:spPr>
+        <p:style>
+          <a:lnRef idx="2">
+            <a:schemeClr val="accent1">
+              <a:shade val="50000"/>
+            </a:schemeClr>
+          </a:lnRef>
+          <a:fillRef idx="1">
+            <a:schemeClr val="accent1"/>
+          </a:fillRef>
+          <a:effectRef idx="0">
+            <a:schemeClr val="accent1"/>
+          </a:effectRef>
+          <a:fontRef idx="minor">
+            <a:schemeClr val="lt1"/>
+          </a:fontRef>
+        </p:style>
+        <p:txBody>
+          <a:bodyPr rtlCol="0" anchor="ctr"/>
+          <a:lstStyle/>
+          <a:p>
+            <a:pPr algn="ctr"/>
+            <a:r>
+              <a:rPr lang="en-GB" dirty="0" smtClean="0">
+                <a:solidFill>
+                  <a:srgbClr val="EE930C"/>
+                </a:solidFill>
+              </a:rPr>
+              <a:t>Transfer</a:t>
+            </a:r>
+            <a:endParaRPr lang="en-GB" dirty="0">
+              <a:solidFill>
+                <a:srgbClr val="EE930C"/>
+              </a:solidFill>
+            </a:endParaRPr>
+          </a:p>
+        </p:txBody>
+      </p:sp>
+      <p:sp>
+        <p:nvSpPr>
+          <p:cNvPr id="26" name="Rectangle 25"/>
+          <p:cNvSpPr/>
+          <p:nvPr/>
+        </p:nvSpPr>
+        <p:spPr>
+          <a:xfrm>
+            <a:off x="4499992" y="3212976"/>
+            <a:ext cx="3456384" cy="445158"/>
+          </a:xfrm>
+          <a:prstGeom prst="rect">
+            <a:avLst/>
+          </a:prstGeom>
+          <a:solidFill>
+            <a:schemeClr val="bg1"/>
+          </a:solidFill>
+          <a:ln>
+            <a:noFill/>
+          </a:ln>
+          <a:effectLst>
+            <a:glow rad="63500">
+              <a:schemeClr val="accent1">
+                <a:satMod val="175000"/>
+                <a:alpha val="40000"/>
+              </a:schemeClr>
+            </a:glow>
+          </a:effectLst>
+        </p:spPr>
+        <p:style>
+          <a:lnRef idx="2">
+            <a:schemeClr val="accent1">
+              <a:shade val="50000"/>
+            </a:schemeClr>
+          </a:lnRef>
+          <a:fillRef idx="1">
+            <a:schemeClr val="accent1"/>
+          </a:fillRef>
+          <a:effectRef idx="0">
+            <a:schemeClr val="accent1"/>
+          </a:effectRef>
+          <a:fontRef idx="minor">
+            <a:schemeClr val="lt1"/>
+          </a:fontRef>
+        </p:style>
+        <p:txBody>
+          <a:bodyPr rtlCol="0" anchor="ctr"/>
+          <a:lstStyle/>
+          <a:p>
+            <a:pPr algn="ctr"/>
+            <a:r>
+              <a:rPr lang="en-GB" dirty="0" smtClean="0">
+                <a:solidFill>
+                  <a:srgbClr val="EE930C"/>
+                </a:solidFill>
+              </a:rPr>
+              <a:t>Sender’s </a:t>
+            </a:r>
+            <a:r>
+              <a:rPr lang="en-GB" dirty="0" smtClean="0">
+                <a:solidFill>
+                  <a:srgbClr val="EE930C"/>
+                </a:solidFill>
+              </a:rPr>
+              <a:t>Username</a:t>
+            </a:r>
+            <a:endParaRPr lang="en-GB" dirty="0">
+              <a:solidFill>
+                <a:srgbClr val="EE930C"/>
+              </a:solidFill>
+            </a:endParaRPr>
+          </a:p>
+        </p:txBody>
+      </p:sp>
+      <p:sp>
+        <p:nvSpPr>
+          <p:cNvPr id="17" name="Rectangle 16"/>
+          <p:cNvSpPr/>
+          <p:nvPr/>
+        </p:nvSpPr>
+        <p:spPr>
+          <a:xfrm>
+            <a:off x="4500562" y="3643314"/>
+            <a:ext cx="3456384" cy="445158"/>
+          </a:xfrm>
+          <a:prstGeom prst="rect">
+            <a:avLst/>
+          </a:prstGeom>
+          <a:solidFill>
+            <a:schemeClr val="bg1"/>
+          </a:solidFill>
+          <a:ln>
+            <a:noFill/>
+          </a:ln>
+          <a:effectLst>
+            <a:glow rad="63500">
+              <a:schemeClr val="accent1">
+                <a:satMod val="175000"/>
+                <a:alpha val="40000"/>
+              </a:schemeClr>
+            </a:glow>
+          </a:effectLst>
+        </p:spPr>
+        <p:style>
+          <a:lnRef idx="2">
+            <a:schemeClr val="accent1">
+              <a:shade val="50000"/>
+            </a:schemeClr>
+          </a:lnRef>
+          <a:fillRef idx="1">
+            <a:schemeClr val="accent1"/>
+          </a:fillRef>
+          <a:effectRef idx="0">
+            <a:schemeClr val="accent1"/>
+          </a:effectRef>
+          <a:fontRef idx="minor">
+            <a:schemeClr val="lt1"/>
+          </a:fontRef>
+        </p:style>
+        <p:txBody>
+          <a:bodyPr rtlCol="0" anchor="ctr"/>
+          <a:lstStyle/>
+          <a:p>
+            <a:pPr algn="ctr"/>
+            <a:r>
+              <a:rPr lang="en-GB" dirty="0">
+                <a:solidFill>
+                  <a:schemeClr val="accent6"/>
+                </a:solidFill>
+              </a:rPr>
+              <a:t>Y</a:t>
+            </a:r>
+            <a:r>
+              <a:rPr lang="en-GB" dirty="0" smtClean="0">
+                <a:solidFill>
+                  <a:schemeClr val="accent6"/>
+                </a:solidFill>
+              </a:rPr>
+              <a:t>our </a:t>
+            </a:r>
+            <a:r>
+              <a:rPr lang="en-GB" dirty="0" smtClean="0">
+                <a:solidFill>
+                  <a:schemeClr val="accent6"/>
+                </a:solidFill>
+              </a:rPr>
+              <a:t>Password</a:t>
+            </a:r>
+            <a:endParaRPr lang="en-GB" dirty="0">
+              <a:solidFill>
+                <a:schemeClr val="accent6"/>
+              </a:solidFill>
+            </a:endParaRPr>
+          </a:p>
+        </p:txBody>
+      </p:sp>
+      <p:sp>
+        <p:nvSpPr>
+          <p:cNvPr id="18" name="Rectangle 17"/>
+          <p:cNvSpPr/>
+          <p:nvPr/>
+        </p:nvSpPr>
+        <p:spPr>
+          <a:xfrm>
+            <a:off x="4500562" y="4055412"/>
+            <a:ext cx="3456384" cy="445158"/>
+          </a:xfrm>
+          <a:prstGeom prst="rect">
+            <a:avLst/>
+          </a:prstGeom>
+          <a:solidFill>
+            <a:srgbClr val="00B050"/>
+          </a:solidFill>
+          <a:ln>
+            <a:noFill/>
+          </a:ln>
+          <a:effectLst>
+            <a:glow rad="63500">
+              <a:schemeClr val="accent1">
+                <a:satMod val="175000"/>
+                <a:alpha val="40000"/>
+              </a:schemeClr>
+            </a:glow>
+          </a:effectLst>
+        </p:spPr>
+        <p:style>
+          <a:lnRef idx="2">
+            <a:schemeClr val="accent1">
+              <a:shade val="50000"/>
+            </a:schemeClr>
+          </a:lnRef>
+          <a:fillRef idx="1">
+            <a:schemeClr val="accent1"/>
+          </a:fillRef>
+          <a:effectRef idx="0">
+            <a:schemeClr val="accent1"/>
+          </a:effectRef>
+          <a:fontRef idx="minor">
+            <a:schemeClr val="lt1"/>
+          </a:fontRef>
+        </p:style>
+        <p:txBody>
+          <a:bodyPr rtlCol="0" anchor="ctr"/>
+          <a:lstStyle/>
+          <a:p>
+            <a:pPr algn="ctr"/>
+            <a:r>
+              <a:rPr lang="en-GB" dirty="0" smtClean="0">
+                <a:solidFill>
+                  <a:schemeClr val="bg1"/>
+                </a:solidFill>
+              </a:rPr>
+              <a:t>Send</a:t>
+            </a:r>
+            <a:endParaRPr lang="en-GB" dirty="0">
+              <a:solidFill>
+                <a:schemeClr val="bg1"/>
+              </a:solidFill>
+            </a:endParaRPr>
+          </a:p>
+        </p:txBody>
+      </p:sp>
+    </p:spTree>
+  </p:cSld>
+  <p:clrMapOvr>
+    <a:masterClrMapping/>
+  </p:clrMapOvr>
+</p:sld>
+</file>
+
+<file path=ppt/slides/slide22.xml><?xml version="1.0" encoding="utf-8"?>
+<p:sld xmlns:a="http://schemas.openxmlformats.org/drawingml/2006/main" xmlns:r="http://schemas.openxmlformats.org/officeDocument/2006/relationships" xmlns:p="http://schemas.openxmlformats.org/presentationml/2006/main">
+  <p:cSld>
+    <p:spTree>
+      <p:nvGrpSpPr>
+        <p:cNvPr id="1" name=""/>
+        <p:cNvGrpSpPr/>
+        <p:nvPr/>
+      </p:nvGrpSpPr>
+      <p:grpSpPr>
+        <a:xfrm>
+          <a:off x="0" y="0"/>
+          <a:ext cx="0" cy="0"/>
+          <a:chOff x="0" y="0"/>
+          <a:chExt cx="0" cy="0"/>
+        </a:xfrm>
+      </p:grpSpPr>
+      <p:sp>
+        <p:nvSpPr>
+          <p:cNvPr id="10" name="Rectangle 9"/>
+          <p:cNvSpPr/>
+          <p:nvPr/>
+        </p:nvSpPr>
+        <p:spPr>
+          <a:xfrm>
+            <a:off x="4500562" y="1124744"/>
+            <a:ext cx="3455814" cy="5219534"/>
+          </a:xfrm>
+          <a:prstGeom prst="rect">
+            <a:avLst/>
+          </a:prstGeom>
+          <a:solidFill>
+            <a:srgbClr val="EE930C"/>
+          </a:solidFill>
+          <a:ln>
+            <a:noFill/>
+          </a:ln>
+        </p:spPr>
+        <p:style>
+          <a:lnRef idx="2">
+            <a:schemeClr val="accent1">
+              <a:shade val="50000"/>
+            </a:schemeClr>
+          </a:lnRef>
+          <a:fillRef idx="1">
+            <a:schemeClr val="accent1"/>
+          </a:fillRef>
+          <a:effectRef idx="0">
+            <a:schemeClr val="accent1"/>
+          </a:effectRef>
+          <a:fontRef idx="minor">
+            <a:schemeClr val="lt1"/>
+          </a:fontRef>
+        </p:style>
+        <p:txBody>
+          <a:bodyPr rtlCol="0" anchor="ctr"/>
+          <a:lstStyle/>
+          <a:p>
+            <a:pPr algn="ctr"/>
+            <a:endParaRPr lang="en-GB" dirty="0"/>
+          </a:p>
+        </p:txBody>
+      </p:sp>
+      <p:sp>
+        <p:nvSpPr>
+          <p:cNvPr id="11" name="Rectangle 10"/>
+          <p:cNvSpPr/>
+          <p:nvPr/>
+        </p:nvSpPr>
+        <p:spPr>
+          <a:xfrm>
+            <a:off x="4499992" y="1915122"/>
+            <a:ext cx="3456384" cy="793798"/>
+          </a:xfrm>
+          <a:prstGeom prst="rect">
+            <a:avLst/>
+          </a:prstGeom>
+          <a:solidFill>
+            <a:schemeClr val="bg1"/>
+          </a:solidFill>
+          <a:ln>
+            <a:noFill/>
+          </a:ln>
+          <a:effectLst>
+            <a:glow rad="63500">
+              <a:schemeClr val="accent1">
+                <a:satMod val="175000"/>
+                <a:alpha val="40000"/>
+              </a:schemeClr>
+            </a:glow>
+          </a:effectLst>
+        </p:spPr>
+        <p:style>
+          <a:lnRef idx="2">
+            <a:schemeClr val="accent1">
+              <a:shade val="50000"/>
+            </a:schemeClr>
+          </a:lnRef>
+          <a:fillRef idx="1">
+            <a:schemeClr val="accent1"/>
+          </a:fillRef>
+          <a:effectRef idx="0">
+            <a:schemeClr val="accent1"/>
+          </a:effectRef>
+          <a:fontRef idx="minor">
+            <a:schemeClr val="lt1"/>
+          </a:fontRef>
+        </p:style>
+        <p:txBody>
+          <a:bodyPr rtlCol="0" anchor="ctr"/>
+          <a:lstStyle/>
+          <a:p>
+            <a:pPr algn="ctr"/>
+            <a:endParaRPr lang="en-GB" dirty="0">
+              <a:solidFill>
+                <a:schemeClr val="bg1">
+                  <a:lumMod val="85000"/>
+                </a:schemeClr>
+              </a:solidFill>
+            </a:endParaRPr>
+          </a:p>
+        </p:txBody>
+      </p:sp>
+      <p:sp>
+        <p:nvSpPr>
+          <p:cNvPr id="15" name="Rectangle 14"/>
+          <p:cNvSpPr/>
+          <p:nvPr/>
+        </p:nvSpPr>
+        <p:spPr>
+          <a:xfrm>
+            <a:off x="5072066" y="1343618"/>
+            <a:ext cx="2214578" cy="571504"/>
+          </a:xfrm>
+          <a:prstGeom prst="rect">
+            <a:avLst/>
+          </a:prstGeom>
+          <a:solidFill>
+            <a:srgbClr val="EE930C"/>
+          </a:solidFill>
+          <a:ln>
+            <a:noFill/>
+          </a:ln>
+        </p:spPr>
+        <p:style>
+          <a:lnRef idx="2">
+            <a:schemeClr val="accent1">
+              <a:shade val="50000"/>
+            </a:schemeClr>
+          </a:lnRef>
+          <a:fillRef idx="1">
+            <a:schemeClr val="accent1"/>
+          </a:fillRef>
+          <a:effectRef idx="0">
+            <a:schemeClr val="accent1"/>
+          </a:effectRef>
+          <a:fontRef idx="minor">
+            <a:schemeClr val="lt1"/>
+          </a:fontRef>
+        </p:style>
+        <p:txBody>
+          <a:bodyPr rtlCol="0" anchor="ctr"/>
+          <a:lstStyle/>
+          <a:p>
+            <a:pPr algn="ctr"/>
+            <a:r>
+              <a:rPr lang="en-GB" dirty="0" smtClean="0">
+                <a:solidFill>
+                  <a:schemeClr val="bg1"/>
+                </a:solidFill>
+              </a:rPr>
+              <a:t>Select Network</a:t>
+            </a:r>
+            <a:endParaRPr lang="en-GB" dirty="0">
+              <a:solidFill>
+                <a:schemeClr val="bg1"/>
+              </a:solidFill>
+            </a:endParaRPr>
+          </a:p>
+        </p:txBody>
+      </p:sp>
+      <p:sp>
+        <p:nvSpPr>
+          <p:cNvPr id="16" name="Rectangle 15"/>
+          <p:cNvSpPr/>
+          <p:nvPr/>
+        </p:nvSpPr>
+        <p:spPr>
+          <a:xfrm>
+            <a:off x="4499992" y="2767818"/>
+            <a:ext cx="3456384" cy="445158"/>
+          </a:xfrm>
+          <a:prstGeom prst="rect">
+            <a:avLst/>
+          </a:prstGeom>
+          <a:solidFill>
+            <a:schemeClr val="bg1"/>
+          </a:solidFill>
+          <a:ln>
+            <a:noFill/>
+          </a:ln>
+          <a:effectLst>
+            <a:glow rad="63500">
+              <a:schemeClr val="accent1">
+                <a:satMod val="175000"/>
+                <a:alpha val="40000"/>
+              </a:schemeClr>
+            </a:glow>
+          </a:effectLst>
+        </p:spPr>
+        <p:style>
+          <a:lnRef idx="2">
+            <a:schemeClr val="accent1">
+              <a:shade val="50000"/>
+            </a:schemeClr>
+          </a:lnRef>
+          <a:fillRef idx="1">
+            <a:schemeClr val="accent1"/>
+          </a:fillRef>
+          <a:effectRef idx="0">
+            <a:schemeClr val="accent1"/>
+          </a:effectRef>
+          <a:fontRef idx="minor">
+            <a:schemeClr val="lt1"/>
+          </a:fontRef>
+        </p:style>
+        <p:txBody>
+          <a:bodyPr rtlCol="0" anchor="ctr"/>
+          <a:lstStyle/>
+          <a:p>
+            <a:pPr algn="ctr"/>
+            <a:r>
+              <a:rPr lang="en-GB" dirty="0" smtClean="0">
+                <a:solidFill>
+                  <a:srgbClr val="EE930C"/>
+                </a:solidFill>
+              </a:rPr>
+              <a:t>MTN</a:t>
+            </a:r>
+            <a:endParaRPr lang="en-GB" dirty="0">
+              <a:solidFill>
+                <a:srgbClr val="EE930C"/>
+              </a:solidFill>
+            </a:endParaRPr>
+          </a:p>
+        </p:txBody>
+      </p:sp>
+      <p:sp>
+        <p:nvSpPr>
+          <p:cNvPr id="23" name="Rectangle 22"/>
+          <p:cNvSpPr/>
+          <p:nvPr/>
+        </p:nvSpPr>
+        <p:spPr>
+          <a:xfrm>
+            <a:off x="571472" y="1124744"/>
+            <a:ext cx="3357586" cy="5214974"/>
+          </a:xfrm>
+          <a:prstGeom prst="rect">
+            <a:avLst/>
+          </a:prstGeom>
+          <a:solidFill>
+            <a:srgbClr val="EE930C"/>
+          </a:solidFill>
+          <a:ln>
+            <a:noFill/>
+          </a:ln>
+        </p:spPr>
+        <p:style>
+          <a:lnRef idx="2">
+            <a:schemeClr val="accent1">
+              <a:shade val="50000"/>
+            </a:schemeClr>
+          </a:lnRef>
+          <a:fillRef idx="1">
+            <a:schemeClr val="accent1"/>
+          </a:fillRef>
+          <a:effectRef idx="0">
+            <a:schemeClr val="accent1"/>
+          </a:effectRef>
+          <a:fontRef idx="minor">
+            <a:schemeClr val="lt1"/>
+          </a:fontRef>
+        </p:style>
+        <p:txBody>
+          <a:bodyPr rtlCol="0" anchor="ctr"/>
+          <a:lstStyle/>
+          <a:p>
+            <a:pPr algn="ctr"/>
+            <a:endParaRPr lang="en-GB"/>
+          </a:p>
+        </p:txBody>
+      </p:sp>
+      <p:sp>
+        <p:nvSpPr>
+          <p:cNvPr id="24" name="Rectangle 23"/>
+          <p:cNvSpPr/>
+          <p:nvPr/>
+        </p:nvSpPr>
+        <p:spPr>
+          <a:xfrm>
+            <a:off x="1142976" y="3339322"/>
+            <a:ext cx="2214578" cy="571504"/>
+          </a:xfrm>
+          <a:prstGeom prst="rect">
+            <a:avLst/>
+          </a:prstGeom>
+          <a:solidFill>
+            <a:schemeClr val="bg1"/>
+          </a:solidFill>
+          <a:ln>
+            <a:noFill/>
+          </a:ln>
+        </p:spPr>
+        <p:style>
+          <a:lnRef idx="2">
+            <a:schemeClr val="accent1">
+              <a:shade val="50000"/>
+            </a:schemeClr>
+          </a:lnRef>
+          <a:fillRef idx="1">
+            <a:schemeClr val="accent1"/>
+          </a:fillRef>
+          <a:effectRef idx="0">
+            <a:schemeClr val="accent1"/>
+          </a:effectRef>
+          <a:fontRef idx="minor">
+            <a:schemeClr val="lt1"/>
+          </a:fontRef>
+        </p:style>
+        <p:txBody>
+          <a:bodyPr rtlCol="0" anchor="ctr"/>
+          <a:lstStyle/>
+          <a:p>
+            <a:pPr algn="ctr"/>
+            <a:r>
+              <a:rPr lang="en-GB" dirty="0" smtClean="0">
+                <a:solidFill>
+                  <a:srgbClr val="EE930C"/>
+                </a:solidFill>
+              </a:rPr>
+              <a:t>Recharge</a:t>
+            </a:r>
+            <a:endParaRPr lang="en-GB" dirty="0">
+              <a:solidFill>
+                <a:srgbClr val="EE930C"/>
+              </a:solidFill>
+            </a:endParaRPr>
+          </a:p>
+        </p:txBody>
+      </p:sp>
+      <p:sp>
+        <p:nvSpPr>
+          <p:cNvPr id="26" name="Rectangle 25"/>
+          <p:cNvSpPr/>
+          <p:nvPr/>
+        </p:nvSpPr>
+        <p:spPr>
+          <a:xfrm>
+            <a:off x="4499992" y="3212976"/>
+            <a:ext cx="3456384" cy="445158"/>
+          </a:xfrm>
+          <a:prstGeom prst="rect">
+            <a:avLst/>
+          </a:prstGeom>
+          <a:solidFill>
+            <a:schemeClr val="bg1"/>
+          </a:solidFill>
+          <a:ln>
+            <a:noFill/>
+          </a:ln>
+          <a:effectLst>
+            <a:glow rad="63500">
+              <a:schemeClr val="accent1">
+                <a:satMod val="175000"/>
+                <a:alpha val="40000"/>
+              </a:schemeClr>
+            </a:glow>
+          </a:effectLst>
+        </p:spPr>
+        <p:style>
+          <a:lnRef idx="2">
+            <a:schemeClr val="accent1">
+              <a:shade val="50000"/>
+            </a:schemeClr>
+          </a:lnRef>
+          <a:fillRef idx="1">
+            <a:schemeClr val="accent1"/>
+          </a:fillRef>
+          <a:effectRef idx="0">
+            <a:schemeClr val="accent1"/>
+          </a:effectRef>
+          <a:fontRef idx="minor">
+            <a:schemeClr val="lt1"/>
+          </a:fontRef>
+        </p:style>
+        <p:txBody>
+          <a:bodyPr rtlCol="0" anchor="ctr"/>
+          <a:lstStyle/>
+          <a:p>
+            <a:pPr algn="ctr"/>
+            <a:r>
+              <a:rPr lang="en-GB" dirty="0" err="1" smtClean="0">
+                <a:solidFill>
+                  <a:srgbClr val="EE930C"/>
+                </a:solidFill>
+              </a:rPr>
+              <a:t>Glo</a:t>
+            </a:r>
+            <a:endParaRPr lang="en-GB" dirty="0">
+              <a:solidFill>
+                <a:srgbClr val="EE930C"/>
+              </a:solidFill>
+            </a:endParaRPr>
+          </a:p>
+        </p:txBody>
+      </p:sp>
+      <p:sp>
+        <p:nvSpPr>
+          <p:cNvPr id="17" name="Rectangle 16"/>
+          <p:cNvSpPr/>
+          <p:nvPr/>
+        </p:nvSpPr>
+        <p:spPr>
+          <a:xfrm>
+            <a:off x="4500562" y="3643314"/>
+            <a:ext cx="3456384" cy="445158"/>
+          </a:xfrm>
+          <a:prstGeom prst="rect">
+            <a:avLst/>
+          </a:prstGeom>
+          <a:solidFill>
+            <a:schemeClr val="bg1"/>
+          </a:solidFill>
+          <a:ln>
+            <a:noFill/>
+          </a:ln>
+          <a:effectLst>
+            <a:glow rad="63500">
+              <a:schemeClr val="accent1">
+                <a:satMod val="175000"/>
+                <a:alpha val="40000"/>
+              </a:schemeClr>
+            </a:glow>
+          </a:effectLst>
+        </p:spPr>
+        <p:style>
+          <a:lnRef idx="2">
+            <a:schemeClr val="accent1">
+              <a:shade val="50000"/>
+            </a:schemeClr>
+          </a:lnRef>
+          <a:fillRef idx="1">
+            <a:schemeClr val="accent1"/>
+          </a:fillRef>
+          <a:effectRef idx="0">
+            <a:schemeClr val="accent1"/>
+          </a:effectRef>
+          <a:fontRef idx="minor">
+            <a:schemeClr val="lt1"/>
+          </a:fontRef>
+        </p:style>
+        <p:txBody>
+          <a:bodyPr rtlCol="0" anchor="ctr"/>
+          <a:lstStyle/>
+          <a:p>
+            <a:pPr algn="ctr"/>
+            <a:r>
+              <a:rPr lang="en-GB" dirty="0" err="1" smtClean="0">
+                <a:solidFill>
+                  <a:schemeClr val="accent6"/>
+                </a:solidFill>
+              </a:rPr>
+              <a:t>Airtel</a:t>
+            </a:r>
+            <a:endParaRPr lang="en-GB" dirty="0">
+              <a:solidFill>
+                <a:schemeClr val="accent6"/>
+              </a:solidFill>
+            </a:endParaRPr>
+          </a:p>
+        </p:txBody>
+      </p:sp>
+      <p:sp>
+        <p:nvSpPr>
+          <p:cNvPr id="12" name="Rectangle 11"/>
+          <p:cNvSpPr/>
+          <p:nvPr/>
+        </p:nvSpPr>
+        <p:spPr>
+          <a:xfrm>
+            <a:off x="4499992" y="4077072"/>
+            <a:ext cx="3456384" cy="445158"/>
+          </a:xfrm>
+          <a:prstGeom prst="rect">
+            <a:avLst/>
+          </a:prstGeom>
+          <a:solidFill>
+            <a:schemeClr val="bg1"/>
+          </a:solidFill>
+          <a:ln>
+            <a:noFill/>
+          </a:ln>
+          <a:effectLst>
+            <a:glow rad="63500">
+              <a:schemeClr val="accent1">
+                <a:satMod val="175000"/>
+                <a:alpha val="40000"/>
+              </a:schemeClr>
+            </a:glow>
+          </a:effectLst>
+        </p:spPr>
+        <p:style>
+          <a:lnRef idx="2">
+            <a:schemeClr val="accent1">
+              <a:shade val="50000"/>
+            </a:schemeClr>
+          </a:lnRef>
+          <a:fillRef idx="1">
+            <a:schemeClr val="accent1"/>
+          </a:fillRef>
+          <a:effectRef idx="0">
+            <a:schemeClr val="accent1"/>
+          </a:effectRef>
+          <a:fontRef idx="minor">
+            <a:schemeClr val="lt1"/>
+          </a:fontRef>
+        </p:style>
+        <p:txBody>
+          <a:bodyPr rtlCol="0" anchor="ctr"/>
+          <a:lstStyle/>
+          <a:p>
+            <a:pPr algn="ctr"/>
+            <a:r>
+              <a:rPr lang="en-GB" dirty="0" err="1" smtClean="0">
+                <a:solidFill>
+                  <a:schemeClr val="accent6"/>
+                </a:solidFill>
+              </a:rPr>
+              <a:t>Etisalat</a:t>
+            </a:r>
+            <a:endParaRPr lang="en-GB" dirty="0">
+              <a:solidFill>
+                <a:schemeClr val="accent6"/>
+              </a:solidFill>
+            </a:endParaRPr>
+          </a:p>
+        </p:txBody>
+      </p:sp>
+    </p:spTree>
+  </p:cSld>
+  <p:clrMapOvr>
+    <a:masterClrMapping/>
+  </p:clrMapOvr>
+</p:sld>
+</file>
+
+<file path=ppt/slides/slide23.xml><?xml version="1.0" encoding="utf-8"?>
+<p:sld xmlns:a="http://schemas.openxmlformats.org/drawingml/2006/main" xmlns:r="http://schemas.openxmlformats.org/officeDocument/2006/relationships" xmlns:p="http://schemas.openxmlformats.org/presentationml/2006/main">
+  <p:cSld>
+    <p:spTree>
+      <p:nvGrpSpPr>
+        <p:cNvPr id="1" name=""/>
+        <p:cNvGrpSpPr/>
+        <p:nvPr/>
+      </p:nvGrpSpPr>
+      <p:grpSpPr>
+        <a:xfrm>
+          <a:off x="0" y="0"/>
+          <a:ext cx="0" cy="0"/>
+          <a:chOff x="0" y="0"/>
+          <a:chExt cx="0" cy="0"/>
+        </a:xfrm>
+      </p:grpSpPr>
+      <p:sp>
+        <p:nvSpPr>
+          <p:cNvPr id="10" name="Rectangle 9"/>
+          <p:cNvSpPr/>
+          <p:nvPr/>
+        </p:nvSpPr>
+        <p:spPr>
+          <a:xfrm>
+            <a:off x="4500562" y="1124744"/>
+            <a:ext cx="3455814" cy="5219534"/>
+          </a:xfrm>
+          <a:prstGeom prst="rect">
+            <a:avLst/>
+          </a:prstGeom>
+          <a:solidFill>
+            <a:srgbClr val="EE930C"/>
+          </a:solidFill>
+          <a:ln>
+            <a:noFill/>
+          </a:ln>
+        </p:spPr>
+        <p:style>
+          <a:lnRef idx="2">
+            <a:schemeClr val="accent1">
+              <a:shade val="50000"/>
+            </a:schemeClr>
+          </a:lnRef>
+          <a:fillRef idx="1">
+            <a:schemeClr val="accent1"/>
+          </a:fillRef>
+          <a:effectRef idx="0">
+            <a:schemeClr val="accent1"/>
+          </a:effectRef>
+          <a:fontRef idx="minor">
+            <a:schemeClr val="lt1"/>
+          </a:fontRef>
+        </p:style>
+        <p:txBody>
+          <a:bodyPr rtlCol="0" anchor="ctr"/>
+          <a:lstStyle/>
+          <a:p>
+            <a:pPr algn="ctr"/>
+            <a:endParaRPr lang="en-GB" dirty="0"/>
+          </a:p>
+        </p:txBody>
+      </p:sp>
+      <p:sp>
+        <p:nvSpPr>
+          <p:cNvPr id="11" name="Rectangle 10"/>
+          <p:cNvSpPr/>
+          <p:nvPr/>
+        </p:nvSpPr>
+        <p:spPr>
+          <a:xfrm>
+            <a:off x="4499992" y="1915122"/>
+            <a:ext cx="3456384" cy="793798"/>
+          </a:xfrm>
+          <a:prstGeom prst="rect">
+            <a:avLst/>
+          </a:prstGeom>
+          <a:solidFill>
+            <a:schemeClr val="bg1"/>
+          </a:solidFill>
+          <a:ln>
+            <a:noFill/>
+          </a:ln>
+          <a:effectLst>
+            <a:glow rad="63500">
+              <a:schemeClr val="accent1">
+                <a:satMod val="175000"/>
+                <a:alpha val="40000"/>
+              </a:schemeClr>
+            </a:glow>
+          </a:effectLst>
+        </p:spPr>
+        <p:style>
+          <a:lnRef idx="2">
+            <a:schemeClr val="accent1">
+              <a:shade val="50000"/>
+            </a:schemeClr>
+          </a:lnRef>
+          <a:fillRef idx="1">
+            <a:schemeClr val="accent1"/>
+          </a:fillRef>
+          <a:effectRef idx="0">
+            <a:schemeClr val="accent1"/>
+          </a:effectRef>
+          <a:fontRef idx="minor">
+            <a:schemeClr val="lt1"/>
+          </a:fontRef>
+        </p:style>
+        <p:txBody>
+          <a:bodyPr rtlCol="0" anchor="ctr"/>
+          <a:lstStyle/>
+          <a:p>
+            <a:pPr algn="ctr"/>
+            <a:r>
+              <a:rPr lang="en-GB" dirty="0" err="1" smtClean="0">
+                <a:solidFill>
+                  <a:srgbClr val="EE930C"/>
+                </a:solidFill>
+              </a:rPr>
+              <a:t>BBNcoin</a:t>
+            </a:r>
+            <a:r>
+              <a:rPr lang="en-GB" dirty="0" smtClean="0">
+                <a:solidFill>
+                  <a:srgbClr val="EE930C"/>
+                </a:solidFill>
+              </a:rPr>
+              <a:t> 50,000</a:t>
+            </a:r>
+            <a:endParaRPr lang="en-GB" dirty="0">
+              <a:solidFill>
+                <a:srgbClr val="EE930C"/>
+              </a:solidFill>
+            </a:endParaRPr>
+          </a:p>
+        </p:txBody>
+      </p:sp>
+      <p:sp>
+        <p:nvSpPr>
+          <p:cNvPr id="15" name="Rectangle 14"/>
+          <p:cNvSpPr/>
+          <p:nvPr/>
+        </p:nvSpPr>
+        <p:spPr>
+          <a:xfrm>
+            <a:off x="5072066" y="1343618"/>
+            <a:ext cx="2214578" cy="571504"/>
+          </a:xfrm>
+          <a:prstGeom prst="rect">
+            <a:avLst/>
+          </a:prstGeom>
+          <a:solidFill>
+            <a:srgbClr val="EE930C"/>
+          </a:solidFill>
+          <a:ln>
+            <a:noFill/>
+          </a:ln>
+        </p:spPr>
+        <p:style>
+          <a:lnRef idx="2">
+            <a:schemeClr val="accent1">
+              <a:shade val="50000"/>
+            </a:schemeClr>
+          </a:lnRef>
+          <a:fillRef idx="1">
+            <a:schemeClr val="accent1"/>
+          </a:fillRef>
+          <a:effectRef idx="0">
+            <a:schemeClr val="accent1"/>
+          </a:effectRef>
+          <a:fontRef idx="minor">
+            <a:schemeClr val="lt1"/>
+          </a:fontRef>
+        </p:style>
+        <p:txBody>
+          <a:bodyPr rtlCol="0" anchor="ctr"/>
+          <a:lstStyle/>
+          <a:p>
+            <a:pPr algn="ctr"/>
+            <a:r>
+              <a:rPr lang="en-GB" dirty="0" smtClean="0">
+                <a:solidFill>
+                  <a:schemeClr val="bg1"/>
+                </a:solidFill>
+              </a:rPr>
+              <a:t>Enter Details</a:t>
+            </a:r>
+            <a:endParaRPr lang="en-GB" dirty="0">
+              <a:solidFill>
+                <a:schemeClr val="bg1"/>
+              </a:solidFill>
+            </a:endParaRPr>
+          </a:p>
+        </p:txBody>
+      </p:sp>
+      <p:sp>
+        <p:nvSpPr>
+          <p:cNvPr id="16" name="Rectangle 15"/>
+          <p:cNvSpPr/>
+          <p:nvPr/>
+        </p:nvSpPr>
+        <p:spPr>
+          <a:xfrm>
+            <a:off x="4499992" y="2767818"/>
+            <a:ext cx="3456384" cy="445158"/>
+          </a:xfrm>
+          <a:prstGeom prst="rect">
+            <a:avLst/>
+          </a:prstGeom>
+          <a:solidFill>
+            <a:schemeClr val="bg1">
+              <a:lumMod val="65000"/>
+            </a:schemeClr>
+          </a:solidFill>
+          <a:ln>
+            <a:noFill/>
+          </a:ln>
+          <a:effectLst>
+            <a:glow rad="63500">
+              <a:schemeClr val="accent1">
+                <a:satMod val="175000"/>
+                <a:alpha val="40000"/>
+              </a:schemeClr>
+            </a:glow>
+          </a:effectLst>
+        </p:spPr>
+        <p:style>
+          <a:lnRef idx="2">
+            <a:schemeClr val="accent1">
+              <a:shade val="50000"/>
+            </a:schemeClr>
+          </a:lnRef>
+          <a:fillRef idx="1">
+            <a:schemeClr val="accent1"/>
+          </a:fillRef>
+          <a:effectRef idx="0">
+            <a:schemeClr val="accent1"/>
+          </a:effectRef>
+          <a:fontRef idx="minor">
+            <a:schemeClr val="lt1"/>
+          </a:fontRef>
+        </p:style>
+        <p:txBody>
+          <a:bodyPr rtlCol="0" anchor="ctr"/>
+          <a:lstStyle/>
+          <a:p>
+            <a:pPr algn="ctr"/>
+            <a:r>
+              <a:rPr lang="en-GB" dirty="0" smtClean="0">
+                <a:solidFill>
+                  <a:schemeClr val="bg1"/>
+                </a:solidFill>
+              </a:rPr>
+              <a:t>MTN</a:t>
+            </a:r>
+            <a:endParaRPr lang="en-GB" dirty="0">
+              <a:solidFill>
+                <a:schemeClr val="bg1"/>
+              </a:solidFill>
+            </a:endParaRPr>
+          </a:p>
+        </p:txBody>
+      </p:sp>
+      <p:sp>
+        <p:nvSpPr>
+          <p:cNvPr id="23" name="Rectangle 22"/>
+          <p:cNvSpPr/>
+          <p:nvPr/>
+        </p:nvSpPr>
+        <p:spPr>
+          <a:xfrm>
+            <a:off x="571472" y="1124744"/>
+            <a:ext cx="3357586" cy="5214974"/>
+          </a:xfrm>
+          <a:prstGeom prst="rect">
+            <a:avLst/>
+          </a:prstGeom>
+          <a:solidFill>
+            <a:srgbClr val="EE930C"/>
+          </a:solidFill>
+          <a:ln>
+            <a:noFill/>
+          </a:ln>
+        </p:spPr>
+        <p:style>
+          <a:lnRef idx="2">
+            <a:schemeClr val="accent1">
+              <a:shade val="50000"/>
+            </a:schemeClr>
+          </a:lnRef>
+          <a:fillRef idx="1">
+            <a:schemeClr val="accent1"/>
+          </a:fillRef>
+          <a:effectRef idx="0">
+            <a:schemeClr val="accent1"/>
+          </a:effectRef>
+          <a:fontRef idx="minor">
+            <a:schemeClr val="lt1"/>
+          </a:fontRef>
+        </p:style>
+        <p:txBody>
+          <a:bodyPr rtlCol="0" anchor="ctr"/>
+          <a:lstStyle/>
+          <a:p>
+            <a:pPr algn="ctr"/>
+            <a:endParaRPr lang="en-GB"/>
+          </a:p>
+        </p:txBody>
+      </p:sp>
+      <p:sp>
+        <p:nvSpPr>
+          <p:cNvPr id="24" name="Rectangle 23"/>
+          <p:cNvSpPr/>
+          <p:nvPr/>
+        </p:nvSpPr>
+        <p:spPr>
+          <a:xfrm>
+            <a:off x="1142976" y="3339322"/>
+            <a:ext cx="2214578" cy="571504"/>
+          </a:xfrm>
+          <a:prstGeom prst="rect">
+            <a:avLst/>
+          </a:prstGeom>
+          <a:solidFill>
+            <a:schemeClr val="bg1"/>
+          </a:solidFill>
+          <a:ln>
+            <a:noFill/>
+          </a:ln>
+        </p:spPr>
+        <p:style>
+          <a:lnRef idx="2">
+            <a:schemeClr val="accent1">
+              <a:shade val="50000"/>
+            </a:schemeClr>
+          </a:lnRef>
+          <a:fillRef idx="1">
+            <a:schemeClr val="accent1"/>
+          </a:fillRef>
+          <a:effectRef idx="0">
+            <a:schemeClr val="accent1"/>
+          </a:effectRef>
+          <a:fontRef idx="minor">
+            <a:schemeClr val="lt1"/>
+          </a:fontRef>
+        </p:style>
+        <p:txBody>
+          <a:bodyPr rtlCol="0" anchor="ctr"/>
+          <a:lstStyle/>
+          <a:p>
+            <a:pPr algn="ctr"/>
+            <a:r>
+              <a:rPr lang="en-GB" dirty="0" smtClean="0">
+                <a:solidFill>
+                  <a:srgbClr val="EE930C"/>
+                </a:solidFill>
+              </a:rPr>
+              <a:t>Recharge</a:t>
+            </a:r>
+            <a:endParaRPr lang="en-GB" dirty="0">
+              <a:solidFill>
+                <a:srgbClr val="EE930C"/>
+              </a:solidFill>
+            </a:endParaRPr>
+          </a:p>
+        </p:txBody>
+      </p:sp>
+      <p:sp>
+        <p:nvSpPr>
+          <p:cNvPr id="26" name="Rectangle 25"/>
+          <p:cNvSpPr/>
+          <p:nvPr/>
+        </p:nvSpPr>
+        <p:spPr>
+          <a:xfrm>
+            <a:off x="4499992" y="3212976"/>
+            <a:ext cx="3456384" cy="445158"/>
+          </a:xfrm>
+          <a:prstGeom prst="rect">
+            <a:avLst/>
+          </a:prstGeom>
+          <a:solidFill>
+            <a:schemeClr val="bg1"/>
+          </a:solidFill>
+          <a:ln>
+            <a:noFill/>
+          </a:ln>
+          <a:effectLst>
+            <a:glow rad="63500">
+              <a:schemeClr val="accent1">
+                <a:satMod val="175000"/>
+                <a:alpha val="40000"/>
+              </a:schemeClr>
+            </a:glow>
+          </a:effectLst>
+        </p:spPr>
+        <p:style>
+          <a:lnRef idx="2">
+            <a:schemeClr val="accent1">
+              <a:shade val="50000"/>
+            </a:schemeClr>
+          </a:lnRef>
+          <a:fillRef idx="1">
+            <a:schemeClr val="accent1"/>
+          </a:fillRef>
+          <a:effectRef idx="0">
+            <a:schemeClr val="accent1"/>
+          </a:effectRef>
+          <a:fontRef idx="minor">
+            <a:schemeClr val="lt1"/>
+          </a:fontRef>
+        </p:style>
+        <p:txBody>
+          <a:bodyPr rtlCol="0" anchor="ctr"/>
+          <a:lstStyle/>
+          <a:p>
+            <a:pPr algn="ctr"/>
+            <a:r>
+              <a:rPr lang="en-GB" dirty="0" smtClean="0">
+                <a:solidFill>
+                  <a:srgbClr val="EE930C"/>
+                </a:solidFill>
+              </a:rPr>
+              <a:t>Phone no</a:t>
+            </a:r>
+            <a:endParaRPr lang="en-GB" dirty="0">
+              <a:solidFill>
+                <a:srgbClr val="EE930C"/>
+              </a:solidFill>
+            </a:endParaRPr>
+          </a:p>
+        </p:txBody>
+      </p:sp>
+      <p:sp>
+        <p:nvSpPr>
+          <p:cNvPr id="17" name="Rectangle 16"/>
+          <p:cNvSpPr/>
+          <p:nvPr/>
+        </p:nvSpPr>
+        <p:spPr>
+          <a:xfrm>
+            <a:off x="4500562" y="3643314"/>
+            <a:ext cx="3456384" cy="445158"/>
+          </a:xfrm>
+          <a:prstGeom prst="rect">
+            <a:avLst/>
+          </a:prstGeom>
+          <a:solidFill>
+            <a:schemeClr val="bg1"/>
+          </a:solidFill>
+          <a:ln>
+            <a:noFill/>
+          </a:ln>
+          <a:effectLst>
+            <a:glow rad="63500">
+              <a:schemeClr val="accent1">
+                <a:satMod val="175000"/>
+                <a:alpha val="40000"/>
+              </a:schemeClr>
+            </a:glow>
+          </a:effectLst>
+        </p:spPr>
+        <p:style>
+          <a:lnRef idx="2">
+            <a:schemeClr val="accent1">
+              <a:shade val="50000"/>
+            </a:schemeClr>
+          </a:lnRef>
+          <a:fillRef idx="1">
+            <a:schemeClr val="accent1"/>
+          </a:fillRef>
+          <a:effectRef idx="0">
+            <a:schemeClr val="accent1"/>
+          </a:effectRef>
+          <a:fontRef idx="minor">
+            <a:schemeClr val="lt1"/>
+          </a:fontRef>
+        </p:style>
+        <p:txBody>
+          <a:bodyPr rtlCol="0" anchor="ctr"/>
+          <a:lstStyle/>
+          <a:p>
+            <a:pPr algn="ctr"/>
+            <a:r>
+              <a:rPr lang="en-GB" dirty="0" smtClean="0">
+                <a:solidFill>
+                  <a:schemeClr val="accent6"/>
+                </a:solidFill>
+              </a:rPr>
+              <a:t>Amount</a:t>
+            </a:r>
+            <a:endParaRPr lang="en-GB" dirty="0">
+              <a:solidFill>
+                <a:schemeClr val="accent6"/>
+              </a:solidFill>
+            </a:endParaRPr>
+          </a:p>
+        </p:txBody>
+      </p:sp>
+      <p:sp>
+        <p:nvSpPr>
+          <p:cNvPr id="12" name="Rectangle 11"/>
+          <p:cNvSpPr/>
+          <p:nvPr/>
+        </p:nvSpPr>
+        <p:spPr>
+          <a:xfrm>
+            <a:off x="4499992" y="4077072"/>
+            <a:ext cx="3456384" cy="445158"/>
+          </a:xfrm>
+          <a:prstGeom prst="rect">
+            <a:avLst/>
+          </a:prstGeom>
+          <a:solidFill>
+            <a:schemeClr val="bg1"/>
+          </a:solidFill>
+          <a:ln>
+            <a:noFill/>
+          </a:ln>
+          <a:effectLst>
+            <a:glow rad="63500">
+              <a:schemeClr val="accent1">
+                <a:satMod val="175000"/>
+                <a:alpha val="40000"/>
+              </a:schemeClr>
+            </a:glow>
+          </a:effectLst>
+        </p:spPr>
+        <p:style>
+          <a:lnRef idx="2">
+            <a:schemeClr val="accent1">
+              <a:shade val="50000"/>
+            </a:schemeClr>
+          </a:lnRef>
+          <a:fillRef idx="1">
+            <a:schemeClr val="accent1"/>
+          </a:fillRef>
+          <a:effectRef idx="0">
+            <a:schemeClr val="accent1"/>
+          </a:effectRef>
+          <a:fontRef idx="minor">
+            <a:schemeClr val="lt1"/>
+          </a:fontRef>
+        </p:style>
+        <p:txBody>
+          <a:bodyPr rtlCol="0" anchor="ctr"/>
+          <a:lstStyle/>
+          <a:p>
+            <a:pPr algn="ctr"/>
+            <a:r>
+              <a:rPr lang="en-GB" dirty="0" smtClean="0">
+                <a:solidFill>
+                  <a:schemeClr val="accent6"/>
+                </a:solidFill>
+              </a:rPr>
+              <a:t>Password</a:t>
+            </a:r>
+            <a:endParaRPr lang="en-GB" dirty="0">
+              <a:solidFill>
+                <a:schemeClr val="accent6"/>
+              </a:solidFill>
+            </a:endParaRPr>
+          </a:p>
+        </p:txBody>
+      </p:sp>
+      <p:sp>
+        <p:nvSpPr>
+          <p:cNvPr id="13" name="Rectangle 12"/>
+          <p:cNvSpPr/>
+          <p:nvPr/>
+        </p:nvSpPr>
+        <p:spPr>
+          <a:xfrm>
+            <a:off x="4499992" y="4509120"/>
+            <a:ext cx="3456384" cy="445158"/>
+          </a:xfrm>
+          <a:prstGeom prst="rect">
+            <a:avLst/>
+          </a:prstGeom>
+          <a:solidFill>
+            <a:srgbClr val="00B050"/>
+          </a:solidFill>
+          <a:ln>
+            <a:noFill/>
+          </a:ln>
+          <a:effectLst>
+            <a:glow rad="63500">
+              <a:schemeClr val="accent1">
+                <a:satMod val="175000"/>
+                <a:alpha val="40000"/>
+              </a:schemeClr>
+            </a:glow>
+          </a:effectLst>
+        </p:spPr>
+        <p:style>
+          <a:lnRef idx="2">
+            <a:schemeClr val="accent1">
+              <a:shade val="50000"/>
+            </a:schemeClr>
+          </a:lnRef>
+          <a:fillRef idx="1">
+            <a:schemeClr val="accent1"/>
+          </a:fillRef>
+          <a:effectRef idx="0">
+            <a:schemeClr val="accent1"/>
+          </a:effectRef>
+          <a:fontRef idx="minor">
+            <a:schemeClr val="lt1"/>
+          </a:fontRef>
+        </p:style>
+        <p:txBody>
+          <a:bodyPr rtlCol="0" anchor="ctr"/>
+          <a:lstStyle/>
+          <a:p>
+            <a:pPr algn="ctr"/>
+            <a:r>
+              <a:rPr lang="en-GB" dirty="0" smtClean="0">
+                <a:solidFill>
+                  <a:schemeClr val="bg1"/>
+                </a:solidFill>
+              </a:rPr>
+              <a:t>Send</a:t>
+            </a:r>
+            <a:endParaRPr lang="en-GB" dirty="0">
+              <a:solidFill>
+                <a:schemeClr val="bg1"/>
+              </a:solidFill>
+            </a:endParaRPr>
+          </a:p>
+        </p:txBody>
+      </p:sp>
+      <p:sp>
+        <p:nvSpPr>
+          <p:cNvPr id="2" name="TextBox 1"/>
+          <p:cNvSpPr txBox="1"/>
+          <p:nvPr/>
+        </p:nvSpPr>
+        <p:spPr>
+          <a:xfrm>
+            <a:off x="2267744" y="404664"/>
+            <a:ext cx="5112568" cy="646331"/>
+          </a:xfrm>
+          <a:prstGeom prst="rect">
+            <a:avLst/>
+          </a:prstGeom>
+          <a:noFill/>
+        </p:spPr>
+        <p:txBody>
+          <a:bodyPr wrap="square" rtlCol="0">
+            <a:spAutoFit/>
+          </a:bodyPr>
+          <a:lstStyle/>
+          <a:p>
+            <a:r>
+              <a:rPr lang="en-US" dirty="0" smtClean="0"/>
+              <a:t>Same goes for all networks ( </a:t>
+            </a:r>
+            <a:r>
+              <a:rPr lang="en-US" dirty="0" err="1" smtClean="0"/>
+              <a:t>Glo</a:t>
+            </a:r>
+            <a:r>
+              <a:rPr lang="en-US" dirty="0" smtClean="0"/>
+              <a:t>, </a:t>
+            </a:r>
+            <a:r>
+              <a:rPr lang="en-US" dirty="0" err="1" smtClean="0"/>
+              <a:t>Airtel</a:t>
+            </a:r>
+            <a:r>
+              <a:rPr lang="en-US" dirty="0" smtClean="0"/>
+              <a:t>, </a:t>
+            </a:r>
+            <a:r>
+              <a:rPr lang="en-US" dirty="0" err="1" smtClean="0"/>
+              <a:t>Etisalat</a:t>
+            </a:r>
+            <a:r>
+              <a:rPr lang="en-US" dirty="0" smtClean="0"/>
+              <a:t>)</a:t>
+            </a:r>
+            <a:endParaRPr lang="en-US" dirty="0"/>
+          </a:p>
+          <a:p>
+            <a:r>
+              <a:rPr lang="en-US" dirty="0" smtClean="0"/>
+              <a:t> Find the API in attached document</a:t>
+            </a:r>
+            <a:endParaRPr lang="en-US" dirty="0"/>
+          </a:p>
+        </p:txBody>
+      </p:sp>
+    </p:spTree>
+    <p:extLst>
+      <p:ext uri="{BB962C8B-B14F-4D97-AF65-F5344CB8AC3E}">
+        <p14:creationId xmlns:p14="http://schemas.microsoft.com/office/powerpoint/2010/main" val="3123023870"/>
+      </p:ext>
+    </p:extLst>
+  </p:cSld>
+  <p:clrMapOvr>
+    <a:masterClrMapping/>
+  </p:clrMapOvr>
+</p:sld>
+</file>
+
+<file path=ppt/slides/slide24.xml><?xml version="1.0" encoding="utf-8"?>
+<p:sld xmlns:a="http://schemas.openxmlformats.org/drawingml/2006/main" xmlns:r="http://schemas.openxmlformats.org/officeDocument/2006/relationships" xmlns:p="http://schemas.openxmlformats.org/presentationml/2006/main">
+  <p:cSld>
+    <p:spTree>
+      <p:nvGrpSpPr>
+        <p:cNvPr id="1" name=""/>
+        <p:cNvGrpSpPr/>
+        <p:nvPr/>
+      </p:nvGrpSpPr>
+      <p:grpSpPr>
+        <a:xfrm>
+          <a:off x="0" y="0"/>
+          <a:ext cx="0" cy="0"/>
+          <a:chOff x="0" y="0"/>
+          <a:chExt cx="0" cy="0"/>
+        </a:xfrm>
+      </p:grpSpPr>
+      <p:sp>
+        <p:nvSpPr>
+          <p:cNvPr id="10" name="Rectangle 9"/>
+          <p:cNvSpPr/>
+          <p:nvPr/>
+        </p:nvSpPr>
+        <p:spPr>
+          <a:xfrm>
+            <a:off x="4500562" y="1124744"/>
+            <a:ext cx="3455814" cy="5219534"/>
+          </a:xfrm>
+          <a:prstGeom prst="rect">
+            <a:avLst/>
+          </a:prstGeom>
+          <a:solidFill>
+            <a:srgbClr val="EE930C"/>
+          </a:solidFill>
+          <a:ln>
+            <a:noFill/>
+          </a:ln>
+        </p:spPr>
+        <p:style>
+          <a:lnRef idx="2">
+            <a:schemeClr val="accent1">
+              <a:shade val="50000"/>
+            </a:schemeClr>
+          </a:lnRef>
+          <a:fillRef idx="1">
+            <a:schemeClr val="accent1"/>
+          </a:fillRef>
+          <a:effectRef idx="0">
+            <a:schemeClr val="accent1"/>
+          </a:effectRef>
+          <a:fontRef idx="minor">
+            <a:schemeClr val="lt1"/>
+          </a:fontRef>
+        </p:style>
+        <p:txBody>
+          <a:bodyPr rtlCol="0" anchor="ctr"/>
+          <a:lstStyle/>
+          <a:p>
+            <a:pPr algn="ctr"/>
+            <a:endParaRPr lang="en-GB" dirty="0"/>
+          </a:p>
+        </p:txBody>
+      </p:sp>
+      <p:sp>
+        <p:nvSpPr>
+          <p:cNvPr id="11" name="Rectangle 10"/>
+          <p:cNvSpPr/>
+          <p:nvPr/>
+        </p:nvSpPr>
+        <p:spPr>
+          <a:xfrm>
+            <a:off x="4499992" y="1915122"/>
+            <a:ext cx="3456384" cy="793798"/>
+          </a:xfrm>
+          <a:prstGeom prst="rect">
+            <a:avLst/>
+          </a:prstGeom>
+          <a:solidFill>
+            <a:schemeClr val="bg1"/>
+          </a:solidFill>
+          <a:ln>
+            <a:noFill/>
+          </a:ln>
+          <a:effectLst>
+            <a:glow rad="63500">
+              <a:schemeClr val="accent1">
+                <a:satMod val="175000"/>
+                <a:alpha val="40000"/>
+              </a:schemeClr>
+            </a:glow>
+          </a:effectLst>
+        </p:spPr>
+        <p:style>
+          <a:lnRef idx="2">
+            <a:schemeClr val="accent1">
+              <a:shade val="50000"/>
+            </a:schemeClr>
+          </a:lnRef>
+          <a:fillRef idx="1">
+            <a:schemeClr val="accent1"/>
+          </a:fillRef>
+          <a:effectRef idx="0">
+            <a:schemeClr val="accent1"/>
+          </a:effectRef>
+          <a:fontRef idx="minor">
+            <a:schemeClr val="lt1"/>
+          </a:fontRef>
+        </p:style>
+        <p:txBody>
+          <a:bodyPr rtlCol="0" anchor="ctr"/>
+          <a:lstStyle/>
+          <a:p>
+            <a:pPr algn="ctr"/>
+            <a:r>
+              <a:rPr lang="en-GB" dirty="0" err="1" smtClean="0">
+                <a:solidFill>
+                  <a:srgbClr val="EE930C"/>
+                </a:solidFill>
+              </a:rPr>
+              <a:t>BBNcoin</a:t>
+            </a:r>
+            <a:r>
+              <a:rPr lang="en-GB" dirty="0" smtClean="0">
+                <a:solidFill>
+                  <a:srgbClr val="EE930C"/>
+                </a:solidFill>
+              </a:rPr>
+              <a:t> 50,000</a:t>
+            </a:r>
+            <a:endParaRPr lang="en-GB" dirty="0">
+              <a:solidFill>
+                <a:srgbClr val="EE930C"/>
+              </a:solidFill>
+            </a:endParaRPr>
+          </a:p>
+        </p:txBody>
+      </p:sp>
+      <p:sp>
+        <p:nvSpPr>
+          <p:cNvPr id="15" name="Rectangle 14"/>
+          <p:cNvSpPr/>
+          <p:nvPr/>
+        </p:nvSpPr>
+        <p:spPr>
+          <a:xfrm>
+            <a:off x="5072066" y="1343618"/>
+            <a:ext cx="2214578" cy="571504"/>
+          </a:xfrm>
+          <a:prstGeom prst="rect">
+            <a:avLst/>
+          </a:prstGeom>
+          <a:solidFill>
+            <a:srgbClr val="EE930C"/>
+          </a:solidFill>
+          <a:ln>
+            <a:noFill/>
+          </a:ln>
+        </p:spPr>
+        <p:style>
+          <a:lnRef idx="2">
+            <a:schemeClr val="accent1">
+              <a:shade val="50000"/>
+            </a:schemeClr>
+          </a:lnRef>
+          <a:fillRef idx="1">
+            <a:schemeClr val="accent1"/>
+          </a:fillRef>
+          <a:effectRef idx="0">
+            <a:schemeClr val="accent1"/>
+          </a:effectRef>
+          <a:fontRef idx="minor">
+            <a:schemeClr val="lt1"/>
+          </a:fontRef>
+        </p:style>
+        <p:txBody>
+          <a:bodyPr rtlCol="0" anchor="ctr"/>
+          <a:lstStyle/>
+          <a:p>
+            <a:pPr algn="ctr"/>
+            <a:r>
+              <a:rPr lang="en-GB" dirty="0">
+                <a:solidFill>
+                  <a:schemeClr val="bg1"/>
+                </a:solidFill>
+              </a:rPr>
+              <a:t>Cable TV</a:t>
+            </a:r>
+          </a:p>
+        </p:txBody>
+      </p:sp>
+      <p:sp>
+        <p:nvSpPr>
+          <p:cNvPr id="16" name="Rectangle 15"/>
+          <p:cNvSpPr/>
+          <p:nvPr/>
+        </p:nvSpPr>
+        <p:spPr>
+          <a:xfrm>
+            <a:off x="4499992" y="2767818"/>
+            <a:ext cx="3456384" cy="445158"/>
+          </a:xfrm>
+          <a:prstGeom prst="rect">
+            <a:avLst/>
+          </a:prstGeom>
+          <a:solidFill>
+            <a:schemeClr val="bg1"/>
+          </a:solidFill>
+          <a:ln>
+            <a:noFill/>
+          </a:ln>
+          <a:effectLst>
+            <a:glow rad="63500">
+              <a:schemeClr val="accent1">
+                <a:satMod val="175000"/>
+                <a:alpha val="40000"/>
+              </a:schemeClr>
+            </a:glow>
+          </a:effectLst>
+        </p:spPr>
+        <p:style>
+          <a:lnRef idx="2">
+            <a:schemeClr val="accent1">
+              <a:shade val="50000"/>
+            </a:schemeClr>
+          </a:lnRef>
+          <a:fillRef idx="1">
+            <a:schemeClr val="accent1"/>
+          </a:fillRef>
+          <a:effectRef idx="0">
+            <a:schemeClr val="accent1"/>
+          </a:effectRef>
+          <a:fontRef idx="minor">
+            <a:schemeClr val="lt1"/>
+          </a:fontRef>
+        </p:style>
+        <p:txBody>
+          <a:bodyPr rtlCol="0" anchor="ctr"/>
+          <a:lstStyle/>
+          <a:p>
+            <a:pPr algn="ctr"/>
+            <a:r>
+              <a:rPr lang="en-GB" dirty="0" err="1" smtClean="0">
+                <a:solidFill>
+                  <a:srgbClr val="EE930C"/>
+                </a:solidFill>
+              </a:rPr>
+              <a:t>Dstv</a:t>
+            </a:r>
+            <a:endParaRPr lang="en-GB" dirty="0">
+              <a:solidFill>
+                <a:srgbClr val="EE930C"/>
+              </a:solidFill>
+            </a:endParaRPr>
+          </a:p>
+        </p:txBody>
+      </p:sp>
+      <p:sp>
+        <p:nvSpPr>
+          <p:cNvPr id="23" name="Rectangle 22"/>
+          <p:cNvSpPr/>
+          <p:nvPr/>
+        </p:nvSpPr>
+        <p:spPr>
+          <a:xfrm>
+            <a:off x="571472" y="1124744"/>
+            <a:ext cx="3357586" cy="5214974"/>
+          </a:xfrm>
+          <a:prstGeom prst="rect">
+            <a:avLst/>
+          </a:prstGeom>
+          <a:solidFill>
+            <a:srgbClr val="EE930C"/>
+          </a:solidFill>
+          <a:ln>
+            <a:noFill/>
+          </a:ln>
+        </p:spPr>
+        <p:style>
+          <a:lnRef idx="2">
+            <a:schemeClr val="accent1">
+              <a:shade val="50000"/>
+            </a:schemeClr>
+          </a:lnRef>
+          <a:fillRef idx="1">
+            <a:schemeClr val="accent1"/>
+          </a:fillRef>
+          <a:effectRef idx="0">
+            <a:schemeClr val="accent1"/>
+          </a:effectRef>
+          <a:fontRef idx="minor">
+            <a:schemeClr val="lt1"/>
+          </a:fontRef>
+        </p:style>
+        <p:txBody>
+          <a:bodyPr rtlCol="0" anchor="ctr"/>
+          <a:lstStyle/>
+          <a:p>
+            <a:pPr algn="ctr"/>
+            <a:endParaRPr lang="en-GB"/>
+          </a:p>
+        </p:txBody>
+      </p:sp>
+      <p:sp>
+        <p:nvSpPr>
+          <p:cNvPr id="24" name="Rectangle 23"/>
+          <p:cNvSpPr/>
+          <p:nvPr/>
+        </p:nvSpPr>
+        <p:spPr>
+          <a:xfrm>
+            <a:off x="1142976" y="3339322"/>
+            <a:ext cx="2214578" cy="571504"/>
+          </a:xfrm>
+          <a:prstGeom prst="rect">
+            <a:avLst/>
+          </a:prstGeom>
+          <a:solidFill>
+            <a:schemeClr val="bg1"/>
+          </a:solidFill>
+          <a:ln>
+            <a:noFill/>
+          </a:ln>
+        </p:spPr>
+        <p:style>
+          <a:lnRef idx="2">
+            <a:schemeClr val="accent1">
+              <a:shade val="50000"/>
+            </a:schemeClr>
+          </a:lnRef>
+          <a:fillRef idx="1">
+            <a:schemeClr val="accent1"/>
+          </a:fillRef>
+          <a:effectRef idx="0">
+            <a:schemeClr val="accent1"/>
+          </a:effectRef>
+          <a:fontRef idx="minor">
+            <a:schemeClr val="lt1"/>
+          </a:fontRef>
+        </p:style>
+        <p:txBody>
+          <a:bodyPr rtlCol="0" anchor="ctr"/>
+          <a:lstStyle/>
+          <a:p>
+            <a:pPr algn="ctr"/>
+            <a:r>
+              <a:rPr lang="en-GB" dirty="0" smtClean="0">
+                <a:solidFill>
+                  <a:srgbClr val="EE930C"/>
+                </a:solidFill>
+              </a:rPr>
+              <a:t>Cable TV</a:t>
+            </a:r>
+            <a:endParaRPr lang="en-GB" dirty="0">
+              <a:solidFill>
+                <a:srgbClr val="EE930C"/>
+              </a:solidFill>
+            </a:endParaRPr>
+          </a:p>
+        </p:txBody>
+      </p:sp>
+      <p:sp>
+        <p:nvSpPr>
+          <p:cNvPr id="26" name="Rectangle 25"/>
+          <p:cNvSpPr/>
+          <p:nvPr/>
+        </p:nvSpPr>
+        <p:spPr>
+          <a:xfrm>
+            <a:off x="4499992" y="5144082"/>
+            <a:ext cx="3456384" cy="445158"/>
+          </a:xfrm>
+          <a:prstGeom prst="rect">
+            <a:avLst/>
+          </a:prstGeom>
+          <a:solidFill>
+            <a:schemeClr val="bg1"/>
+          </a:solidFill>
+          <a:ln>
+            <a:noFill/>
+          </a:ln>
+          <a:effectLst>
+            <a:glow rad="63500">
+              <a:schemeClr val="accent1">
+                <a:satMod val="175000"/>
+                <a:alpha val="40000"/>
+              </a:schemeClr>
+            </a:glow>
+          </a:effectLst>
+        </p:spPr>
+        <p:style>
+          <a:lnRef idx="2">
+            <a:schemeClr val="accent1">
+              <a:shade val="50000"/>
+            </a:schemeClr>
+          </a:lnRef>
+          <a:fillRef idx="1">
+            <a:schemeClr val="accent1"/>
+          </a:fillRef>
+          <a:effectRef idx="0">
+            <a:schemeClr val="accent1"/>
+          </a:effectRef>
+          <a:fontRef idx="minor">
+            <a:schemeClr val="lt1"/>
+          </a:fontRef>
+        </p:style>
+        <p:txBody>
+          <a:bodyPr rtlCol="0" anchor="ctr"/>
+          <a:lstStyle/>
+          <a:p>
+            <a:pPr algn="ctr"/>
+            <a:r>
+              <a:rPr lang="en-GB" dirty="0" smtClean="0">
+                <a:solidFill>
+                  <a:srgbClr val="EE930C"/>
+                </a:solidFill>
+              </a:rPr>
+              <a:t>GO </a:t>
+            </a:r>
+            <a:r>
+              <a:rPr lang="en-GB" dirty="0" err="1" smtClean="0">
+                <a:solidFill>
+                  <a:srgbClr val="EE930C"/>
+                </a:solidFill>
+              </a:rPr>
+              <a:t>tv</a:t>
+            </a:r>
+            <a:endParaRPr lang="en-GB" dirty="0">
+              <a:solidFill>
+                <a:srgbClr val="EE930C"/>
+              </a:solidFill>
+            </a:endParaRPr>
+          </a:p>
+        </p:txBody>
+      </p:sp>
+      <p:sp>
+        <p:nvSpPr>
+          <p:cNvPr id="2" name="Down Arrow 1"/>
+          <p:cNvSpPr/>
+          <p:nvPr/>
+        </p:nvSpPr>
+        <p:spPr>
+          <a:xfrm>
+            <a:off x="7452320" y="2924944"/>
+            <a:ext cx="144016" cy="144016"/>
+          </a:xfrm>
+          <a:prstGeom prst="downArrow">
+            <a:avLst/>
+          </a:prstGeom>
+          <a:solidFill>
+            <a:schemeClr val="bg1"/>
+          </a:solidFill>
+          <a:ln>
+            <a:solidFill>
+              <a:srgbClr val="EE930C"/>
+            </a:solidFill>
+          </a:ln>
+        </p:spPr>
+        <p:style>
+          <a:lnRef idx="2">
+            <a:schemeClr val="accent1">
+              <a:shade val="50000"/>
+            </a:schemeClr>
+          </a:lnRef>
+          <a:fillRef idx="1">
+            <a:schemeClr val="accent1"/>
+          </a:fillRef>
+          <a:effectRef idx="0">
+            <a:schemeClr val="accent1"/>
+          </a:effectRef>
+          <a:fontRef idx="minor">
+            <a:schemeClr val="lt1"/>
+          </a:fontRef>
+        </p:style>
+        <p:txBody>
+          <a:bodyPr rtlCol="0" anchor="ctr"/>
+          <a:lstStyle/>
+          <a:p>
+            <a:pPr algn="ctr"/>
+            <a:endParaRPr lang="en-US"/>
+          </a:p>
+        </p:txBody>
+      </p:sp>
+      <p:sp>
+        <p:nvSpPr>
+          <p:cNvPr id="14" name="Rectangle 13"/>
+          <p:cNvSpPr/>
+          <p:nvPr/>
+        </p:nvSpPr>
+        <p:spPr>
+          <a:xfrm>
+            <a:off x="4499992" y="3212976"/>
+            <a:ext cx="3456384" cy="445158"/>
+          </a:xfrm>
+          <a:prstGeom prst="rect">
+            <a:avLst/>
+          </a:prstGeom>
+          <a:solidFill>
+            <a:schemeClr val="bg1"/>
+          </a:solidFill>
+          <a:ln>
+            <a:noFill/>
+          </a:ln>
+          <a:effectLst>
+            <a:glow rad="63500">
+              <a:schemeClr val="accent1">
+                <a:satMod val="175000"/>
+                <a:alpha val="40000"/>
+              </a:schemeClr>
+            </a:glow>
+          </a:effectLst>
+        </p:spPr>
+        <p:style>
+          <a:lnRef idx="2">
+            <a:schemeClr val="accent1">
+              <a:shade val="50000"/>
+            </a:schemeClr>
+          </a:lnRef>
+          <a:fillRef idx="1">
+            <a:schemeClr val="accent1"/>
+          </a:fillRef>
+          <a:effectRef idx="0">
+            <a:schemeClr val="accent1"/>
+          </a:effectRef>
+          <a:fontRef idx="minor">
+            <a:schemeClr val="lt1"/>
+          </a:fontRef>
+        </p:style>
+        <p:txBody>
+          <a:bodyPr rtlCol="0" anchor="ctr"/>
+          <a:lstStyle/>
+          <a:p>
+            <a:pPr algn="ctr"/>
+            <a:r>
+              <a:rPr lang="en-GB" dirty="0" smtClean="0">
+                <a:solidFill>
+                  <a:srgbClr val="EE930C"/>
+                </a:solidFill>
+              </a:rPr>
+              <a:t>Plan</a:t>
+            </a:r>
+            <a:endParaRPr lang="en-GB" dirty="0">
+              <a:solidFill>
+                <a:srgbClr val="EE930C"/>
+              </a:solidFill>
+            </a:endParaRPr>
+          </a:p>
+        </p:txBody>
+      </p:sp>
+      <p:sp>
+        <p:nvSpPr>
+          <p:cNvPr id="18" name="Rectangle 17"/>
+          <p:cNvSpPr/>
+          <p:nvPr/>
+        </p:nvSpPr>
+        <p:spPr>
+          <a:xfrm>
+            <a:off x="4499992" y="3631914"/>
+            <a:ext cx="3456384" cy="445158"/>
+          </a:xfrm>
+          <a:prstGeom prst="rect">
+            <a:avLst/>
+          </a:prstGeom>
+          <a:solidFill>
+            <a:schemeClr val="bg1"/>
+          </a:solidFill>
+          <a:ln>
+            <a:noFill/>
+          </a:ln>
+          <a:effectLst>
+            <a:glow rad="63500">
+              <a:schemeClr val="accent1">
+                <a:satMod val="175000"/>
+                <a:alpha val="40000"/>
+              </a:schemeClr>
+            </a:glow>
+          </a:effectLst>
+        </p:spPr>
+        <p:style>
+          <a:lnRef idx="2">
+            <a:schemeClr val="accent1">
+              <a:shade val="50000"/>
+            </a:schemeClr>
+          </a:lnRef>
+          <a:fillRef idx="1">
+            <a:schemeClr val="accent1"/>
+          </a:fillRef>
+          <a:effectRef idx="0">
+            <a:schemeClr val="accent1"/>
+          </a:effectRef>
+          <a:fontRef idx="minor">
+            <a:schemeClr val="lt1"/>
+          </a:fontRef>
+        </p:style>
+        <p:txBody>
+          <a:bodyPr rtlCol="0" anchor="ctr"/>
+          <a:lstStyle/>
+          <a:p>
+            <a:pPr algn="ctr"/>
+            <a:r>
+              <a:rPr lang="en-GB" dirty="0" smtClean="0">
+                <a:solidFill>
+                  <a:srgbClr val="EE930C"/>
+                </a:solidFill>
+              </a:rPr>
+              <a:t>Amount</a:t>
+            </a:r>
+            <a:endParaRPr lang="en-GB" dirty="0">
+              <a:solidFill>
+                <a:srgbClr val="EE930C"/>
+              </a:solidFill>
+            </a:endParaRPr>
+          </a:p>
+        </p:txBody>
+      </p:sp>
+      <p:sp>
+        <p:nvSpPr>
+          <p:cNvPr id="19" name="Rectangle 18"/>
+          <p:cNvSpPr/>
+          <p:nvPr/>
+        </p:nvSpPr>
+        <p:spPr>
+          <a:xfrm>
+            <a:off x="4499992" y="4063962"/>
+            <a:ext cx="3456384" cy="445158"/>
+          </a:xfrm>
+          <a:prstGeom prst="rect">
+            <a:avLst/>
+          </a:prstGeom>
+          <a:solidFill>
+            <a:schemeClr val="bg1"/>
+          </a:solidFill>
+          <a:ln>
+            <a:noFill/>
+          </a:ln>
+          <a:effectLst>
+            <a:glow rad="63500">
+              <a:schemeClr val="accent1">
+                <a:satMod val="175000"/>
+                <a:alpha val="40000"/>
+              </a:schemeClr>
+            </a:glow>
+          </a:effectLst>
+        </p:spPr>
+        <p:style>
+          <a:lnRef idx="2">
+            <a:schemeClr val="accent1">
+              <a:shade val="50000"/>
+            </a:schemeClr>
+          </a:lnRef>
+          <a:fillRef idx="1">
+            <a:schemeClr val="accent1"/>
+          </a:fillRef>
+          <a:effectRef idx="0">
+            <a:schemeClr val="accent1"/>
+          </a:effectRef>
+          <a:fontRef idx="minor">
+            <a:schemeClr val="lt1"/>
+          </a:fontRef>
+        </p:style>
+        <p:txBody>
+          <a:bodyPr rtlCol="0" anchor="ctr"/>
+          <a:lstStyle/>
+          <a:p>
+            <a:pPr algn="ctr"/>
+            <a:r>
+              <a:rPr lang="en-GB" dirty="0">
+                <a:solidFill>
+                  <a:srgbClr val="EE930C"/>
+                </a:solidFill>
+              </a:rPr>
+              <a:t>DSTV Smart card </a:t>
+            </a:r>
+            <a:r>
+              <a:rPr lang="en-GB" dirty="0" smtClean="0">
+                <a:solidFill>
+                  <a:srgbClr val="EE930C"/>
+                </a:solidFill>
+              </a:rPr>
+              <a:t>Number</a:t>
+            </a:r>
+            <a:endParaRPr lang="en-GB" dirty="0">
+              <a:solidFill>
+                <a:srgbClr val="EE930C"/>
+              </a:solidFill>
+            </a:endParaRPr>
+          </a:p>
+        </p:txBody>
+      </p:sp>
+      <p:sp>
+        <p:nvSpPr>
+          <p:cNvPr id="20" name="Rectangle 19"/>
+          <p:cNvSpPr/>
+          <p:nvPr/>
+        </p:nvSpPr>
+        <p:spPr>
+          <a:xfrm>
+            <a:off x="4499992" y="4509120"/>
+            <a:ext cx="3456384" cy="445158"/>
+          </a:xfrm>
+          <a:prstGeom prst="rect">
+            <a:avLst/>
+          </a:prstGeom>
+          <a:solidFill>
+            <a:srgbClr val="00B050"/>
+          </a:solidFill>
+          <a:ln>
+            <a:noFill/>
+          </a:ln>
+          <a:effectLst>
+            <a:glow rad="63500">
+              <a:schemeClr val="accent1">
+                <a:satMod val="175000"/>
+                <a:alpha val="40000"/>
+              </a:schemeClr>
+            </a:glow>
+          </a:effectLst>
+        </p:spPr>
+        <p:style>
+          <a:lnRef idx="2">
+            <a:schemeClr val="accent1">
+              <a:shade val="50000"/>
+            </a:schemeClr>
+          </a:lnRef>
+          <a:fillRef idx="1">
+            <a:schemeClr val="accent1"/>
+          </a:fillRef>
+          <a:effectRef idx="0">
+            <a:schemeClr val="accent1"/>
+          </a:effectRef>
+          <a:fontRef idx="minor">
+            <a:schemeClr val="lt1"/>
+          </a:fontRef>
+        </p:style>
+        <p:txBody>
+          <a:bodyPr rtlCol="0" anchor="ctr"/>
+          <a:lstStyle/>
+          <a:p>
+            <a:pPr algn="ctr"/>
+            <a:r>
+              <a:rPr lang="en-GB" dirty="0" smtClean="0">
+                <a:solidFill>
+                  <a:schemeClr val="bg1"/>
+                </a:solidFill>
+              </a:rPr>
+              <a:t>Send</a:t>
+            </a:r>
+            <a:endParaRPr lang="en-GB" dirty="0">
+              <a:solidFill>
+                <a:schemeClr val="bg1"/>
+              </a:solidFill>
+            </a:endParaRPr>
+          </a:p>
+        </p:txBody>
+      </p:sp>
+      <p:sp>
+        <p:nvSpPr>
+          <p:cNvPr id="21" name="Down Arrow 20"/>
+          <p:cNvSpPr/>
+          <p:nvPr/>
+        </p:nvSpPr>
+        <p:spPr>
+          <a:xfrm>
+            <a:off x="7380312" y="5294653"/>
+            <a:ext cx="144016" cy="144016"/>
+          </a:xfrm>
+          <a:prstGeom prst="downArrow">
+            <a:avLst/>
+          </a:prstGeom>
+          <a:solidFill>
+            <a:schemeClr val="bg1"/>
+          </a:solidFill>
+          <a:ln>
+            <a:solidFill>
+              <a:srgbClr val="EE930C"/>
+            </a:solidFill>
+          </a:ln>
+        </p:spPr>
+        <p:style>
+          <a:lnRef idx="2">
+            <a:schemeClr val="accent1">
+              <a:shade val="50000"/>
+            </a:schemeClr>
+          </a:lnRef>
+          <a:fillRef idx="1">
+            <a:schemeClr val="accent1"/>
+          </a:fillRef>
+          <a:effectRef idx="0">
+            <a:schemeClr val="accent1"/>
+          </a:effectRef>
+          <a:fontRef idx="minor">
+            <a:schemeClr val="lt1"/>
+          </a:fontRef>
+        </p:style>
+        <p:txBody>
+          <a:bodyPr rtlCol="0" anchor="ctr"/>
+          <a:lstStyle/>
+          <a:p>
+            <a:pPr algn="ctr"/>
+            <a:endParaRPr lang="en-US"/>
+          </a:p>
+        </p:txBody>
+      </p:sp>
+      <p:sp>
+        <p:nvSpPr>
+          <p:cNvPr id="22" name="Rectangle 21"/>
+          <p:cNvSpPr/>
+          <p:nvPr/>
+        </p:nvSpPr>
+        <p:spPr>
+          <a:xfrm>
+            <a:off x="4499992" y="5576130"/>
+            <a:ext cx="3456384" cy="445158"/>
+          </a:xfrm>
+          <a:prstGeom prst="rect">
+            <a:avLst/>
+          </a:prstGeom>
+          <a:solidFill>
+            <a:schemeClr val="bg1"/>
+          </a:solidFill>
+          <a:ln>
+            <a:noFill/>
+          </a:ln>
+          <a:effectLst>
+            <a:glow rad="63500">
+              <a:schemeClr val="accent1">
+                <a:satMod val="175000"/>
+                <a:alpha val="40000"/>
+              </a:schemeClr>
+            </a:glow>
+          </a:effectLst>
+        </p:spPr>
+        <p:style>
+          <a:lnRef idx="2">
+            <a:schemeClr val="accent1">
+              <a:shade val="50000"/>
+            </a:schemeClr>
+          </a:lnRef>
+          <a:fillRef idx="1">
+            <a:schemeClr val="accent1"/>
+          </a:fillRef>
+          <a:effectRef idx="0">
+            <a:schemeClr val="accent1"/>
+          </a:effectRef>
+          <a:fontRef idx="minor">
+            <a:schemeClr val="lt1"/>
+          </a:fontRef>
+        </p:style>
+        <p:txBody>
+          <a:bodyPr rtlCol="0" anchor="ctr"/>
+          <a:lstStyle/>
+          <a:p>
+            <a:pPr algn="ctr"/>
+            <a:r>
+              <a:rPr lang="en-US" dirty="0">
+                <a:solidFill>
+                  <a:srgbClr val="EE930C"/>
+                </a:solidFill>
+              </a:rPr>
+              <a:t>Start Times</a:t>
+            </a:r>
+            <a:endParaRPr lang="en-GB" dirty="0">
+              <a:solidFill>
+                <a:srgbClr val="EE930C"/>
+              </a:solidFill>
+            </a:endParaRPr>
+          </a:p>
+        </p:txBody>
+      </p:sp>
+      <p:sp>
+        <p:nvSpPr>
+          <p:cNvPr id="25" name="Down Arrow 24"/>
+          <p:cNvSpPr/>
+          <p:nvPr/>
+        </p:nvSpPr>
+        <p:spPr>
+          <a:xfrm>
+            <a:off x="7380312" y="5726701"/>
+            <a:ext cx="144016" cy="144016"/>
+          </a:xfrm>
+          <a:prstGeom prst="downArrow">
+            <a:avLst/>
+          </a:prstGeom>
+          <a:solidFill>
+            <a:schemeClr val="bg1"/>
+          </a:solidFill>
+          <a:ln>
+            <a:solidFill>
+              <a:srgbClr val="EE930C"/>
+            </a:solidFill>
+          </a:ln>
+        </p:spPr>
+        <p:style>
+          <a:lnRef idx="2">
+            <a:schemeClr val="accent1">
+              <a:shade val="50000"/>
+            </a:schemeClr>
+          </a:lnRef>
+          <a:fillRef idx="1">
+            <a:schemeClr val="accent1"/>
+          </a:fillRef>
+          <a:effectRef idx="0">
+            <a:schemeClr val="accent1"/>
+          </a:effectRef>
+          <a:fontRef idx="minor">
+            <a:schemeClr val="lt1"/>
+          </a:fontRef>
+        </p:style>
+        <p:txBody>
+          <a:bodyPr rtlCol="0" anchor="ctr"/>
+          <a:lstStyle/>
+          <a:p>
+            <a:pPr algn="ctr"/>
+            <a:endParaRPr lang="en-US"/>
+          </a:p>
+        </p:txBody>
+      </p:sp>
+    </p:spTree>
+    <p:extLst>
+      <p:ext uri="{BB962C8B-B14F-4D97-AF65-F5344CB8AC3E}">
+        <p14:creationId xmlns:p14="http://schemas.microsoft.com/office/powerpoint/2010/main" val="437659315"/>
+      </p:ext>
+    </p:extLst>
+  </p:cSld>
+  <p:clrMapOvr>
+    <a:masterClrMapping/>
+  </p:clrMapOvr>
+</p:sld>
+</file>
+
+<file path=ppt/slides/slide25.xml><?xml version="1.0" encoding="utf-8"?>
+<p:sld xmlns:a="http://schemas.openxmlformats.org/drawingml/2006/main" xmlns:r="http://schemas.openxmlformats.org/officeDocument/2006/relationships" xmlns:p="http://schemas.openxmlformats.org/presentationml/2006/main">
+  <p:cSld>
+    <p:spTree>
+      <p:nvGrpSpPr>
+        <p:cNvPr id="1" name=""/>
+        <p:cNvGrpSpPr/>
+        <p:nvPr/>
+      </p:nvGrpSpPr>
+      <p:grpSpPr>
+        <a:xfrm>
+          <a:off x="0" y="0"/>
+          <a:ext cx="0" cy="0"/>
+          <a:chOff x="0" y="0"/>
+          <a:chExt cx="0" cy="0"/>
+        </a:xfrm>
+      </p:grpSpPr>
+      <p:sp>
+        <p:nvSpPr>
+          <p:cNvPr id="10" name="Rectangle 9"/>
+          <p:cNvSpPr/>
+          <p:nvPr/>
+        </p:nvSpPr>
+        <p:spPr>
+          <a:xfrm>
+            <a:off x="4500562" y="1124744"/>
+            <a:ext cx="3455814" cy="5219534"/>
+          </a:xfrm>
+          <a:prstGeom prst="rect">
+            <a:avLst/>
+          </a:prstGeom>
+          <a:solidFill>
+            <a:srgbClr val="EE930C"/>
+          </a:solidFill>
+          <a:ln>
+            <a:noFill/>
+          </a:ln>
+        </p:spPr>
+        <p:style>
+          <a:lnRef idx="2">
+            <a:schemeClr val="accent1">
+              <a:shade val="50000"/>
+            </a:schemeClr>
+          </a:lnRef>
+          <a:fillRef idx="1">
+            <a:schemeClr val="accent1"/>
+          </a:fillRef>
+          <a:effectRef idx="0">
+            <a:schemeClr val="accent1"/>
+          </a:effectRef>
+          <a:fontRef idx="minor">
+            <a:schemeClr val="lt1"/>
+          </a:fontRef>
+        </p:style>
+        <p:txBody>
+          <a:bodyPr rtlCol="0" anchor="ctr"/>
+          <a:lstStyle/>
+          <a:p>
+            <a:pPr algn="ctr"/>
+            <a:endParaRPr lang="en-GB" dirty="0"/>
+          </a:p>
+        </p:txBody>
+      </p:sp>
+      <p:sp>
+        <p:nvSpPr>
+          <p:cNvPr id="11" name="Rectangle 10"/>
+          <p:cNvSpPr/>
+          <p:nvPr/>
+        </p:nvSpPr>
+        <p:spPr>
+          <a:xfrm>
+            <a:off x="4499992" y="1915122"/>
+            <a:ext cx="3456384" cy="793798"/>
+          </a:xfrm>
+          <a:prstGeom prst="rect">
+            <a:avLst/>
+          </a:prstGeom>
+          <a:solidFill>
+            <a:schemeClr val="bg1"/>
+          </a:solidFill>
+          <a:ln>
+            <a:noFill/>
+          </a:ln>
+          <a:effectLst>
+            <a:glow rad="63500">
+              <a:schemeClr val="accent1">
+                <a:satMod val="175000"/>
+                <a:alpha val="40000"/>
+              </a:schemeClr>
+            </a:glow>
+          </a:effectLst>
+        </p:spPr>
+        <p:style>
+          <a:lnRef idx="2">
+            <a:schemeClr val="accent1">
+              <a:shade val="50000"/>
+            </a:schemeClr>
+          </a:lnRef>
+          <a:fillRef idx="1">
+            <a:schemeClr val="accent1"/>
+          </a:fillRef>
+          <a:effectRef idx="0">
+            <a:schemeClr val="accent1"/>
+          </a:effectRef>
+          <a:fontRef idx="minor">
+            <a:schemeClr val="lt1"/>
+          </a:fontRef>
+        </p:style>
+        <p:txBody>
+          <a:bodyPr rtlCol="0" anchor="ctr"/>
+          <a:lstStyle/>
+          <a:p>
+            <a:pPr algn="ctr"/>
+            <a:r>
+              <a:rPr lang="en-GB" dirty="0" err="1" smtClean="0">
+                <a:solidFill>
+                  <a:srgbClr val="EE930C"/>
+                </a:solidFill>
+              </a:rPr>
+              <a:t>BBNcoin</a:t>
+            </a:r>
+            <a:r>
+              <a:rPr lang="en-GB" dirty="0" smtClean="0">
+                <a:solidFill>
+                  <a:srgbClr val="EE930C"/>
+                </a:solidFill>
+              </a:rPr>
+              <a:t> 50,000</a:t>
+            </a:r>
+            <a:endParaRPr lang="en-GB" dirty="0">
+              <a:solidFill>
+                <a:srgbClr val="EE930C"/>
+              </a:solidFill>
+            </a:endParaRPr>
+          </a:p>
+        </p:txBody>
+      </p:sp>
+      <p:sp>
+        <p:nvSpPr>
+          <p:cNvPr id="15" name="Rectangle 14"/>
+          <p:cNvSpPr/>
+          <p:nvPr/>
+        </p:nvSpPr>
+        <p:spPr>
+          <a:xfrm>
+            <a:off x="4932040" y="1343618"/>
+            <a:ext cx="2668286" cy="571504"/>
+          </a:xfrm>
+          <a:prstGeom prst="rect">
+            <a:avLst/>
+          </a:prstGeom>
+          <a:solidFill>
+            <a:srgbClr val="EE930C"/>
+          </a:solidFill>
+          <a:ln>
+            <a:noFill/>
+          </a:ln>
+        </p:spPr>
+        <p:style>
+          <a:lnRef idx="2">
+            <a:schemeClr val="accent1">
+              <a:shade val="50000"/>
+            </a:schemeClr>
+          </a:lnRef>
+          <a:fillRef idx="1">
+            <a:schemeClr val="accent1"/>
+          </a:fillRef>
+          <a:effectRef idx="0">
+            <a:schemeClr val="accent1"/>
+          </a:effectRef>
+          <a:fontRef idx="minor">
+            <a:schemeClr val="lt1"/>
+          </a:fontRef>
+        </p:style>
+        <p:txBody>
+          <a:bodyPr rtlCol="0" anchor="ctr"/>
+          <a:lstStyle/>
+          <a:p>
+            <a:pPr algn="ctr"/>
+            <a:r>
+              <a:rPr lang="en-GB" dirty="0">
+                <a:solidFill>
+                  <a:schemeClr val="bg1"/>
+                </a:solidFill>
+              </a:rPr>
+              <a:t>Internet Subscriptions</a:t>
+            </a:r>
+          </a:p>
+        </p:txBody>
+      </p:sp>
+      <p:sp>
+        <p:nvSpPr>
+          <p:cNvPr id="16" name="Rectangle 15"/>
+          <p:cNvSpPr/>
+          <p:nvPr/>
+        </p:nvSpPr>
+        <p:spPr>
+          <a:xfrm>
+            <a:off x="4499992" y="2767818"/>
+            <a:ext cx="3456384" cy="445158"/>
+          </a:xfrm>
+          <a:prstGeom prst="rect">
+            <a:avLst/>
+          </a:prstGeom>
+          <a:solidFill>
+            <a:schemeClr val="bg1"/>
+          </a:solidFill>
+          <a:ln>
+            <a:noFill/>
+          </a:ln>
+          <a:effectLst>
+            <a:glow rad="63500">
+              <a:schemeClr val="accent1">
+                <a:satMod val="175000"/>
+                <a:alpha val="40000"/>
+              </a:schemeClr>
+            </a:glow>
+          </a:effectLst>
+        </p:spPr>
+        <p:style>
+          <a:lnRef idx="2">
+            <a:schemeClr val="accent1">
+              <a:shade val="50000"/>
+            </a:schemeClr>
+          </a:lnRef>
+          <a:fillRef idx="1">
+            <a:schemeClr val="accent1"/>
+          </a:fillRef>
+          <a:effectRef idx="0">
+            <a:schemeClr val="accent1"/>
+          </a:effectRef>
+          <a:fontRef idx="minor">
+            <a:schemeClr val="lt1"/>
+          </a:fontRef>
+        </p:style>
+        <p:txBody>
+          <a:bodyPr rtlCol="0" anchor="ctr"/>
+          <a:lstStyle/>
+          <a:p>
+            <a:pPr algn="ctr"/>
+            <a:r>
+              <a:rPr lang="en-GB" dirty="0" smtClean="0">
+                <a:solidFill>
+                  <a:srgbClr val="EE930C"/>
+                </a:solidFill>
+              </a:rPr>
+              <a:t>MTN</a:t>
+            </a:r>
+            <a:endParaRPr lang="en-GB" dirty="0">
+              <a:solidFill>
+                <a:srgbClr val="EE930C"/>
+              </a:solidFill>
+            </a:endParaRPr>
+          </a:p>
+        </p:txBody>
+      </p:sp>
+      <p:sp>
+        <p:nvSpPr>
+          <p:cNvPr id="23" name="Rectangle 22"/>
+          <p:cNvSpPr/>
+          <p:nvPr/>
+        </p:nvSpPr>
+        <p:spPr>
+          <a:xfrm>
+            <a:off x="571472" y="1124744"/>
+            <a:ext cx="3357586" cy="5214974"/>
+          </a:xfrm>
+          <a:prstGeom prst="rect">
+            <a:avLst/>
+          </a:prstGeom>
+          <a:solidFill>
+            <a:srgbClr val="EE930C"/>
+          </a:solidFill>
+          <a:ln>
+            <a:noFill/>
+          </a:ln>
+        </p:spPr>
+        <p:style>
+          <a:lnRef idx="2">
+            <a:schemeClr val="accent1">
+              <a:shade val="50000"/>
+            </a:schemeClr>
+          </a:lnRef>
+          <a:fillRef idx="1">
+            <a:schemeClr val="accent1"/>
+          </a:fillRef>
+          <a:effectRef idx="0">
+            <a:schemeClr val="accent1"/>
+          </a:effectRef>
+          <a:fontRef idx="minor">
+            <a:schemeClr val="lt1"/>
+          </a:fontRef>
+        </p:style>
+        <p:txBody>
+          <a:bodyPr rtlCol="0" anchor="ctr"/>
+          <a:lstStyle/>
+          <a:p>
+            <a:pPr algn="ctr"/>
+            <a:endParaRPr lang="en-GB"/>
+          </a:p>
+        </p:txBody>
+      </p:sp>
+      <p:sp>
+        <p:nvSpPr>
+          <p:cNvPr id="24" name="Rectangle 23"/>
+          <p:cNvSpPr/>
+          <p:nvPr/>
+        </p:nvSpPr>
+        <p:spPr>
+          <a:xfrm>
+            <a:off x="1142976" y="3339322"/>
+            <a:ext cx="2420912" cy="571504"/>
+          </a:xfrm>
+          <a:prstGeom prst="rect">
+            <a:avLst/>
+          </a:prstGeom>
+          <a:solidFill>
+            <a:schemeClr val="bg1"/>
+          </a:solidFill>
+          <a:ln>
+            <a:noFill/>
+          </a:ln>
+        </p:spPr>
+        <p:style>
+          <a:lnRef idx="2">
+            <a:schemeClr val="accent1">
+              <a:shade val="50000"/>
+            </a:schemeClr>
+          </a:lnRef>
+          <a:fillRef idx="1">
+            <a:schemeClr val="accent1"/>
+          </a:fillRef>
+          <a:effectRef idx="0">
+            <a:schemeClr val="accent1"/>
+          </a:effectRef>
+          <a:fontRef idx="minor">
+            <a:schemeClr val="lt1"/>
+          </a:fontRef>
+        </p:style>
+        <p:txBody>
+          <a:bodyPr rtlCol="0" anchor="ctr"/>
+          <a:lstStyle/>
+          <a:p>
+            <a:pPr algn="ctr"/>
+            <a:r>
+              <a:rPr lang="en-GB" dirty="0">
+                <a:solidFill>
+                  <a:srgbClr val="EE930C"/>
+                </a:solidFill>
+              </a:rPr>
+              <a:t>Internet Subscriptions</a:t>
+            </a:r>
+          </a:p>
+        </p:txBody>
+      </p:sp>
+      <p:sp>
+        <p:nvSpPr>
+          <p:cNvPr id="2" name="Down Arrow 1"/>
+          <p:cNvSpPr/>
+          <p:nvPr/>
+        </p:nvSpPr>
+        <p:spPr>
+          <a:xfrm>
+            <a:off x="7452320" y="2924944"/>
+            <a:ext cx="144016" cy="144016"/>
+          </a:xfrm>
+          <a:prstGeom prst="downArrow">
+            <a:avLst/>
+          </a:prstGeom>
+          <a:solidFill>
+            <a:schemeClr val="bg1"/>
+          </a:solidFill>
+          <a:ln>
+            <a:solidFill>
+              <a:srgbClr val="EE930C"/>
+            </a:solidFill>
+          </a:ln>
+        </p:spPr>
+        <p:style>
+          <a:lnRef idx="2">
+            <a:schemeClr val="accent1">
+              <a:shade val="50000"/>
+            </a:schemeClr>
+          </a:lnRef>
+          <a:fillRef idx="1">
+            <a:schemeClr val="accent1"/>
+          </a:fillRef>
+          <a:effectRef idx="0">
+            <a:schemeClr val="accent1"/>
+          </a:effectRef>
+          <a:fontRef idx="minor">
+            <a:schemeClr val="lt1"/>
+          </a:fontRef>
+        </p:style>
+        <p:txBody>
+          <a:bodyPr rtlCol="0" anchor="ctr"/>
+          <a:lstStyle/>
+          <a:p>
+            <a:pPr algn="ctr"/>
+            <a:endParaRPr lang="en-US"/>
+          </a:p>
+        </p:txBody>
+      </p:sp>
+      <p:sp>
+        <p:nvSpPr>
+          <p:cNvPr id="14" name="Rectangle 13"/>
+          <p:cNvSpPr/>
+          <p:nvPr/>
+        </p:nvSpPr>
+        <p:spPr>
+          <a:xfrm>
+            <a:off x="4499992" y="3212976"/>
+            <a:ext cx="3456384" cy="445158"/>
+          </a:xfrm>
+          <a:prstGeom prst="rect">
+            <a:avLst/>
+          </a:prstGeom>
+          <a:solidFill>
+            <a:schemeClr val="bg1"/>
+          </a:solidFill>
+          <a:ln>
+            <a:noFill/>
+          </a:ln>
+          <a:effectLst>
+            <a:glow rad="63500">
+              <a:schemeClr val="accent1">
+                <a:satMod val="175000"/>
+                <a:alpha val="40000"/>
+              </a:schemeClr>
+            </a:glow>
+          </a:effectLst>
+        </p:spPr>
+        <p:style>
+          <a:lnRef idx="2">
+            <a:schemeClr val="accent1">
+              <a:shade val="50000"/>
+            </a:schemeClr>
+          </a:lnRef>
+          <a:fillRef idx="1">
+            <a:schemeClr val="accent1"/>
+          </a:fillRef>
+          <a:effectRef idx="0">
+            <a:schemeClr val="accent1"/>
+          </a:effectRef>
+          <a:fontRef idx="minor">
+            <a:schemeClr val="lt1"/>
+          </a:fontRef>
+        </p:style>
+        <p:txBody>
+          <a:bodyPr rtlCol="0" anchor="ctr"/>
+          <a:lstStyle/>
+          <a:p>
+            <a:pPr algn="ctr"/>
+            <a:r>
+              <a:rPr lang="en-GB" dirty="0" err="1" smtClean="0">
+                <a:solidFill>
+                  <a:srgbClr val="EE930C"/>
+                </a:solidFill>
+              </a:rPr>
+              <a:t>Glo</a:t>
+            </a:r>
+            <a:endParaRPr lang="en-GB" dirty="0">
+              <a:solidFill>
+                <a:srgbClr val="EE930C"/>
+              </a:solidFill>
+            </a:endParaRPr>
+          </a:p>
+        </p:txBody>
+      </p:sp>
+      <p:sp>
+        <p:nvSpPr>
+          <p:cNvPr id="18" name="Rectangle 17"/>
+          <p:cNvSpPr/>
+          <p:nvPr/>
+        </p:nvSpPr>
+        <p:spPr>
+          <a:xfrm>
+            <a:off x="4499992" y="3631914"/>
+            <a:ext cx="3456384" cy="445158"/>
+          </a:xfrm>
+          <a:prstGeom prst="rect">
+            <a:avLst/>
+          </a:prstGeom>
+          <a:solidFill>
+            <a:schemeClr val="bg1"/>
+          </a:solidFill>
+          <a:ln>
+            <a:noFill/>
+          </a:ln>
+          <a:effectLst>
+            <a:glow rad="63500">
+              <a:schemeClr val="accent1">
+                <a:satMod val="175000"/>
+                <a:alpha val="40000"/>
+              </a:schemeClr>
+            </a:glow>
+          </a:effectLst>
+        </p:spPr>
+        <p:style>
+          <a:lnRef idx="2">
+            <a:schemeClr val="accent1">
+              <a:shade val="50000"/>
+            </a:schemeClr>
+          </a:lnRef>
+          <a:fillRef idx="1">
+            <a:schemeClr val="accent1"/>
+          </a:fillRef>
+          <a:effectRef idx="0">
+            <a:schemeClr val="accent1"/>
+          </a:effectRef>
+          <a:fontRef idx="minor">
+            <a:schemeClr val="lt1"/>
+          </a:fontRef>
+        </p:style>
+        <p:txBody>
+          <a:bodyPr rtlCol="0" anchor="ctr"/>
+          <a:lstStyle/>
+          <a:p>
+            <a:pPr algn="ctr"/>
+            <a:r>
+              <a:rPr lang="en-GB" dirty="0" err="1" smtClean="0">
+                <a:solidFill>
+                  <a:srgbClr val="EE930C"/>
+                </a:solidFill>
+              </a:rPr>
+              <a:t>Airtel</a:t>
+            </a:r>
+            <a:endParaRPr lang="en-GB" dirty="0">
+              <a:solidFill>
+                <a:srgbClr val="EE930C"/>
+              </a:solidFill>
+            </a:endParaRPr>
+          </a:p>
+        </p:txBody>
+      </p:sp>
+      <p:sp>
+        <p:nvSpPr>
+          <p:cNvPr id="19" name="Rectangle 18"/>
+          <p:cNvSpPr/>
+          <p:nvPr/>
+        </p:nvSpPr>
+        <p:spPr>
+          <a:xfrm>
+            <a:off x="4499992" y="4063962"/>
+            <a:ext cx="3456384" cy="445158"/>
+          </a:xfrm>
+          <a:prstGeom prst="rect">
+            <a:avLst/>
+          </a:prstGeom>
+          <a:solidFill>
+            <a:schemeClr val="bg1"/>
+          </a:solidFill>
+          <a:ln>
+            <a:noFill/>
+          </a:ln>
+          <a:effectLst>
+            <a:glow rad="63500">
+              <a:schemeClr val="accent1">
+                <a:satMod val="175000"/>
+                <a:alpha val="40000"/>
+              </a:schemeClr>
+            </a:glow>
+          </a:effectLst>
+        </p:spPr>
+        <p:style>
+          <a:lnRef idx="2">
+            <a:schemeClr val="accent1">
+              <a:shade val="50000"/>
+            </a:schemeClr>
+          </a:lnRef>
+          <a:fillRef idx="1">
+            <a:schemeClr val="accent1"/>
+          </a:fillRef>
+          <a:effectRef idx="0">
+            <a:schemeClr val="accent1"/>
+          </a:effectRef>
+          <a:fontRef idx="minor">
+            <a:schemeClr val="lt1"/>
+          </a:fontRef>
+        </p:style>
+        <p:txBody>
+          <a:bodyPr rtlCol="0" anchor="ctr"/>
+          <a:lstStyle/>
+          <a:p>
+            <a:pPr algn="ctr"/>
+            <a:r>
+              <a:rPr lang="en-GB" dirty="0" err="1" smtClean="0">
+                <a:solidFill>
+                  <a:srgbClr val="EE930C"/>
+                </a:solidFill>
+              </a:rPr>
+              <a:t>Etisalat</a:t>
+            </a:r>
+            <a:endParaRPr lang="en-GB" dirty="0">
+              <a:solidFill>
+                <a:srgbClr val="EE930C"/>
+              </a:solidFill>
+            </a:endParaRPr>
+          </a:p>
+        </p:txBody>
+      </p:sp>
+      <p:sp>
+        <p:nvSpPr>
+          <p:cNvPr id="17" name="Rectangle 16"/>
+          <p:cNvSpPr/>
+          <p:nvPr/>
+        </p:nvSpPr>
+        <p:spPr>
+          <a:xfrm>
+            <a:off x="4499992" y="4496010"/>
+            <a:ext cx="3456384" cy="445158"/>
+          </a:xfrm>
+          <a:prstGeom prst="rect">
+            <a:avLst/>
+          </a:prstGeom>
+          <a:solidFill>
+            <a:schemeClr val="bg1"/>
+          </a:solidFill>
+          <a:ln>
+            <a:noFill/>
+          </a:ln>
+          <a:effectLst>
+            <a:glow rad="63500">
+              <a:schemeClr val="accent1">
+                <a:satMod val="175000"/>
+                <a:alpha val="40000"/>
+              </a:schemeClr>
+            </a:glow>
+          </a:effectLst>
+        </p:spPr>
+        <p:style>
+          <a:lnRef idx="2">
+            <a:schemeClr val="accent1">
+              <a:shade val="50000"/>
+            </a:schemeClr>
+          </a:lnRef>
+          <a:fillRef idx="1">
+            <a:schemeClr val="accent1"/>
+          </a:fillRef>
+          <a:effectRef idx="0">
+            <a:schemeClr val="accent1"/>
+          </a:effectRef>
+          <a:fontRef idx="minor">
+            <a:schemeClr val="lt1"/>
+          </a:fontRef>
+        </p:style>
+        <p:txBody>
+          <a:bodyPr rtlCol="0" anchor="ctr"/>
+          <a:lstStyle/>
+          <a:p>
+            <a:pPr algn="ctr"/>
+            <a:r>
+              <a:rPr lang="en-GB" dirty="0" smtClean="0">
+                <a:solidFill>
+                  <a:srgbClr val="EE930C"/>
+                </a:solidFill>
+              </a:rPr>
+              <a:t>Smile</a:t>
+            </a:r>
+            <a:endParaRPr lang="en-GB" dirty="0">
+              <a:solidFill>
+                <a:srgbClr val="EE930C"/>
+              </a:solidFill>
+            </a:endParaRPr>
+          </a:p>
+        </p:txBody>
+      </p:sp>
+    </p:spTree>
+    <p:extLst>
+      <p:ext uri="{BB962C8B-B14F-4D97-AF65-F5344CB8AC3E}">
+        <p14:creationId xmlns:p14="http://schemas.microsoft.com/office/powerpoint/2010/main" val="1540627071"/>
+      </p:ext>
+    </p:extLst>
+  </p:cSld>
+  <p:clrMapOvr>
+    <a:masterClrMapping/>
+  </p:clrMapOvr>
+</p:sld>
+</file>
+
+<file path=ppt/slides/slide26.xml><?xml version="1.0" encoding="utf-8"?>
+<p:sld xmlns:a="http://schemas.openxmlformats.org/drawingml/2006/main" xmlns:r="http://schemas.openxmlformats.org/officeDocument/2006/relationships" xmlns:p="http://schemas.openxmlformats.org/presentationml/2006/main">
+  <p:cSld>
+    <p:spTree>
+      <p:nvGrpSpPr>
+        <p:cNvPr id="1" name=""/>
+        <p:cNvGrpSpPr/>
+        <p:nvPr/>
+      </p:nvGrpSpPr>
+      <p:grpSpPr>
+        <a:xfrm>
+          <a:off x="0" y="0"/>
+          <a:ext cx="0" cy="0"/>
+          <a:chOff x="0" y="0"/>
+          <a:chExt cx="0" cy="0"/>
+        </a:xfrm>
+      </p:grpSpPr>
+      <p:sp>
+        <p:nvSpPr>
+          <p:cNvPr id="10" name="Rectangle 9"/>
+          <p:cNvSpPr/>
+          <p:nvPr/>
+        </p:nvSpPr>
+        <p:spPr>
+          <a:xfrm>
+            <a:off x="4500562" y="1124744"/>
+            <a:ext cx="3455814" cy="5219534"/>
+          </a:xfrm>
+          <a:prstGeom prst="rect">
+            <a:avLst/>
+          </a:prstGeom>
+          <a:solidFill>
+            <a:srgbClr val="EE930C"/>
+          </a:solidFill>
+          <a:ln>
+            <a:noFill/>
+          </a:ln>
+        </p:spPr>
+        <p:style>
+          <a:lnRef idx="2">
+            <a:schemeClr val="accent1">
+              <a:shade val="50000"/>
+            </a:schemeClr>
+          </a:lnRef>
+          <a:fillRef idx="1">
+            <a:schemeClr val="accent1"/>
+          </a:fillRef>
+          <a:effectRef idx="0">
+            <a:schemeClr val="accent1"/>
+          </a:effectRef>
+          <a:fontRef idx="minor">
+            <a:schemeClr val="lt1"/>
+          </a:fontRef>
+        </p:style>
+        <p:txBody>
+          <a:bodyPr rtlCol="0" anchor="ctr"/>
+          <a:lstStyle/>
+          <a:p>
+            <a:pPr algn="ctr"/>
+            <a:endParaRPr lang="en-GB" dirty="0"/>
+          </a:p>
+        </p:txBody>
+      </p:sp>
+      <p:sp>
+        <p:nvSpPr>
+          <p:cNvPr id="11" name="Rectangle 10"/>
+          <p:cNvSpPr/>
+          <p:nvPr/>
+        </p:nvSpPr>
+        <p:spPr>
+          <a:xfrm>
+            <a:off x="4499992" y="1915122"/>
+            <a:ext cx="3456384" cy="793798"/>
+          </a:xfrm>
+          <a:prstGeom prst="rect">
+            <a:avLst/>
+          </a:prstGeom>
+          <a:solidFill>
+            <a:schemeClr val="bg1"/>
+          </a:solidFill>
+          <a:ln>
+            <a:noFill/>
+          </a:ln>
+          <a:effectLst>
+            <a:glow rad="63500">
+              <a:schemeClr val="accent1">
+                <a:satMod val="175000"/>
+                <a:alpha val="40000"/>
+              </a:schemeClr>
+            </a:glow>
+          </a:effectLst>
+        </p:spPr>
+        <p:style>
+          <a:lnRef idx="2">
+            <a:schemeClr val="accent1">
+              <a:shade val="50000"/>
+            </a:schemeClr>
+          </a:lnRef>
+          <a:fillRef idx="1">
+            <a:schemeClr val="accent1"/>
+          </a:fillRef>
+          <a:effectRef idx="0">
+            <a:schemeClr val="accent1"/>
+          </a:effectRef>
+          <a:fontRef idx="minor">
+            <a:schemeClr val="lt1"/>
+          </a:fontRef>
+        </p:style>
+        <p:txBody>
+          <a:bodyPr rtlCol="0" anchor="ctr"/>
+          <a:lstStyle/>
+          <a:p>
+            <a:pPr algn="ctr"/>
+            <a:r>
+              <a:rPr lang="en-GB" dirty="0" err="1" smtClean="0">
+                <a:solidFill>
+                  <a:srgbClr val="EE930C"/>
+                </a:solidFill>
+              </a:rPr>
+              <a:t>BBNcoin</a:t>
+            </a:r>
+            <a:r>
+              <a:rPr lang="en-GB" dirty="0" smtClean="0">
+                <a:solidFill>
+                  <a:srgbClr val="EE930C"/>
+                </a:solidFill>
+              </a:rPr>
+              <a:t> 50,000</a:t>
+            </a:r>
+            <a:endParaRPr lang="en-GB" dirty="0">
+              <a:solidFill>
+                <a:srgbClr val="EE930C"/>
+              </a:solidFill>
+            </a:endParaRPr>
+          </a:p>
+        </p:txBody>
+      </p:sp>
+      <p:sp>
+        <p:nvSpPr>
+          <p:cNvPr id="15" name="Rectangle 14"/>
+          <p:cNvSpPr/>
+          <p:nvPr/>
+        </p:nvSpPr>
+        <p:spPr>
+          <a:xfrm>
+            <a:off x="4932040" y="1343618"/>
+            <a:ext cx="2668286" cy="571504"/>
+          </a:xfrm>
+          <a:prstGeom prst="rect">
+            <a:avLst/>
+          </a:prstGeom>
+          <a:solidFill>
+            <a:srgbClr val="EE930C"/>
+          </a:solidFill>
+          <a:ln>
+            <a:noFill/>
+          </a:ln>
+        </p:spPr>
+        <p:style>
+          <a:lnRef idx="2">
+            <a:schemeClr val="accent1">
+              <a:shade val="50000"/>
+            </a:schemeClr>
+          </a:lnRef>
+          <a:fillRef idx="1">
+            <a:schemeClr val="accent1"/>
+          </a:fillRef>
+          <a:effectRef idx="0">
+            <a:schemeClr val="accent1"/>
+          </a:effectRef>
+          <a:fontRef idx="minor">
+            <a:schemeClr val="lt1"/>
+          </a:fontRef>
+        </p:style>
+        <p:txBody>
+          <a:bodyPr rtlCol="0" anchor="ctr"/>
+          <a:lstStyle/>
+          <a:p>
+            <a:pPr algn="ctr"/>
+            <a:r>
+              <a:rPr lang="en-GB" dirty="0">
+                <a:solidFill>
+                  <a:schemeClr val="bg1"/>
+                </a:solidFill>
+              </a:rPr>
+              <a:t>Internet Subscriptions</a:t>
+            </a:r>
+          </a:p>
+        </p:txBody>
+      </p:sp>
+      <p:sp>
+        <p:nvSpPr>
+          <p:cNvPr id="16" name="Rectangle 15"/>
+          <p:cNvSpPr/>
+          <p:nvPr/>
+        </p:nvSpPr>
+        <p:spPr>
+          <a:xfrm>
+            <a:off x="4499992" y="2767818"/>
+            <a:ext cx="3456384" cy="445158"/>
+          </a:xfrm>
+          <a:prstGeom prst="rect">
+            <a:avLst/>
+          </a:prstGeom>
+          <a:solidFill>
+            <a:schemeClr val="bg1"/>
+          </a:solidFill>
+          <a:ln>
+            <a:noFill/>
+          </a:ln>
+          <a:effectLst>
+            <a:glow rad="63500">
+              <a:schemeClr val="accent1">
+                <a:satMod val="175000"/>
+                <a:alpha val="40000"/>
+              </a:schemeClr>
+            </a:glow>
+          </a:effectLst>
+        </p:spPr>
+        <p:style>
+          <a:lnRef idx="2">
+            <a:schemeClr val="accent1">
+              <a:shade val="50000"/>
+            </a:schemeClr>
+          </a:lnRef>
+          <a:fillRef idx="1">
+            <a:schemeClr val="accent1"/>
+          </a:fillRef>
+          <a:effectRef idx="0">
+            <a:schemeClr val="accent1"/>
+          </a:effectRef>
+          <a:fontRef idx="minor">
+            <a:schemeClr val="lt1"/>
+          </a:fontRef>
+        </p:style>
+        <p:txBody>
+          <a:bodyPr rtlCol="0" anchor="ctr"/>
+          <a:lstStyle/>
+          <a:p>
+            <a:pPr algn="ctr"/>
+            <a:r>
+              <a:rPr lang="en-GB" dirty="0" smtClean="0">
+                <a:solidFill>
+                  <a:srgbClr val="EE930C"/>
+                </a:solidFill>
+              </a:rPr>
+              <a:t>MTN</a:t>
+            </a:r>
+            <a:endParaRPr lang="en-GB" dirty="0">
+              <a:solidFill>
+                <a:srgbClr val="EE930C"/>
+              </a:solidFill>
+            </a:endParaRPr>
+          </a:p>
+        </p:txBody>
+      </p:sp>
+      <p:sp>
+        <p:nvSpPr>
+          <p:cNvPr id="23" name="Rectangle 22"/>
+          <p:cNvSpPr/>
+          <p:nvPr/>
+        </p:nvSpPr>
+        <p:spPr>
+          <a:xfrm>
+            <a:off x="571472" y="1124744"/>
+            <a:ext cx="3357586" cy="5214974"/>
+          </a:xfrm>
+          <a:prstGeom prst="rect">
+            <a:avLst/>
+          </a:prstGeom>
+          <a:solidFill>
+            <a:srgbClr val="EE930C"/>
+          </a:solidFill>
+          <a:ln>
+            <a:noFill/>
+          </a:ln>
+        </p:spPr>
+        <p:style>
+          <a:lnRef idx="2">
+            <a:schemeClr val="accent1">
+              <a:shade val="50000"/>
+            </a:schemeClr>
+          </a:lnRef>
+          <a:fillRef idx="1">
+            <a:schemeClr val="accent1"/>
+          </a:fillRef>
+          <a:effectRef idx="0">
+            <a:schemeClr val="accent1"/>
+          </a:effectRef>
+          <a:fontRef idx="minor">
+            <a:schemeClr val="lt1"/>
+          </a:fontRef>
+        </p:style>
+        <p:txBody>
+          <a:bodyPr rtlCol="0" anchor="ctr"/>
+          <a:lstStyle/>
+          <a:p>
+            <a:pPr algn="ctr"/>
+            <a:endParaRPr lang="en-GB"/>
+          </a:p>
+        </p:txBody>
+      </p:sp>
+      <p:sp>
+        <p:nvSpPr>
+          <p:cNvPr id="24" name="Rectangle 23"/>
+          <p:cNvSpPr/>
+          <p:nvPr/>
+        </p:nvSpPr>
+        <p:spPr>
+          <a:xfrm>
+            <a:off x="1142976" y="3339322"/>
+            <a:ext cx="2420912" cy="571504"/>
+          </a:xfrm>
+          <a:prstGeom prst="rect">
+            <a:avLst/>
+          </a:prstGeom>
+          <a:solidFill>
+            <a:schemeClr val="bg1"/>
+          </a:solidFill>
+          <a:ln>
+            <a:noFill/>
+          </a:ln>
+        </p:spPr>
+        <p:style>
+          <a:lnRef idx="2">
+            <a:schemeClr val="accent1">
+              <a:shade val="50000"/>
+            </a:schemeClr>
+          </a:lnRef>
+          <a:fillRef idx="1">
+            <a:schemeClr val="accent1"/>
+          </a:fillRef>
+          <a:effectRef idx="0">
+            <a:schemeClr val="accent1"/>
+          </a:effectRef>
+          <a:fontRef idx="minor">
+            <a:schemeClr val="lt1"/>
+          </a:fontRef>
+        </p:style>
+        <p:txBody>
+          <a:bodyPr rtlCol="0" anchor="ctr"/>
+          <a:lstStyle/>
+          <a:p>
+            <a:pPr algn="ctr"/>
+            <a:r>
+              <a:rPr lang="en-GB" dirty="0">
+                <a:solidFill>
+                  <a:srgbClr val="EE930C"/>
+                </a:solidFill>
+              </a:rPr>
+              <a:t>Internet Subscriptions</a:t>
+            </a:r>
+          </a:p>
+        </p:txBody>
+      </p:sp>
+      <p:sp>
+        <p:nvSpPr>
+          <p:cNvPr id="14" name="Rectangle 13"/>
+          <p:cNvSpPr/>
+          <p:nvPr/>
+        </p:nvSpPr>
+        <p:spPr>
+          <a:xfrm>
+            <a:off x="4499992" y="3212976"/>
+            <a:ext cx="3456384" cy="445158"/>
+          </a:xfrm>
+          <a:prstGeom prst="rect">
+            <a:avLst/>
+          </a:prstGeom>
+          <a:solidFill>
+            <a:schemeClr val="bg1"/>
+          </a:solidFill>
+          <a:ln>
+            <a:noFill/>
+          </a:ln>
+          <a:effectLst>
+            <a:glow rad="63500">
+              <a:schemeClr val="accent1">
+                <a:satMod val="175000"/>
+                <a:alpha val="40000"/>
+              </a:schemeClr>
+            </a:glow>
+          </a:effectLst>
+        </p:spPr>
+        <p:style>
+          <a:lnRef idx="2">
+            <a:schemeClr val="accent1">
+              <a:shade val="50000"/>
+            </a:schemeClr>
+          </a:lnRef>
+          <a:fillRef idx="1">
+            <a:schemeClr val="accent1"/>
+          </a:fillRef>
+          <a:effectRef idx="0">
+            <a:schemeClr val="accent1"/>
+          </a:effectRef>
+          <a:fontRef idx="minor">
+            <a:schemeClr val="lt1"/>
+          </a:fontRef>
+        </p:style>
+        <p:txBody>
+          <a:bodyPr rtlCol="0" anchor="ctr"/>
+          <a:lstStyle/>
+          <a:p>
+            <a:pPr algn="ctr"/>
+            <a:r>
+              <a:rPr lang="en-GB" dirty="0" smtClean="0">
+                <a:solidFill>
+                  <a:srgbClr val="EE930C"/>
+                </a:solidFill>
+              </a:rPr>
+              <a:t>Plan</a:t>
+            </a:r>
+            <a:endParaRPr lang="en-GB" dirty="0">
+              <a:solidFill>
+                <a:srgbClr val="EE930C"/>
+              </a:solidFill>
+            </a:endParaRPr>
+          </a:p>
+        </p:txBody>
+      </p:sp>
+      <p:sp>
+        <p:nvSpPr>
+          <p:cNvPr id="18" name="Rectangle 17"/>
+          <p:cNvSpPr/>
+          <p:nvPr/>
+        </p:nvSpPr>
+        <p:spPr>
+          <a:xfrm>
+            <a:off x="4499992" y="3631914"/>
+            <a:ext cx="3456384" cy="445158"/>
+          </a:xfrm>
+          <a:prstGeom prst="rect">
+            <a:avLst/>
+          </a:prstGeom>
+          <a:solidFill>
+            <a:schemeClr val="bg1"/>
+          </a:solidFill>
+          <a:ln>
+            <a:noFill/>
+          </a:ln>
+          <a:effectLst>
+            <a:glow rad="63500">
+              <a:schemeClr val="accent1">
+                <a:satMod val="175000"/>
+                <a:alpha val="40000"/>
+              </a:schemeClr>
+            </a:glow>
+          </a:effectLst>
+        </p:spPr>
+        <p:style>
+          <a:lnRef idx="2">
+            <a:schemeClr val="accent1">
+              <a:shade val="50000"/>
+            </a:schemeClr>
+          </a:lnRef>
+          <a:fillRef idx="1">
+            <a:schemeClr val="accent1"/>
+          </a:fillRef>
+          <a:effectRef idx="0">
+            <a:schemeClr val="accent1"/>
+          </a:effectRef>
+          <a:fontRef idx="minor">
+            <a:schemeClr val="lt1"/>
+          </a:fontRef>
+        </p:style>
+        <p:txBody>
+          <a:bodyPr rtlCol="0" anchor="ctr"/>
+          <a:lstStyle/>
+          <a:p>
+            <a:pPr algn="ctr"/>
+            <a:r>
+              <a:rPr lang="en-GB" dirty="0" smtClean="0">
+                <a:solidFill>
+                  <a:srgbClr val="EE930C"/>
+                </a:solidFill>
+              </a:rPr>
+              <a:t>Amount</a:t>
+            </a:r>
+            <a:endParaRPr lang="en-GB" dirty="0">
+              <a:solidFill>
+                <a:srgbClr val="EE930C"/>
+              </a:solidFill>
+            </a:endParaRPr>
+          </a:p>
+        </p:txBody>
+      </p:sp>
+      <p:sp>
+        <p:nvSpPr>
+          <p:cNvPr id="19" name="Rectangle 18"/>
+          <p:cNvSpPr/>
+          <p:nvPr/>
+        </p:nvSpPr>
+        <p:spPr>
+          <a:xfrm>
+            <a:off x="4499992" y="4063962"/>
+            <a:ext cx="3456384" cy="445158"/>
+          </a:xfrm>
+          <a:prstGeom prst="rect">
+            <a:avLst/>
+          </a:prstGeom>
+          <a:solidFill>
+            <a:schemeClr val="bg1"/>
+          </a:solidFill>
+          <a:ln>
+            <a:noFill/>
+          </a:ln>
+          <a:effectLst>
+            <a:glow rad="63500">
+              <a:schemeClr val="accent1">
+                <a:satMod val="175000"/>
+                <a:alpha val="40000"/>
+              </a:schemeClr>
+            </a:glow>
+          </a:effectLst>
+        </p:spPr>
+        <p:style>
+          <a:lnRef idx="2">
+            <a:schemeClr val="accent1">
+              <a:shade val="50000"/>
+            </a:schemeClr>
+          </a:lnRef>
+          <a:fillRef idx="1">
+            <a:schemeClr val="accent1"/>
+          </a:fillRef>
+          <a:effectRef idx="0">
+            <a:schemeClr val="accent1"/>
+          </a:effectRef>
+          <a:fontRef idx="minor">
+            <a:schemeClr val="lt1"/>
+          </a:fontRef>
+        </p:style>
+        <p:txBody>
+          <a:bodyPr rtlCol="0" anchor="ctr"/>
+          <a:lstStyle/>
+          <a:p>
+            <a:pPr algn="ctr"/>
+            <a:r>
+              <a:rPr lang="en-GB" smtClean="0">
+                <a:solidFill>
+                  <a:srgbClr val="EE930C"/>
+                </a:solidFill>
+              </a:rPr>
+              <a:t>Phone no</a:t>
+            </a:r>
+            <a:endParaRPr lang="en-GB" dirty="0">
+              <a:solidFill>
+                <a:srgbClr val="EE930C"/>
+              </a:solidFill>
+            </a:endParaRPr>
+          </a:p>
+        </p:txBody>
+      </p:sp>
+      <p:sp>
+        <p:nvSpPr>
+          <p:cNvPr id="13" name="Rectangle 12"/>
+          <p:cNvSpPr/>
+          <p:nvPr/>
+        </p:nvSpPr>
+        <p:spPr>
+          <a:xfrm>
+            <a:off x="4499992" y="4509120"/>
+            <a:ext cx="3456384" cy="445158"/>
+          </a:xfrm>
+          <a:prstGeom prst="rect">
+            <a:avLst/>
+          </a:prstGeom>
+          <a:solidFill>
+            <a:srgbClr val="00B050"/>
+          </a:solidFill>
+          <a:ln>
+            <a:noFill/>
+          </a:ln>
+          <a:effectLst>
+            <a:glow rad="63500">
+              <a:schemeClr val="accent1">
+                <a:satMod val="175000"/>
+                <a:alpha val="40000"/>
+              </a:schemeClr>
+            </a:glow>
+          </a:effectLst>
+        </p:spPr>
+        <p:style>
+          <a:lnRef idx="2">
+            <a:schemeClr val="accent1">
+              <a:shade val="50000"/>
+            </a:schemeClr>
+          </a:lnRef>
+          <a:fillRef idx="1">
+            <a:schemeClr val="accent1"/>
+          </a:fillRef>
+          <a:effectRef idx="0">
+            <a:schemeClr val="accent1"/>
+          </a:effectRef>
+          <a:fontRef idx="minor">
+            <a:schemeClr val="lt1"/>
+          </a:fontRef>
+        </p:style>
+        <p:txBody>
+          <a:bodyPr rtlCol="0" anchor="ctr"/>
+          <a:lstStyle/>
+          <a:p>
+            <a:pPr algn="ctr"/>
+            <a:r>
+              <a:rPr lang="en-GB" dirty="0" smtClean="0">
+                <a:solidFill>
+                  <a:schemeClr val="bg1"/>
+                </a:solidFill>
+              </a:rPr>
+              <a:t>Send</a:t>
+            </a:r>
+            <a:endParaRPr lang="en-GB" dirty="0">
+              <a:solidFill>
+                <a:schemeClr val="bg1"/>
+              </a:solidFill>
+            </a:endParaRPr>
+          </a:p>
+        </p:txBody>
+      </p:sp>
+    </p:spTree>
+    <p:extLst>
+      <p:ext uri="{BB962C8B-B14F-4D97-AF65-F5344CB8AC3E}">
+        <p14:creationId xmlns:p14="http://schemas.microsoft.com/office/powerpoint/2010/main" val="1264224332"/>
+      </p:ext>
+    </p:extLst>
   </p:cSld>
   <p:clrMapOvr>
     <a:masterClrMapping/>
